--- a/演示文稿1.pptx
+++ b/演示文稿1.pptx
@@ -5,9 +5,14 @@
     <p:sldMasterId id="2147483648" r:id="rId1"/>
   </p:sldMasterIdLst>
   <p:sldIdLst>
-    <p:sldId id="256" r:id="rId2"/>
-    <p:sldId id="257" r:id="rId3"/>
-    <p:sldId id="258" r:id="rId4"/>
+    <p:sldId id="258" r:id="rId2"/>
+    <p:sldId id="260" r:id="rId3"/>
+    <p:sldId id="266" r:id="rId4"/>
+    <p:sldId id="267" r:id="rId5"/>
+    <p:sldId id="262" r:id="rId6"/>
+    <p:sldId id="263" r:id="rId7"/>
+    <p:sldId id="264" r:id="rId8"/>
+    <p:sldId id="259" r:id="rId9"/>
   </p:sldIdLst>
   <p:sldSz cx="12192000" cy="6858000"/>
   <p:notesSz cx="6858000" cy="9144000"/>
@@ -106,6 +111,11 @@
       </a:defRPr>
     </a:lvl9pPr>
   </p:defaultTextStyle>
+  <p:extLst>
+    <p:ext uri="{EFAFB233-063F-42B5-8137-9DF3F51BA10A}">
+      <p15:sldGuideLst xmlns:p15="http://schemas.microsoft.com/office/powerpoint/2012/main"/>
+    </p:ext>
+  </p:extLst>
 </p:presentation>
 </file>
 
@@ -256,7 +266,7 @@
           <a:p>
             <a:fld id="{627BC110-4B56-4695-9AA7-C6AB0F4307FB}" type="datetimeFigureOut">
               <a:rPr lang="zh-CN" altLang="en-US" smtClean="0"/>
-              <a:t>2021/12/5</a:t>
+              <a:t>2021/12/6</a:t>
             </a:fld>
             <a:endParaRPr lang="zh-CN" altLang="en-US"/>
           </a:p>
@@ -454,7 +464,7 @@
           <a:p>
             <a:fld id="{627BC110-4B56-4695-9AA7-C6AB0F4307FB}" type="datetimeFigureOut">
               <a:rPr lang="zh-CN" altLang="en-US" smtClean="0"/>
-              <a:t>2021/12/5</a:t>
+              <a:t>2021/12/6</a:t>
             </a:fld>
             <a:endParaRPr lang="zh-CN" altLang="en-US"/>
           </a:p>
@@ -662,7 +672,7 @@
           <a:p>
             <a:fld id="{627BC110-4B56-4695-9AA7-C6AB0F4307FB}" type="datetimeFigureOut">
               <a:rPr lang="zh-CN" altLang="en-US" smtClean="0"/>
-              <a:t>2021/12/5</a:t>
+              <a:t>2021/12/6</a:t>
             </a:fld>
             <a:endParaRPr lang="zh-CN" altLang="en-US"/>
           </a:p>
@@ -860,7 +870,7 @@
           <a:p>
             <a:fld id="{627BC110-4B56-4695-9AA7-C6AB0F4307FB}" type="datetimeFigureOut">
               <a:rPr lang="zh-CN" altLang="en-US" smtClean="0"/>
-              <a:t>2021/12/5</a:t>
+              <a:t>2021/12/6</a:t>
             </a:fld>
             <a:endParaRPr lang="zh-CN" altLang="en-US"/>
           </a:p>
@@ -1135,7 +1145,7 @@
           <a:p>
             <a:fld id="{627BC110-4B56-4695-9AA7-C6AB0F4307FB}" type="datetimeFigureOut">
               <a:rPr lang="zh-CN" altLang="en-US" smtClean="0"/>
-              <a:t>2021/12/5</a:t>
+              <a:t>2021/12/6</a:t>
             </a:fld>
             <a:endParaRPr lang="zh-CN" altLang="en-US"/>
           </a:p>
@@ -1400,7 +1410,7 @@
           <a:p>
             <a:fld id="{627BC110-4B56-4695-9AA7-C6AB0F4307FB}" type="datetimeFigureOut">
               <a:rPr lang="zh-CN" altLang="en-US" smtClean="0"/>
-              <a:t>2021/12/5</a:t>
+              <a:t>2021/12/6</a:t>
             </a:fld>
             <a:endParaRPr lang="zh-CN" altLang="en-US"/>
           </a:p>
@@ -1812,7 +1822,7 @@
           <a:p>
             <a:fld id="{627BC110-4B56-4695-9AA7-C6AB0F4307FB}" type="datetimeFigureOut">
               <a:rPr lang="zh-CN" altLang="en-US" smtClean="0"/>
-              <a:t>2021/12/5</a:t>
+              <a:t>2021/12/6</a:t>
             </a:fld>
             <a:endParaRPr lang="zh-CN" altLang="en-US"/>
           </a:p>
@@ -1953,7 +1963,7 @@
           <a:p>
             <a:fld id="{627BC110-4B56-4695-9AA7-C6AB0F4307FB}" type="datetimeFigureOut">
               <a:rPr lang="zh-CN" altLang="en-US" smtClean="0"/>
-              <a:t>2021/12/5</a:t>
+              <a:t>2021/12/6</a:t>
             </a:fld>
             <a:endParaRPr lang="zh-CN" altLang="en-US"/>
           </a:p>
@@ -2066,7 +2076,7 @@
           <a:p>
             <a:fld id="{627BC110-4B56-4695-9AA7-C6AB0F4307FB}" type="datetimeFigureOut">
               <a:rPr lang="zh-CN" altLang="en-US" smtClean="0"/>
-              <a:t>2021/12/5</a:t>
+              <a:t>2021/12/6</a:t>
             </a:fld>
             <a:endParaRPr lang="zh-CN" altLang="en-US"/>
           </a:p>
@@ -2377,7 +2387,7 @@
           <a:p>
             <a:fld id="{627BC110-4B56-4695-9AA7-C6AB0F4307FB}" type="datetimeFigureOut">
               <a:rPr lang="zh-CN" altLang="en-US" smtClean="0"/>
-              <a:t>2021/12/5</a:t>
+              <a:t>2021/12/6</a:t>
             </a:fld>
             <a:endParaRPr lang="zh-CN" altLang="en-US"/>
           </a:p>
@@ -2665,7 +2675,7 @@
           <a:p>
             <a:fld id="{627BC110-4B56-4695-9AA7-C6AB0F4307FB}" type="datetimeFigureOut">
               <a:rPr lang="zh-CN" altLang="en-US" smtClean="0"/>
-              <a:t>2021/12/5</a:t>
+              <a:t>2021/12/6</a:t>
             </a:fld>
             <a:endParaRPr lang="zh-CN" altLang="en-US"/>
           </a:p>
@@ -2906,7 +2916,7 @@
           <a:p>
             <a:fld id="{627BC110-4B56-4695-9AA7-C6AB0F4307FB}" type="datetimeFigureOut">
               <a:rPr lang="zh-CN" altLang="en-US" smtClean="0"/>
-              <a:t>2021/12/5</a:t>
+              <a:t>2021/12/6</a:t>
             </a:fld>
             <a:endParaRPr lang="zh-CN" altLang="en-US"/>
           </a:p>
@@ -3328,55 +3338,69 @@
           <p:cNvPr id="2" name="标题 1">
             <a:extLst>
               <a:ext uri="{FF2B5EF4-FFF2-40B4-BE49-F238E27FC236}">
-                <a16:creationId xmlns:a16="http://schemas.microsoft.com/office/drawing/2014/main" id="{47B116C1-65F2-426B-AB8C-A4545F6BF8BE}"/>
-              </a:ext>
-            </a:extLst>
-          </p:cNvPr>
-          <p:cNvSpPr>
-            <a:spLocks noGrp="1"/>
-          </p:cNvSpPr>
-          <p:nvPr>
-            <p:ph type="ctrTitle"/>
-          </p:nvPr>
-        </p:nvSpPr>
-        <p:spPr/>
-        <p:txBody>
-          <a:bodyPr/>
-          <a:lstStyle/>
-          <a:p>
-            <a:endParaRPr lang="zh-CN" altLang="en-US"/>
-          </a:p>
-        </p:txBody>
-      </p:sp>
-      <p:sp>
-        <p:nvSpPr>
-          <p:cNvPr id="3" name="副标题 2">
-            <a:extLst>
-              <a:ext uri="{FF2B5EF4-FFF2-40B4-BE49-F238E27FC236}">
-                <a16:creationId xmlns:a16="http://schemas.microsoft.com/office/drawing/2014/main" id="{3201D315-60F7-49FA-A62F-31C5A0CF5404}"/>
-              </a:ext>
-            </a:extLst>
-          </p:cNvPr>
-          <p:cNvSpPr>
-            <a:spLocks noGrp="1"/>
-          </p:cNvSpPr>
-          <p:nvPr>
-            <p:ph type="subTitle" idx="1"/>
-          </p:nvPr>
-        </p:nvSpPr>
-        <p:spPr/>
-        <p:txBody>
-          <a:bodyPr/>
-          <a:lstStyle/>
-          <a:p>
-            <a:endParaRPr lang="zh-CN" altLang="en-US"/>
-          </a:p>
-        </p:txBody>
-      </p:sp>
+                <a16:creationId xmlns:a16="http://schemas.microsoft.com/office/drawing/2014/main" id="{2C07D16F-9BF3-43DF-9DEF-D5A5C1848A7C}"/>
+              </a:ext>
+            </a:extLst>
+          </p:cNvPr>
+          <p:cNvSpPr>
+            <a:spLocks noGrp="1"/>
+          </p:cNvSpPr>
+          <p:nvPr>
+            <p:ph type="title"/>
+          </p:nvPr>
+        </p:nvSpPr>
+        <p:spPr>
+          <a:xfrm>
+            <a:off x="838200" y="365126"/>
+            <a:ext cx="10515600" cy="493669"/>
+          </a:xfrm>
+        </p:spPr>
+        <p:txBody>
+          <a:bodyPr>
+            <a:normAutofit fontScale="90000"/>
+          </a:bodyPr>
+          <a:lstStyle/>
+          <a:p>
+            <a:r>
+              <a:rPr lang="zh-CN" altLang="en-US" dirty="0"/>
+              <a:t>高质量子程序</a:t>
+            </a:r>
+          </a:p>
+        </p:txBody>
+      </p:sp>
+      <p:pic>
+        <p:nvPicPr>
+          <p:cNvPr id="7" name="内容占位符 6">
+            <a:extLst>
+              <a:ext uri="{FF2B5EF4-FFF2-40B4-BE49-F238E27FC236}">
+                <a16:creationId xmlns:a16="http://schemas.microsoft.com/office/drawing/2014/main" id="{0D2DB94C-20E8-4B24-BF5B-4448E1F2E5AB}"/>
+              </a:ext>
+            </a:extLst>
+          </p:cNvPr>
+          <p:cNvPicPr>
+            <a:picLocks noGrp="1" noChangeAspect="1"/>
+          </p:cNvPicPr>
+          <p:nvPr>
+            <p:ph idx="1"/>
+          </p:nvPr>
+        </p:nvPicPr>
+        <p:blipFill>
+          <a:blip r:embed="rId2"/>
+          <a:stretch>
+            <a:fillRect/>
+          </a:stretch>
+        </p:blipFill>
+        <p:spPr>
+          <a:xfrm>
+            <a:off x="1082457" y="1837265"/>
+            <a:ext cx="9583455" cy="3348914"/>
+          </a:xfrm>
+        </p:spPr>
+      </p:pic>
     </p:spTree>
     <p:extLst>
       <p:ext uri="{BB962C8B-B14F-4D97-AF65-F5344CB8AC3E}">
-        <p14:creationId xmlns:p14="http://schemas.microsoft.com/office/powerpoint/2010/main" val="694959276"/>
+        <p14:creationId xmlns:p14="http://schemas.microsoft.com/office/powerpoint/2010/main" val="2265931969"/>
       </p:ext>
     </p:extLst>
   </p:cSld>
@@ -3433,45 +3457,281 @@
           <a:p>
             <a:r>
               <a:rPr lang="zh-CN" altLang="en-US" dirty="0"/>
-              <a:t>高质量的子程序</a:t>
-            </a:r>
-          </a:p>
-        </p:txBody>
-      </p:sp>
-      <p:sp>
-        <p:nvSpPr>
-          <p:cNvPr id="3" name="内容占位符 2">
-            <a:extLst>
-              <a:ext uri="{FF2B5EF4-FFF2-40B4-BE49-F238E27FC236}">
-                <a16:creationId xmlns:a16="http://schemas.microsoft.com/office/drawing/2014/main" id="{69F52831-8486-4BA4-A4CB-7D40015EF4F5}"/>
-              </a:ext>
-            </a:extLst>
-          </p:cNvPr>
-          <p:cNvSpPr>
-            <a:spLocks noGrp="1"/>
-          </p:cNvSpPr>
-          <p:nvPr>
-            <p:ph idx="1"/>
-          </p:nvPr>
+              <a:t>创建子程序的正当理由</a:t>
+            </a:r>
+          </a:p>
+        </p:txBody>
+      </p:sp>
+      <p:sp>
+        <p:nvSpPr>
+          <p:cNvPr id="5" name="文本框 4">
+            <a:extLst>
+              <a:ext uri="{FF2B5EF4-FFF2-40B4-BE49-F238E27FC236}">
+                <a16:creationId xmlns:a16="http://schemas.microsoft.com/office/drawing/2014/main" id="{53A7A586-5857-446A-BA67-DAEAABBCA732}"/>
+              </a:ext>
+            </a:extLst>
+          </p:cNvPr>
+          <p:cNvSpPr txBox="1"/>
+          <p:nvPr/>
         </p:nvSpPr>
         <p:spPr>
           <a:xfrm>
-            <a:off x="838200" y="1000898"/>
-            <a:ext cx="10515600" cy="5176066"/>
+            <a:off x="1044145" y="1050324"/>
+            <a:ext cx="7105135" cy="369332"/>
           </a:xfrm>
+          <a:prstGeom prst="rect">
+            <a:avLst/>
+          </a:prstGeom>
+          <a:noFill/>
         </p:spPr>
         <p:txBody>
-          <a:bodyPr/>
-          <a:lstStyle/>
-          <a:p>
-            <a:endParaRPr lang="zh-CN" altLang="en-US" dirty="0"/>
+          <a:bodyPr wrap="square" rtlCol="0">
+            <a:spAutoFit/>
+          </a:bodyPr>
+          <a:lstStyle/>
+          <a:p>
+            <a:r>
+              <a:rPr lang="zh-CN" altLang="en-US" dirty="0"/>
+              <a:t>子程序定义：为实现一个特定目而编写的一个可被调用的方法或函数</a:t>
+            </a:r>
+          </a:p>
+        </p:txBody>
+      </p:sp>
+      <p:sp>
+        <p:nvSpPr>
+          <p:cNvPr id="6" name="文本框 5">
+            <a:extLst>
+              <a:ext uri="{FF2B5EF4-FFF2-40B4-BE49-F238E27FC236}">
+                <a16:creationId xmlns:a16="http://schemas.microsoft.com/office/drawing/2014/main" id="{0376360C-9D1E-4E52-A544-0DDDFD953DEA}"/>
+              </a:ext>
+            </a:extLst>
+          </p:cNvPr>
+          <p:cNvSpPr txBox="1"/>
+          <p:nvPr/>
+        </p:nvSpPr>
+        <p:spPr>
+          <a:xfrm>
+            <a:off x="1044145" y="1611185"/>
+            <a:ext cx="10229336" cy="1200329"/>
+          </a:xfrm>
+          <a:prstGeom prst="rect">
+            <a:avLst/>
+          </a:prstGeom>
+          <a:noFill/>
+        </p:spPr>
+        <p:txBody>
+          <a:bodyPr wrap="square" rtlCol="0">
+            <a:spAutoFit/>
+          </a:bodyPr>
+          <a:lstStyle/>
+          <a:p>
+            <a:pPr algn="l"/>
+            <a:r>
+              <a:rPr lang="zh-CN" altLang="en-US" b="1" dirty="0">
+                <a:latin typeface="微软雅黑" panose="020B0503020204020204" pitchFamily="34" charset="-122"/>
+                <a:ea typeface="微软雅黑" panose="020B0503020204020204" pitchFamily="34" charset="-122"/>
+              </a:rPr>
+              <a:t>降低复杂度</a:t>
+            </a:r>
+            <a:r>
+              <a:rPr lang="zh-CN" altLang="en-US" dirty="0">
+                <a:latin typeface="微软雅黑" panose="020B0503020204020204" pitchFamily="34" charset="-122"/>
+                <a:ea typeface="微软雅黑" panose="020B0503020204020204" pitchFamily="34" charset="-122"/>
+              </a:rPr>
+              <a:t>：</a:t>
+            </a:r>
+            <a:r>
+              <a:rPr lang="zh-CN" altLang="en-US" sz="1600" b="0" i="0" dirty="0">
+                <a:solidFill>
+                  <a:srgbClr val="000000"/>
+                </a:solidFill>
+                <a:effectLst/>
+                <a:latin typeface="Verdana" panose="020B0604030504040204" pitchFamily="34" charset="0"/>
+              </a:rPr>
+              <a:t>程序一但写好，可以直接调用该子程序而无须了解其内部工作细节。当内部循环或条件判断的嵌套层次很深时，就意味着需要从子程序中提取出新的子程序了。把嵌套的部分提取出来形成一个独立的子程序，可以</a:t>
+            </a:r>
+            <a:r>
+              <a:rPr lang="zh-CN" altLang="en-US" b="0" i="0" dirty="0">
+                <a:solidFill>
+                  <a:srgbClr val="000000"/>
+                </a:solidFill>
+                <a:effectLst/>
+                <a:latin typeface="Verdana" panose="020B0604030504040204" pitchFamily="34" charset="0"/>
+              </a:rPr>
+              <a:t>降低外围子程序的复杂度。</a:t>
+            </a:r>
+          </a:p>
+          <a:p>
+            <a:pPr marL="285750" indent="-285750" algn="l">
+              <a:buFont typeface="Arial" panose="020B0604020202020204" pitchFamily="34" charset="0"/>
+              <a:buChar char="•"/>
+            </a:pPr>
+            <a:endParaRPr lang="en-US" altLang="zh-CN" dirty="0">
+              <a:latin typeface="微软雅黑" panose="020B0503020204020204" pitchFamily="34" charset="-122"/>
+              <a:ea typeface="微软雅黑" panose="020B0503020204020204" pitchFamily="34" charset="-122"/>
+            </a:endParaRPr>
+          </a:p>
+        </p:txBody>
+      </p:sp>
+      <p:sp>
+        <p:nvSpPr>
+          <p:cNvPr id="11" name="文本框 10">
+            <a:extLst>
+              <a:ext uri="{FF2B5EF4-FFF2-40B4-BE49-F238E27FC236}">
+                <a16:creationId xmlns:a16="http://schemas.microsoft.com/office/drawing/2014/main" id="{AA3C21B2-0EEB-4474-8D9F-3A457C2B1B1F}"/>
+              </a:ext>
+            </a:extLst>
+          </p:cNvPr>
+          <p:cNvSpPr txBox="1"/>
+          <p:nvPr/>
+        </p:nvSpPr>
+        <p:spPr>
+          <a:xfrm>
+            <a:off x="1050322" y="2811514"/>
+            <a:ext cx="10229336" cy="646331"/>
+          </a:xfrm>
+          <a:prstGeom prst="rect">
+            <a:avLst/>
+          </a:prstGeom>
+          <a:noFill/>
+        </p:spPr>
+        <p:txBody>
+          <a:bodyPr wrap="square" rtlCol="0">
+            <a:spAutoFit/>
+          </a:bodyPr>
+          <a:lstStyle/>
+          <a:p>
+            <a:r>
+              <a:rPr lang="zh-CN" altLang="en-US" b="1" dirty="0">
+                <a:latin typeface="微软雅黑" panose="020B0503020204020204" pitchFamily="34" charset="-122"/>
+                <a:ea typeface="微软雅黑" panose="020B0503020204020204" pitchFamily="34" charset="-122"/>
+              </a:rPr>
+              <a:t>引入中间、易懂的抽象</a:t>
+            </a:r>
+            <a:r>
+              <a:rPr lang="zh-CN" altLang="en-US" dirty="0">
+                <a:latin typeface="微软雅黑" panose="020B0503020204020204" pitchFamily="34" charset="-122"/>
+                <a:ea typeface="微软雅黑" panose="020B0503020204020204" pitchFamily="34" charset="-122"/>
+              </a:rPr>
+              <a:t>：</a:t>
+            </a:r>
+            <a:endParaRPr lang="en-US" altLang="zh-CN" dirty="0">
+              <a:latin typeface="微软雅黑" panose="020B0503020204020204" pitchFamily="34" charset="-122"/>
+              <a:ea typeface="微软雅黑" panose="020B0503020204020204" pitchFamily="34" charset="-122"/>
+            </a:endParaRPr>
+          </a:p>
+          <a:p>
+            <a:endParaRPr lang="en-US" altLang="zh-CN" dirty="0">
+              <a:latin typeface="微软雅黑" panose="020B0503020204020204" pitchFamily="34" charset="-122"/>
+              <a:ea typeface="微软雅黑" panose="020B0503020204020204" pitchFamily="34" charset="-122"/>
+            </a:endParaRPr>
+          </a:p>
+        </p:txBody>
+      </p:sp>
+      <p:pic>
+        <p:nvPicPr>
+          <p:cNvPr id="13" name="图片 12">
+            <a:extLst>
+              <a:ext uri="{FF2B5EF4-FFF2-40B4-BE49-F238E27FC236}">
+                <a16:creationId xmlns:a16="http://schemas.microsoft.com/office/drawing/2014/main" id="{8BE55DF5-22CC-45C2-B8EF-D1D4EA4C18BA}"/>
+              </a:ext>
+            </a:extLst>
+          </p:cNvPr>
+          <p:cNvPicPr>
+            <a:picLocks noChangeAspect="1"/>
+          </p:cNvPicPr>
+          <p:nvPr/>
+        </p:nvPicPr>
+        <p:blipFill>
+          <a:blip r:embed="rId2"/>
+          <a:stretch>
+            <a:fillRect/>
+          </a:stretch>
+        </p:blipFill>
+        <p:spPr>
+          <a:xfrm>
+            <a:off x="1154815" y="3270584"/>
+            <a:ext cx="2987299" cy="1493649"/>
+          </a:xfrm>
+          <a:prstGeom prst="rect">
+            <a:avLst/>
+          </a:prstGeom>
+        </p:spPr>
+      </p:pic>
+      <p:pic>
+        <p:nvPicPr>
+          <p:cNvPr id="15" name="图片 14">
+            <a:extLst>
+              <a:ext uri="{FF2B5EF4-FFF2-40B4-BE49-F238E27FC236}">
+                <a16:creationId xmlns:a16="http://schemas.microsoft.com/office/drawing/2014/main" id="{0810BD9E-157D-47E8-B7E2-90A32A71CDB4}"/>
+              </a:ext>
+            </a:extLst>
+          </p:cNvPr>
+          <p:cNvPicPr>
+            <a:picLocks noChangeAspect="1"/>
+          </p:cNvPicPr>
+          <p:nvPr/>
+        </p:nvPicPr>
+        <p:blipFill>
+          <a:blip r:embed="rId3"/>
+          <a:stretch>
+            <a:fillRect/>
+          </a:stretch>
+        </p:blipFill>
+        <p:spPr>
+          <a:xfrm>
+            <a:off x="1154815" y="5246815"/>
+            <a:ext cx="2255715" cy="251482"/>
+          </a:xfrm>
+          <a:prstGeom prst="rect">
+            <a:avLst/>
+          </a:prstGeom>
+        </p:spPr>
+      </p:pic>
+      <p:sp>
+        <p:nvSpPr>
+          <p:cNvPr id="16" name="文本框 15">
+            <a:extLst>
+              <a:ext uri="{FF2B5EF4-FFF2-40B4-BE49-F238E27FC236}">
+                <a16:creationId xmlns:a16="http://schemas.microsoft.com/office/drawing/2014/main" id="{3DF495C3-10A8-4A5D-A793-E48A4AA5C7E9}"/>
+              </a:ext>
+            </a:extLst>
+          </p:cNvPr>
+          <p:cNvSpPr txBox="1"/>
+          <p:nvPr/>
+        </p:nvSpPr>
+        <p:spPr>
+          <a:xfrm>
+            <a:off x="1105387" y="4816402"/>
+            <a:ext cx="3577823" cy="338554"/>
+          </a:xfrm>
+          <a:prstGeom prst="rect">
+            <a:avLst/>
+          </a:prstGeom>
+          <a:noFill/>
+        </p:spPr>
+        <p:txBody>
+          <a:bodyPr wrap="square" rtlCol="0">
+            <a:spAutoFit/>
+          </a:bodyPr>
+          <a:lstStyle/>
+          <a:p>
+            <a:r>
+              <a:rPr lang="zh-CN" altLang="en-US" sz="1600" dirty="0">
+                <a:solidFill>
+                  <a:srgbClr val="000000"/>
+                </a:solidFill>
+                <a:latin typeface="Verdana" panose="020B0604030504040204" pitchFamily="34" charset="0"/>
+              </a:rPr>
+              <a:t>读懂下面这条语句就更容易</a:t>
+            </a:r>
           </a:p>
         </p:txBody>
       </p:sp>
     </p:spTree>
     <p:extLst>
       <p:ext uri="{BB962C8B-B14F-4D97-AF65-F5344CB8AC3E}">
-        <p14:creationId xmlns:p14="http://schemas.microsoft.com/office/powerpoint/2010/main" val="3473649966"/>
+        <p14:creationId xmlns:p14="http://schemas.microsoft.com/office/powerpoint/2010/main" val="2643613948"/>
       </p:ext>
     </p:extLst>
   </p:cSld>
@@ -3528,45 +3788,1897 @@
           <a:p>
             <a:r>
               <a:rPr lang="zh-CN" altLang="en-US" dirty="0"/>
-              <a:t>防御式编程</a:t>
-            </a:r>
-          </a:p>
-        </p:txBody>
-      </p:sp>
-      <p:sp>
-        <p:nvSpPr>
-          <p:cNvPr id="3" name="内容占位符 2">
-            <a:extLst>
-              <a:ext uri="{FF2B5EF4-FFF2-40B4-BE49-F238E27FC236}">
-                <a16:creationId xmlns:a16="http://schemas.microsoft.com/office/drawing/2014/main" id="{69F52831-8486-4BA4-A4CB-7D40015EF4F5}"/>
-              </a:ext>
-            </a:extLst>
-          </p:cNvPr>
-          <p:cNvSpPr>
-            <a:spLocks noGrp="1"/>
-          </p:cNvSpPr>
-          <p:nvPr>
-            <p:ph idx="1"/>
-          </p:nvPr>
+              <a:t>创建子程序的正当理由</a:t>
+            </a:r>
+          </a:p>
+        </p:txBody>
+      </p:sp>
+      <p:sp>
+        <p:nvSpPr>
+          <p:cNvPr id="6" name="文本框 5">
+            <a:extLst>
+              <a:ext uri="{FF2B5EF4-FFF2-40B4-BE49-F238E27FC236}">
+                <a16:creationId xmlns:a16="http://schemas.microsoft.com/office/drawing/2014/main" id="{0376360C-9D1E-4E52-A544-0DDDFD953DEA}"/>
+              </a:ext>
+            </a:extLst>
+          </p:cNvPr>
+          <p:cNvSpPr txBox="1"/>
+          <p:nvPr/>
         </p:nvSpPr>
         <p:spPr>
           <a:xfrm>
-            <a:off x="838200" y="1000898"/>
-            <a:ext cx="10515600" cy="5176066"/>
+            <a:off x="1050322" y="965091"/>
+            <a:ext cx="10229336" cy="646331"/>
           </a:xfrm>
+          <a:prstGeom prst="rect">
+            <a:avLst/>
+          </a:prstGeom>
+          <a:noFill/>
         </p:spPr>
         <p:txBody>
-          <a:bodyPr/>
-          <a:lstStyle/>
-          <a:p>
-            <a:endParaRPr lang="zh-CN" altLang="en-US" dirty="0"/>
+          <a:bodyPr wrap="square" rtlCol="0">
+            <a:spAutoFit/>
+          </a:bodyPr>
+          <a:lstStyle/>
+          <a:p>
+            <a:pPr algn="l"/>
+            <a:r>
+              <a:rPr lang="zh-CN" altLang="en-US" b="1" i="0" dirty="0">
+                <a:solidFill>
+                  <a:srgbClr val="333333"/>
+                </a:solidFill>
+                <a:effectLst/>
+                <a:latin typeface="微软雅黑" panose="020B0503020204020204" pitchFamily="34" charset="-122"/>
+                <a:ea typeface="微软雅黑" panose="020B0503020204020204" pitchFamily="34" charset="-122"/>
+              </a:rPr>
+              <a:t>避免代码重复：</a:t>
+            </a:r>
+            <a:r>
+              <a:rPr lang="zh-CN" altLang="en-US" b="0" i="0" dirty="0">
+                <a:solidFill>
+                  <a:srgbClr val="121212"/>
+                </a:solidFill>
+                <a:effectLst/>
+                <a:latin typeface="-apple-system"/>
+              </a:rPr>
+              <a:t>把相同的代码放入新的子程序中，再让其余的代码来调用这个子程序，与代码的重复出现相比，让相同的代码只出现一次可以节约空间</a:t>
+            </a:r>
+            <a:endParaRPr lang="zh-CN" altLang="en-US" b="0" i="0" dirty="0">
+              <a:solidFill>
+                <a:srgbClr val="000000"/>
+              </a:solidFill>
+              <a:effectLst/>
+              <a:latin typeface="Verdana" panose="020B0604030504040204" pitchFamily="34" charset="0"/>
+            </a:endParaRPr>
+          </a:p>
+        </p:txBody>
+      </p:sp>
+      <p:sp>
+        <p:nvSpPr>
+          <p:cNvPr id="10" name="文本框 9">
+            <a:extLst>
+              <a:ext uri="{FF2B5EF4-FFF2-40B4-BE49-F238E27FC236}">
+                <a16:creationId xmlns:a16="http://schemas.microsoft.com/office/drawing/2014/main" id="{C7C224CD-AD7C-4CD3-8851-BEC59CCE9E29}"/>
+              </a:ext>
+            </a:extLst>
+          </p:cNvPr>
+          <p:cNvSpPr txBox="1"/>
+          <p:nvPr/>
+        </p:nvSpPr>
+        <p:spPr>
+          <a:xfrm>
+            <a:off x="1050321" y="1717718"/>
+            <a:ext cx="10229335" cy="3970318"/>
+          </a:xfrm>
+          <a:prstGeom prst="rect">
+            <a:avLst/>
+          </a:prstGeom>
+          <a:noFill/>
+        </p:spPr>
+        <p:txBody>
+          <a:bodyPr wrap="square">
+            <a:spAutoFit/>
+          </a:bodyPr>
+          <a:lstStyle/>
+          <a:p>
+            <a:pPr algn="l"/>
+            <a:r>
+              <a:rPr lang="zh-CN" altLang="en-US" b="1" dirty="0">
+                <a:solidFill>
+                  <a:srgbClr val="333333"/>
+                </a:solidFill>
+                <a:latin typeface="微软雅黑" panose="020B0503020204020204" pitchFamily="34" charset="-122"/>
+                <a:ea typeface="微软雅黑" panose="020B0503020204020204" pitchFamily="34" charset="-122"/>
+              </a:rPr>
+              <a:t>支持子类化：</a:t>
+            </a:r>
+            <a:r>
+              <a:rPr lang="zh-CN" altLang="en-US" b="0" i="0" dirty="0">
+                <a:solidFill>
+                  <a:srgbClr val="121212"/>
+                </a:solidFill>
+                <a:effectLst/>
+                <a:latin typeface="-apple-system"/>
+              </a:rPr>
+              <a:t>覆盖简短而规整的子程序所需新代码的数量，要比覆盖冗长而邋遢的子程序更少</a:t>
+            </a:r>
+          </a:p>
+          <a:p>
+            <a:pPr algn="l"/>
+            <a:endParaRPr lang="en-US" altLang="zh-CN" b="1" dirty="0">
+              <a:solidFill>
+                <a:srgbClr val="333333"/>
+              </a:solidFill>
+              <a:latin typeface="微软雅黑" panose="020B0503020204020204" pitchFamily="34" charset="-122"/>
+              <a:ea typeface="微软雅黑" panose="020B0503020204020204" pitchFamily="34" charset="-122"/>
+            </a:endParaRPr>
+          </a:p>
+          <a:p>
+            <a:pPr algn="l"/>
+            <a:r>
+              <a:rPr lang="zh-CN" altLang="en-US" b="1" dirty="0">
+                <a:solidFill>
+                  <a:srgbClr val="333333"/>
+                </a:solidFill>
+                <a:latin typeface="微软雅黑" panose="020B0503020204020204" pitchFamily="34" charset="-122"/>
+                <a:ea typeface="微软雅黑" panose="020B0503020204020204" pitchFamily="34" charset="-122"/>
+              </a:rPr>
+              <a:t>隐藏顺序</a:t>
+            </a:r>
+            <a:r>
+              <a:rPr lang="zh-CN" altLang="en-US" dirty="0">
+                <a:solidFill>
+                  <a:srgbClr val="121212"/>
+                </a:solidFill>
+                <a:latin typeface="-apple-system"/>
+                <a:ea typeface="微软雅黑" panose="020B0503020204020204" pitchFamily="34" charset="-122"/>
+              </a:rPr>
+              <a:t>：</a:t>
+            </a:r>
+            <a:r>
+              <a:rPr lang="zh-CN" altLang="en-US" b="0" i="0" dirty="0">
+                <a:solidFill>
+                  <a:srgbClr val="121212"/>
+                </a:solidFill>
+                <a:effectLst/>
+                <a:latin typeface="-apple-system"/>
+              </a:rPr>
+              <a:t>把处理事件的顺序隐藏起来</a:t>
+            </a:r>
+            <a:endParaRPr lang="en-US" altLang="zh-CN" b="0" i="0" dirty="0">
+              <a:solidFill>
+                <a:srgbClr val="121212"/>
+              </a:solidFill>
+              <a:effectLst/>
+              <a:latin typeface="-apple-system"/>
+            </a:endParaRPr>
+          </a:p>
+          <a:p>
+            <a:pPr algn="l"/>
+            <a:endParaRPr lang="zh-CN" altLang="en-US" b="0" i="0" dirty="0">
+              <a:solidFill>
+                <a:srgbClr val="121212"/>
+              </a:solidFill>
+              <a:effectLst/>
+              <a:latin typeface="-apple-system"/>
+            </a:endParaRPr>
+          </a:p>
+          <a:p>
+            <a:pPr algn="l"/>
+            <a:r>
+              <a:rPr lang="zh-CN" altLang="en-US" b="1" dirty="0">
+                <a:solidFill>
+                  <a:srgbClr val="333333"/>
+                </a:solidFill>
+                <a:latin typeface="微软雅黑" panose="020B0503020204020204" pitchFamily="34" charset="-122"/>
+                <a:ea typeface="微软雅黑" panose="020B0503020204020204" pitchFamily="34" charset="-122"/>
+              </a:rPr>
+              <a:t>隐藏指针操作</a:t>
+            </a:r>
+            <a:br>
+              <a:rPr lang="zh-CN" altLang="en-US" b="0" i="0" dirty="0">
+                <a:solidFill>
+                  <a:srgbClr val="121212"/>
+                </a:solidFill>
+                <a:effectLst/>
+                <a:latin typeface="-apple-system"/>
+              </a:rPr>
+            </a:br>
+            <a:endParaRPr lang="zh-CN" altLang="en-US" b="0" i="0" dirty="0">
+              <a:solidFill>
+                <a:srgbClr val="121212"/>
+              </a:solidFill>
+              <a:effectLst/>
+              <a:latin typeface="-apple-system"/>
+            </a:endParaRPr>
+          </a:p>
+          <a:p>
+            <a:pPr algn="l"/>
+            <a:r>
+              <a:rPr lang="zh-CN" altLang="en-US" b="1" dirty="0">
+                <a:solidFill>
+                  <a:srgbClr val="333333"/>
+                </a:solidFill>
+                <a:latin typeface="微软雅黑" panose="020B0503020204020204" pitchFamily="34" charset="-122"/>
+                <a:ea typeface="微软雅黑" panose="020B0503020204020204" pitchFamily="34" charset="-122"/>
+              </a:rPr>
+              <a:t>提高可移植性</a:t>
+            </a:r>
+            <a:r>
+              <a:rPr lang="zh-CN" altLang="en-US" dirty="0">
+                <a:solidFill>
+                  <a:srgbClr val="121212"/>
+                </a:solidFill>
+                <a:latin typeface="-apple-system"/>
+                <a:ea typeface="微软雅黑" panose="020B0503020204020204" pitchFamily="34" charset="-122"/>
+              </a:rPr>
+              <a:t>：</a:t>
+            </a:r>
+            <a:r>
+              <a:rPr lang="zh-CN" altLang="en-US" b="0" i="0" dirty="0">
+                <a:solidFill>
+                  <a:srgbClr val="121212"/>
+                </a:solidFill>
+                <a:effectLst/>
+                <a:latin typeface="-apple-system"/>
+              </a:rPr>
+              <a:t>用子程序来隔离代码中不可移植的部分，从而明确识别和隔离未来的移植工作</a:t>
+            </a:r>
+            <a:endParaRPr lang="en-US" altLang="zh-CN" b="0" i="0" dirty="0">
+              <a:solidFill>
+                <a:srgbClr val="121212"/>
+              </a:solidFill>
+              <a:effectLst/>
+              <a:latin typeface="-apple-system"/>
+            </a:endParaRPr>
+          </a:p>
+          <a:p>
+            <a:pPr algn="l"/>
+            <a:endParaRPr lang="zh-CN" altLang="en-US" b="0" i="0" dirty="0">
+              <a:solidFill>
+                <a:srgbClr val="121212"/>
+              </a:solidFill>
+              <a:effectLst/>
+              <a:latin typeface="-apple-system"/>
+            </a:endParaRPr>
+          </a:p>
+          <a:p>
+            <a:pPr algn="l"/>
+            <a:r>
+              <a:rPr lang="zh-CN" altLang="en-US" b="1" dirty="0">
+                <a:solidFill>
+                  <a:srgbClr val="333333"/>
+                </a:solidFill>
+                <a:latin typeface="微软雅黑" panose="020B0503020204020204" pitchFamily="34" charset="-122"/>
+                <a:ea typeface="微软雅黑" panose="020B0503020204020204" pitchFamily="34" charset="-122"/>
+              </a:rPr>
+              <a:t>简化复杂的布尔判断</a:t>
+            </a:r>
+            <a:r>
+              <a:rPr lang="zh-CN" altLang="en-US" dirty="0">
+                <a:solidFill>
+                  <a:srgbClr val="121212"/>
+                </a:solidFill>
+                <a:latin typeface="-apple-system"/>
+                <a:ea typeface="微软雅黑" panose="020B0503020204020204" pitchFamily="34" charset="-122"/>
+              </a:rPr>
+              <a:t>：</a:t>
+            </a:r>
+            <a:r>
+              <a:rPr lang="zh-CN" altLang="en-US" b="0" i="0" dirty="0">
+                <a:solidFill>
+                  <a:srgbClr val="121212"/>
+                </a:solidFill>
+                <a:effectLst/>
+                <a:latin typeface="-apple-system"/>
+              </a:rPr>
+              <a:t>为了理解程序的流程，通常并没有必要去研究那些复杂的布尔判断细节，应该把这些判断放入函数中，以提高代码的可读性</a:t>
+            </a:r>
+            <a:endParaRPr lang="en-US" altLang="zh-CN" b="0" i="0" dirty="0">
+              <a:solidFill>
+                <a:srgbClr val="121212"/>
+              </a:solidFill>
+              <a:effectLst/>
+              <a:latin typeface="-apple-system"/>
+            </a:endParaRPr>
+          </a:p>
+          <a:p>
+            <a:pPr algn="l"/>
+            <a:endParaRPr lang="zh-CN" altLang="en-US" b="0" i="0" dirty="0">
+              <a:solidFill>
+                <a:srgbClr val="121212"/>
+              </a:solidFill>
+              <a:effectLst/>
+              <a:latin typeface="-apple-system"/>
+            </a:endParaRPr>
+          </a:p>
+          <a:p>
+            <a:pPr algn="l"/>
+            <a:r>
+              <a:rPr lang="zh-CN" altLang="en-US" b="1" i="0" dirty="0">
+                <a:solidFill>
+                  <a:srgbClr val="121212"/>
+                </a:solidFill>
+                <a:effectLst/>
+                <a:latin typeface="-apple-system"/>
+              </a:rPr>
+              <a:t>改善性能</a:t>
+            </a:r>
+            <a:r>
+              <a:rPr lang="zh-CN" altLang="en-US" dirty="0">
+                <a:solidFill>
+                  <a:srgbClr val="121212"/>
+                </a:solidFill>
+                <a:latin typeface="-apple-system"/>
+              </a:rPr>
+              <a:t>：</a:t>
+            </a:r>
+            <a:r>
+              <a:rPr lang="zh-CN" altLang="en-US" b="0" i="0" dirty="0">
+                <a:solidFill>
+                  <a:srgbClr val="121212"/>
+                </a:solidFill>
+                <a:effectLst/>
+                <a:latin typeface="-apple-system"/>
+              </a:rPr>
+              <a:t>通过使用子程序，把代码集中在一处可以更方便地查出哪些代码的运行效率低下，同时，在一处优化代码，就能使 用到该子程序的所有代码都从中受益，把代码集中在一处后，想用更高效的算法或更快速高效的语言来重写代码也更容易</a:t>
+            </a:r>
           </a:p>
         </p:txBody>
       </p:sp>
     </p:spTree>
     <p:extLst>
       <p:ext uri="{BB962C8B-B14F-4D97-AF65-F5344CB8AC3E}">
-        <p14:creationId xmlns:p14="http://schemas.microsoft.com/office/powerpoint/2010/main" val="2265931969"/>
+        <p14:creationId xmlns:p14="http://schemas.microsoft.com/office/powerpoint/2010/main" val="2400456039"/>
+      </p:ext>
+    </p:extLst>
+  </p:cSld>
+  <p:clrMapOvr>
+    <a:masterClrMapping/>
+  </p:clrMapOvr>
+</p:sld>
+</file>
+
+<file path=ppt/slides/slide4.xml><?xml version="1.0" encoding="utf-8"?>
+<p:sld xmlns:a="http://schemas.openxmlformats.org/drawingml/2006/main" xmlns:r="http://schemas.openxmlformats.org/officeDocument/2006/relationships" xmlns:p="http://schemas.openxmlformats.org/presentationml/2006/main">
+  <p:cSld>
+    <p:spTree>
+      <p:nvGrpSpPr>
+        <p:cNvPr id="1" name=""/>
+        <p:cNvGrpSpPr/>
+        <p:nvPr/>
+      </p:nvGrpSpPr>
+      <p:grpSpPr>
+        <a:xfrm>
+          <a:off x="0" y="0"/>
+          <a:ext cx="0" cy="0"/>
+          <a:chOff x="0" y="0"/>
+          <a:chExt cx="0" cy="0"/>
+        </a:xfrm>
+      </p:grpSpPr>
+      <p:sp>
+        <p:nvSpPr>
+          <p:cNvPr id="2" name="标题 1">
+            <a:extLst>
+              <a:ext uri="{FF2B5EF4-FFF2-40B4-BE49-F238E27FC236}">
+                <a16:creationId xmlns:a16="http://schemas.microsoft.com/office/drawing/2014/main" id="{2C07D16F-9BF3-43DF-9DEF-D5A5C1848A7C}"/>
+              </a:ext>
+            </a:extLst>
+          </p:cNvPr>
+          <p:cNvSpPr>
+            <a:spLocks noGrp="1"/>
+          </p:cNvSpPr>
+          <p:nvPr>
+            <p:ph type="title"/>
+          </p:nvPr>
+        </p:nvSpPr>
+        <p:spPr>
+          <a:xfrm>
+            <a:off x="838200" y="365126"/>
+            <a:ext cx="10515600" cy="493669"/>
+          </a:xfrm>
+        </p:spPr>
+        <p:txBody>
+          <a:bodyPr>
+            <a:normAutofit fontScale="90000"/>
+          </a:bodyPr>
+          <a:lstStyle/>
+          <a:p>
+            <a:r>
+              <a:rPr lang="zh-CN" altLang="en-US" dirty="0"/>
+              <a:t>在子程序层上的设计</a:t>
+            </a:r>
+          </a:p>
+        </p:txBody>
+      </p:sp>
+      <p:sp>
+        <p:nvSpPr>
+          <p:cNvPr id="5" name="文本框 4">
+            <a:extLst>
+              <a:ext uri="{FF2B5EF4-FFF2-40B4-BE49-F238E27FC236}">
+                <a16:creationId xmlns:a16="http://schemas.microsoft.com/office/drawing/2014/main" id="{53A7A586-5857-446A-BA67-DAEAABBCA732}"/>
+              </a:ext>
+            </a:extLst>
+          </p:cNvPr>
+          <p:cNvSpPr txBox="1"/>
+          <p:nvPr/>
+        </p:nvSpPr>
+        <p:spPr>
+          <a:xfrm>
+            <a:off x="1044145" y="1050324"/>
+            <a:ext cx="10229336" cy="646331"/>
+          </a:xfrm>
+          <a:prstGeom prst="rect">
+            <a:avLst/>
+          </a:prstGeom>
+          <a:noFill/>
+        </p:spPr>
+        <p:txBody>
+          <a:bodyPr wrap="square" rtlCol="0">
+            <a:spAutoFit/>
+          </a:bodyPr>
+          <a:lstStyle/>
+          <a:p>
+            <a:r>
+              <a:rPr lang="zh-CN" altLang="en-US" dirty="0"/>
+              <a:t>内聚性：</a:t>
+            </a:r>
+            <a:r>
+              <a:rPr lang="zh-CN" altLang="en-US" b="0" i="0" dirty="0">
+                <a:solidFill>
+                  <a:srgbClr val="121212"/>
+                </a:solidFill>
+                <a:effectLst/>
+                <a:latin typeface="-apple-system"/>
+              </a:rPr>
+              <a:t>对于程序来说，内聚性是指子程序中各种操作之间联系的紧密程度，</a:t>
+            </a:r>
+            <a:r>
+              <a:rPr lang="zh-CN" altLang="en-US" b="1" i="0" dirty="0">
+                <a:solidFill>
+                  <a:srgbClr val="121212"/>
+                </a:solidFill>
+                <a:effectLst/>
+                <a:latin typeface="-apple-system"/>
+              </a:rPr>
+              <a:t>我们的目标是让每一个子程序只把一件事做好，不再做其他事情</a:t>
+            </a:r>
+            <a:endParaRPr lang="zh-CN" altLang="en-US" dirty="0"/>
+          </a:p>
+        </p:txBody>
+      </p:sp>
+      <p:sp>
+        <p:nvSpPr>
+          <p:cNvPr id="6" name="文本框 5">
+            <a:extLst>
+              <a:ext uri="{FF2B5EF4-FFF2-40B4-BE49-F238E27FC236}">
+                <a16:creationId xmlns:a16="http://schemas.microsoft.com/office/drawing/2014/main" id="{0376360C-9D1E-4E52-A544-0DDDFD953DEA}"/>
+              </a:ext>
+            </a:extLst>
+          </p:cNvPr>
+          <p:cNvSpPr txBox="1"/>
+          <p:nvPr/>
+        </p:nvSpPr>
+        <p:spPr>
+          <a:xfrm>
+            <a:off x="1044145" y="1836015"/>
+            <a:ext cx="10229336" cy="4524315"/>
+          </a:xfrm>
+          <a:prstGeom prst="rect">
+            <a:avLst/>
+          </a:prstGeom>
+          <a:noFill/>
+        </p:spPr>
+        <p:txBody>
+          <a:bodyPr wrap="square" rtlCol="0">
+            <a:spAutoFit/>
+          </a:bodyPr>
+          <a:lstStyle/>
+          <a:p>
+            <a:pPr algn="l"/>
+            <a:r>
+              <a:rPr lang="zh-CN" altLang="en-US" b="1" i="0" dirty="0">
+                <a:solidFill>
+                  <a:srgbClr val="121212"/>
+                </a:solidFill>
+                <a:effectLst/>
+                <a:latin typeface="-apple-system"/>
+              </a:rPr>
+              <a:t>功能的内聚性</a:t>
+            </a:r>
+            <a:r>
+              <a:rPr lang="zh-CN" altLang="en-US" dirty="0">
+                <a:solidFill>
+                  <a:srgbClr val="121212"/>
+                </a:solidFill>
+                <a:latin typeface="-apple-system"/>
+              </a:rPr>
+              <a:t>：</a:t>
+            </a:r>
+            <a:r>
+              <a:rPr lang="zh-CN" altLang="en-US" b="0" i="0" dirty="0">
+                <a:solidFill>
+                  <a:srgbClr val="121212"/>
+                </a:solidFill>
+                <a:effectLst/>
+                <a:latin typeface="-apple-system"/>
+              </a:rPr>
+              <a:t>功能性内聚是最强也是最好的一种内聚性，也就是说让一个子程序只执行一项操作，这样的子程序都是高度内聚的。</a:t>
+            </a:r>
+            <a:endParaRPr lang="en-US" altLang="zh-CN" b="0" i="0" dirty="0">
+              <a:solidFill>
+                <a:srgbClr val="121212"/>
+              </a:solidFill>
+              <a:effectLst/>
+              <a:latin typeface="-apple-system"/>
+            </a:endParaRPr>
+          </a:p>
+          <a:p>
+            <a:pPr algn="l"/>
+            <a:endParaRPr lang="en-US" altLang="zh-CN" dirty="0">
+              <a:solidFill>
+                <a:srgbClr val="121212"/>
+              </a:solidFill>
+              <a:latin typeface="-apple-system"/>
+            </a:endParaRPr>
+          </a:p>
+          <a:p>
+            <a:pPr algn="l"/>
+            <a:r>
+              <a:rPr lang="zh-CN" altLang="en-US" b="1" i="0" dirty="0">
+                <a:solidFill>
+                  <a:srgbClr val="121212"/>
+                </a:solidFill>
+                <a:effectLst/>
+                <a:latin typeface="-apple-system"/>
+              </a:rPr>
+              <a:t>顺序上的内聚性</a:t>
+            </a:r>
+            <a:r>
+              <a:rPr lang="zh-CN" altLang="en-US" dirty="0">
+                <a:solidFill>
+                  <a:srgbClr val="121212"/>
+                </a:solidFill>
+                <a:latin typeface="-apple-system"/>
+              </a:rPr>
+              <a:t>：</a:t>
+            </a:r>
+            <a:r>
+              <a:rPr lang="zh-CN" altLang="en-US" b="0" i="0" dirty="0">
+                <a:solidFill>
+                  <a:srgbClr val="121212"/>
+                </a:solidFill>
+                <a:effectLst/>
+                <a:latin typeface="-apple-system"/>
+              </a:rPr>
+              <a:t>指在子程序内包含有需要按特定顺序执行的操作，这些步骤需要共享数据，而且只有在全部执行完毕后才完成了一项完整的功能。</a:t>
+            </a:r>
+            <a:endParaRPr lang="en-US" altLang="zh-CN" b="0" i="0" dirty="0">
+              <a:solidFill>
+                <a:srgbClr val="121212"/>
+              </a:solidFill>
+              <a:effectLst/>
+              <a:latin typeface="-apple-system"/>
+            </a:endParaRPr>
+          </a:p>
+          <a:p>
+            <a:pPr algn="l"/>
+            <a:endParaRPr lang="zh-CN" altLang="en-US" b="0" i="0" dirty="0">
+              <a:solidFill>
+                <a:srgbClr val="121212"/>
+              </a:solidFill>
+              <a:effectLst/>
+              <a:latin typeface="-apple-system"/>
+            </a:endParaRPr>
+          </a:p>
+          <a:p>
+            <a:pPr algn="l"/>
+            <a:r>
+              <a:rPr lang="zh-CN" altLang="en-US" b="1" i="0" dirty="0">
+                <a:solidFill>
+                  <a:srgbClr val="121212"/>
+                </a:solidFill>
+                <a:effectLst/>
+                <a:latin typeface="-apple-system"/>
+              </a:rPr>
+              <a:t>通信上的内聚性</a:t>
+            </a:r>
+            <a:r>
+              <a:rPr lang="zh-CN" altLang="en-US" dirty="0">
+                <a:solidFill>
+                  <a:srgbClr val="121212"/>
+                </a:solidFill>
+                <a:latin typeface="-apple-system"/>
+              </a:rPr>
+              <a:t>：</a:t>
+            </a:r>
+            <a:r>
+              <a:rPr lang="zh-CN" altLang="en-US" b="0" i="0" dirty="0">
+                <a:solidFill>
+                  <a:srgbClr val="121212"/>
+                </a:solidFill>
+                <a:effectLst/>
+                <a:latin typeface="-apple-system"/>
+              </a:rPr>
+              <a:t>指一个子程序中的不同操作使用了同样的数据，但不存在其他任何联系</a:t>
+            </a:r>
+            <a:endParaRPr lang="en-US" altLang="zh-CN" b="0" i="0" dirty="0">
+              <a:solidFill>
+                <a:srgbClr val="121212"/>
+              </a:solidFill>
+              <a:effectLst/>
+              <a:latin typeface="-apple-system"/>
+            </a:endParaRPr>
+          </a:p>
+          <a:p>
+            <a:pPr algn="l"/>
+            <a:endParaRPr lang="zh-CN" altLang="en-US" b="0" i="0" dirty="0">
+              <a:solidFill>
+                <a:srgbClr val="121212"/>
+              </a:solidFill>
+              <a:effectLst/>
+              <a:latin typeface="-apple-system"/>
+            </a:endParaRPr>
+          </a:p>
+          <a:p>
+            <a:pPr algn="l"/>
+            <a:r>
+              <a:rPr lang="zh-CN" altLang="en-US" b="1" i="0" dirty="0">
+                <a:solidFill>
+                  <a:srgbClr val="121212"/>
+                </a:solidFill>
+                <a:effectLst/>
+                <a:latin typeface="-apple-system"/>
+              </a:rPr>
+              <a:t>临时的内聚性</a:t>
+            </a:r>
+            <a:r>
+              <a:rPr lang="zh-CN" altLang="en-US" dirty="0">
+                <a:solidFill>
+                  <a:srgbClr val="121212"/>
+                </a:solidFill>
+                <a:latin typeface="-apple-system"/>
+              </a:rPr>
+              <a:t>：</a:t>
+            </a:r>
+            <a:r>
+              <a:rPr lang="zh-CN" altLang="en-US" b="0" i="0" dirty="0">
+                <a:solidFill>
+                  <a:srgbClr val="121212"/>
+                </a:solidFill>
+                <a:effectLst/>
+                <a:latin typeface="-apple-system"/>
+              </a:rPr>
+              <a:t>指含有一些因为需要同时执行才放到一起的操作的子程序</a:t>
+            </a:r>
+            <a:endParaRPr lang="en-US" altLang="zh-CN" b="0" i="0" dirty="0">
+              <a:solidFill>
+                <a:srgbClr val="121212"/>
+              </a:solidFill>
+              <a:effectLst/>
+              <a:latin typeface="-apple-system"/>
+            </a:endParaRPr>
+          </a:p>
+          <a:p>
+            <a:pPr algn="l"/>
+            <a:endParaRPr lang="zh-CN" altLang="en-US" b="0" i="0" dirty="0">
+              <a:solidFill>
+                <a:srgbClr val="121212"/>
+              </a:solidFill>
+              <a:effectLst/>
+              <a:latin typeface="-apple-system"/>
+            </a:endParaRPr>
+          </a:p>
+          <a:p>
+            <a:pPr algn="l"/>
+            <a:r>
+              <a:rPr lang="zh-CN" altLang="en-US" b="1" i="0" dirty="0">
+                <a:solidFill>
+                  <a:srgbClr val="121212"/>
+                </a:solidFill>
+                <a:effectLst/>
+                <a:latin typeface="-apple-system"/>
+              </a:rPr>
+              <a:t>不可取的内聚性</a:t>
+            </a:r>
+            <a:endParaRPr lang="zh-CN" altLang="en-US" b="0" i="0" dirty="0">
+              <a:solidFill>
+                <a:srgbClr val="121212"/>
+              </a:solidFill>
+              <a:effectLst/>
+              <a:latin typeface="-apple-system"/>
+            </a:endParaRPr>
+          </a:p>
+          <a:p>
+            <a:pPr algn="l"/>
+            <a:r>
+              <a:rPr lang="zh-CN" altLang="en-US" b="0" i="0" dirty="0">
+                <a:solidFill>
+                  <a:srgbClr val="121212"/>
+                </a:solidFill>
+                <a:effectLst/>
+                <a:latin typeface="-apple-system"/>
+              </a:rPr>
+              <a:t>过程上的内聚性</a:t>
+            </a:r>
+          </a:p>
+          <a:p>
+            <a:pPr algn="l"/>
+            <a:r>
+              <a:rPr lang="zh-CN" altLang="en-US" b="0" i="0" dirty="0">
+                <a:solidFill>
+                  <a:srgbClr val="121212"/>
+                </a:solidFill>
+                <a:effectLst/>
+                <a:latin typeface="-apple-system"/>
+              </a:rPr>
+              <a:t>逻辑上的内聚性</a:t>
+            </a:r>
+          </a:p>
+          <a:p>
+            <a:pPr algn="l"/>
+            <a:r>
+              <a:rPr lang="zh-CN" altLang="en-US" b="0" i="0" dirty="0">
+                <a:solidFill>
+                  <a:srgbClr val="121212"/>
+                </a:solidFill>
+                <a:effectLst/>
+                <a:latin typeface="-apple-system"/>
+              </a:rPr>
+              <a:t>巧合的内聚性</a:t>
+            </a:r>
+          </a:p>
+          <a:p>
+            <a:pPr algn="l"/>
+            <a:endParaRPr lang="zh-CN" altLang="en-US" b="0" i="0" dirty="0">
+              <a:solidFill>
+                <a:srgbClr val="121212"/>
+              </a:solidFill>
+              <a:effectLst/>
+              <a:latin typeface="-apple-system"/>
+            </a:endParaRPr>
+          </a:p>
+          <a:p>
+            <a:pPr marL="285750" indent="-285750" algn="l">
+              <a:buFont typeface="Arial" panose="020B0604020202020204" pitchFamily="34" charset="0"/>
+              <a:buChar char="•"/>
+            </a:pPr>
+            <a:endParaRPr lang="en-US" altLang="zh-CN" dirty="0">
+              <a:latin typeface="微软雅黑" panose="020B0503020204020204" pitchFamily="34" charset="-122"/>
+              <a:ea typeface="微软雅黑" panose="020B0503020204020204" pitchFamily="34" charset="-122"/>
+            </a:endParaRPr>
+          </a:p>
+        </p:txBody>
+      </p:sp>
+    </p:spTree>
+    <p:extLst>
+      <p:ext uri="{BB962C8B-B14F-4D97-AF65-F5344CB8AC3E}">
+        <p14:creationId xmlns:p14="http://schemas.microsoft.com/office/powerpoint/2010/main" val="3210825542"/>
+      </p:ext>
+    </p:extLst>
+  </p:cSld>
+  <p:clrMapOvr>
+    <a:masterClrMapping/>
+  </p:clrMapOvr>
+</p:sld>
+</file>
+
+<file path=ppt/slides/slide5.xml><?xml version="1.0" encoding="utf-8"?>
+<p:sld xmlns:a="http://schemas.openxmlformats.org/drawingml/2006/main" xmlns:r="http://schemas.openxmlformats.org/officeDocument/2006/relationships" xmlns:p="http://schemas.openxmlformats.org/presentationml/2006/main">
+  <p:cSld>
+    <p:spTree>
+      <p:nvGrpSpPr>
+        <p:cNvPr id="1" name=""/>
+        <p:cNvGrpSpPr/>
+        <p:nvPr/>
+      </p:nvGrpSpPr>
+      <p:grpSpPr>
+        <a:xfrm>
+          <a:off x="0" y="0"/>
+          <a:ext cx="0" cy="0"/>
+          <a:chOff x="0" y="0"/>
+          <a:chExt cx="0" cy="0"/>
+        </a:xfrm>
+      </p:grpSpPr>
+      <p:sp>
+        <p:nvSpPr>
+          <p:cNvPr id="2" name="标题 1">
+            <a:extLst>
+              <a:ext uri="{FF2B5EF4-FFF2-40B4-BE49-F238E27FC236}">
+                <a16:creationId xmlns:a16="http://schemas.microsoft.com/office/drawing/2014/main" id="{2C07D16F-9BF3-43DF-9DEF-D5A5C1848A7C}"/>
+              </a:ext>
+            </a:extLst>
+          </p:cNvPr>
+          <p:cNvSpPr>
+            <a:spLocks noGrp="1"/>
+          </p:cNvSpPr>
+          <p:nvPr>
+            <p:ph type="title"/>
+          </p:nvPr>
+        </p:nvSpPr>
+        <p:spPr>
+          <a:xfrm>
+            <a:off x="838200" y="365126"/>
+            <a:ext cx="10515600" cy="493669"/>
+          </a:xfrm>
+        </p:spPr>
+        <p:txBody>
+          <a:bodyPr>
+            <a:normAutofit fontScale="90000"/>
+          </a:bodyPr>
+          <a:lstStyle/>
+          <a:p>
+            <a:r>
+              <a:rPr lang="zh-CN" altLang="en-US" dirty="0"/>
+              <a:t>好的子程序名字</a:t>
+            </a:r>
+          </a:p>
+        </p:txBody>
+      </p:sp>
+      <p:sp>
+        <p:nvSpPr>
+          <p:cNvPr id="3" name="文本框 2">
+            <a:extLst>
+              <a:ext uri="{FF2B5EF4-FFF2-40B4-BE49-F238E27FC236}">
+                <a16:creationId xmlns:a16="http://schemas.microsoft.com/office/drawing/2014/main" id="{3721FC6F-C966-40D7-846D-D2B49B770CF4}"/>
+              </a:ext>
+            </a:extLst>
+          </p:cNvPr>
+          <p:cNvSpPr txBox="1"/>
+          <p:nvPr/>
+        </p:nvSpPr>
+        <p:spPr>
+          <a:xfrm>
+            <a:off x="790833" y="957649"/>
+            <a:ext cx="10923373" cy="6186309"/>
+          </a:xfrm>
+          <a:prstGeom prst="rect">
+            <a:avLst/>
+          </a:prstGeom>
+          <a:noFill/>
+        </p:spPr>
+        <p:txBody>
+          <a:bodyPr wrap="square" rtlCol="0">
+            <a:spAutoFit/>
+          </a:bodyPr>
+          <a:lstStyle/>
+          <a:p>
+            <a:pPr algn="l"/>
+            <a:r>
+              <a:rPr lang="zh-CN" altLang="en-US" b="0" i="0">
+                <a:solidFill>
+                  <a:srgbClr val="121212"/>
+                </a:solidFill>
+                <a:effectLst/>
+                <a:latin typeface="-apple-system"/>
+              </a:rPr>
+              <a:t>好的子程序名字能清晰描述子程序所做的一切，以下是一些命名原则</a:t>
+            </a:r>
+          </a:p>
+          <a:p>
+            <a:pPr algn="l"/>
+            <a:r>
+              <a:rPr lang="zh-CN" altLang="en-US" b="1" i="0">
+                <a:solidFill>
+                  <a:srgbClr val="121212"/>
+                </a:solidFill>
+                <a:effectLst/>
+                <a:latin typeface="-apple-system"/>
+              </a:rPr>
+              <a:t>描述子程序所做的所有事情</a:t>
+            </a:r>
+            <a:endParaRPr lang="zh-CN" altLang="en-US" b="0" i="0">
+              <a:solidFill>
+                <a:srgbClr val="121212"/>
+              </a:solidFill>
+              <a:effectLst/>
+              <a:latin typeface="-apple-system"/>
+            </a:endParaRPr>
+          </a:p>
+          <a:p>
+            <a:pPr algn="l"/>
+            <a:r>
+              <a:rPr lang="zh-CN" altLang="en-US" b="0" i="0">
+                <a:solidFill>
+                  <a:srgbClr val="121212"/>
+                </a:solidFill>
+                <a:effectLst/>
+                <a:latin typeface="-apple-system"/>
+              </a:rPr>
+              <a:t>子程序的名字应当描述其所有的输出结果以及副作用</a:t>
+            </a:r>
+          </a:p>
+          <a:p>
+            <a:pPr algn="l"/>
+            <a:r>
+              <a:rPr lang="zh-CN" altLang="en-US" b="1" i="0">
+                <a:solidFill>
+                  <a:srgbClr val="121212"/>
+                </a:solidFill>
+                <a:effectLst/>
+                <a:latin typeface="-apple-system"/>
+              </a:rPr>
+              <a:t>避免使用无意义的、模糊或表述不清的动词</a:t>
+            </a:r>
+            <a:endParaRPr lang="zh-CN" altLang="en-US" b="0" i="0">
+              <a:solidFill>
+                <a:srgbClr val="121212"/>
+              </a:solidFill>
+              <a:effectLst/>
+              <a:latin typeface="-apple-system"/>
+            </a:endParaRPr>
+          </a:p>
+          <a:p>
+            <a:pPr algn="l"/>
+            <a:r>
+              <a:rPr lang="zh-CN" altLang="en-US" b="0" i="0">
+                <a:solidFill>
+                  <a:srgbClr val="121212"/>
+                </a:solidFill>
+                <a:effectLst/>
+                <a:latin typeface="-apple-system"/>
+              </a:rPr>
+              <a:t>命名的描述要精确，不要使用一些泛泛的动词，最好使用过程描述。</a:t>
+            </a:r>
+          </a:p>
+          <a:p>
+            <a:pPr algn="l"/>
+            <a:r>
+              <a:rPr lang="zh-CN" altLang="en-US" b="1" i="0">
+                <a:solidFill>
+                  <a:srgbClr val="121212"/>
+                </a:solidFill>
+                <a:effectLst/>
+                <a:latin typeface="-apple-system"/>
+              </a:rPr>
+              <a:t>绝对不要通过数字来形成不同的子程序名字</a:t>
+            </a:r>
+            <a:endParaRPr lang="zh-CN" altLang="en-US" b="0" i="0">
+              <a:solidFill>
+                <a:srgbClr val="121212"/>
+              </a:solidFill>
+              <a:effectLst/>
+              <a:latin typeface="-apple-system"/>
+            </a:endParaRPr>
+          </a:p>
+          <a:p>
+            <a:pPr algn="l"/>
+            <a:r>
+              <a:rPr lang="zh-CN" altLang="en-US" b="0" i="0">
+                <a:solidFill>
+                  <a:srgbClr val="121212"/>
+                </a:solidFill>
+                <a:effectLst/>
+                <a:latin typeface="-apple-system"/>
+              </a:rPr>
+              <a:t>不要将功能相近的函数命名为 </a:t>
+            </a:r>
+            <a:r>
+              <a:rPr lang="en-US" altLang="zh-CN" b="0" i="0">
+                <a:solidFill>
+                  <a:srgbClr val="121212"/>
+                </a:solidFill>
+                <a:effectLst/>
+                <a:latin typeface="-apple-system"/>
+              </a:rPr>
+              <a:t>part1, part2</a:t>
+            </a:r>
+            <a:r>
+              <a:rPr lang="zh-CN" altLang="en-US" b="0" i="0">
+                <a:solidFill>
+                  <a:srgbClr val="121212"/>
+                </a:solidFill>
+                <a:effectLst/>
+                <a:latin typeface="-apple-system"/>
+              </a:rPr>
+              <a:t>这一类名字，绝对不要！</a:t>
+            </a:r>
+          </a:p>
+          <a:p>
+            <a:pPr algn="l"/>
+            <a:r>
+              <a:rPr lang="zh-CN" altLang="en-US" b="1" i="0">
+                <a:solidFill>
+                  <a:srgbClr val="121212"/>
+                </a:solidFill>
+                <a:effectLst/>
+                <a:latin typeface="-apple-system"/>
+              </a:rPr>
+              <a:t>根据需要确定子程序名字的长度</a:t>
+            </a:r>
+            <a:endParaRPr lang="zh-CN" altLang="en-US" b="0" i="0">
+              <a:solidFill>
+                <a:srgbClr val="121212"/>
+              </a:solidFill>
+              <a:effectLst/>
+              <a:latin typeface="-apple-system"/>
+            </a:endParaRPr>
+          </a:p>
+          <a:p>
+            <a:pPr algn="l"/>
+            <a:r>
+              <a:rPr lang="zh-CN" altLang="en-US" b="0" i="0">
+                <a:solidFill>
+                  <a:srgbClr val="121212"/>
+                </a:solidFill>
+                <a:effectLst/>
+                <a:latin typeface="-apple-system"/>
+              </a:rPr>
+              <a:t>研究表明，变量名的最佳长度是</a:t>
+            </a:r>
+            <a:r>
+              <a:rPr lang="en-US" altLang="zh-CN" b="0" i="0">
+                <a:solidFill>
+                  <a:srgbClr val="121212"/>
+                </a:solidFill>
+                <a:effectLst/>
+                <a:latin typeface="-apple-system"/>
+              </a:rPr>
+              <a:t>9</a:t>
+            </a:r>
+            <a:r>
+              <a:rPr lang="zh-CN" altLang="en-US" b="0" i="0">
+                <a:solidFill>
+                  <a:srgbClr val="121212"/>
+                </a:solidFill>
+                <a:effectLst/>
+                <a:latin typeface="-apple-system"/>
+              </a:rPr>
+              <a:t>到</a:t>
+            </a:r>
+            <a:r>
+              <a:rPr lang="en-US" altLang="zh-CN" b="0" i="0">
+                <a:solidFill>
+                  <a:srgbClr val="121212"/>
+                </a:solidFill>
+                <a:effectLst/>
+                <a:latin typeface="-apple-system"/>
+              </a:rPr>
+              <a:t>15</a:t>
+            </a:r>
+            <a:r>
+              <a:rPr lang="zh-CN" altLang="en-US" b="0" i="0">
+                <a:solidFill>
+                  <a:srgbClr val="121212"/>
+                </a:solidFill>
+                <a:effectLst/>
+                <a:latin typeface="-apple-system"/>
+              </a:rPr>
+              <a:t>个字符，好的子程序名字通常也会更长一些，总的来说，给子程序命名的重点是尽可能含义清晰，也就是说，子程序名的长短要视该名字是否清晰易懂而定</a:t>
+            </a:r>
+          </a:p>
+          <a:p>
+            <a:pPr algn="l"/>
+            <a:r>
+              <a:rPr lang="zh-CN" altLang="en-US" b="1" i="0">
+                <a:solidFill>
+                  <a:srgbClr val="121212"/>
+                </a:solidFill>
+                <a:effectLst/>
+                <a:latin typeface="-apple-system"/>
+              </a:rPr>
+              <a:t>给函数命名时要对返回值有所描述</a:t>
+            </a:r>
+            <a:endParaRPr lang="zh-CN" altLang="en-US" b="0" i="0">
+              <a:solidFill>
+                <a:srgbClr val="121212"/>
+              </a:solidFill>
+              <a:effectLst/>
+              <a:latin typeface="-apple-system"/>
+            </a:endParaRPr>
+          </a:p>
+          <a:p>
+            <a:pPr algn="l"/>
+            <a:r>
+              <a:rPr lang="zh-CN" altLang="en-US" b="0" i="0">
+                <a:solidFill>
+                  <a:srgbClr val="121212"/>
+                </a:solidFill>
+                <a:effectLst/>
+                <a:latin typeface="-apple-system"/>
+              </a:rPr>
+              <a:t>函数有返回值，因些函数的命名应该针对其返回值进行</a:t>
+            </a:r>
+          </a:p>
+          <a:p>
+            <a:pPr algn="l"/>
+            <a:r>
+              <a:rPr lang="zh-CN" altLang="en-US" b="1" i="0">
+                <a:solidFill>
+                  <a:srgbClr val="121212"/>
+                </a:solidFill>
+                <a:effectLst/>
+                <a:latin typeface="-apple-system"/>
+              </a:rPr>
+              <a:t>给过程起名时使用语气强烈的动词加宾语的形式</a:t>
+            </a:r>
+            <a:endParaRPr lang="zh-CN" altLang="en-US" b="0" i="0">
+              <a:solidFill>
+                <a:srgbClr val="121212"/>
+              </a:solidFill>
+              <a:effectLst/>
+              <a:latin typeface="-apple-system"/>
+            </a:endParaRPr>
+          </a:p>
+          <a:p>
+            <a:pPr algn="l"/>
+            <a:r>
+              <a:rPr lang="zh-CN" altLang="en-US" b="0" i="0">
+                <a:solidFill>
+                  <a:srgbClr val="121212"/>
+                </a:solidFill>
+                <a:effectLst/>
+                <a:latin typeface="-apple-system"/>
+              </a:rPr>
+              <a:t>一个具有功能内聚性的过程通常是针对一个对象执行一种操作，过程的名字应该能反映该过程所做的事情，而一个针对某对象执行的操作就需要一个动词</a:t>
+            </a:r>
+            <a:r>
+              <a:rPr lang="en-US" altLang="zh-CN" b="0" i="0">
+                <a:solidFill>
+                  <a:srgbClr val="121212"/>
+                </a:solidFill>
+                <a:effectLst/>
+                <a:latin typeface="-apple-system"/>
+              </a:rPr>
+              <a:t>+</a:t>
+            </a:r>
+            <a:r>
+              <a:rPr lang="zh-CN" altLang="en-US" b="0" i="0" u="none" strike="noStrike">
+                <a:solidFill>
+                  <a:srgbClr val="0066FF"/>
+                </a:solidFill>
+                <a:effectLst/>
+                <a:latin typeface="-apple-system"/>
+                <a:hlinkClick r:id="rId2"/>
+              </a:rPr>
+              <a:t>宾语</a:t>
+            </a:r>
+            <a:r>
+              <a:rPr lang="zh-CN" altLang="en-US" b="0" i="0">
+                <a:solidFill>
+                  <a:srgbClr val="121212"/>
+                </a:solidFill>
+                <a:effectLst/>
+                <a:latin typeface="-apple-system"/>
+              </a:rPr>
+              <a:t>形式的名字。</a:t>
+            </a:r>
+          </a:p>
+          <a:p>
+            <a:pPr algn="l"/>
+            <a:r>
+              <a:rPr lang="zh-CN" altLang="en-US" b="1" i="0">
+                <a:solidFill>
+                  <a:srgbClr val="121212"/>
+                </a:solidFill>
+                <a:effectLst/>
+                <a:latin typeface="-apple-system"/>
+              </a:rPr>
+              <a:t>准确使用对仗词</a:t>
+            </a:r>
+            <a:endParaRPr lang="zh-CN" altLang="en-US" b="0" i="0">
+              <a:solidFill>
+                <a:srgbClr val="121212"/>
+              </a:solidFill>
+              <a:effectLst/>
+              <a:latin typeface="-apple-system"/>
+            </a:endParaRPr>
+          </a:p>
+          <a:p>
+            <a:pPr algn="l"/>
+            <a:r>
+              <a:rPr lang="en-US" altLang="zh-CN" b="0" i="0">
+                <a:solidFill>
+                  <a:srgbClr val="121212"/>
+                </a:solidFill>
+                <a:effectLst/>
+                <a:latin typeface="-apple-system"/>
+              </a:rPr>
+              <a:t>first / last</a:t>
+            </a:r>
+          </a:p>
+          <a:p>
+            <a:pPr algn="l"/>
+            <a:r>
+              <a:rPr lang="en-US" altLang="zh-CN" b="0" i="0">
+                <a:solidFill>
+                  <a:srgbClr val="121212"/>
+                </a:solidFill>
+                <a:effectLst/>
+                <a:latin typeface="-apple-system"/>
+              </a:rPr>
+              <a:t>add / remove</a:t>
+            </a:r>
+          </a:p>
+          <a:p>
+            <a:pPr algn="l"/>
+            <a:r>
+              <a:rPr lang="en-US" altLang="zh-CN" b="0" i="0">
+                <a:solidFill>
+                  <a:srgbClr val="121212"/>
+                </a:solidFill>
+                <a:effectLst/>
+                <a:latin typeface="-apple-system"/>
+              </a:rPr>
+              <a:t>begin / end</a:t>
+            </a:r>
+          </a:p>
+          <a:p>
+            <a:pPr algn="l"/>
+            <a:r>
+              <a:rPr lang="en-US" altLang="zh-CN" b="0" i="0">
+                <a:solidFill>
+                  <a:srgbClr val="121212"/>
+                </a:solidFill>
+                <a:effectLst/>
+                <a:latin typeface="-apple-system"/>
+              </a:rPr>
+              <a:t>create / destroy</a:t>
+            </a:r>
+          </a:p>
+          <a:p>
+            <a:pPr algn="l"/>
+            <a:r>
+              <a:rPr lang="en-US" altLang="zh-CN" b="0" i="0">
+                <a:solidFill>
+                  <a:srgbClr val="121212"/>
+                </a:solidFill>
+                <a:effectLst/>
+                <a:latin typeface="-apple-system"/>
+              </a:rPr>
+              <a:t>and so on ...</a:t>
+            </a:r>
+          </a:p>
+          <a:p>
+            <a:pPr algn="l"/>
+            <a:r>
+              <a:rPr lang="zh-CN" altLang="en-US" b="1" i="0">
+                <a:solidFill>
+                  <a:srgbClr val="121212"/>
+                </a:solidFill>
+                <a:effectLst/>
+                <a:latin typeface="-apple-system"/>
+              </a:rPr>
+              <a:t>为常用操作确立命名规则</a:t>
+            </a:r>
+            <a:endParaRPr lang="zh-CN" altLang="en-US" b="0" i="0">
+              <a:solidFill>
+                <a:srgbClr val="121212"/>
+              </a:solidFill>
+              <a:effectLst/>
+              <a:latin typeface="-apple-system"/>
+            </a:endParaRPr>
+          </a:p>
+        </p:txBody>
+      </p:sp>
+    </p:spTree>
+    <p:extLst>
+      <p:ext uri="{BB962C8B-B14F-4D97-AF65-F5344CB8AC3E}">
+        <p14:creationId xmlns:p14="http://schemas.microsoft.com/office/powerpoint/2010/main" val="3574031019"/>
+      </p:ext>
+    </p:extLst>
+  </p:cSld>
+  <p:clrMapOvr>
+    <a:masterClrMapping/>
+  </p:clrMapOvr>
+</p:sld>
+</file>
+
+<file path=ppt/slides/slide6.xml><?xml version="1.0" encoding="utf-8"?>
+<p:sld xmlns:a="http://schemas.openxmlformats.org/drawingml/2006/main" xmlns:r="http://schemas.openxmlformats.org/officeDocument/2006/relationships" xmlns:p="http://schemas.openxmlformats.org/presentationml/2006/main">
+  <p:cSld>
+    <p:spTree>
+      <p:nvGrpSpPr>
+        <p:cNvPr id="1" name=""/>
+        <p:cNvGrpSpPr/>
+        <p:nvPr/>
+      </p:nvGrpSpPr>
+      <p:grpSpPr>
+        <a:xfrm>
+          <a:off x="0" y="0"/>
+          <a:ext cx="0" cy="0"/>
+          <a:chOff x="0" y="0"/>
+          <a:chExt cx="0" cy="0"/>
+        </a:xfrm>
+      </p:grpSpPr>
+      <p:sp>
+        <p:nvSpPr>
+          <p:cNvPr id="2" name="标题 1">
+            <a:extLst>
+              <a:ext uri="{FF2B5EF4-FFF2-40B4-BE49-F238E27FC236}">
+                <a16:creationId xmlns:a16="http://schemas.microsoft.com/office/drawing/2014/main" id="{2C07D16F-9BF3-43DF-9DEF-D5A5C1848A7C}"/>
+              </a:ext>
+            </a:extLst>
+          </p:cNvPr>
+          <p:cNvSpPr>
+            <a:spLocks noGrp="1"/>
+          </p:cNvSpPr>
+          <p:nvPr>
+            <p:ph type="title"/>
+          </p:nvPr>
+        </p:nvSpPr>
+        <p:spPr>
+          <a:xfrm>
+            <a:off x="838200" y="365126"/>
+            <a:ext cx="10515600" cy="493669"/>
+          </a:xfrm>
+        </p:spPr>
+        <p:txBody>
+          <a:bodyPr>
+            <a:normAutofit fontScale="90000"/>
+          </a:bodyPr>
+          <a:lstStyle/>
+          <a:p>
+            <a:r>
+              <a:rPr lang="zh-CN" altLang="en-US" dirty="0"/>
+              <a:t>子程序可以写多长</a:t>
+            </a:r>
+          </a:p>
+        </p:txBody>
+      </p:sp>
+      <p:sp>
+        <p:nvSpPr>
+          <p:cNvPr id="3" name="文本框 2">
+            <a:extLst>
+              <a:ext uri="{FF2B5EF4-FFF2-40B4-BE49-F238E27FC236}">
+                <a16:creationId xmlns:a16="http://schemas.microsoft.com/office/drawing/2014/main" id="{A3F239DE-9C6C-47F8-8830-698C633F266B}"/>
+              </a:ext>
+            </a:extLst>
+          </p:cNvPr>
+          <p:cNvSpPr txBox="1"/>
+          <p:nvPr/>
+        </p:nvSpPr>
+        <p:spPr>
+          <a:xfrm>
+            <a:off x="988541" y="1451919"/>
+            <a:ext cx="8062783" cy="1754326"/>
+          </a:xfrm>
+          <a:prstGeom prst="rect">
+            <a:avLst/>
+          </a:prstGeom>
+          <a:noFill/>
+        </p:spPr>
+        <p:txBody>
+          <a:bodyPr wrap="square" rtlCol="0">
+            <a:spAutoFit/>
+          </a:bodyPr>
+          <a:lstStyle/>
+          <a:p>
+            <a:pPr algn="l"/>
+            <a:r>
+              <a:rPr lang="zh-CN" altLang="en-US" b="0" i="0" dirty="0">
+                <a:solidFill>
+                  <a:srgbClr val="121212"/>
+                </a:solidFill>
+                <a:effectLst/>
+                <a:latin typeface="-apple-system"/>
+              </a:rPr>
+              <a:t>理论上认为的子程序最佳最大长度通常是一屏代码或打印出来一到两页的代码，也就是约</a:t>
+            </a:r>
+            <a:r>
+              <a:rPr lang="en-US" altLang="zh-CN" b="0" i="0" dirty="0">
+                <a:solidFill>
+                  <a:srgbClr val="121212"/>
+                </a:solidFill>
+                <a:effectLst/>
+                <a:latin typeface="-apple-system"/>
+              </a:rPr>
+              <a:t>50~150</a:t>
+            </a:r>
+            <a:r>
+              <a:rPr lang="zh-CN" altLang="en-US" b="0" i="0" dirty="0">
+                <a:solidFill>
+                  <a:srgbClr val="121212"/>
+                </a:solidFill>
+                <a:effectLst/>
+                <a:latin typeface="-apple-system"/>
+              </a:rPr>
+              <a:t>行代码。</a:t>
+            </a:r>
+          </a:p>
+          <a:p>
+            <a:pPr algn="l"/>
+            <a:r>
+              <a:rPr lang="zh-CN" altLang="en-US" b="0" i="0" dirty="0">
+                <a:solidFill>
+                  <a:srgbClr val="121212"/>
+                </a:solidFill>
+                <a:effectLst/>
+                <a:latin typeface="-apple-system"/>
+              </a:rPr>
+              <a:t>与其对子程序的长度强加限制，还不如让下面这些因素 </a:t>
+            </a:r>
+            <a:r>
+              <a:rPr lang="en-US" altLang="zh-CN" b="0" i="0" dirty="0">
+                <a:solidFill>
+                  <a:srgbClr val="121212"/>
+                </a:solidFill>
+                <a:effectLst/>
+                <a:latin typeface="-apple-system"/>
+              </a:rPr>
+              <a:t>— </a:t>
+            </a:r>
+            <a:r>
+              <a:rPr lang="zh-CN" altLang="en-US" b="0" i="0" dirty="0">
+                <a:solidFill>
+                  <a:srgbClr val="121212"/>
+                </a:solidFill>
+                <a:effectLst/>
+                <a:latin typeface="-apple-system"/>
+              </a:rPr>
+              <a:t>如子程序的内聚性、嵌套的层次、变量的数量 、决策点的数量、解释子程序用意所需的注释数量以及其他一些跟复杂度相关的考虑事项等 </a:t>
+            </a:r>
+            <a:r>
+              <a:rPr lang="en-US" altLang="zh-CN" b="0" i="0" dirty="0">
+                <a:solidFill>
+                  <a:srgbClr val="121212"/>
+                </a:solidFill>
+                <a:effectLst/>
+                <a:latin typeface="-apple-system"/>
+              </a:rPr>
+              <a:t>— </a:t>
+            </a:r>
+            <a:r>
+              <a:rPr lang="zh-CN" altLang="en-US" b="0" i="0" dirty="0">
+                <a:solidFill>
+                  <a:srgbClr val="121212"/>
+                </a:solidFill>
+                <a:effectLst/>
+                <a:latin typeface="-apple-system"/>
+              </a:rPr>
+              <a:t>来决定子程序的长度。</a:t>
+            </a:r>
+          </a:p>
+          <a:p>
+            <a:endParaRPr lang="zh-CN" altLang="en-US" dirty="0"/>
+          </a:p>
+        </p:txBody>
+      </p:sp>
+    </p:spTree>
+    <p:extLst>
+      <p:ext uri="{BB962C8B-B14F-4D97-AF65-F5344CB8AC3E}">
+        <p14:creationId xmlns:p14="http://schemas.microsoft.com/office/powerpoint/2010/main" val="3175681055"/>
+      </p:ext>
+    </p:extLst>
+  </p:cSld>
+  <p:clrMapOvr>
+    <a:masterClrMapping/>
+  </p:clrMapOvr>
+</p:sld>
+</file>
+
+<file path=ppt/slides/slide7.xml><?xml version="1.0" encoding="utf-8"?>
+<p:sld xmlns:a="http://schemas.openxmlformats.org/drawingml/2006/main" xmlns:r="http://schemas.openxmlformats.org/officeDocument/2006/relationships" xmlns:p="http://schemas.openxmlformats.org/presentationml/2006/main">
+  <p:cSld>
+    <p:spTree>
+      <p:nvGrpSpPr>
+        <p:cNvPr id="1" name=""/>
+        <p:cNvGrpSpPr/>
+        <p:nvPr/>
+      </p:nvGrpSpPr>
+      <p:grpSpPr>
+        <a:xfrm>
+          <a:off x="0" y="0"/>
+          <a:ext cx="0" cy="0"/>
+          <a:chOff x="0" y="0"/>
+          <a:chExt cx="0" cy="0"/>
+        </a:xfrm>
+      </p:grpSpPr>
+      <p:sp>
+        <p:nvSpPr>
+          <p:cNvPr id="2" name="标题 1">
+            <a:extLst>
+              <a:ext uri="{FF2B5EF4-FFF2-40B4-BE49-F238E27FC236}">
+                <a16:creationId xmlns:a16="http://schemas.microsoft.com/office/drawing/2014/main" id="{2C07D16F-9BF3-43DF-9DEF-D5A5C1848A7C}"/>
+              </a:ext>
+            </a:extLst>
+          </p:cNvPr>
+          <p:cNvSpPr>
+            <a:spLocks noGrp="1"/>
+          </p:cNvSpPr>
+          <p:nvPr>
+            <p:ph type="title"/>
+          </p:nvPr>
+        </p:nvSpPr>
+        <p:spPr>
+          <a:xfrm>
+            <a:off x="838200" y="365126"/>
+            <a:ext cx="10515600" cy="493669"/>
+          </a:xfrm>
+        </p:spPr>
+        <p:txBody>
+          <a:bodyPr>
+            <a:normAutofit fontScale="90000"/>
+          </a:bodyPr>
+          <a:lstStyle/>
+          <a:p>
+            <a:r>
+              <a:rPr lang="zh-CN" altLang="en-US" dirty="0"/>
+              <a:t>如何使用子程序参数</a:t>
+            </a:r>
+          </a:p>
+        </p:txBody>
+      </p:sp>
+      <p:sp>
+        <p:nvSpPr>
+          <p:cNvPr id="3" name="文本框 2">
+            <a:extLst>
+              <a:ext uri="{FF2B5EF4-FFF2-40B4-BE49-F238E27FC236}">
+                <a16:creationId xmlns:a16="http://schemas.microsoft.com/office/drawing/2014/main" id="{0BEDE3C7-D31E-45B8-8AE2-FA987F54E4F9}"/>
+              </a:ext>
+            </a:extLst>
+          </p:cNvPr>
+          <p:cNvSpPr txBox="1"/>
+          <p:nvPr/>
+        </p:nvSpPr>
+        <p:spPr>
+          <a:xfrm>
+            <a:off x="838200" y="1223319"/>
+            <a:ext cx="7790936" cy="4247317"/>
+          </a:xfrm>
+          <a:prstGeom prst="rect">
+            <a:avLst/>
+          </a:prstGeom>
+          <a:noFill/>
+        </p:spPr>
+        <p:txBody>
+          <a:bodyPr wrap="square" rtlCol="0">
+            <a:spAutoFit/>
+          </a:bodyPr>
+          <a:lstStyle/>
+          <a:p>
+            <a:pPr algn="l"/>
+            <a:r>
+              <a:rPr lang="zh-CN" altLang="en-US" b="0" i="0" dirty="0">
+                <a:solidFill>
+                  <a:srgbClr val="121212"/>
+                </a:solidFill>
+                <a:effectLst/>
+                <a:latin typeface="-apple-system"/>
+              </a:rPr>
+              <a:t>子程序之间的接口是程序中最容易出错的部分之一。</a:t>
+            </a:r>
+            <a:endParaRPr lang="en-US" altLang="zh-CN" b="0" i="0" dirty="0">
+              <a:solidFill>
+                <a:srgbClr val="121212"/>
+              </a:solidFill>
+              <a:effectLst/>
+              <a:latin typeface="-apple-system"/>
+            </a:endParaRPr>
+          </a:p>
+          <a:p>
+            <a:pPr algn="l"/>
+            <a:endParaRPr lang="en-US" altLang="zh-CN" dirty="0">
+              <a:solidFill>
+                <a:srgbClr val="121212"/>
+              </a:solidFill>
+              <a:latin typeface="-apple-system"/>
+            </a:endParaRPr>
+          </a:p>
+          <a:p>
+            <a:pPr marL="285750" indent="-285750" algn="l">
+              <a:buFont typeface="Arial" panose="020B0604020202020204" pitchFamily="34" charset="0"/>
+              <a:buChar char="•"/>
+            </a:pPr>
+            <a:r>
+              <a:rPr lang="zh-CN" altLang="en-US" b="0" i="0" dirty="0">
+                <a:solidFill>
+                  <a:srgbClr val="121212"/>
+                </a:solidFill>
+                <a:effectLst/>
+                <a:latin typeface="-apple-system"/>
+              </a:rPr>
+              <a:t>按照输入</a:t>
+            </a:r>
+            <a:r>
+              <a:rPr lang="en-US" altLang="zh-CN" b="0" i="0" dirty="0">
+                <a:solidFill>
+                  <a:srgbClr val="121212"/>
+                </a:solidFill>
+                <a:effectLst/>
+                <a:latin typeface="-apple-system"/>
+              </a:rPr>
+              <a:t>-</a:t>
+            </a:r>
+            <a:r>
+              <a:rPr lang="zh-CN" altLang="en-US" b="0" i="0" dirty="0">
+                <a:solidFill>
+                  <a:srgbClr val="121212"/>
+                </a:solidFill>
+                <a:effectLst/>
+                <a:latin typeface="-apple-system"/>
+              </a:rPr>
+              <a:t>修改</a:t>
+            </a:r>
+            <a:r>
+              <a:rPr lang="en-US" altLang="zh-CN" b="0" i="0" dirty="0">
+                <a:solidFill>
+                  <a:srgbClr val="121212"/>
+                </a:solidFill>
+                <a:effectLst/>
+                <a:latin typeface="-apple-system"/>
+              </a:rPr>
+              <a:t>-</a:t>
+            </a:r>
+            <a:r>
+              <a:rPr lang="zh-CN" altLang="en-US" b="0" i="0" dirty="0">
+                <a:solidFill>
+                  <a:srgbClr val="121212"/>
+                </a:solidFill>
+                <a:effectLst/>
+                <a:latin typeface="-apple-system"/>
+              </a:rPr>
+              <a:t>输出的顺序排列参数</a:t>
+            </a:r>
+          </a:p>
+          <a:p>
+            <a:pPr marL="285750" indent="-285750" algn="l">
+              <a:buFont typeface="Arial" panose="020B0604020202020204" pitchFamily="34" charset="0"/>
+              <a:buChar char="•"/>
+            </a:pPr>
+            <a:r>
+              <a:rPr lang="zh-CN" altLang="en-US" b="0" i="0" dirty="0">
+                <a:solidFill>
+                  <a:srgbClr val="121212"/>
+                </a:solidFill>
+                <a:effectLst/>
+                <a:latin typeface="-apple-system"/>
+              </a:rPr>
+              <a:t>考虑自己创建</a:t>
+            </a:r>
+            <a:r>
+              <a:rPr lang="en-US" altLang="zh-CN" b="0" i="0" dirty="0">
+                <a:solidFill>
+                  <a:srgbClr val="121212"/>
+                </a:solidFill>
+                <a:effectLst/>
+                <a:latin typeface="-apple-system"/>
+              </a:rPr>
+              <a:t>in</a:t>
+            </a:r>
+            <a:r>
+              <a:rPr lang="zh-CN" altLang="en-US" b="0" i="0" dirty="0">
+                <a:solidFill>
+                  <a:srgbClr val="121212"/>
+                </a:solidFill>
+                <a:effectLst/>
+                <a:latin typeface="-apple-system"/>
+              </a:rPr>
+              <a:t>和</a:t>
+            </a:r>
+            <a:r>
+              <a:rPr lang="en-US" altLang="zh-CN" b="0" i="0" dirty="0">
+                <a:solidFill>
+                  <a:srgbClr val="121212"/>
+                </a:solidFill>
+                <a:effectLst/>
+                <a:latin typeface="-apple-system"/>
+              </a:rPr>
+              <a:t>out</a:t>
+            </a:r>
+            <a:r>
+              <a:rPr lang="zh-CN" altLang="en-US" b="0" i="0" dirty="0">
+                <a:solidFill>
+                  <a:srgbClr val="121212"/>
+                </a:solidFill>
+                <a:effectLst/>
+                <a:latin typeface="-apple-system"/>
+              </a:rPr>
+              <a:t>关键字</a:t>
+            </a:r>
+          </a:p>
+          <a:p>
+            <a:pPr marL="285750" indent="-285750" algn="l">
+              <a:buFont typeface="Arial" panose="020B0604020202020204" pitchFamily="34" charset="0"/>
+              <a:buChar char="•"/>
+            </a:pPr>
+            <a:r>
+              <a:rPr lang="zh-CN" altLang="en-US" b="0" i="0" dirty="0">
+                <a:solidFill>
+                  <a:srgbClr val="121212"/>
+                </a:solidFill>
+                <a:effectLst/>
+                <a:latin typeface="-apple-system"/>
+              </a:rPr>
+              <a:t>如果几个子程序都用了类似的一些参数，应该让这些参数的排列顺序保持一致</a:t>
+            </a:r>
+          </a:p>
+          <a:p>
+            <a:pPr marL="285750" indent="-285750" algn="l">
+              <a:buFont typeface="Arial" panose="020B0604020202020204" pitchFamily="34" charset="0"/>
+              <a:buChar char="•"/>
+            </a:pPr>
+            <a:r>
+              <a:rPr lang="zh-CN" altLang="en-US" b="0" i="0" dirty="0">
+                <a:solidFill>
+                  <a:srgbClr val="121212"/>
+                </a:solidFill>
+                <a:effectLst/>
+                <a:latin typeface="-apple-system"/>
+              </a:rPr>
+              <a:t>使用所有的参数（传递的参数一定使用，如果根本用不着，就把他从参数列表删除）</a:t>
+            </a:r>
+          </a:p>
+          <a:p>
+            <a:pPr marL="285750" indent="-285750" algn="l">
+              <a:buFont typeface="Arial" panose="020B0604020202020204" pitchFamily="34" charset="0"/>
+              <a:buChar char="•"/>
+            </a:pPr>
+            <a:r>
+              <a:rPr lang="zh-CN" altLang="en-US" b="0" i="0" dirty="0">
+                <a:solidFill>
+                  <a:srgbClr val="121212"/>
+                </a:solidFill>
+                <a:effectLst/>
+                <a:latin typeface="-apple-system"/>
+              </a:rPr>
+              <a:t>把状态或出错变量放在最后；不要把子程序的参数用作工作变量（应使用局部变量）</a:t>
+            </a:r>
+          </a:p>
+          <a:p>
+            <a:pPr marL="285750" indent="-285750" algn="l">
+              <a:buFont typeface="Arial" panose="020B0604020202020204" pitchFamily="34" charset="0"/>
+              <a:buChar char="•"/>
+            </a:pPr>
+            <a:r>
+              <a:rPr lang="zh-CN" altLang="en-US" b="0" i="0" dirty="0">
+                <a:solidFill>
+                  <a:srgbClr val="121212"/>
+                </a:solidFill>
+                <a:effectLst/>
+                <a:latin typeface="-apple-system"/>
+              </a:rPr>
+              <a:t>在接口中对参数的假定加以说明（子程序和调用子程序处同时说明）；</a:t>
+            </a:r>
+          </a:p>
+          <a:p>
+            <a:pPr marL="285750" indent="-285750" algn="l">
+              <a:buFont typeface="Arial" panose="020B0604020202020204" pitchFamily="34" charset="0"/>
+              <a:buChar char="•"/>
+            </a:pPr>
+            <a:r>
+              <a:rPr lang="zh-CN" altLang="en-US" b="0" i="0" dirty="0">
+                <a:solidFill>
+                  <a:srgbClr val="121212"/>
+                </a:solidFill>
+                <a:effectLst/>
+                <a:latin typeface="-apple-system"/>
+              </a:rPr>
+              <a:t>为子程序传递用以维持其接口抽象的变量或对象（重点是子程序的接口要表达何种抽象，传递整个对象还是其中的变量）</a:t>
+            </a:r>
+          </a:p>
+          <a:p>
+            <a:pPr marL="285750" indent="-285750" algn="l">
+              <a:buFont typeface="Arial" panose="020B0604020202020204" pitchFamily="34" charset="0"/>
+              <a:buChar char="•"/>
+            </a:pPr>
+            <a:r>
+              <a:rPr lang="zh-CN" altLang="en-US" b="0" i="0" dirty="0">
+                <a:solidFill>
+                  <a:srgbClr val="121212"/>
+                </a:solidFill>
+                <a:effectLst/>
+                <a:latin typeface="-apple-system"/>
+              </a:rPr>
+              <a:t>使用具名参数</a:t>
+            </a:r>
+          </a:p>
+          <a:p>
+            <a:pPr marL="285750" indent="-285750" algn="l">
+              <a:buFont typeface="Arial" panose="020B0604020202020204" pitchFamily="34" charset="0"/>
+              <a:buChar char="•"/>
+            </a:pPr>
+            <a:r>
+              <a:rPr lang="zh-CN" altLang="en-US" b="0" i="0" dirty="0">
+                <a:solidFill>
+                  <a:srgbClr val="121212"/>
+                </a:solidFill>
+                <a:effectLst/>
+                <a:latin typeface="-apple-system"/>
+              </a:rPr>
+              <a:t> 确保实际参数与形式参数相匹配</a:t>
+            </a:r>
+          </a:p>
+        </p:txBody>
+      </p:sp>
+    </p:spTree>
+    <p:extLst>
+      <p:ext uri="{BB962C8B-B14F-4D97-AF65-F5344CB8AC3E}">
+        <p14:creationId xmlns:p14="http://schemas.microsoft.com/office/powerpoint/2010/main" val="1628853847"/>
+      </p:ext>
+    </p:extLst>
+  </p:cSld>
+  <p:clrMapOvr>
+    <a:masterClrMapping/>
+  </p:clrMapOvr>
+</p:sld>
+</file>
+
+<file path=ppt/slides/slide8.xml><?xml version="1.0" encoding="utf-8"?>
+<p:sld xmlns:a="http://schemas.openxmlformats.org/drawingml/2006/main" xmlns:r="http://schemas.openxmlformats.org/officeDocument/2006/relationships" xmlns:p="http://schemas.openxmlformats.org/presentationml/2006/main">
+  <p:cSld>
+    <p:spTree>
+      <p:nvGrpSpPr>
+        <p:cNvPr id="1" name=""/>
+        <p:cNvGrpSpPr/>
+        <p:nvPr/>
+      </p:nvGrpSpPr>
+      <p:grpSpPr>
+        <a:xfrm>
+          <a:off x="0" y="0"/>
+          <a:ext cx="0" cy="0"/>
+          <a:chOff x="0" y="0"/>
+          <a:chExt cx="0" cy="0"/>
+        </a:xfrm>
+      </p:grpSpPr>
+      <p:sp>
+        <p:nvSpPr>
+          <p:cNvPr id="2" name="标题 1">
+            <a:extLst>
+              <a:ext uri="{FF2B5EF4-FFF2-40B4-BE49-F238E27FC236}">
+                <a16:creationId xmlns:a16="http://schemas.microsoft.com/office/drawing/2014/main" id="{2C07D16F-9BF3-43DF-9DEF-D5A5C1848A7C}"/>
+              </a:ext>
+            </a:extLst>
+          </p:cNvPr>
+          <p:cNvSpPr>
+            <a:spLocks noGrp="1"/>
+          </p:cNvSpPr>
+          <p:nvPr>
+            <p:ph type="title"/>
+          </p:nvPr>
+        </p:nvSpPr>
+        <p:spPr>
+          <a:xfrm>
+            <a:off x="838200" y="365126"/>
+            <a:ext cx="10515600" cy="493669"/>
+          </a:xfrm>
+        </p:spPr>
+        <p:txBody>
+          <a:bodyPr>
+            <a:normAutofit fontScale="90000"/>
+          </a:bodyPr>
+          <a:lstStyle/>
+          <a:p>
+            <a:r>
+              <a:rPr lang="zh-CN" altLang="en-US" dirty="0"/>
+              <a:t>防御式编程</a:t>
+            </a:r>
+          </a:p>
+        </p:txBody>
+      </p:sp>
+      <p:pic>
+        <p:nvPicPr>
+          <p:cNvPr id="5" name="内容占位符 4">
+            <a:extLst>
+              <a:ext uri="{FF2B5EF4-FFF2-40B4-BE49-F238E27FC236}">
+                <a16:creationId xmlns:a16="http://schemas.microsoft.com/office/drawing/2014/main" id="{2669E415-663D-4E85-975A-A62F5F9C1FFA}"/>
+              </a:ext>
+            </a:extLst>
+          </p:cNvPr>
+          <p:cNvPicPr>
+            <a:picLocks noGrp="1" noChangeAspect="1"/>
+          </p:cNvPicPr>
+          <p:nvPr>
+            <p:ph idx="1"/>
+          </p:nvPr>
+        </p:nvPicPr>
+        <p:blipFill>
+          <a:blip r:embed="rId2"/>
+          <a:stretch>
+            <a:fillRect/>
+          </a:stretch>
+        </p:blipFill>
+        <p:spPr>
+          <a:xfrm>
+            <a:off x="919617" y="1849302"/>
+            <a:ext cx="10771451" cy="3236265"/>
+          </a:xfrm>
+        </p:spPr>
+      </p:pic>
+    </p:spTree>
+    <p:extLst>
+      <p:ext uri="{BB962C8B-B14F-4D97-AF65-F5344CB8AC3E}">
+        <p14:creationId xmlns:p14="http://schemas.microsoft.com/office/powerpoint/2010/main" val="106559108"/>
       </p:ext>
     </p:extLst>
   </p:cSld>

--- a/演示文稿1.pptx
+++ b/演示文稿1.pptx
@@ -6,13 +6,20 @@
   </p:sldMasterIdLst>
   <p:sldIdLst>
     <p:sldId id="258" r:id="rId2"/>
-    <p:sldId id="260" r:id="rId3"/>
-    <p:sldId id="266" r:id="rId4"/>
-    <p:sldId id="267" r:id="rId5"/>
-    <p:sldId id="262" r:id="rId6"/>
-    <p:sldId id="263" r:id="rId7"/>
-    <p:sldId id="264" r:id="rId8"/>
-    <p:sldId id="259" r:id="rId9"/>
+    <p:sldId id="261" r:id="rId3"/>
+    <p:sldId id="260" r:id="rId4"/>
+    <p:sldId id="262" r:id="rId5"/>
+    <p:sldId id="263" r:id="rId6"/>
+    <p:sldId id="264" r:id="rId7"/>
+    <p:sldId id="267" r:id="rId8"/>
+    <p:sldId id="265" r:id="rId9"/>
+    <p:sldId id="266" r:id="rId10"/>
+    <p:sldId id="259" r:id="rId11"/>
+    <p:sldId id="268" r:id="rId12"/>
+    <p:sldId id="269" r:id="rId13"/>
+    <p:sldId id="270" r:id="rId14"/>
+    <p:sldId id="271" r:id="rId15"/>
+    <p:sldId id="272" r:id="rId16"/>
   </p:sldIdLst>
   <p:sldSz cx="12192000" cy="6858000"/>
   <p:notesSz cx="6858000" cy="9144000"/>
@@ -266,7 +273,7 @@
           <a:p>
             <a:fld id="{627BC110-4B56-4695-9AA7-C6AB0F4307FB}" type="datetimeFigureOut">
               <a:rPr lang="zh-CN" altLang="en-US" smtClean="0"/>
-              <a:t>2021/12/6</a:t>
+              <a:t>2022/2/9</a:t>
             </a:fld>
             <a:endParaRPr lang="zh-CN" altLang="en-US"/>
           </a:p>
@@ -464,7 +471,7 @@
           <a:p>
             <a:fld id="{627BC110-4B56-4695-9AA7-C6AB0F4307FB}" type="datetimeFigureOut">
               <a:rPr lang="zh-CN" altLang="en-US" smtClean="0"/>
-              <a:t>2021/12/6</a:t>
+              <a:t>2022/2/9</a:t>
             </a:fld>
             <a:endParaRPr lang="zh-CN" altLang="en-US"/>
           </a:p>
@@ -672,7 +679,7 @@
           <a:p>
             <a:fld id="{627BC110-4B56-4695-9AA7-C6AB0F4307FB}" type="datetimeFigureOut">
               <a:rPr lang="zh-CN" altLang="en-US" smtClean="0"/>
-              <a:t>2021/12/6</a:t>
+              <a:t>2022/2/9</a:t>
             </a:fld>
             <a:endParaRPr lang="zh-CN" altLang="en-US"/>
           </a:p>
@@ -870,7 +877,7 @@
           <a:p>
             <a:fld id="{627BC110-4B56-4695-9AA7-C6AB0F4307FB}" type="datetimeFigureOut">
               <a:rPr lang="zh-CN" altLang="en-US" smtClean="0"/>
-              <a:t>2021/12/6</a:t>
+              <a:t>2022/2/9</a:t>
             </a:fld>
             <a:endParaRPr lang="zh-CN" altLang="en-US"/>
           </a:p>
@@ -1145,7 +1152,7 @@
           <a:p>
             <a:fld id="{627BC110-4B56-4695-9AA7-C6AB0F4307FB}" type="datetimeFigureOut">
               <a:rPr lang="zh-CN" altLang="en-US" smtClean="0"/>
-              <a:t>2021/12/6</a:t>
+              <a:t>2022/2/9</a:t>
             </a:fld>
             <a:endParaRPr lang="zh-CN" altLang="en-US"/>
           </a:p>
@@ -1410,7 +1417,7 @@
           <a:p>
             <a:fld id="{627BC110-4B56-4695-9AA7-C6AB0F4307FB}" type="datetimeFigureOut">
               <a:rPr lang="zh-CN" altLang="en-US" smtClean="0"/>
-              <a:t>2021/12/6</a:t>
+              <a:t>2022/2/9</a:t>
             </a:fld>
             <a:endParaRPr lang="zh-CN" altLang="en-US"/>
           </a:p>
@@ -1822,7 +1829,7 @@
           <a:p>
             <a:fld id="{627BC110-4B56-4695-9AA7-C6AB0F4307FB}" type="datetimeFigureOut">
               <a:rPr lang="zh-CN" altLang="en-US" smtClean="0"/>
-              <a:t>2021/12/6</a:t>
+              <a:t>2022/2/9</a:t>
             </a:fld>
             <a:endParaRPr lang="zh-CN" altLang="en-US"/>
           </a:p>
@@ -1963,7 +1970,7 @@
           <a:p>
             <a:fld id="{627BC110-4B56-4695-9AA7-C6AB0F4307FB}" type="datetimeFigureOut">
               <a:rPr lang="zh-CN" altLang="en-US" smtClean="0"/>
-              <a:t>2021/12/6</a:t>
+              <a:t>2022/2/9</a:t>
             </a:fld>
             <a:endParaRPr lang="zh-CN" altLang="en-US"/>
           </a:p>
@@ -2076,7 +2083,7 @@
           <a:p>
             <a:fld id="{627BC110-4B56-4695-9AA7-C6AB0F4307FB}" type="datetimeFigureOut">
               <a:rPr lang="zh-CN" altLang="en-US" smtClean="0"/>
-              <a:t>2021/12/6</a:t>
+              <a:t>2022/2/9</a:t>
             </a:fld>
             <a:endParaRPr lang="zh-CN" altLang="en-US"/>
           </a:p>
@@ -2387,7 +2394,7 @@
           <a:p>
             <a:fld id="{627BC110-4B56-4695-9AA7-C6AB0F4307FB}" type="datetimeFigureOut">
               <a:rPr lang="zh-CN" altLang="en-US" smtClean="0"/>
-              <a:t>2021/12/6</a:t>
+              <a:t>2022/2/9</a:t>
             </a:fld>
             <a:endParaRPr lang="zh-CN" altLang="en-US"/>
           </a:p>
@@ -2675,7 +2682,7 @@
           <a:p>
             <a:fld id="{627BC110-4B56-4695-9AA7-C6AB0F4307FB}" type="datetimeFigureOut">
               <a:rPr lang="zh-CN" altLang="en-US" smtClean="0"/>
-              <a:t>2021/12/6</a:t>
+              <a:t>2022/2/9</a:t>
             </a:fld>
             <a:endParaRPr lang="zh-CN" altLang="en-US"/>
           </a:p>
@@ -2916,7 +2923,7 @@
           <a:p>
             <a:fld id="{627BC110-4B56-4695-9AA7-C6AB0F4307FB}" type="datetimeFigureOut">
               <a:rPr lang="zh-CN" altLang="en-US" smtClean="0"/>
-              <a:t>2021/12/6</a:t>
+              <a:t>2022/2/9</a:t>
             </a:fld>
             <a:endParaRPr lang="zh-CN" altLang="en-US"/>
           </a:p>
@@ -3363,44 +3370,3612 @@
           <a:p>
             <a:r>
               <a:rPr lang="zh-CN" altLang="en-US" dirty="0"/>
-              <a:t>高质量子程序</a:t>
+              <a:t>第二章 创建和销毁对象</a:t>
             </a:r>
           </a:p>
         </p:txBody>
       </p:sp>
-      <p:pic>
-        <p:nvPicPr>
-          <p:cNvPr id="7" name="内容占位符 6">
+      <p:sp>
+        <p:nvSpPr>
+          <p:cNvPr id="4" name="内容占位符 3">
             <a:extLst>
               <a:ext uri="{FF2B5EF4-FFF2-40B4-BE49-F238E27FC236}">
-                <a16:creationId xmlns:a16="http://schemas.microsoft.com/office/drawing/2014/main" id="{0D2DB94C-20E8-4B24-BF5B-4448E1F2E5AB}"/>
+                <a16:creationId xmlns:a16="http://schemas.microsoft.com/office/drawing/2014/main" id="{710AB360-48F5-4D62-8F47-E9B69EAC7F42}"/>
               </a:ext>
             </a:extLst>
           </p:cNvPr>
-          <p:cNvPicPr>
-            <a:picLocks noGrp="1" noChangeAspect="1"/>
-          </p:cNvPicPr>
+          <p:cNvSpPr>
+            <a:spLocks noGrp="1"/>
+          </p:cNvSpPr>
           <p:nvPr>
             <p:ph idx="1"/>
           </p:nvPr>
-        </p:nvPicPr>
-        <p:blipFill>
-          <a:blip r:embed="rId2"/>
-          <a:stretch>
-            <a:fillRect/>
-          </a:stretch>
-        </p:blipFill>
+        </p:nvSpPr>
         <p:spPr>
           <a:xfrm>
-            <a:off x="1082457" y="1837265"/>
-            <a:ext cx="9583455" cy="3348914"/>
+            <a:off x="838200" y="1059507"/>
+            <a:ext cx="10515600" cy="4351338"/>
           </a:xfrm>
         </p:spPr>
-      </p:pic>
+        <p:txBody>
+          <a:bodyPr/>
+          <a:lstStyle/>
+          <a:p>
+            <a:endParaRPr lang="zh-CN" altLang="en-US" dirty="0"/>
+          </a:p>
+        </p:txBody>
+      </p:sp>
     </p:spTree>
     <p:extLst>
       <p:ext uri="{BB962C8B-B14F-4D97-AF65-F5344CB8AC3E}">
         <p14:creationId xmlns:p14="http://schemas.microsoft.com/office/powerpoint/2010/main" val="2265931969"/>
+      </p:ext>
+    </p:extLst>
+  </p:cSld>
+  <p:clrMapOvr>
+    <a:masterClrMapping/>
+  </p:clrMapOvr>
+</p:sld>
+</file>
+
+<file path=ppt/slides/slide10.xml><?xml version="1.0" encoding="utf-8"?>
+<p:sld xmlns:a="http://schemas.openxmlformats.org/drawingml/2006/main" xmlns:r="http://schemas.openxmlformats.org/officeDocument/2006/relationships" xmlns:p="http://schemas.openxmlformats.org/presentationml/2006/main">
+  <p:cSld>
+    <p:spTree>
+      <p:nvGrpSpPr>
+        <p:cNvPr id="1" name=""/>
+        <p:cNvGrpSpPr/>
+        <p:nvPr/>
+      </p:nvGrpSpPr>
+      <p:grpSpPr>
+        <a:xfrm>
+          <a:off x="0" y="0"/>
+          <a:ext cx="0" cy="0"/>
+          <a:chOff x="0" y="0"/>
+          <a:chExt cx="0" cy="0"/>
+        </a:xfrm>
+      </p:grpSpPr>
+      <p:sp>
+        <p:nvSpPr>
+          <p:cNvPr id="2" name="标题 1">
+            <a:extLst>
+              <a:ext uri="{FF2B5EF4-FFF2-40B4-BE49-F238E27FC236}">
+                <a16:creationId xmlns:a16="http://schemas.microsoft.com/office/drawing/2014/main" id="{2C07D16F-9BF3-43DF-9DEF-D5A5C1848A7C}"/>
+              </a:ext>
+            </a:extLst>
+          </p:cNvPr>
+          <p:cNvSpPr>
+            <a:spLocks noGrp="1"/>
+          </p:cNvSpPr>
+          <p:nvPr>
+            <p:ph type="title"/>
+          </p:nvPr>
+        </p:nvSpPr>
+        <p:spPr>
+          <a:xfrm>
+            <a:off x="838200" y="365126"/>
+            <a:ext cx="10515600" cy="493669"/>
+          </a:xfrm>
+        </p:spPr>
+        <p:txBody>
+          <a:bodyPr>
+            <a:normAutofit fontScale="90000"/>
+          </a:bodyPr>
+          <a:lstStyle/>
+          <a:p>
+            <a:r>
+              <a:rPr lang="zh-CN" altLang="en-US" dirty="0"/>
+              <a:t>第三章 对于所有对象都通用的方法</a:t>
+            </a:r>
+          </a:p>
+        </p:txBody>
+      </p:sp>
+      <p:sp>
+        <p:nvSpPr>
+          <p:cNvPr id="4" name="内容占位符 3">
+            <a:extLst>
+              <a:ext uri="{FF2B5EF4-FFF2-40B4-BE49-F238E27FC236}">
+                <a16:creationId xmlns:a16="http://schemas.microsoft.com/office/drawing/2014/main" id="{446A6E61-5F0D-4DB3-ABED-50AA575929ED}"/>
+              </a:ext>
+            </a:extLst>
+          </p:cNvPr>
+          <p:cNvSpPr>
+            <a:spLocks noGrp="1"/>
+          </p:cNvSpPr>
+          <p:nvPr>
+            <p:ph idx="1"/>
+          </p:nvPr>
+        </p:nvSpPr>
+        <p:spPr/>
+        <p:txBody>
+          <a:bodyPr/>
+          <a:lstStyle/>
+          <a:p>
+            <a:endParaRPr lang="zh-CN" altLang="en-US" dirty="0"/>
+          </a:p>
+        </p:txBody>
+      </p:sp>
+    </p:spTree>
+    <p:extLst>
+      <p:ext uri="{BB962C8B-B14F-4D97-AF65-F5344CB8AC3E}">
+        <p14:creationId xmlns:p14="http://schemas.microsoft.com/office/powerpoint/2010/main" val="106559108"/>
+      </p:ext>
+    </p:extLst>
+  </p:cSld>
+  <p:clrMapOvr>
+    <a:masterClrMapping/>
+  </p:clrMapOvr>
+</p:sld>
+</file>
+
+<file path=ppt/slides/slide11.xml><?xml version="1.0" encoding="utf-8"?>
+<p:sld xmlns:a="http://schemas.openxmlformats.org/drawingml/2006/main" xmlns:r="http://schemas.openxmlformats.org/officeDocument/2006/relationships" xmlns:p="http://schemas.openxmlformats.org/presentationml/2006/main">
+  <p:cSld>
+    <p:spTree>
+      <p:nvGrpSpPr>
+        <p:cNvPr id="1" name=""/>
+        <p:cNvGrpSpPr/>
+        <p:nvPr/>
+      </p:nvGrpSpPr>
+      <p:grpSpPr>
+        <a:xfrm>
+          <a:off x="0" y="0"/>
+          <a:ext cx="0" cy="0"/>
+          <a:chOff x="0" y="0"/>
+          <a:chExt cx="0" cy="0"/>
+        </a:xfrm>
+      </p:grpSpPr>
+      <p:sp>
+        <p:nvSpPr>
+          <p:cNvPr id="2" name="标题 1">
+            <a:extLst>
+              <a:ext uri="{FF2B5EF4-FFF2-40B4-BE49-F238E27FC236}">
+                <a16:creationId xmlns:a16="http://schemas.microsoft.com/office/drawing/2014/main" id="{2C07D16F-9BF3-43DF-9DEF-D5A5C1848A7C}"/>
+              </a:ext>
+            </a:extLst>
+          </p:cNvPr>
+          <p:cNvSpPr>
+            <a:spLocks noGrp="1"/>
+          </p:cNvSpPr>
+          <p:nvPr>
+            <p:ph type="title"/>
+          </p:nvPr>
+        </p:nvSpPr>
+        <p:spPr>
+          <a:xfrm>
+            <a:off x="838200" y="365126"/>
+            <a:ext cx="10515600" cy="493669"/>
+          </a:xfrm>
+        </p:spPr>
+        <p:txBody>
+          <a:bodyPr>
+            <a:normAutofit/>
+          </a:bodyPr>
+          <a:lstStyle/>
+          <a:p>
+            <a:r>
+              <a:rPr lang="zh-CN" altLang="en-US" sz="1800" dirty="0">
+                <a:latin typeface="+mn-lt"/>
+                <a:ea typeface="+mn-ea"/>
+                <a:cs typeface="+mn-cs"/>
+              </a:rPr>
+              <a:t>第</a:t>
+            </a:r>
+            <a:r>
+              <a:rPr lang="en-US" altLang="zh-CN" sz="1800" dirty="0">
+                <a:latin typeface="+mn-lt"/>
+                <a:ea typeface="+mn-ea"/>
+                <a:cs typeface="+mn-cs"/>
+              </a:rPr>
+              <a:t>8</a:t>
+            </a:r>
+            <a:r>
+              <a:rPr lang="zh-CN" altLang="en-US" sz="1800" dirty="0">
+                <a:latin typeface="+mn-lt"/>
+                <a:ea typeface="+mn-ea"/>
+                <a:cs typeface="+mn-cs"/>
+              </a:rPr>
+              <a:t>条覆盖</a:t>
+            </a:r>
+            <a:r>
+              <a:rPr lang="en-US" altLang="zh-CN" sz="1800" dirty="0">
+                <a:latin typeface="+mn-lt"/>
+                <a:ea typeface="+mn-ea"/>
+                <a:cs typeface="+mn-cs"/>
+              </a:rPr>
+              <a:t>equals</a:t>
+            </a:r>
+            <a:r>
+              <a:rPr lang="zh-CN" altLang="en-US" sz="1800" dirty="0">
+                <a:latin typeface="+mn-lt"/>
+                <a:ea typeface="+mn-ea"/>
+                <a:cs typeface="+mn-cs"/>
+              </a:rPr>
+              <a:t>请遵守通用约定</a:t>
+            </a:r>
+          </a:p>
+        </p:txBody>
+      </p:sp>
+      <p:sp>
+        <p:nvSpPr>
+          <p:cNvPr id="3" name="Rectangle 1">
+            <a:extLst>
+              <a:ext uri="{FF2B5EF4-FFF2-40B4-BE49-F238E27FC236}">
+                <a16:creationId xmlns:a16="http://schemas.microsoft.com/office/drawing/2014/main" id="{A35CE9D2-1BC5-4587-B860-94AB6DA298A5}"/>
+              </a:ext>
+            </a:extLst>
+          </p:cNvPr>
+          <p:cNvSpPr>
+            <a:spLocks noChangeArrowheads="1"/>
+          </p:cNvSpPr>
+          <p:nvPr/>
+        </p:nvSpPr>
+        <p:spPr bwMode="auto">
+          <a:xfrm>
+            <a:off x="957198" y="997294"/>
+            <a:ext cx="10396602" cy="2908489"/>
+          </a:xfrm>
+          <a:prstGeom prst="rect">
+            <a:avLst/>
+          </a:prstGeom>
+          <a:solidFill>
+            <a:schemeClr val="bg1"/>
+          </a:solidFill>
+          <a:ln>
+            <a:noFill/>
+          </a:ln>
+          <a:effectLst/>
+        </p:spPr>
+        <p:txBody>
+          <a:bodyPr vert="horz" wrap="square" lIns="0" tIns="0" rIns="0" bIns="0" numCol="1" anchor="ctr" anchorCtr="0" compatLnSpc="1">
+            <a:prstTxWarp prst="textNoShape">
+              <a:avLst/>
+            </a:prstTxWarp>
+            <a:spAutoFit/>
+          </a:bodyPr>
+          <a:lstStyle>
+            <a:lvl1pPr eaLnBrk="0" fontAlgn="base" hangingPunct="0">
+              <a:spcBef>
+                <a:spcPct val="0"/>
+              </a:spcBef>
+              <a:spcAft>
+                <a:spcPct val="0"/>
+              </a:spcAft>
+              <a:defRPr>
+                <a:solidFill>
+                  <a:schemeClr val="tx1"/>
+                </a:solidFill>
+                <a:latin typeface="Arial" panose="020B0604020202020204" pitchFamily="34" charset="0"/>
+              </a:defRPr>
+            </a:lvl1pPr>
+            <a:lvl2pPr eaLnBrk="0" fontAlgn="base" hangingPunct="0">
+              <a:spcBef>
+                <a:spcPct val="0"/>
+              </a:spcBef>
+              <a:spcAft>
+                <a:spcPct val="0"/>
+              </a:spcAft>
+              <a:defRPr>
+                <a:solidFill>
+                  <a:schemeClr val="tx1"/>
+                </a:solidFill>
+                <a:latin typeface="Arial" panose="020B0604020202020204" pitchFamily="34" charset="0"/>
+              </a:defRPr>
+            </a:lvl2pPr>
+            <a:lvl3pPr eaLnBrk="0" fontAlgn="base" hangingPunct="0">
+              <a:spcBef>
+                <a:spcPct val="0"/>
+              </a:spcBef>
+              <a:spcAft>
+                <a:spcPct val="0"/>
+              </a:spcAft>
+              <a:defRPr>
+                <a:solidFill>
+                  <a:schemeClr val="tx1"/>
+                </a:solidFill>
+                <a:latin typeface="Arial" panose="020B0604020202020204" pitchFamily="34" charset="0"/>
+              </a:defRPr>
+            </a:lvl3pPr>
+            <a:lvl4pPr eaLnBrk="0" fontAlgn="base" hangingPunct="0">
+              <a:spcBef>
+                <a:spcPct val="0"/>
+              </a:spcBef>
+              <a:spcAft>
+                <a:spcPct val="0"/>
+              </a:spcAft>
+              <a:defRPr>
+                <a:solidFill>
+                  <a:schemeClr val="tx1"/>
+                </a:solidFill>
+                <a:latin typeface="Arial" panose="020B0604020202020204" pitchFamily="34" charset="0"/>
+              </a:defRPr>
+            </a:lvl4pPr>
+            <a:lvl5pPr eaLnBrk="0" fontAlgn="base" hangingPunct="0">
+              <a:spcBef>
+                <a:spcPct val="0"/>
+              </a:spcBef>
+              <a:spcAft>
+                <a:spcPct val="0"/>
+              </a:spcAft>
+              <a:defRPr>
+                <a:solidFill>
+                  <a:schemeClr val="tx1"/>
+                </a:solidFill>
+                <a:latin typeface="Arial" panose="020B0604020202020204" pitchFamily="34" charset="0"/>
+              </a:defRPr>
+            </a:lvl5pPr>
+            <a:lvl6pPr eaLnBrk="0" fontAlgn="base" hangingPunct="0">
+              <a:spcBef>
+                <a:spcPct val="0"/>
+              </a:spcBef>
+              <a:spcAft>
+                <a:spcPct val="0"/>
+              </a:spcAft>
+              <a:defRPr>
+                <a:solidFill>
+                  <a:schemeClr val="tx1"/>
+                </a:solidFill>
+                <a:latin typeface="Arial" panose="020B0604020202020204" pitchFamily="34" charset="0"/>
+              </a:defRPr>
+            </a:lvl6pPr>
+            <a:lvl7pPr eaLnBrk="0" fontAlgn="base" hangingPunct="0">
+              <a:spcBef>
+                <a:spcPct val="0"/>
+              </a:spcBef>
+              <a:spcAft>
+                <a:spcPct val="0"/>
+              </a:spcAft>
+              <a:defRPr>
+                <a:solidFill>
+                  <a:schemeClr val="tx1"/>
+                </a:solidFill>
+                <a:latin typeface="Arial" panose="020B0604020202020204" pitchFamily="34" charset="0"/>
+              </a:defRPr>
+            </a:lvl7pPr>
+            <a:lvl8pPr eaLnBrk="0" fontAlgn="base" hangingPunct="0">
+              <a:spcBef>
+                <a:spcPct val="0"/>
+              </a:spcBef>
+              <a:spcAft>
+                <a:spcPct val="0"/>
+              </a:spcAft>
+              <a:defRPr>
+                <a:solidFill>
+                  <a:schemeClr val="tx1"/>
+                </a:solidFill>
+                <a:latin typeface="Arial" panose="020B0604020202020204" pitchFamily="34" charset="0"/>
+              </a:defRPr>
+            </a:lvl8pPr>
+            <a:lvl9pPr eaLnBrk="0" fontAlgn="base" hangingPunct="0">
+              <a:spcBef>
+                <a:spcPct val="0"/>
+              </a:spcBef>
+              <a:spcAft>
+                <a:spcPct val="0"/>
+              </a:spcAft>
+              <a:defRPr>
+                <a:solidFill>
+                  <a:schemeClr val="tx1"/>
+                </a:solidFill>
+                <a:latin typeface="Arial" panose="020B0604020202020204" pitchFamily="34" charset="0"/>
+              </a:defRPr>
+            </a:lvl9pPr>
+          </a:lstStyle>
+          <a:p>
+            <a:pPr marL="0" marR="0" lvl="0" indent="0" algn="l" defTabSz="914400" rtl="0" eaLnBrk="0" fontAlgn="base" latinLnBrk="0" hangingPunct="0">
+              <a:lnSpc>
+                <a:spcPct val="100000"/>
+              </a:lnSpc>
+              <a:spcBef>
+                <a:spcPct val="0"/>
+              </a:spcBef>
+              <a:spcAft>
+                <a:spcPct val="0"/>
+              </a:spcAft>
+              <a:buClrTx/>
+              <a:buSzTx/>
+              <a:buFontTx/>
+              <a:buNone/>
+              <a:tabLst/>
+            </a:pPr>
+            <a:r>
+              <a:rPr kumimoji="0" lang="zh-CN" altLang="zh-CN" sz="900" b="0" i="0" u="none" strike="noStrike" cap="none" normalizeH="0" baseline="0" dirty="0">
+                <a:ln>
+                  <a:noFill/>
+                </a:ln>
+                <a:solidFill>
+                  <a:srgbClr val="000000"/>
+                </a:solidFill>
+                <a:effectLst/>
+                <a:latin typeface="Verdana" panose="020B0604030504040204" pitchFamily="34" charset="0"/>
+              </a:rPr>
+              <a:t>约定的内容：</a:t>
+            </a:r>
+            <a:endParaRPr kumimoji="0" lang="zh-CN" altLang="zh-CN" sz="600" b="0" i="0" u="none" strike="noStrike" cap="none" normalizeH="0" baseline="0" dirty="0">
+              <a:ln>
+                <a:noFill/>
+              </a:ln>
+              <a:solidFill>
+                <a:schemeClr val="tx1"/>
+              </a:solidFill>
+              <a:effectLst/>
+            </a:endParaRPr>
+          </a:p>
+          <a:p>
+            <a:pPr marL="0" marR="0" lvl="0" indent="0" algn="l" defTabSz="914400" rtl="0" eaLnBrk="0" fontAlgn="base" latinLnBrk="0" hangingPunct="0">
+              <a:lnSpc>
+                <a:spcPct val="100000"/>
+              </a:lnSpc>
+              <a:spcBef>
+                <a:spcPct val="0"/>
+              </a:spcBef>
+              <a:spcAft>
+                <a:spcPct val="0"/>
+              </a:spcAft>
+              <a:buClrTx/>
+              <a:buSzTx/>
+              <a:buFontTx/>
+              <a:buNone/>
+              <a:tabLst/>
+            </a:pPr>
+            <a:r>
+              <a:rPr kumimoji="0" lang="zh-CN" altLang="zh-CN" sz="900" b="0" i="0" u="none" strike="noStrike" cap="none" normalizeH="0" baseline="0" dirty="0">
+                <a:ln>
+                  <a:noFill/>
+                </a:ln>
+                <a:solidFill>
+                  <a:srgbClr val="000000"/>
+                </a:solidFill>
+                <a:effectLst/>
+                <a:latin typeface="Verdana" panose="020B0604030504040204" pitchFamily="34" charset="0"/>
+              </a:rPr>
+              <a:t>equals方法实现了等价关系。</a:t>
+            </a:r>
+            <a:endParaRPr kumimoji="0" lang="zh-CN" altLang="zh-CN" sz="600" b="0" i="0" u="none" strike="noStrike" cap="none" normalizeH="0" baseline="0" dirty="0">
+              <a:ln>
+                <a:noFill/>
+              </a:ln>
+              <a:solidFill>
+                <a:schemeClr val="tx1"/>
+              </a:solidFill>
+              <a:effectLst/>
+            </a:endParaRPr>
+          </a:p>
+          <a:p>
+            <a:pPr marL="0" marR="0" lvl="0" indent="0" algn="l" defTabSz="914400" rtl="0" eaLnBrk="0" fontAlgn="base" latinLnBrk="0" hangingPunct="0">
+              <a:lnSpc>
+                <a:spcPct val="100000"/>
+              </a:lnSpc>
+              <a:spcBef>
+                <a:spcPct val="0"/>
+              </a:spcBef>
+              <a:spcAft>
+                <a:spcPct val="0"/>
+              </a:spcAft>
+              <a:buClrTx/>
+              <a:buSzTx/>
+              <a:buFontTx/>
+              <a:buChar char="•"/>
+              <a:tabLst/>
+            </a:pPr>
+            <a:r>
+              <a:rPr kumimoji="0" lang="zh-CN" altLang="zh-CN" sz="900" b="1" i="0" u="none" strike="noStrike" cap="none" normalizeH="0" baseline="0" dirty="0">
+                <a:ln>
+                  <a:noFill/>
+                </a:ln>
+                <a:solidFill>
+                  <a:srgbClr val="000000"/>
+                </a:solidFill>
+                <a:effectLst/>
+                <a:latin typeface="Verdana" panose="020B0604030504040204" pitchFamily="34" charset="0"/>
+              </a:rPr>
+              <a:t>自反性</a:t>
+            </a:r>
+            <a:r>
+              <a:rPr kumimoji="0" lang="zh-CN" altLang="zh-CN" sz="900" b="0" i="0" u="none" strike="noStrike" cap="none" normalizeH="0" baseline="0" dirty="0">
+                <a:ln>
+                  <a:noFill/>
+                </a:ln>
+                <a:solidFill>
+                  <a:srgbClr val="000000"/>
+                </a:solidFill>
+                <a:effectLst/>
+                <a:latin typeface="Verdana" panose="020B0604030504040204" pitchFamily="34" charset="0"/>
+              </a:rPr>
+              <a:t>：对于任何非null的引用值x，x.equals(x)都必须返回true。</a:t>
+            </a:r>
+          </a:p>
+          <a:p>
+            <a:pPr marL="0" marR="0" lvl="0" indent="0" algn="l" defTabSz="914400" rtl="0" eaLnBrk="0" fontAlgn="base" latinLnBrk="0" hangingPunct="0">
+              <a:lnSpc>
+                <a:spcPct val="100000"/>
+              </a:lnSpc>
+              <a:spcBef>
+                <a:spcPct val="0"/>
+              </a:spcBef>
+              <a:spcAft>
+                <a:spcPct val="0"/>
+              </a:spcAft>
+              <a:buClrTx/>
+              <a:buSzTx/>
+              <a:buFontTx/>
+              <a:buChar char="•"/>
+              <a:tabLst/>
+            </a:pPr>
+            <a:r>
+              <a:rPr kumimoji="0" lang="zh-CN" altLang="zh-CN" sz="900" b="1" i="0" u="none" strike="noStrike" cap="none" normalizeH="0" baseline="0" dirty="0">
+                <a:ln>
+                  <a:noFill/>
+                </a:ln>
+                <a:solidFill>
+                  <a:srgbClr val="000000"/>
+                </a:solidFill>
+                <a:effectLst/>
+                <a:latin typeface="Verdana" panose="020B0604030504040204" pitchFamily="34" charset="0"/>
+              </a:rPr>
+              <a:t>对称性</a:t>
+            </a:r>
+            <a:r>
+              <a:rPr kumimoji="0" lang="zh-CN" altLang="zh-CN" sz="900" b="0" i="0" u="none" strike="noStrike" cap="none" normalizeH="0" baseline="0" dirty="0">
+                <a:ln>
+                  <a:noFill/>
+                </a:ln>
+                <a:solidFill>
+                  <a:srgbClr val="000000"/>
+                </a:solidFill>
+                <a:effectLst/>
+                <a:latin typeface="Verdana" panose="020B0604030504040204" pitchFamily="34" charset="0"/>
+              </a:rPr>
+              <a:t>：对于任何非null的引用值x和y，当且仅当y.equals(x)返回true时，x.equals(y)必须返回true。</a:t>
+            </a:r>
+          </a:p>
+          <a:p>
+            <a:pPr marL="0" marR="0" lvl="0" indent="0" algn="l" defTabSz="914400" rtl="0" eaLnBrk="0" fontAlgn="base" latinLnBrk="0" hangingPunct="0">
+              <a:lnSpc>
+                <a:spcPct val="100000"/>
+              </a:lnSpc>
+              <a:spcBef>
+                <a:spcPct val="0"/>
+              </a:spcBef>
+              <a:spcAft>
+                <a:spcPct val="0"/>
+              </a:spcAft>
+              <a:buClrTx/>
+              <a:buSzTx/>
+              <a:buFontTx/>
+              <a:buChar char="•"/>
+              <a:tabLst/>
+            </a:pPr>
+            <a:r>
+              <a:rPr kumimoji="0" lang="zh-CN" altLang="zh-CN" sz="900" b="1" i="0" u="none" strike="noStrike" cap="none" normalizeH="0" baseline="0" dirty="0">
+                <a:ln>
+                  <a:noFill/>
+                </a:ln>
+                <a:solidFill>
+                  <a:srgbClr val="000000"/>
+                </a:solidFill>
+                <a:effectLst/>
+                <a:latin typeface="Verdana" panose="020B0604030504040204" pitchFamily="34" charset="0"/>
+              </a:rPr>
+              <a:t>传递性</a:t>
+            </a:r>
+            <a:r>
+              <a:rPr kumimoji="0" lang="zh-CN" altLang="zh-CN" sz="900" b="0" i="0" u="none" strike="noStrike" cap="none" normalizeH="0" baseline="0" dirty="0">
+                <a:ln>
+                  <a:noFill/>
+                </a:ln>
+                <a:solidFill>
+                  <a:srgbClr val="000000"/>
+                </a:solidFill>
+                <a:effectLst/>
+                <a:latin typeface="Verdana" panose="020B0604030504040204" pitchFamily="34" charset="0"/>
+              </a:rPr>
+              <a:t>：对于任何非null的引用值x、y和z,如果x.equals(y)返回true，并且y.equals(z)也返回true，那么x.equals(z)也必须返回true。</a:t>
+            </a:r>
+          </a:p>
+          <a:p>
+            <a:pPr marL="0" marR="0" lvl="0" indent="0" algn="l" defTabSz="914400" rtl="0" eaLnBrk="0" fontAlgn="base" latinLnBrk="0" hangingPunct="0">
+              <a:lnSpc>
+                <a:spcPct val="100000"/>
+              </a:lnSpc>
+              <a:spcBef>
+                <a:spcPct val="0"/>
+              </a:spcBef>
+              <a:spcAft>
+                <a:spcPct val="0"/>
+              </a:spcAft>
+              <a:buClrTx/>
+              <a:buSzTx/>
+              <a:buFontTx/>
+              <a:buChar char="•"/>
+              <a:tabLst/>
+            </a:pPr>
+            <a:r>
+              <a:rPr kumimoji="0" lang="zh-CN" altLang="zh-CN" sz="900" b="1" i="0" u="none" strike="noStrike" cap="none" normalizeH="0" baseline="0" dirty="0">
+                <a:ln>
+                  <a:noFill/>
+                </a:ln>
+                <a:solidFill>
+                  <a:srgbClr val="000000"/>
+                </a:solidFill>
+                <a:effectLst/>
+                <a:latin typeface="Verdana" panose="020B0604030504040204" pitchFamily="34" charset="0"/>
+              </a:rPr>
+              <a:t>一致性</a:t>
+            </a:r>
+            <a:r>
+              <a:rPr kumimoji="0" lang="zh-CN" altLang="zh-CN" sz="900" b="0" i="0" u="none" strike="noStrike" cap="none" normalizeH="0" baseline="0" dirty="0">
+                <a:ln>
+                  <a:noFill/>
+                </a:ln>
+                <a:solidFill>
+                  <a:srgbClr val="000000"/>
+                </a:solidFill>
+                <a:effectLst/>
+                <a:latin typeface="Verdana" panose="020B0604030504040204" pitchFamily="34" charset="0"/>
+              </a:rPr>
+              <a:t>：对于任何非null的引用值x和y，只要equals的比较操作在对象中所用的信息没有被修改，多次调用x.equals(y)就会一致地返回true，或者一致地返回false。</a:t>
+            </a:r>
+          </a:p>
+          <a:p>
+            <a:pPr marL="0" marR="0" lvl="0" indent="0" algn="l" defTabSz="914400" rtl="0" eaLnBrk="0" fontAlgn="base" latinLnBrk="0" hangingPunct="0">
+              <a:lnSpc>
+                <a:spcPct val="100000"/>
+              </a:lnSpc>
+              <a:spcBef>
+                <a:spcPct val="0"/>
+              </a:spcBef>
+              <a:spcAft>
+                <a:spcPct val="0"/>
+              </a:spcAft>
+              <a:buClrTx/>
+              <a:buSzTx/>
+              <a:buFontTx/>
+              <a:buChar char="•"/>
+              <a:tabLst/>
+            </a:pPr>
+            <a:r>
+              <a:rPr kumimoji="0" lang="zh-CN" altLang="zh-CN" sz="900" b="1" i="0" u="none" strike="noStrike" cap="none" normalizeH="0" baseline="0" dirty="0">
+                <a:ln>
+                  <a:noFill/>
+                </a:ln>
+                <a:solidFill>
+                  <a:srgbClr val="000000"/>
+                </a:solidFill>
+                <a:effectLst/>
+                <a:latin typeface="Verdana" panose="020B0604030504040204" pitchFamily="34" charset="0"/>
+              </a:rPr>
+              <a:t>非空性</a:t>
+            </a:r>
+            <a:r>
+              <a:rPr kumimoji="0" lang="zh-CN" altLang="zh-CN" sz="900" b="0" i="0" u="none" strike="noStrike" cap="none" normalizeH="0" baseline="0" dirty="0">
+                <a:ln>
+                  <a:noFill/>
+                </a:ln>
+                <a:solidFill>
+                  <a:srgbClr val="000000"/>
+                </a:solidFill>
+                <a:effectLst/>
+                <a:latin typeface="Verdana" panose="020B0604030504040204" pitchFamily="34" charset="0"/>
+              </a:rPr>
+              <a:t>：对于任何非null的引用值x，x.equals(null)必须返回false。</a:t>
+            </a:r>
+          </a:p>
+          <a:p>
+            <a:pPr marL="0" marR="0" lvl="0" indent="0" algn="l" defTabSz="914400" rtl="0" eaLnBrk="0" fontAlgn="base" latinLnBrk="0" hangingPunct="0">
+              <a:lnSpc>
+                <a:spcPct val="100000"/>
+              </a:lnSpc>
+              <a:spcBef>
+                <a:spcPct val="0"/>
+              </a:spcBef>
+              <a:spcAft>
+                <a:spcPct val="0"/>
+              </a:spcAft>
+              <a:buClrTx/>
+              <a:buSzTx/>
+              <a:buFontTx/>
+              <a:buNone/>
+              <a:tabLst/>
+            </a:pPr>
+            <a:r>
+              <a:rPr kumimoji="0" lang="zh-CN" altLang="zh-CN" sz="900" b="0" i="0" u="none" strike="noStrike" cap="none" normalizeH="0" baseline="0" dirty="0">
+                <a:ln>
+                  <a:noFill/>
+                </a:ln>
+                <a:solidFill>
+                  <a:srgbClr val="000000"/>
+                </a:solidFill>
+                <a:effectLst/>
+                <a:latin typeface="Verdana" panose="020B0604030504040204" pitchFamily="34" charset="0"/>
+              </a:rPr>
+              <a:t>实现高质量equals方法的诀窍：</a:t>
+            </a:r>
+            <a:endParaRPr kumimoji="0" lang="zh-CN" altLang="zh-CN" sz="600" b="0" i="0" u="none" strike="noStrike" cap="none" normalizeH="0" baseline="0" dirty="0">
+              <a:ln>
+                <a:noFill/>
+              </a:ln>
+              <a:solidFill>
+                <a:schemeClr val="tx1"/>
+              </a:solidFill>
+              <a:effectLst/>
+            </a:endParaRPr>
+          </a:p>
+          <a:p>
+            <a:pPr marL="0" marR="0" lvl="0" indent="0" algn="l" defTabSz="914400" rtl="0" eaLnBrk="0" fontAlgn="base" latinLnBrk="0" hangingPunct="0">
+              <a:lnSpc>
+                <a:spcPct val="100000"/>
+              </a:lnSpc>
+              <a:spcBef>
+                <a:spcPct val="0"/>
+              </a:spcBef>
+              <a:spcAft>
+                <a:spcPct val="0"/>
+              </a:spcAft>
+              <a:buClrTx/>
+              <a:buSzTx/>
+              <a:buFontTx/>
+              <a:buAutoNum type="arabicPeriod"/>
+              <a:tabLst/>
+            </a:pPr>
+            <a:r>
+              <a:rPr kumimoji="0" lang="zh-CN" altLang="zh-CN" sz="900" b="1" i="0" u="none" strike="noStrike" cap="none" normalizeH="0" baseline="0" dirty="0">
+                <a:ln>
+                  <a:noFill/>
+                </a:ln>
+                <a:solidFill>
+                  <a:srgbClr val="000000"/>
+                </a:solidFill>
+                <a:effectLst/>
+                <a:latin typeface="Verdana" panose="020B0604030504040204" pitchFamily="34" charset="0"/>
+              </a:rPr>
+              <a:t>使用==操作符检查“参数是否为这个对象的引用”。</a:t>
+            </a:r>
+            <a:r>
+              <a:rPr kumimoji="0" lang="zh-CN" altLang="zh-CN" sz="900" b="0" i="0" u="none" strike="noStrike" cap="none" normalizeH="0" baseline="0" dirty="0">
+                <a:ln>
+                  <a:noFill/>
+                </a:ln>
+                <a:solidFill>
+                  <a:srgbClr val="000000"/>
+                </a:solidFill>
+                <a:effectLst/>
+                <a:latin typeface="Verdana" panose="020B0604030504040204" pitchFamily="34" charset="0"/>
+              </a:rPr>
+              <a:t>如果是，则返回true。</a:t>
+            </a:r>
+          </a:p>
+          <a:p>
+            <a:pPr marL="0" marR="0" lvl="0" indent="0" algn="l" defTabSz="914400" rtl="0" eaLnBrk="0" fontAlgn="base" latinLnBrk="0" hangingPunct="0">
+              <a:lnSpc>
+                <a:spcPct val="100000"/>
+              </a:lnSpc>
+              <a:spcBef>
+                <a:spcPct val="0"/>
+              </a:spcBef>
+              <a:spcAft>
+                <a:spcPct val="0"/>
+              </a:spcAft>
+              <a:buClrTx/>
+              <a:buSzTx/>
+              <a:buFontTx/>
+              <a:buAutoNum type="arabicPeriod" startAt="2"/>
+              <a:tabLst/>
+            </a:pPr>
+            <a:r>
+              <a:rPr kumimoji="0" lang="zh-CN" altLang="zh-CN" sz="900" b="1" i="0" u="none" strike="noStrike" cap="none" normalizeH="0" baseline="0" dirty="0">
+                <a:ln>
+                  <a:noFill/>
+                </a:ln>
+                <a:solidFill>
+                  <a:srgbClr val="000000"/>
+                </a:solidFill>
+                <a:effectLst/>
+                <a:latin typeface="Verdana" panose="020B0604030504040204" pitchFamily="34" charset="0"/>
+              </a:rPr>
+              <a:t>使用instanceof操作符检查“参数是否为正确的类型”。</a:t>
+            </a:r>
+            <a:r>
+              <a:rPr kumimoji="0" lang="zh-CN" altLang="zh-CN" sz="900" b="0" i="0" u="none" strike="noStrike" cap="none" normalizeH="0" baseline="0" dirty="0">
+                <a:ln>
+                  <a:noFill/>
+                </a:ln>
+                <a:solidFill>
+                  <a:srgbClr val="000000"/>
+                </a:solidFill>
+                <a:effectLst/>
+                <a:latin typeface="Verdana" panose="020B0604030504040204" pitchFamily="34" charset="0"/>
+              </a:rPr>
+              <a:t>如果不是，则返回false。</a:t>
+            </a:r>
+          </a:p>
+          <a:p>
+            <a:pPr marL="0" marR="0" lvl="0" indent="0" algn="l" defTabSz="914400" rtl="0" eaLnBrk="0" fontAlgn="base" latinLnBrk="0" hangingPunct="0">
+              <a:lnSpc>
+                <a:spcPct val="100000"/>
+              </a:lnSpc>
+              <a:spcBef>
+                <a:spcPct val="0"/>
+              </a:spcBef>
+              <a:spcAft>
+                <a:spcPct val="0"/>
+              </a:spcAft>
+              <a:buClrTx/>
+              <a:buSzTx/>
+              <a:buFontTx/>
+              <a:buAutoNum type="arabicPeriod" startAt="3"/>
+              <a:tabLst/>
+            </a:pPr>
+            <a:r>
+              <a:rPr kumimoji="0" lang="zh-CN" altLang="zh-CN" sz="900" b="1" i="0" u="none" strike="noStrike" cap="none" normalizeH="0" baseline="0" dirty="0">
+                <a:ln>
+                  <a:noFill/>
+                </a:ln>
+                <a:solidFill>
+                  <a:srgbClr val="000000"/>
+                </a:solidFill>
+                <a:effectLst/>
+                <a:latin typeface="Verdana" panose="020B0604030504040204" pitchFamily="34" charset="0"/>
+              </a:rPr>
+              <a:t>把参数转化为正确的类型。</a:t>
+            </a:r>
+            <a:r>
+              <a:rPr kumimoji="0" lang="zh-CN" altLang="zh-CN" sz="900" b="0" i="0" u="none" strike="noStrike" cap="none" normalizeH="0" baseline="0" dirty="0">
+                <a:ln>
+                  <a:noFill/>
+                </a:ln>
+                <a:solidFill>
+                  <a:srgbClr val="000000"/>
+                </a:solidFill>
+                <a:effectLst/>
+                <a:latin typeface="Verdana" panose="020B0604030504040204" pitchFamily="34" charset="0"/>
+              </a:rPr>
+              <a:t>因为转换前进行过instanceof测试，所以确保会成功。</a:t>
+            </a:r>
+          </a:p>
+          <a:p>
+            <a:pPr marL="0" marR="0" lvl="0" indent="0" algn="l" defTabSz="914400" rtl="0" eaLnBrk="0" fontAlgn="base" latinLnBrk="0" hangingPunct="0">
+              <a:lnSpc>
+                <a:spcPct val="100000"/>
+              </a:lnSpc>
+              <a:spcBef>
+                <a:spcPct val="0"/>
+              </a:spcBef>
+              <a:spcAft>
+                <a:spcPct val="0"/>
+              </a:spcAft>
+              <a:buClrTx/>
+              <a:buSzTx/>
+              <a:buFontTx/>
+              <a:buAutoNum type="arabicPeriod" startAt="4"/>
+              <a:tabLst/>
+            </a:pPr>
+            <a:r>
+              <a:rPr kumimoji="0" lang="zh-CN" altLang="zh-CN" sz="900" b="1" i="0" u="none" strike="noStrike" cap="none" normalizeH="0" baseline="0" dirty="0">
+                <a:ln>
+                  <a:noFill/>
+                </a:ln>
+                <a:solidFill>
+                  <a:srgbClr val="000000"/>
+                </a:solidFill>
+                <a:effectLst/>
+                <a:latin typeface="Verdana" panose="020B0604030504040204" pitchFamily="34" charset="0"/>
+              </a:rPr>
+              <a:t>对于该类中的每个“关键”字段，检查参数中的字段是否与该对象中对应的字段相匹配。</a:t>
+            </a:r>
+            <a:r>
+              <a:rPr kumimoji="0" lang="zh-CN" altLang="zh-CN" sz="900" b="0" i="0" u="none" strike="noStrike" cap="none" normalizeH="0" baseline="0" dirty="0">
+                <a:ln>
+                  <a:noFill/>
+                </a:ln>
+                <a:solidFill>
+                  <a:srgbClr val="000000"/>
+                </a:solidFill>
+                <a:effectLst/>
+                <a:latin typeface="Verdana" panose="020B0604030504040204" pitchFamily="34" charset="0"/>
+              </a:rPr>
+              <a:t>如果这些测试全部成功，则返回true；否则返回false。</a:t>
+            </a:r>
+          </a:p>
+          <a:p>
+            <a:pPr marL="0" marR="0" lvl="0" indent="0" algn="l" defTabSz="914400" rtl="0" eaLnBrk="0" fontAlgn="base" latinLnBrk="0" hangingPunct="0">
+              <a:lnSpc>
+                <a:spcPct val="100000"/>
+              </a:lnSpc>
+              <a:spcBef>
+                <a:spcPct val="0"/>
+              </a:spcBef>
+              <a:spcAft>
+                <a:spcPct val="0"/>
+              </a:spcAft>
+              <a:buClrTx/>
+              <a:buSzTx/>
+              <a:buFontTx/>
+              <a:buAutoNum type="arabicPeriod" startAt="5"/>
+              <a:tabLst/>
+            </a:pPr>
+            <a:r>
+              <a:rPr kumimoji="0" lang="zh-CN" altLang="zh-CN" sz="900" b="1" i="0" u="none" strike="noStrike" cap="none" normalizeH="0" baseline="0" dirty="0">
+                <a:ln>
+                  <a:noFill/>
+                </a:ln>
+                <a:solidFill>
+                  <a:srgbClr val="000000"/>
+                </a:solidFill>
+                <a:effectLst/>
+                <a:latin typeface="Verdana" panose="020B0604030504040204" pitchFamily="34" charset="0"/>
+              </a:rPr>
+              <a:t>当你编写完成了equals方法之后，应该质问自己并且测试这三个问题：它是否是对称的、传递的、一致的？</a:t>
+            </a:r>
+            <a:r>
+              <a:rPr kumimoji="0" lang="zh-CN" altLang="zh-CN" sz="900" b="0" i="0" u="none" strike="noStrike" cap="none" normalizeH="0" baseline="0" dirty="0">
+                <a:ln>
+                  <a:noFill/>
+                </a:ln>
+                <a:solidFill>
+                  <a:srgbClr val="000000"/>
+                </a:solidFill>
+                <a:effectLst/>
+                <a:latin typeface="Verdana" panose="020B0604030504040204" pitchFamily="34" charset="0"/>
+              </a:rPr>
+              <a:t>当然，equals方法也必须满足自反性和非空性，不过通常都会自动满足。</a:t>
+            </a:r>
+          </a:p>
+          <a:p>
+            <a:pPr marL="0" marR="0" lvl="0" indent="0" algn="l" defTabSz="914400" rtl="0" eaLnBrk="0" fontAlgn="base" latinLnBrk="0" hangingPunct="0">
+              <a:lnSpc>
+                <a:spcPct val="100000"/>
+              </a:lnSpc>
+              <a:spcBef>
+                <a:spcPct val="0"/>
+              </a:spcBef>
+              <a:spcAft>
+                <a:spcPct val="0"/>
+              </a:spcAft>
+              <a:buClrTx/>
+              <a:buSzTx/>
+              <a:buFontTx/>
+              <a:buNone/>
+              <a:tabLst/>
+            </a:pPr>
+            <a:r>
+              <a:rPr kumimoji="0" lang="zh-CN" altLang="zh-CN" sz="900" b="0" i="0" u="none" strike="noStrike" cap="none" normalizeH="0" baseline="0" dirty="0">
+                <a:ln>
+                  <a:noFill/>
+                </a:ln>
+                <a:solidFill>
+                  <a:srgbClr val="000000"/>
+                </a:solidFill>
+                <a:effectLst/>
+                <a:latin typeface="Verdana" panose="020B0604030504040204" pitchFamily="34" charset="0"/>
+              </a:rPr>
+              <a:t>一个简单的列子：</a:t>
+            </a:r>
+            <a:endParaRPr kumimoji="0" lang="zh-CN" altLang="zh-CN" sz="900" b="1" i="0" u="none" strike="noStrike" cap="none" normalizeH="0" baseline="0" dirty="0">
+              <a:ln>
+                <a:noFill/>
+              </a:ln>
+              <a:solidFill>
+                <a:srgbClr val="0000FF"/>
+              </a:solidFill>
+              <a:effectLst/>
+              <a:latin typeface="Courier New" panose="02070309020205020404" pitchFamily="49" charset="0"/>
+              <a:cs typeface="Courier New" panose="02070309020205020404" pitchFamily="49" charset="0"/>
+            </a:endParaRPr>
+          </a:p>
+          <a:p>
+            <a:pPr marL="0" marR="0" lvl="0" indent="0" algn="l" defTabSz="914400" rtl="0" eaLnBrk="0" fontAlgn="base" latinLnBrk="0" hangingPunct="0">
+              <a:lnSpc>
+                <a:spcPct val="100000"/>
+              </a:lnSpc>
+              <a:spcBef>
+                <a:spcPct val="0"/>
+              </a:spcBef>
+              <a:spcAft>
+                <a:spcPct val="0"/>
+              </a:spcAft>
+              <a:buClrTx/>
+              <a:buSzTx/>
+              <a:buFontTx/>
+              <a:buNone/>
+              <a:tabLst/>
+            </a:pPr>
+            <a:r>
+              <a:rPr kumimoji="0" lang="zh-CN" altLang="zh-CN" sz="900" b="1" i="0" u="none" strike="noStrike" cap="none" normalizeH="0" baseline="0" dirty="0">
+                <a:ln>
+                  <a:noFill/>
+                </a:ln>
+                <a:solidFill>
+                  <a:srgbClr val="0000FF"/>
+                </a:solidFill>
+                <a:effectLst/>
+                <a:latin typeface="Courier New" panose="02070309020205020404" pitchFamily="49" charset="0"/>
+                <a:cs typeface="Courier New" panose="02070309020205020404" pitchFamily="49" charset="0"/>
+              </a:rPr>
+              <a:t>public</a:t>
+            </a:r>
+            <a:r>
+              <a:rPr kumimoji="0" lang="zh-CN" altLang="zh-CN" sz="900" b="0" i="0" u="none" strike="noStrike" cap="none" normalizeH="0" baseline="0" dirty="0">
+                <a:ln>
+                  <a:noFill/>
+                </a:ln>
+                <a:solidFill>
+                  <a:srgbClr val="444444"/>
+                </a:solidFill>
+                <a:effectLst/>
+                <a:latin typeface="Courier New" panose="02070309020205020404" pitchFamily="49" charset="0"/>
+                <a:cs typeface="Courier New" panose="02070309020205020404" pitchFamily="49" charset="0"/>
+              </a:rPr>
+              <a:t> </a:t>
+            </a:r>
+            <a:r>
+              <a:rPr kumimoji="0" lang="zh-CN" altLang="zh-CN" sz="900" b="0" i="0" u="none" strike="noStrike" cap="none" normalizeH="0" baseline="0" dirty="0">
+                <a:ln>
+                  <a:noFill/>
+                </a:ln>
+                <a:solidFill>
+                  <a:srgbClr val="A31515"/>
+                </a:solidFill>
+                <a:effectLst/>
+                <a:latin typeface="Courier New" panose="02070309020205020404" pitchFamily="49" charset="0"/>
+                <a:cs typeface="Courier New" panose="02070309020205020404" pitchFamily="49" charset="0"/>
+              </a:rPr>
+              <a:t>boolean</a:t>
+            </a:r>
+            <a:r>
+              <a:rPr kumimoji="0" lang="zh-CN" altLang="zh-CN" sz="900" b="0" i="0" u="none" strike="noStrike" cap="none" normalizeH="0" baseline="0" dirty="0">
+                <a:ln>
+                  <a:noFill/>
+                </a:ln>
+                <a:solidFill>
+                  <a:srgbClr val="444444"/>
+                </a:solidFill>
+                <a:effectLst/>
+                <a:latin typeface="Courier New" panose="02070309020205020404" pitchFamily="49" charset="0"/>
+                <a:cs typeface="Courier New" panose="02070309020205020404" pitchFamily="49" charset="0"/>
+              </a:rPr>
+              <a:t> </a:t>
+            </a:r>
+            <a:r>
+              <a:rPr kumimoji="0" lang="zh-CN" altLang="zh-CN" sz="900" b="1" i="0" u="none" strike="noStrike" cap="none" normalizeH="0" baseline="0" dirty="0">
+                <a:ln>
+                  <a:noFill/>
+                </a:ln>
+                <a:solidFill>
+                  <a:srgbClr val="A31515"/>
+                </a:solidFill>
+                <a:effectLst/>
+                <a:latin typeface="Courier New" panose="02070309020205020404" pitchFamily="49" charset="0"/>
+                <a:cs typeface="Courier New" panose="02070309020205020404" pitchFamily="49" charset="0"/>
+              </a:rPr>
+              <a:t>equals</a:t>
+            </a:r>
+            <a:r>
+              <a:rPr kumimoji="0" lang="zh-CN" altLang="zh-CN" sz="900" b="0" i="0" u="none" strike="noStrike" cap="none" normalizeH="0" baseline="0" dirty="0">
+                <a:ln>
+                  <a:noFill/>
+                </a:ln>
+                <a:solidFill>
+                  <a:srgbClr val="444444"/>
+                </a:solidFill>
+                <a:effectLst/>
+                <a:latin typeface="Courier New" panose="02070309020205020404" pitchFamily="49" charset="0"/>
+                <a:cs typeface="Courier New" panose="02070309020205020404" pitchFamily="49" charset="0"/>
+              </a:rPr>
+              <a:t>(Object o) { </a:t>
+            </a:r>
+            <a:r>
+              <a:rPr kumimoji="0" lang="zh-CN" altLang="zh-CN" sz="900" b="1" i="0" u="none" strike="noStrike" cap="none" normalizeH="0" baseline="0" dirty="0">
+                <a:ln>
+                  <a:noFill/>
+                </a:ln>
+                <a:solidFill>
+                  <a:srgbClr val="0000FF"/>
+                </a:solidFill>
+                <a:effectLst/>
+                <a:latin typeface="Courier New" panose="02070309020205020404" pitchFamily="49" charset="0"/>
+                <a:cs typeface="Courier New" panose="02070309020205020404" pitchFamily="49" charset="0"/>
+              </a:rPr>
+              <a:t>if</a:t>
+            </a:r>
+            <a:r>
+              <a:rPr kumimoji="0" lang="zh-CN" altLang="zh-CN" sz="900" b="0" i="0" u="none" strike="noStrike" cap="none" normalizeH="0" baseline="0" dirty="0">
+                <a:ln>
+                  <a:noFill/>
+                </a:ln>
+                <a:solidFill>
+                  <a:srgbClr val="444444"/>
+                </a:solidFill>
+                <a:effectLst/>
+                <a:latin typeface="Courier New" panose="02070309020205020404" pitchFamily="49" charset="0"/>
+                <a:cs typeface="Courier New" panose="02070309020205020404" pitchFamily="49" charset="0"/>
+              </a:rPr>
+              <a:t> (o == </a:t>
+            </a:r>
+            <a:r>
+              <a:rPr kumimoji="0" lang="zh-CN" altLang="zh-CN" sz="900" b="0" i="0" u="none" strike="noStrike" cap="none" normalizeH="0" baseline="0" dirty="0">
+                <a:ln>
+                  <a:noFill/>
+                </a:ln>
+                <a:solidFill>
+                  <a:srgbClr val="0000FF"/>
+                </a:solidFill>
+                <a:effectLst/>
+                <a:latin typeface="Courier New" panose="02070309020205020404" pitchFamily="49" charset="0"/>
+                <a:cs typeface="Courier New" panose="02070309020205020404" pitchFamily="49" charset="0"/>
+              </a:rPr>
+              <a:t>this</a:t>
+            </a:r>
+            <a:r>
+              <a:rPr kumimoji="0" lang="zh-CN" altLang="zh-CN" sz="900" b="0" i="0" u="none" strike="noStrike" cap="none" normalizeH="0" baseline="0" dirty="0">
+                <a:ln>
+                  <a:noFill/>
+                </a:ln>
+                <a:solidFill>
+                  <a:srgbClr val="444444"/>
+                </a:solidFill>
+                <a:effectLst/>
+                <a:latin typeface="Courier New" panose="02070309020205020404" pitchFamily="49" charset="0"/>
+                <a:cs typeface="Courier New" panose="02070309020205020404" pitchFamily="49" charset="0"/>
+              </a:rPr>
+              <a:t>) </a:t>
+            </a:r>
+            <a:r>
+              <a:rPr kumimoji="0" lang="zh-CN" altLang="zh-CN" sz="900" b="1" i="0" u="none" strike="noStrike" cap="none" normalizeH="0" baseline="0" dirty="0">
+                <a:ln>
+                  <a:noFill/>
+                </a:ln>
+                <a:solidFill>
+                  <a:srgbClr val="0000FF"/>
+                </a:solidFill>
+                <a:effectLst/>
+                <a:latin typeface="Courier New" panose="02070309020205020404" pitchFamily="49" charset="0"/>
+                <a:cs typeface="Courier New" panose="02070309020205020404" pitchFamily="49" charset="0"/>
+              </a:rPr>
+              <a:t>return</a:t>
+            </a:r>
+            <a:r>
+              <a:rPr kumimoji="0" lang="zh-CN" altLang="zh-CN" sz="900" b="0" i="0" u="none" strike="noStrike" cap="none" normalizeH="0" baseline="0" dirty="0">
+                <a:ln>
+                  <a:noFill/>
+                </a:ln>
+                <a:solidFill>
+                  <a:srgbClr val="444444"/>
+                </a:solidFill>
+                <a:effectLst/>
+                <a:latin typeface="Courier New" panose="02070309020205020404" pitchFamily="49" charset="0"/>
+                <a:cs typeface="Courier New" panose="02070309020205020404" pitchFamily="49" charset="0"/>
+              </a:rPr>
+              <a:t> </a:t>
+            </a:r>
+            <a:r>
+              <a:rPr kumimoji="0" lang="zh-CN" altLang="zh-CN" sz="900" b="0" i="0" u="none" strike="noStrike" cap="none" normalizeH="0" baseline="0" dirty="0">
+                <a:ln>
+                  <a:noFill/>
+                </a:ln>
+                <a:solidFill>
+                  <a:srgbClr val="A31515"/>
+                </a:solidFill>
+                <a:effectLst/>
+                <a:latin typeface="Courier New" panose="02070309020205020404" pitchFamily="49" charset="0"/>
+                <a:cs typeface="Courier New" panose="02070309020205020404" pitchFamily="49" charset="0"/>
+              </a:rPr>
+              <a:t>true</a:t>
+            </a:r>
+            <a:r>
+              <a:rPr kumimoji="0" lang="zh-CN" altLang="zh-CN" sz="900" b="0" i="0" u="none" strike="noStrike" cap="none" normalizeH="0" baseline="0" dirty="0">
+                <a:ln>
+                  <a:noFill/>
+                </a:ln>
+                <a:solidFill>
+                  <a:srgbClr val="444444"/>
+                </a:solidFill>
+                <a:effectLst/>
+                <a:latin typeface="Courier New" panose="02070309020205020404" pitchFamily="49" charset="0"/>
+                <a:cs typeface="Courier New" panose="02070309020205020404" pitchFamily="49" charset="0"/>
+              </a:rPr>
+              <a:t>; </a:t>
+            </a:r>
+            <a:r>
+              <a:rPr kumimoji="0" lang="zh-CN" altLang="zh-CN" sz="900" b="1" i="0" u="none" strike="noStrike" cap="none" normalizeH="0" baseline="0" dirty="0">
+                <a:ln>
+                  <a:noFill/>
+                </a:ln>
+                <a:solidFill>
+                  <a:srgbClr val="0000FF"/>
+                </a:solidFill>
+                <a:effectLst/>
+                <a:latin typeface="Courier New" panose="02070309020205020404" pitchFamily="49" charset="0"/>
+                <a:cs typeface="Courier New" panose="02070309020205020404" pitchFamily="49" charset="0"/>
+              </a:rPr>
+              <a:t>if</a:t>
+            </a:r>
+            <a:r>
+              <a:rPr kumimoji="0" lang="zh-CN" altLang="zh-CN" sz="900" b="0" i="0" u="none" strike="noStrike" cap="none" normalizeH="0" baseline="0" dirty="0">
+                <a:ln>
+                  <a:noFill/>
+                </a:ln>
+                <a:solidFill>
+                  <a:srgbClr val="444444"/>
+                </a:solidFill>
+                <a:effectLst/>
+                <a:latin typeface="Courier New" panose="02070309020205020404" pitchFamily="49" charset="0"/>
+                <a:cs typeface="Courier New" panose="02070309020205020404" pitchFamily="49" charset="0"/>
+              </a:rPr>
+              <a:t> (!(o </a:t>
+            </a:r>
+            <a:r>
+              <a:rPr kumimoji="0" lang="zh-CN" altLang="zh-CN" sz="900" b="1" i="0" u="none" strike="noStrike" cap="none" normalizeH="0" baseline="0" dirty="0">
+                <a:ln>
+                  <a:noFill/>
+                </a:ln>
+                <a:solidFill>
+                  <a:srgbClr val="0000FF"/>
+                </a:solidFill>
+                <a:effectLst/>
+                <a:latin typeface="Courier New" panose="02070309020205020404" pitchFamily="49" charset="0"/>
+                <a:cs typeface="Courier New" panose="02070309020205020404" pitchFamily="49" charset="0"/>
+              </a:rPr>
+              <a:t>instanceof</a:t>
+            </a:r>
+            <a:r>
+              <a:rPr kumimoji="0" lang="zh-CN" altLang="zh-CN" sz="900" b="0" i="0" u="none" strike="noStrike" cap="none" normalizeH="0" baseline="0" dirty="0">
+                <a:ln>
+                  <a:noFill/>
+                </a:ln>
+                <a:solidFill>
+                  <a:srgbClr val="444444"/>
+                </a:solidFill>
+                <a:effectLst/>
+                <a:latin typeface="Courier New" panose="02070309020205020404" pitchFamily="49" charset="0"/>
+                <a:cs typeface="Courier New" panose="02070309020205020404" pitchFamily="49" charset="0"/>
+              </a:rPr>
+              <a:t> MyClass)) </a:t>
+            </a:r>
+            <a:r>
+              <a:rPr kumimoji="0" lang="zh-CN" altLang="zh-CN" sz="900" b="1" i="0" u="none" strike="noStrike" cap="none" normalizeH="0" baseline="0" dirty="0">
+                <a:ln>
+                  <a:noFill/>
+                </a:ln>
+                <a:solidFill>
+                  <a:srgbClr val="0000FF"/>
+                </a:solidFill>
+                <a:effectLst/>
+                <a:latin typeface="Courier New" panose="02070309020205020404" pitchFamily="49" charset="0"/>
+                <a:cs typeface="Courier New" panose="02070309020205020404" pitchFamily="49" charset="0"/>
+              </a:rPr>
+              <a:t>return</a:t>
+            </a:r>
+            <a:r>
+              <a:rPr kumimoji="0" lang="zh-CN" altLang="zh-CN" sz="900" b="0" i="0" u="none" strike="noStrike" cap="none" normalizeH="0" baseline="0" dirty="0">
+                <a:ln>
+                  <a:noFill/>
+                </a:ln>
+                <a:solidFill>
+                  <a:srgbClr val="444444"/>
+                </a:solidFill>
+                <a:effectLst/>
+                <a:latin typeface="Courier New" panose="02070309020205020404" pitchFamily="49" charset="0"/>
+                <a:cs typeface="Courier New" panose="02070309020205020404" pitchFamily="49" charset="0"/>
+              </a:rPr>
+              <a:t> </a:t>
+            </a:r>
+            <a:r>
+              <a:rPr kumimoji="0" lang="zh-CN" altLang="zh-CN" sz="900" b="0" i="0" u="none" strike="noStrike" cap="none" normalizeH="0" baseline="0" dirty="0">
+                <a:ln>
+                  <a:noFill/>
+                </a:ln>
+                <a:solidFill>
+                  <a:srgbClr val="A31515"/>
+                </a:solidFill>
+                <a:effectLst/>
+                <a:latin typeface="Courier New" panose="02070309020205020404" pitchFamily="49" charset="0"/>
+                <a:cs typeface="Courier New" panose="02070309020205020404" pitchFamily="49" charset="0"/>
+              </a:rPr>
+              <a:t>false</a:t>
+            </a:r>
+            <a:r>
+              <a:rPr kumimoji="0" lang="zh-CN" altLang="zh-CN" sz="900" b="0" i="0" u="none" strike="noStrike" cap="none" normalizeH="0" baseline="0" dirty="0">
+                <a:ln>
+                  <a:noFill/>
+                </a:ln>
+                <a:solidFill>
+                  <a:srgbClr val="444444"/>
+                </a:solidFill>
+                <a:effectLst/>
+                <a:latin typeface="Courier New" panose="02070309020205020404" pitchFamily="49" charset="0"/>
+                <a:cs typeface="Courier New" panose="02070309020205020404" pitchFamily="49" charset="0"/>
+              </a:rPr>
+              <a:t>; </a:t>
+            </a:r>
+            <a:r>
+              <a:rPr kumimoji="0" lang="zh-CN" altLang="zh-CN" sz="900" b="0" i="0" u="none" strike="noStrike" cap="none" normalizeH="0" baseline="0" dirty="0">
+                <a:ln>
+                  <a:noFill/>
+                </a:ln>
+                <a:solidFill>
+                  <a:srgbClr val="A31515"/>
+                </a:solidFill>
+                <a:effectLst/>
+                <a:latin typeface="Courier New" panose="02070309020205020404" pitchFamily="49" charset="0"/>
+                <a:cs typeface="Courier New" panose="02070309020205020404" pitchFamily="49" charset="0"/>
+              </a:rPr>
+              <a:t>MyClass</a:t>
+            </a:r>
+            <a:r>
+              <a:rPr kumimoji="0" lang="zh-CN" altLang="zh-CN" sz="900" b="0" i="0" u="none" strike="noStrike" cap="none" normalizeH="0" baseline="0" dirty="0">
+                <a:ln>
+                  <a:noFill/>
+                </a:ln>
+                <a:solidFill>
+                  <a:srgbClr val="444444"/>
+                </a:solidFill>
+                <a:effectLst/>
+                <a:latin typeface="Courier New" panose="02070309020205020404" pitchFamily="49" charset="0"/>
+                <a:cs typeface="Courier New" panose="02070309020205020404" pitchFamily="49" charset="0"/>
+              </a:rPr>
+              <a:t> </a:t>
+            </a:r>
+            <a:r>
+              <a:rPr kumimoji="0" lang="zh-CN" altLang="zh-CN" sz="900" b="0" i="0" u="none" strike="noStrike" cap="none" normalizeH="0" baseline="0" dirty="0">
+                <a:ln>
+                  <a:noFill/>
+                </a:ln>
+                <a:solidFill>
+                  <a:srgbClr val="008000"/>
+                </a:solidFill>
+                <a:effectLst/>
+                <a:latin typeface="Courier New" panose="02070309020205020404" pitchFamily="49" charset="0"/>
+                <a:cs typeface="Courier New" panose="02070309020205020404" pitchFamily="49" charset="0"/>
+              </a:rPr>
+              <a:t>obj</a:t>
+            </a:r>
+            <a:r>
+              <a:rPr kumimoji="0" lang="zh-CN" altLang="zh-CN" sz="900" b="0" i="0" u="none" strike="noStrike" cap="none" normalizeH="0" baseline="0" dirty="0">
+                <a:ln>
+                  <a:noFill/>
+                </a:ln>
+                <a:solidFill>
+                  <a:srgbClr val="444444"/>
+                </a:solidFill>
+                <a:effectLst/>
+                <a:latin typeface="Courier New" panose="02070309020205020404" pitchFamily="49" charset="0"/>
+                <a:cs typeface="Courier New" panose="02070309020205020404" pitchFamily="49" charset="0"/>
+              </a:rPr>
+              <a:t> </a:t>
+            </a:r>
+            <a:r>
+              <a:rPr kumimoji="0" lang="zh-CN" altLang="zh-CN" sz="900" b="0" i="0" u="none" strike="noStrike" cap="none" normalizeH="0" baseline="0" dirty="0">
+                <a:ln>
+                  <a:noFill/>
+                </a:ln>
+                <a:solidFill>
+                  <a:srgbClr val="AB5656"/>
+                </a:solidFill>
+                <a:effectLst/>
+                <a:latin typeface="Courier New" panose="02070309020205020404" pitchFamily="49" charset="0"/>
+                <a:cs typeface="Courier New" panose="02070309020205020404" pitchFamily="49" charset="0"/>
+              </a:rPr>
+              <a:t>=</a:t>
+            </a:r>
+            <a:r>
+              <a:rPr kumimoji="0" lang="zh-CN" altLang="zh-CN" sz="900" b="0" i="0" u="none" strike="noStrike" cap="none" normalizeH="0" baseline="0" dirty="0">
+                <a:ln>
+                  <a:noFill/>
+                </a:ln>
+                <a:solidFill>
+                  <a:srgbClr val="444444"/>
+                </a:solidFill>
+                <a:effectLst/>
+                <a:latin typeface="Courier New" panose="02070309020205020404" pitchFamily="49" charset="0"/>
+                <a:cs typeface="Courier New" panose="02070309020205020404" pitchFamily="49" charset="0"/>
+              </a:rPr>
+              <a:t> (MyClass) o; </a:t>
+            </a:r>
+            <a:r>
+              <a:rPr kumimoji="0" lang="zh-CN" altLang="zh-CN" sz="900" b="1" i="0" u="none" strike="noStrike" cap="none" normalizeH="0" baseline="0" dirty="0">
+                <a:ln>
+                  <a:noFill/>
+                </a:ln>
+                <a:solidFill>
+                  <a:srgbClr val="0000FF"/>
+                </a:solidFill>
+                <a:effectLst/>
+                <a:latin typeface="Courier New" panose="02070309020205020404" pitchFamily="49" charset="0"/>
+                <a:cs typeface="Courier New" panose="02070309020205020404" pitchFamily="49" charset="0"/>
+              </a:rPr>
+              <a:t>return</a:t>
+            </a:r>
+            <a:r>
+              <a:rPr kumimoji="0" lang="zh-CN" altLang="zh-CN" sz="900" b="0" i="0" u="none" strike="noStrike" cap="none" normalizeH="0" baseline="0" dirty="0">
+                <a:ln>
+                  <a:noFill/>
+                </a:ln>
+                <a:solidFill>
+                  <a:srgbClr val="444444"/>
+                </a:solidFill>
+                <a:effectLst/>
+                <a:latin typeface="Courier New" panose="02070309020205020404" pitchFamily="49" charset="0"/>
+                <a:cs typeface="Courier New" panose="02070309020205020404" pitchFamily="49" charset="0"/>
+              </a:rPr>
+              <a:t> obj.field0 == </a:t>
+            </a:r>
+            <a:r>
+              <a:rPr kumimoji="0" lang="zh-CN" altLang="zh-CN" sz="900" b="0" i="0" u="none" strike="noStrike" cap="none" normalizeH="0" baseline="0" dirty="0">
+                <a:ln>
+                  <a:noFill/>
+                </a:ln>
+                <a:solidFill>
+                  <a:srgbClr val="0000FF"/>
+                </a:solidFill>
+                <a:effectLst/>
+                <a:latin typeface="Courier New" panose="02070309020205020404" pitchFamily="49" charset="0"/>
+                <a:cs typeface="Courier New" panose="02070309020205020404" pitchFamily="49" charset="0"/>
+              </a:rPr>
+              <a:t>this</a:t>
+            </a:r>
+            <a:r>
+              <a:rPr kumimoji="0" lang="zh-CN" altLang="zh-CN" sz="900" b="0" i="0" u="none" strike="noStrike" cap="none" normalizeH="0" baseline="0" dirty="0">
+                <a:ln>
+                  <a:noFill/>
+                </a:ln>
+                <a:solidFill>
+                  <a:srgbClr val="444444"/>
+                </a:solidFill>
+                <a:effectLst/>
+                <a:latin typeface="Courier New" panose="02070309020205020404" pitchFamily="49" charset="0"/>
+                <a:cs typeface="Courier New" panose="02070309020205020404" pitchFamily="49" charset="0"/>
+              </a:rPr>
+              <a:t>.field0 &amp;&amp; obj.field1 == </a:t>
+            </a:r>
+            <a:r>
+              <a:rPr kumimoji="0" lang="zh-CN" altLang="zh-CN" sz="900" b="0" i="0" u="none" strike="noStrike" cap="none" normalizeH="0" baseline="0" dirty="0">
+                <a:ln>
+                  <a:noFill/>
+                </a:ln>
+                <a:solidFill>
+                  <a:srgbClr val="0000FF"/>
+                </a:solidFill>
+                <a:effectLst/>
+                <a:latin typeface="Courier New" panose="02070309020205020404" pitchFamily="49" charset="0"/>
+                <a:cs typeface="Courier New" panose="02070309020205020404" pitchFamily="49" charset="0"/>
+              </a:rPr>
+              <a:t>this</a:t>
+            </a:r>
+            <a:r>
+              <a:rPr kumimoji="0" lang="zh-CN" altLang="zh-CN" sz="900" b="0" i="0" u="none" strike="noStrike" cap="none" normalizeH="0" baseline="0" dirty="0">
+                <a:ln>
+                  <a:noFill/>
+                </a:ln>
+                <a:solidFill>
+                  <a:srgbClr val="444444"/>
+                </a:solidFill>
+                <a:effectLst/>
+                <a:latin typeface="Courier New" panose="02070309020205020404" pitchFamily="49" charset="0"/>
+                <a:cs typeface="Courier New" panose="02070309020205020404" pitchFamily="49" charset="0"/>
+              </a:rPr>
+              <a:t>.field1; } </a:t>
+            </a:r>
+            <a:endParaRPr kumimoji="0" lang="zh-CN" altLang="zh-CN" sz="600" b="0" i="0" u="none" strike="noStrike" cap="none" normalizeH="0" baseline="0" dirty="0">
+              <a:ln>
+                <a:noFill/>
+              </a:ln>
+              <a:solidFill>
+                <a:schemeClr val="tx1"/>
+              </a:solidFill>
+              <a:effectLst/>
+            </a:endParaRPr>
+          </a:p>
+          <a:p>
+            <a:pPr marL="0" marR="0" lvl="0" indent="0" algn="l" defTabSz="914400" rtl="0" eaLnBrk="0" fontAlgn="base" latinLnBrk="0" hangingPunct="0">
+              <a:lnSpc>
+                <a:spcPct val="100000"/>
+              </a:lnSpc>
+              <a:spcBef>
+                <a:spcPct val="0"/>
+              </a:spcBef>
+              <a:spcAft>
+                <a:spcPct val="0"/>
+              </a:spcAft>
+              <a:buClrTx/>
+              <a:buSzTx/>
+              <a:buFontTx/>
+              <a:buNone/>
+              <a:tabLst/>
+            </a:pPr>
+            <a:r>
+              <a:rPr kumimoji="0" lang="zh-CN" altLang="zh-CN" sz="900" b="0" i="0" u="none" strike="noStrike" cap="none" normalizeH="0" baseline="0" dirty="0">
+                <a:ln>
+                  <a:noFill/>
+                </a:ln>
+                <a:solidFill>
+                  <a:srgbClr val="000000"/>
+                </a:solidFill>
+                <a:effectLst/>
+                <a:latin typeface="Verdana" panose="020B0604030504040204" pitchFamily="34" charset="0"/>
+              </a:rPr>
+              <a:t>告诫：</a:t>
+            </a:r>
+            <a:endParaRPr kumimoji="0" lang="zh-CN" altLang="zh-CN" sz="600" b="0" i="0" u="none" strike="noStrike" cap="none" normalizeH="0" baseline="0" dirty="0">
+              <a:ln>
+                <a:noFill/>
+              </a:ln>
+              <a:solidFill>
+                <a:schemeClr val="tx1"/>
+              </a:solidFill>
+              <a:effectLst/>
+            </a:endParaRPr>
+          </a:p>
+          <a:p>
+            <a:pPr marL="0" marR="0" lvl="0" indent="0" algn="l" defTabSz="914400" rtl="0" eaLnBrk="0" fontAlgn="base" latinLnBrk="0" hangingPunct="0">
+              <a:lnSpc>
+                <a:spcPct val="100000"/>
+              </a:lnSpc>
+              <a:spcBef>
+                <a:spcPct val="0"/>
+              </a:spcBef>
+              <a:spcAft>
+                <a:spcPct val="0"/>
+              </a:spcAft>
+              <a:buClrTx/>
+              <a:buSzTx/>
+              <a:buFontTx/>
+              <a:buChar char="•"/>
+              <a:tabLst/>
+            </a:pPr>
+            <a:r>
+              <a:rPr kumimoji="0" lang="zh-CN" altLang="zh-CN" sz="900" b="0" i="0" u="none" strike="noStrike" cap="none" normalizeH="0" baseline="0" dirty="0">
+                <a:ln>
+                  <a:noFill/>
+                </a:ln>
+                <a:solidFill>
+                  <a:srgbClr val="000000"/>
+                </a:solidFill>
+                <a:effectLst/>
+                <a:latin typeface="Verdana" panose="020B0604030504040204" pitchFamily="34" charset="0"/>
+              </a:rPr>
+              <a:t>覆盖equals时总要覆盖hashCode。</a:t>
+            </a:r>
+          </a:p>
+          <a:p>
+            <a:pPr marL="0" marR="0" lvl="0" indent="0" algn="l" defTabSz="914400" rtl="0" eaLnBrk="0" fontAlgn="base" latinLnBrk="0" hangingPunct="0">
+              <a:lnSpc>
+                <a:spcPct val="100000"/>
+              </a:lnSpc>
+              <a:spcBef>
+                <a:spcPct val="0"/>
+              </a:spcBef>
+              <a:spcAft>
+                <a:spcPct val="0"/>
+              </a:spcAft>
+              <a:buClrTx/>
+              <a:buSzTx/>
+              <a:buFontTx/>
+              <a:buChar char="•"/>
+              <a:tabLst/>
+            </a:pPr>
+            <a:r>
+              <a:rPr kumimoji="0" lang="zh-CN" altLang="zh-CN" sz="900" b="0" i="0" u="none" strike="noStrike" cap="none" normalizeH="0" baseline="0" dirty="0">
+                <a:ln>
+                  <a:noFill/>
+                </a:ln>
+                <a:solidFill>
+                  <a:srgbClr val="000000"/>
+                </a:solidFill>
+                <a:effectLst/>
+                <a:latin typeface="Verdana" panose="020B0604030504040204" pitchFamily="34" charset="0"/>
+              </a:rPr>
+              <a:t>不要企图让equals方法过于智能。</a:t>
+            </a:r>
+          </a:p>
+          <a:p>
+            <a:pPr marL="0" marR="0" lvl="0" indent="0" algn="l" defTabSz="914400" rtl="0" eaLnBrk="0" fontAlgn="base" latinLnBrk="0" hangingPunct="0">
+              <a:lnSpc>
+                <a:spcPct val="100000"/>
+              </a:lnSpc>
+              <a:spcBef>
+                <a:spcPct val="0"/>
+              </a:spcBef>
+              <a:spcAft>
+                <a:spcPct val="0"/>
+              </a:spcAft>
+              <a:buClrTx/>
+              <a:buSzTx/>
+              <a:buFontTx/>
+              <a:buChar char="•"/>
+              <a:tabLst/>
+            </a:pPr>
+            <a:r>
+              <a:rPr kumimoji="0" lang="zh-CN" altLang="zh-CN" sz="900" b="0" i="0" u="none" strike="noStrike" cap="none" normalizeH="0" baseline="0" dirty="0">
+                <a:ln>
+                  <a:noFill/>
+                </a:ln>
+                <a:solidFill>
+                  <a:srgbClr val="000000"/>
+                </a:solidFill>
+                <a:effectLst/>
+                <a:latin typeface="Verdana" panose="020B0604030504040204" pitchFamily="34" charset="0"/>
+              </a:rPr>
+              <a:t>不要将equals声明中的Object对象替换为其他的类型。</a:t>
+            </a:r>
+          </a:p>
+          <a:p>
+            <a:pPr marL="0" marR="0" lvl="0" indent="0" algn="l" defTabSz="914400" rtl="0" eaLnBrk="0" fontAlgn="base" latinLnBrk="0" hangingPunct="0">
+              <a:lnSpc>
+                <a:spcPct val="100000"/>
+              </a:lnSpc>
+              <a:spcBef>
+                <a:spcPct val="0"/>
+              </a:spcBef>
+              <a:spcAft>
+                <a:spcPct val="0"/>
+              </a:spcAft>
+              <a:buClrTx/>
+              <a:buSzTx/>
+              <a:buFontTx/>
+              <a:buNone/>
+              <a:tabLst/>
+            </a:pPr>
+            <a:r>
+              <a:rPr kumimoji="0" lang="zh-CN" altLang="zh-CN" sz="900" b="1" i="0" u="none" strike="noStrike" cap="none" normalizeH="0" baseline="0" dirty="0">
+                <a:ln>
+                  <a:noFill/>
+                </a:ln>
+                <a:solidFill>
+                  <a:srgbClr val="0000FF"/>
+                </a:solidFill>
+                <a:effectLst/>
+                <a:latin typeface="Courier New" panose="02070309020205020404" pitchFamily="49" charset="0"/>
+                <a:cs typeface="Courier New" panose="02070309020205020404" pitchFamily="49" charset="0"/>
+              </a:rPr>
+              <a:t>public</a:t>
+            </a:r>
+            <a:r>
+              <a:rPr kumimoji="0" lang="zh-CN" altLang="zh-CN" sz="900" b="0" i="0" u="none" strike="noStrike" cap="none" normalizeH="0" baseline="0" dirty="0">
+                <a:ln>
+                  <a:noFill/>
+                </a:ln>
+                <a:solidFill>
+                  <a:srgbClr val="444444"/>
+                </a:solidFill>
+                <a:effectLst/>
+                <a:latin typeface="Courier New" panose="02070309020205020404" pitchFamily="49" charset="0"/>
+                <a:cs typeface="Courier New" panose="02070309020205020404" pitchFamily="49" charset="0"/>
+              </a:rPr>
+              <a:t> </a:t>
+            </a:r>
+            <a:r>
+              <a:rPr kumimoji="0" lang="zh-CN" altLang="zh-CN" sz="900" b="0" i="0" u="none" strike="noStrike" cap="none" normalizeH="0" baseline="0" dirty="0">
+                <a:ln>
+                  <a:noFill/>
+                </a:ln>
+                <a:solidFill>
+                  <a:srgbClr val="A31515"/>
+                </a:solidFill>
+                <a:effectLst/>
+                <a:latin typeface="Courier New" panose="02070309020205020404" pitchFamily="49" charset="0"/>
+                <a:cs typeface="Courier New" panose="02070309020205020404" pitchFamily="49" charset="0"/>
+              </a:rPr>
+              <a:t>boolean</a:t>
+            </a:r>
+            <a:r>
+              <a:rPr kumimoji="0" lang="zh-CN" altLang="zh-CN" sz="900" b="0" i="0" u="none" strike="noStrike" cap="none" normalizeH="0" baseline="0" dirty="0">
+                <a:ln>
+                  <a:noFill/>
+                </a:ln>
+                <a:solidFill>
+                  <a:srgbClr val="444444"/>
+                </a:solidFill>
+                <a:effectLst/>
+                <a:latin typeface="Courier New" panose="02070309020205020404" pitchFamily="49" charset="0"/>
+                <a:cs typeface="Courier New" panose="02070309020205020404" pitchFamily="49" charset="0"/>
+              </a:rPr>
+              <a:t> </a:t>
+            </a:r>
+            <a:r>
+              <a:rPr kumimoji="0" lang="zh-CN" altLang="zh-CN" sz="900" b="1" i="0" u="none" strike="noStrike" cap="none" normalizeH="0" baseline="0" dirty="0">
+                <a:ln>
+                  <a:noFill/>
+                </a:ln>
+                <a:solidFill>
+                  <a:srgbClr val="A31515"/>
+                </a:solidFill>
+                <a:effectLst/>
+                <a:latin typeface="Courier New" panose="02070309020205020404" pitchFamily="49" charset="0"/>
+                <a:cs typeface="Courier New" panose="02070309020205020404" pitchFamily="49" charset="0"/>
+              </a:rPr>
+              <a:t>equals</a:t>
+            </a:r>
+            <a:r>
+              <a:rPr kumimoji="0" lang="zh-CN" altLang="zh-CN" sz="900" b="0" i="0" u="none" strike="noStrike" cap="none" normalizeH="0" baseline="0" dirty="0">
+                <a:ln>
+                  <a:noFill/>
+                </a:ln>
+                <a:solidFill>
+                  <a:srgbClr val="444444"/>
+                </a:solidFill>
+                <a:effectLst/>
+                <a:latin typeface="Courier New" panose="02070309020205020404" pitchFamily="49" charset="0"/>
+                <a:cs typeface="Courier New" panose="02070309020205020404" pitchFamily="49" charset="0"/>
+              </a:rPr>
+              <a:t>(MyClass o); </a:t>
+            </a:r>
+            <a:r>
+              <a:rPr kumimoji="0" lang="zh-CN" altLang="zh-CN" sz="900" b="0" i="0" u="none" strike="noStrike" cap="none" normalizeH="0" baseline="0" dirty="0">
+                <a:ln>
+                  <a:noFill/>
+                </a:ln>
+                <a:solidFill>
+                  <a:srgbClr val="008000"/>
+                </a:solidFill>
+                <a:effectLst/>
+                <a:latin typeface="Courier New" panose="02070309020205020404" pitchFamily="49" charset="0"/>
+                <a:cs typeface="Courier New" panose="02070309020205020404" pitchFamily="49" charset="0"/>
+              </a:rPr>
+              <a:t>// Don't do this!</a:t>
+            </a:r>
+            <a:r>
+              <a:rPr kumimoji="0" lang="zh-CN" altLang="zh-CN" sz="600" b="0" i="0" u="none" strike="noStrike" cap="none" normalizeH="0" baseline="0" dirty="0">
+                <a:ln>
+                  <a:noFill/>
+                </a:ln>
+                <a:solidFill>
+                  <a:schemeClr val="tx1"/>
+                </a:solidFill>
+                <a:effectLst/>
+              </a:rPr>
+              <a:t> </a:t>
+            </a:r>
+            <a:endParaRPr kumimoji="0" lang="zh-CN" altLang="zh-CN" sz="1800" b="0" i="0" u="none" strike="noStrike" cap="none" normalizeH="0" baseline="0" dirty="0">
+              <a:ln>
+                <a:noFill/>
+              </a:ln>
+              <a:solidFill>
+                <a:schemeClr val="tx1"/>
+              </a:solidFill>
+              <a:effectLst/>
+              <a:latin typeface="Arial" panose="020B0604020202020204" pitchFamily="34" charset="0"/>
+            </a:endParaRPr>
+          </a:p>
+        </p:txBody>
+      </p:sp>
+    </p:spTree>
+    <p:extLst>
+      <p:ext uri="{BB962C8B-B14F-4D97-AF65-F5344CB8AC3E}">
+        <p14:creationId xmlns:p14="http://schemas.microsoft.com/office/powerpoint/2010/main" val="2832949180"/>
+      </p:ext>
+    </p:extLst>
+  </p:cSld>
+  <p:clrMapOvr>
+    <a:masterClrMapping/>
+  </p:clrMapOvr>
+</p:sld>
+</file>
+
+<file path=ppt/slides/slide12.xml><?xml version="1.0" encoding="utf-8"?>
+<p:sld xmlns:a="http://schemas.openxmlformats.org/drawingml/2006/main" xmlns:r="http://schemas.openxmlformats.org/officeDocument/2006/relationships" xmlns:p="http://schemas.openxmlformats.org/presentationml/2006/main">
+  <p:cSld>
+    <p:spTree>
+      <p:nvGrpSpPr>
+        <p:cNvPr id="1" name=""/>
+        <p:cNvGrpSpPr/>
+        <p:nvPr/>
+      </p:nvGrpSpPr>
+      <p:grpSpPr>
+        <a:xfrm>
+          <a:off x="0" y="0"/>
+          <a:ext cx="0" cy="0"/>
+          <a:chOff x="0" y="0"/>
+          <a:chExt cx="0" cy="0"/>
+        </a:xfrm>
+      </p:grpSpPr>
+      <p:sp>
+        <p:nvSpPr>
+          <p:cNvPr id="2" name="标题 1">
+            <a:extLst>
+              <a:ext uri="{FF2B5EF4-FFF2-40B4-BE49-F238E27FC236}">
+                <a16:creationId xmlns:a16="http://schemas.microsoft.com/office/drawing/2014/main" id="{2C07D16F-9BF3-43DF-9DEF-D5A5C1848A7C}"/>
+              </a:ext>
+            </a:extLst>
+          </p:cNvPr>
+          <p:cNvSpPr>
+            <a:spLocks noGrp="1"/>
+          </p:cNvSpPr>
+          <p:nvPr>
+            <p:ph type="title"/>
+          </p:nvPr>
+        </p:nvSpPr>
+        <p:spPr>
+          <a:xfrm>
+            <a:off x="838200" y="365126"/>
+            <a:ext cx="10515600" cy="493669"/>
+          </a:xfrm>
+        </p:spPr>
+        <p:txBody>
+          <a:bodyPr>
+            <a:normAutofit/>
+          </a:bodyPr>
+          <a:lstStyle/>
+          <a:p>
+            <a:r>
+              <a:rPr lang="zh-CN" altLang="en-US" sz="1800" dirty="0">
+                <a:latin typeface="+mn-lt"/>
+                <a:ea typeface="+mn-ea"/>
+                <a:cs typeface="+mn-cs"/>
+              </a:rPr>
+              <a:t>第</a:t>
+            </a:r>
+            <a:r>
+              <a:rPr lang="en-US" altLang="zh-CN" sz="1800" dirty="0">
+                <a:latin typeface="+mn-lt"/>
+                <a:ea typeface="+mn-ea"/>
+                <a:cs typeface="+mn-cs"/>
+              </a:rPr>
+              <a:t>9</a:t>
+            </a:r>
+            <a:r>
+              <a:rPr lang="zh-CN" altLang="en-US" sz="1800" dirty="0">
+                <a:latin typeface="+mn-lt"/>
+                <a:ea typeface="+mn-ea"/>
+                <a:cs typeface="+mn-cs"/>
+              </a:rPr>
+              <a:t>条覆盖</a:t>
+            </a:r>
+            <a:r>
+              <a:rPr lang="en-US" altLang="zh-CN" sz="1800" dirty="0">
+                <a:latin typeface="+mn-lt"/>
+                <a:ea typeface="+mn-ea"/>
+                <a:cs typeface="+mn-cs"/>
+              </a:rPr>
+              <a:t>equals</a:t>
+            </a:r>
+            <a:r>
+              <a:rPr lang="zh-CN" altLang="en-US" sz="1800" dirty="0">
+                <a:latin typeface="+mn-lt"/>
+                <a:ea typeface="+mn-ea"/>
+                <a:cs typeface="+mn-cs"/>
+              </a:rPr>
+              <a:t>时总要覆盖</a:t>
+            </a:r>
+            <a:r>
+              <a:rPr lang="en-US" altLang="zh-CN" sz="1800" dirty="0" err="1">
+                <a:latin typeface="+mn-lt"/>
+                <a:ea typeface="+mn-ea"/>
+                <a:cs typeface="+mn-cs"/>
+              </a:rPr>
+              <a:t>hashCode</a:t>
+            </a:r>
+            <a:endParaRPr lang="zh-CN" altLang="en-US" sz="1800" dirty="0">
+              <a:latin typeface="+mn-lt"/>
+              <a:ea typeface="+mn-ea"/>
+              <a:cs typeface="+mn-cs"/>
+            </a:endParaRPr>
+          </a:p>
+        </p:txBody>
+      </p:sp>
+      <p:sp>
+        <p:nvSpPr>
+          <p:cNvPr id="4" name="文本框 3">
+            <a:extLst>
+              <a:ext uri="{FF2B5EF4-FFF2-40B4-BE49-F238E27FC236}">
+                <a16:creationId xmlns:a16="http://schemas.microsoft.com/office/drawing/2014/main" id="{10D99102-2F9B-40AB-B08D-4C71A048CE7F}"/>
+              </a:ext>
+            </a:extLst>
+          </p:cNvPr>
+          <p:cNvSpPr txBox="1"/>
+          <p:nvPr/>
+        </p:nvSpPr>
+        <p:spPr>
+          <a:xfrm>
+            <a:off x="838200" y="1033502"/>
+            <a:ext cx="6094970" cy="2585323"/>
+          </a:xfrm>
+          <a:prstGeom prst="rect">
+            <a:avLst/>
+          </a:prstGeom>
+          <a:noFill/>
+        </p:spPr>
+        <p:txBody>
+          <a:bodyPr wrap="square">
+            <a:spAutoFit/>
+          </a:bodyPr>
+          <a:lstStyle/>
+          <a:p>
+            <a:pPr algn="l"/>
+            <a:r>
+              <a:rPr lang="zh-CN" altLang="en-US" b="0" i="0" dirty="0">
+                <a:solidFill>
+                  <a:srgbClr val="000000"/>
+                </a:solidFill>
+                <a:effectLst/>
+                <a:latin typeface="Verdana" panose="020B0604030504040204" pitchFamily="34" charset="0"/>
+              </a:rPr>
+              <a:t>如果没有共同覆盖</a:t>
+            </a:r>
+            <a:r>
+              <a:rPr lang="en-US" altLang="zh-CN" b="0" i="0" dirty="0">
+                <a:solidFill>
+                  <a:srgbClr val="000000"/>
+                </a:solidFill>
+                <a:effectLst/>
+                <a:latin typeface="Verdana" panose="020B0604030504040204" pitchFamily="34" charset="0"/>
+              </a:rPr>
+              <a:t>equals</a:t>
+            </a:r>
+            <a:r>
+              <a:rPr lang="zh-CN" altLang="en-US" b="0" i="0" dirty="0">
+                <a:solidFill>
+                  <a:srgbClr val="000000"/>
+                </a:solidFill>
+                <a:effectLst/>
+                <a:latin typeface="Verdana" panose="020B0604030504040204" pitchFamily="34" charset="0"/>
+              </a:rPr>
+              <a:t>方法和</a:t>
+            </a:r>
+            <a:r>
+              <a:rPr lang="en-US" altLang="zh-CN" b="0" i="0" dirty="0" err="1">
+                <a:solidFill>
+                  <a:srgbClr val="000000"/>
+                </a:solidFill>
+                <a:effectLst/>
+                <a:latin typeface="Verdana" panose="020B0604030504040204" pitchFamily="34" charset="0"/>
+              </a:rPr>
+              <a:t>hashCode</a:t>
+            </a:r>
+            <a:r>
+              <a:rPr lang="zh-CN" altLang="en-US" b="0" i="0" dirty="0">
+                <a:solidFill>
+                  <a:srgbClr val="000000"/>
+                </a:solidFill>
+                <a:effectLst/>
+                <a:latin typeface="Verdana" panose="020B0604030504040204" pitchFamily="34" charset="0"/>
+              </a:rPr>
+              <a:t>方法，那么该类将无法结合所有基于散列的集合一起正常运作，这样的集合包括</a:t>
+            </a:r>
+            <a:r>
+              <a:rPr lang="en-US" altLang="zh-CN" b="0" i="0" dirty="0">
+                <a:solidFill>
+                  <a:srgbClr val="000000"/>
+                </a:solidFill>
+                <a:effectLst/>
+                <a:latin typeface="Verdana" panose="020B0604030504040204" pitchFamily="34" charset="0"/>
+              </a:rPr>
+              <a:t>HashMap</a:t>
+            </a:r>
+            <a:r>
+              <a:rPr lang="zh-CN" altLang="en-US" b="0" i="0" dirty="0">
+                <a:solidFill>
+                  <a:srgbClr val="000000"/>
+                </a:solidFill>
+                <a:effectLst/>
+                <a:latin typeface="Verdana" panose="020B0604030504040204" pitchFamily="34" charset="0"/>
+              </a:rPr>
+              <a:t>、</a:t>
+            </a:r>
+            <a:r>
+              <a:rPr lang="en-US" altLang="zh-CN" b="0" i="0" dirty="0">
+                <a:solidFill>
+                  <a:srgbClr val="000000"/>
+                </a:solidFill>
+                <a:effectLst/>
+                <a:latin typeface="Verdana" panose="020B0604030504040204" pitchFamily="34" charset="0"/>
+              </a:rPr>
+              <a:t>HashSet</a:t>
+            </a:r>
+            <a:r>
+              <a:rPr lang="zh-CN" altLang="en-US" b="0" i="0" dirty="0">
+                <a:solidFill>
+                  <a:srgbClr val="000000"/>
+                </a:solidFill>
+                <a:effectLst/>
+                <a:latin typeface="Verdana" panose="020B0604030504040204" pitchFamily="34" charset="0"/>
+              </a:rPr>
+              <a:t>和</a:t>
+            </a:r>
+            <a:r>
+              <a:rPr lang="en-US" altLang="zh-CN" b="0" i="0" dirty="0" err="1">
+                <a:solidFill>
+                  <a:srgbClr val="000000"/>
+                </a:solidFill>
+                <a:effectLst/>
+                <a:latin typeface="Verdana" panose="020B0604030504040204" pitchFamily="34" charset="0"/>
+              </a:rPr>
+              <a:t>HashTable</a:t>
+            </a:r>
+            <a:r>
+              <a:rPr lang="zh-CN" altLang="en-US" b="0" i="0" dirty="0">
+                <a:solidFill>
+                  <a:srgbClr val="000000"/>
+                </a:solidFill>
+                <a:effectLst/>
+                <a:latin typeface="Verdana" panose="020B0604030504040204" pitchFamily="34" charset="0"/>
+              </a:rPr>
+              <a:t>。</a:t>
+            </a:r>
+          </a:p>
+          <a:p>
+            <a:pPr algn="l"/>
+            <a:r>
+              <a:rPr lang="zh-CN" altLang="en-US" b="0" i="0" dirty="0">
+                <a:solidFill>
+                  <a:srgbClr val="000000"/>
+                </a:solidFill>
+                <a:effectLst/>
+                <a:latin typeface="Verdana" panose="020B0604030504040204" pitchFamily="34" charset="0"/>
+              </a:rPr>
+              <a:t>约定：相等的对象必须具有相等的散列码（</a:t>
+            </a:r>
+            <a:r>
+              <a:rPr lang="en-US" altLang="zh-CN" b="0" i="0" dirty="0" err="1">
+                <a:solidFill>
+                  <a:srgbClr val="000000"/>
+                </a:solidFill>
+                <a:effectLst/>
+                <a:latin typeface="Verdana" panose="020B0604030504040204" pitchFamily="34" charset="0"/>
+              </a:rPr>
+              <a:t>HashCode</a:t>
+            </a:r>
+            <a:r>
+              <a:rPr lang="zh-CN" altLang="en-US" b="0" i="0" dirty="0">
+                <a:solidFill>
+                  <a:srgbClr val="000000"/>
+                </a:solidFill>
+                <a:effectLst/>
+                <a:latin typeface="Verdana" panose="020B0604030504040204" pitchFamily="34" charset="0"/>
+              </a:rPr>
+              <a:t>）。</a:t>
+            </a:r>
+          </a:p>
+          <a:p>
+            <a:pPr algn="l"/>
+            <a:r>
+              <a:rPr lang="zh-CN" altLang="en-US" b="0" i="0" dirty="0">
+                <a:solidFill>
+                  <a:srgbClr val="000000"/>
+                </a:solidFill>
+                <a:effectLst/>
+                <a:latin typeface="Verdana" panose="020B0604030504040204" pitchFamily="34" charset="0"/>
+              </a:rPr>
+              <a:t>在散列码的计算过程中，必须排除</a:t>
+            </a:r>
+            <a:r>
+              <a:rPr lang="en-US" altLang="zh-CN" b="0" i="0" dirty="0">
+                <a:solidFill>
+                  <a:srgbClr val="000000"/>
+                </a:solidFill>
+                <a:effectLst/>
+                <a:latin typeface="Verdana" panose="020B0604030504040204" pitchFamily="34" charset="0"/>
+              </a:rPr>
+              <a:t>equals</a:t>
+            </a:r>
+            <a:r>
+              <a:rPr lang="zh-CN" altLang="en-US" b="0" i="0" dirty="0">
+                <a:solidFill>
+                  <a:srgbClr val="000000"/>
+                </a:solidFill>
+                <a:effectLst/>
+                <a:latin typeface="Verdana" panose="020B0604030504040204" pitchFamily="34" charset="0"/>
+              </a:rPr>
+              <a:t>比较计算中没有用到的任何字段，可以把冗余字段（它的值可以根据参与计算的其他字段计算出来）排除在外。</a:t>
+            </a:r>
+          </a:p>
+          <a:p>
+            <a:pPr algn="l"/>
+            <a:r>
+              <a:rPr lang="zh-CN" altLang="en-US" b="0" i="0" dirty="0">
+                <a:solidFill>
+                  <a:srgbClr val="000000"/>
+                </a:solidFill>
+                <a:effectLst/>
+                <a:latin typeface="Verdana" panose="020B0604030504040204" pitchFamily="34" charset="0"/>
+              </a:rPr>
+              <a:t>不要试图从散列码计算中排除掉一个对象的关键部分来提高性能。</a:t>
+            </a:r>
+          </a:p>
+        </p:txBody>
+      </p:sp>
+    </p:spTree>
+    <p:extLst>
+      <p:ext uri="{BB962C8B-B14F-4D97-AF65-F5344CB8AC3E}">
+        <p14:creationId xmlns:p14="http://schemas.microsoft.com/office/powerpoint/2010/main" val="2561203255"/>
+      </p:ext>
+    </p:extLst>
+  </p:cSld>
+  <p:clrMapOvr>
+    <a:masterClrMapping/>
+  </p:clrMapOvr>
+</p:sld>
+</file>
+
+<file path=ppt/slides/slide13.xml><?xml version="1.0" encoding="utf-8"?>
+<p:sld xmlns:a="http://schemas.openxmlformats.org/drawingml/2006/main" xmlns:r="http://schemas.openxmlformats.org/officeDocument/2006/relationships" xmlns:p="http://schemas.openxmlformats.org/presentationml/2006/main">
+  <p:cSld>
+    <p:spTree>
+      <p:nvGrpSpPr>
+        <p:cNvPr id="1" name=""/>
+        <p:cNvGrpSpPr/>
+        <p:nvPr/>
+      </p:nvGrpSpPr>
+      <p:grpSpPr>
+        <a:xfrm>
+          <a:off x="0" y="0"/>
+          <a:ext cx="0" cy="0"/>
+          <a:chOff x="0" y="0"/>
+          <a:chExt cx="0" cy="0"/>
+        </a:xfrm>
+      </p:grpSpPr>
+      <p:sp>
+        <p:nvSpPr>
+          <p:cNvPr id="2" name="标题 1">
+            <a:extLst>
+              <a:ext uri="{FF2B5EF4-FFF2-40B4-BE49-F238E27FC236}">
+                <a16:creationId xmlns:a16="http://schemas.microsoft.com/office/drawing/2014/main" id="{2C07D16F-9BF3-43DF-9DEF-D5A5C1848A7C}"/>
+              </a:ext>
+            </a:extLst>
+          </p:cNvPr>
+          <p:cNvSpPr>
+            <a:spLocks noGrp="1"/>
+          </p:cNvSpPr>
+          <p:nvPr>
+            <p:ph type="title"/>
+          </p:nvPr>
+        </p:nvSpPr>
+        <p:spPr>
+          <a:xfrm>
+            <a:off x="838200" y="365126"/>
+            <a:ext cx="10515600" cy="493669"/>
+          </a:xfrm>
+        </p:spPr>
+        <p:txBody>
+          <a:bodyPr>
+            <a:normAutofit/>
+          </a:bodyPr>
+          <a:lstStyle/>
+          <a:p>
+            <a:r>
+              <a:rPr lang="zh-CN" altLang="en-US" sz="1800" dirty="0">
+                <a:latin typeface="+mn-lt"/>
+                <a:ea typeface="+mn-ea"/>
+                <a:cs typeface="+mn-cs"/>
+              </a:rPr>
+              <a:t>第</a:t>
+            </a:r>
+            <a:r>
+              <a:rPr lang="en-US" altLang="zh-CN" sz="1800" dirty="0">
+                <a:latin typeface="+mn-lt"/>
+                <a:ea typeface="+mn-ea"/>
+                <a:cs typeface="+mn-cs"/>
+              </a:rPr>
+              <a:t>10</a:t>
+            </a:r>
+            <a:r>
+              <a:rPr lang="zh-CN" altLang="en-US" sz="1800" dirty="0">
+                <a:latin typeface="+mn-lt"/>
+                <a:ea typeface="+mn-ea"/>
+                <a:cs typeface="+mn-cs"/>
+              </a:rPr>
+              <a:t>条 始终要覆盖</a:t>
+            </a:r>
+            <a:r>
+              <a:rPr lang="en-US" altLang="zh-CN" sz="1800" dirty="0" err="1">
+                <a:latin typeface="+mn-lt"/>
+                <a:ea typeface="+mn-ea"/>
+                <a:cs typeface="+mn-cs"/>
+              </a:rPr>
+              <a:t>toString</a:t>
+            </a:r>
+            <a:endParaRPr lang="zh-CN" altLang="en-US" sz="1800" dirty="0">
+              <a:latin typeface="+mn-lt"/>
+              <a:ea typeface="+mn-ea"/>
+              <a:cs typeface="+mn-cs"/>
+            </a:endParaRPr>
+          </a:p>
+        </p:txBody>
+      </p:sp>
+      <p:sp>
+        <p:nvSpPr>
+          <p:cNvPr id="5" name="文本框 4">
+            <a:extLst>
+              <a:ext uri="{FF2B5EF4-FFF2-40B4-BE49-F238E27FC236}">
+                <a16:creationId xmlns:a16="http://schemas.microsoft.com/office/drawing/2014/main" id="{3D4ABBDE-2DC0-4E8C-9037-46D0827BC0A2}"/>
+              </a:ext>
+            </a:extLst>
+          </p:cNvPr>
+          <p:cNvSpPr txBox="1"/>
+          <p:nvPr/>
+        </p:nvSpPr>
+        <p:spPr>
+          <a:xfrm>
+            <a:off x="838200" y="1224004"/>
+            <a:ext cx="6094970" cy="369332"/>
+          </a:xfrm>
+          <a:prstGeom prst="rect">
+            <a:avLst/>
+          </a:prstGeom>
+          <a:noFill/>
+        </p:spPr>
+        <p:txBody>
+          <a:bodyPr wrap="square">
+            <a:spAutoFit/>
+          </a:bodyPr>
+          <a:lstStyle/>
+          <a:p>
+            <a:r>
+              <a:rPr lang="zh-CN" altLang="en-US" b="0" i="0" dirty="0">
+                <a:solidFill>
+                  <a:srgbClr val="000000"/>
+                </a:solidFill>
+                <a:effectLst/>
+                <a:latin typeface="Verdana" panose="020B0604030504040204" pitchFamily="34" charset="0"/>
+              </a:rPr>
+              <a:t>提供好的</a:t>
+            </a:r>
+            <a:r>
+              <a:rPr lang="en-US" altLang="zh-CN" b="0" i="0" dirty="0" err="1">
+                <a:solidFill>
+                  <a:srgbClr val="000000"/>
+                </a:solidFill>
+                <a:effectLst/>
+                <a:latin typeface="Verdana" panose="020B0604030504040204" pitchFamily="34" charset="0"/>
+              </a:rPr>
+              <a:t>toString</a:t>
+            </a:r>
+            <a:r>
+              <a:rPr lang="zh-CN" altLang="en-US" b="0" i="0" dirty="0">
+                <a:solidFill>
+                  <a:srgbClr val="000000"/>
+                </a:solidFill>
+                <a:effectLst/>
+                <a:latin typeface="Verdana" panose="020B0604030504040204" pitchFamily="34" charset="0"/>
+              </a:rPr>
+              <a:t>实现可以使类用起来更加舒适。</a:t>
+            </a:r>
+            <a:endParaRPr lang="zh-CN" altLang="en-US" dirty="0"/>
+          </a:p>
+        </p:txBody>
+      </p:sp>
+    </p:spTree>
+    <p:extLst>
+      <p:ext uri="{BB962C8B-B14F-4D97-AF65-F5344CB8AC3E}">
+        <p14:creationId xmlns:p14="http://schemas.microsoft.com/office/powerpoint/2010/main" val="2460804382"/>
+      </p:ext>
+    </p:extLst>
+  </p:cSld>
+  <p:clrMapOvr>
+    <a:masterClrMapping/>
+  </p:clrMapOvr>
+</p:sld>
+</file>
+
+<file path=ppt/slides/slide14.xml><?xml version="1.0" encoding="utf-8"?>
+<p:sld xmlns:a="http://schemas.openxmlformats.org/drawingml/2006/main" xmlns:r="http://schemas.openxmlformats.org/officeDocument/2006/relationships" xmlns:p="http://schemas.openxmlformats.org/presentationml/2006/main">
+  <p:cSld>
+    <p:spTree>
+      <p:nvGrpSpPr>
+        <p:cNvPr id="1" name=""/>
+        <p:cNvGrpSpPr/>
+        <p:nvPr/>
+      </p:nvGrpSpPr>
+      <p:grpSpPr>
+        <a:xfrm>
+          <a:off x="0" y="0"/>
+          <a:ext cx="0" cy="0"/>
+          <a:chOff x="0" y="0"/>
+          <a:chExt cx="0" cy="0"/>
+        </a:xfrm>
+      </p:grpSpPr>
+      <p:sp>
+        <p:nvSpPr>
+          <p:cNvPr id="2" name="标题 1">
+            <a:extLst>
+              <a:ext uri="{FF2B5EF4-FFF2-40B4-BE49-F238E27FC236}">
+                <a16:creationId xmlns:a16="http://schemas.microsoft.com/office/drawing/2014/main" id="{2C07D16F-9BF3-43DF-9DEF-D5A5C1848A7C}"/>
+              </a:ext>
+            </a:extLst>
+          </p:cNvPr>
+          <p:cNvSpPr>
+            <a:spLocks noGrp="1"/>
+          </p:cNvSpPr>
+          <p:nvPr>
+            <p:ph type="title"/>
+          </p:nvPr>
+        </p:nvSpPr>
+        <p:spPr>
+          <a:xfrm>
+            <a:off x="838200" y="365126"/>
+            <a:ext cx="10515600" cy="493669"/>
+          </a:xfrm>
+        </p:spPr>
+        <p:txBody>
+          <a:bodyPr>
+            <a:normAutofit/>
+          </a:bodyPr>
+          <a:lstStyle/>
+          <a:p>
+            <a:r>
+              <a:rPr lang="zh-CN" altLang="en-US" sz="1800" dirty="0">
+                <a:latin typeface="+mn-lt"/>
+                <a:ea typeface="+mn-ea"/>
+                <a:cs typeface="+mn-cs"/>
+              </a:rPr>
+              <a:t>第</a:t>
+            </a:r>
+            <a:r>
+              <a:rPr lang="en-US" altLang="zh-CN" sz="1800" dirty="0">
+                <a:latin typeface="+mn-lt"/>
+                <a:ea typeface="+mn-ea"/>
+                <a:cs typeface="+mn-cs"/>
+              </a:rPr>
+              <a:t>11</a:t>
+            </a:r>
+            <a:r>
+              <a:rPr lang="zh-CN" altLang="en-US" sz="1800" dirty="0">
+                <a:latin typeface="+mn-lt"/>
+                <a:ea typeface="+mn-ea"/>
+                <a:cs typeface="+mn-cs"/>
+              </a:rPr>
+              <a:t>条谨慎地覆盖</a:t>
+            </a:r>
+            <a:r>
+              <a:rPr lang="en-US" altLang="zh-CN" sz="1800" dirty="0">
+                <a:latin typeface="+mn-lt"/>
+                <a:ea typeface="+mn-ea"/>
+                <a:cs typeface="+mn-cs"/>
+              </a:rPr>
+              <a:t>clone</a:t>
+            </a:r>
+            <a:endParaRPr lang="zh-CN" altLang="en-US" sz="1800" dirty="0">
+              <a:latin typeface="+mn-lt"/>
+              <a:ea typeface="+mn-ea"/>
+              <a:cs typeface="+mn-cs"/>
+            </a:endParaRPr>
+          </a:p>
+        </p:txBody>
+      </p:sp>
+      <p:sp>
+        <p:nvSpPr>
+          <p:cNvPr id="3" name="Rectangle 1">
+            <a:extLst>
+              <a:ext uri="{FF2B5EF4-FFF2-40B4-BE49-F238E27FC236}">
+                <a16:creationId xmlns:a16="http://schemas.microsoft.com/office/drawing/2014/main" id="{5E206523-D311-460C-89C6-39207D1E1B51}"/>
+              </a:ext>
+            </a:extLst>
+          </p:cNvPr>
+          <p:cNvSpPr>
+            <a:spLocks noChangeArrowheads="1"/>
+          </p:cNvSpPr>
+          <p:nvPr/>
+        </p:nvSpPr>
+        <p:spPr bwMode="auto">
+          <a:xfrm>
+            <a:off x="838200" y="1046462"/>
+            <a:ext cx="10515600" cy="415498"/>
+          </a:xfrm>
+          <a:prstGeom prst="rect">
+            <a:avLst/>
+          </a:prstGeom>
+          <a:solidFill>
+            <a:schemeClr val="bg1"/>
+          </a:solidFill>
+          <a:ln>
+            <a:noFill/>
+          </a:ln>
+          <a:effectLst/>
+        </p:spPr>
+        <p:txBody>
+          <a:bodyPr vert="horz" wrap="square" lIns="0" tIns="0" rIns="0" bIns="0" numCol="1" anchor="ctr" anchorCtr="0" compatLnSpc="1">
+            <a:prstTxWarp prst="textNoShape">
+              <a:avLst/>
+            </a:prstTxWarp>
+            <a:spAutoFit/>
+          </a:bodyPr>
+          <a:lstStyle>
+            <a:lvl1pPr eaLnBrk="0" fontAlgn="base" hangingPunct="0">
+              <a:spcBef>
+                <a:spcPct val="0"/>
+              </a:spcBef>
+              <a:spcAft>
+                <a:spcPct val="0"/>
+              </a:spcAft>
+              <a:defRPr>
+                <a:solidFill>
+                  <a:schemeClr val="tx1"/>
+                </a:solidFill>
+                <a:latin typeface="Arial" panose="020B0604020202020204" pitchFamily="34" charset="0"/>
+              </a:defRPr>
+            </a:lvl1pPr>
+            <a:lvl2pPr eaLnBrk="0" fontAlgn="base" hangingPunct="0">
+              <a:spcBef>
+                <a:spcPct val="0"/>
+              </a:spcBef>
+              <a:spcAft>
+                <a:spcPct val="0"/>
+              </a:spcAft>
+              <a:defRPr>
+                <a:solidFill>
+                  <a:schemeClr val="tx1"/>
+                </a:solidFill>
+                <a:latin typeface="Arial" panose="020B0604020202020204" pitchFamily="34" charset="0"/>
+              </a:defRPr>
+            </a:lvl2pPr>
+            <a:lvl3pPr eaLnBrk="0" fontAlgn="base" hangingPunct="0">
+              <a:spcBef>
+                <a:spcPct val="0"/>
+              </a:spcBef>
+              <a:spcAft>
+                <a:spcPct val="0"/>
+              </a:spcAft>
+              <a:defRPr>
+                <a:solidFill>
+                  <a:schemeClr val="tx1"/>
+                </a:solidFill>
+                <a:latin typeface="Arial" panose="020B0604020202020204" pitchFamily="34" charset="0"/>
+              </a:defRPr>
+            </a:lvl3pPr>
+            <a:lvl4pPr eaLnBrk="0" fontAlgn="base" hangingPunct="0">
+              <a:spcBef>
+                <a:spcPct val="0"/>
+              </a:spcBef>
+              <a:spcAft>
+                <a:spcPct val="0"/>
+              </a:spcAft>
+              <a:defRPr>
+                <a:solidFill>
+                  <a:schemeClr val="tx1"/>
+                </a:solidFill>
+                <a:latin typeface="Arial" panose="020B0604020202020204" pitchFamily="34" charset="0"/>
+              </a:defRPr>
+            </a:lvl4pPr>
+            <a:lvl5pPr eaLnBrk="0" fontAlgn="base" hangingPunct="0">
+              <a:spcBef>
+                <a:spcPct val="0"/>
+              </a:spcBef>
+              <a:spcAft>
+                <a:spcPct val="0"/>
+              </a:spcAft>
+              <a:defRPr>
+                <a:solidFill>
+                  <a:schemeClr val="tx1"/>
+                </a:solidFill>
+                <a:latin typeface="Arial" panose="020B0604020202020204" pitchFamily="34" charset="0"/>
+              </a:defRPr>
+            </a:lvl5pPr>
+            <a:lvl6pPr eaLnBrk="0" fontAlgn="base" hangingPunct="0">
+              <a:spcBef>
+                <a:spcPct val="0"/>
+              </a:spcBef>
+              <a:spcAft>
+                <a:spcPct val="0"/>
+              </a:spcAft>
+              <a:defRPr>
+                <a:solidFill>
+                  <a:schemeClr val="tx1"/>
+                </a:solidFill>
+                <a:latin typeface="Arial" panose="020B0604020202020204" pitchFamily="34" charset="0"/>
+              </a:defRPr>
+            </a:lvl6pPr>
+            <a:lvl7pPr eaLnBrk="0" fontAlgn="base" hangingPunct="0">
+              <a:spcBef>
+                <a:spcPct val="0"/>
+              </a:spcBef>
+              <a:spcAft>
+                <a:spcPct val="0"/>
+              </a:spcAft>
+              <a:defRPr>
+                <a:solidFill>
+                  <a:schemeClr val="tx1"/>
+                </a:solidFill>
+                <a:latin typeface="Arial" panose="020B0604020202020204" pitchFamily="34" charset="0"/>
+              </a:defRPr>
+            </a:lvl7pPr>
+            <a:lvl8pPr eaLnBrk="0" fontAlgn="base" hangingPunct="0">
+              <a:spcBef>
+                <a:spcPct val="0"/>
+              </a:spcBef>
+              <a:spcAft>
+                <a:spcPct val="0"/>
+              </a:spcAft>
+              <a:defRPr>
+                <a:solidFill>
+                  <a:schemeClr val="tx1"/>
+                </a:solidFill>
+                <a:latin typeface="Arial" panose="020B0604020202020204" pitchFamily="34" charset="0"/>
+              </a:defRPr>
+            </a:lvl8pPr>
+            <a:lvl9pPr eaLnBrk="0" fontAlgn="base" hangingPunct="0">
+              <a:spcBef>
+                <a:spcPct val="0"/>
+              </a:spcBef>
+              <a:spcAft>
+                <a:spcPct val="0"/>
+              </a:spcAft>
+              <a:defRPr>
+                <a:solidFill>
+                  <a:schemeClr val="tx1"/>
+                </a:solidFill>
+                <a:latin typeface="Arial" panose="020B0604020202020204" pitchFamily="34" charset="0"/>
+              </a:defRPr>
+            </a:lvl9pPr>
+          </a:lstStyle>
+          <a:p>
+            <a:pPr marL="0" marR="0" lvl="0" indent="0" algn="l" defTabSz="914400" rtl="0" eaLnBrk="0" fontAlgn="base" latinLnBrk="0" hangingPunct="0">
+              <a:lnSpc>
+                <a:spcPct val="100000"/>
+              </a:lnSpc>
+              <a:spcBef>
+                <a:spcPct val="0"/>
+              </a:spcBef>
+              <a:spcAft>
+                <a:spcPct val="0"/>
+              </a:spcAft>
+              <a:buClrTx/>
+              <a:buSzTx/>
+              <a:buFontTx/>
+              <a:buNone/>
+              <a:tabLst/>
+            </a:pPr>
+            <a:r>
+              <a:rPr kumimoji="0" lang="zh-CN" altLang="zh-CN" sz="900" b="0" i="0" u="none" strike="noStrike" cap="none" normalizeH="0" baseline="0" dirty="0">
+                <a:ln>
+                  <a:noFill/>
+                </a:ln>
+                <a:solidFill>
+                  <a:srgbClr val="000000"/>
+                </a:solidFill>
+                <a:effectLst/>
+                <a:latin typeface="Verdana" panose="020B0604030504040204" pitchFamily="34" charset="0"/>
+              </a:rPr>
+              <a:t>如果你继承了一个实现了Cloneable接口的类，那么你除了实现一个行为良好的clone方法外，没有别的选择。否则，最好提供某些其他的途径来代替对象拷贝，或者干脆不提供这样的功能。</a:t>
+            </a:r>
+            <a:endParaRPr kumimoji="0" lang="zh-CN" altLang="zh-CN" sz="600" b="0" i="0" u="none" strike="noStrike" cap="none" normalizeH="0" baseline="0" dirty="0">
+              <a:ln>
+                <a:noFill/>
+              </a:ln>
+              <a:solidFill>
+                <a:schemeClr val="tx1"/>
+              </a:solidFill>
+              <a:effectLst/>
+            </a:endParaRPr>
+          </a:p>
+          <a:p>
+            <a:pPr marL="0" marR="0" lvl="0" indent="0" algn="l" defTabSz="914400" rtl="0" eaLnBrk="0" fontAlgn="base" latinLnBrk="0" hangingPunct="0">
+              <a:lnSpc>
+                <a:spcPct val="100000"/>
+              </a:lnSpc>
+              <a:spcBef>
+                <a:spcPct val="0"/>
+              </a:spcBef>
+              <a:spcAft>
+                <a:spcPct val="0"/>
+              </a:spcAft>
+              <a:buClrTx/>
+              <a:buSzTx/>
+              <a:buFontTx/>
+              <a:buNone/>
+              <a:tabLst/>
+            </a:pPr>
+            <a:r>
+              <a:rPr kumimoji="0" lang="zh-CN" altLang="zh-CN" sz="900" b="0" i="0" u="none" strike="noStrike" cap="none" normalizeH="0" baseline="0" dirty="0">
+                <a:ln>
+                  <a:noFill/>
+                </a:ln>
+                <a:solidFill>
+                  <a:srgbClr val="000000"/>
+                </a:solidFill>
+                <a:effectLst/>
+                <a:latin typeface="Verdana" panose="020B0604030504040204" pitchFamily="34" charset="0"/>
+              </a:rPr>
+              <a:t>另一个实现对象拷贝的好方法是提供一个拷贝构造方法或者拷贝工厂。</a:t>
+            </a:r>
+            <a:endParaRPr kumimoji="0" lang="zh-CN" altLang="zh-CN" sz="900" b="0" i="0" u="none" strike="noStrike" cap="none" normalizeH="0" baseline="0" dirty="0">
+              <a:ln>
+                <a:noFill/>
+              </a:ln>
+              <a:solidFill>
+                <a:srgbClr val="008000"/>
+              </a:solidFill>
+              <a:effectLst/>
+              <a:latin typeface="Courier New" panose="02070309020205020404" pitchFamily="49" charset="0"/>
+              <a:cs typeface="Courier New" panose="02070309020205020404" pitchFamily="49" charset="0"/>
+            </a:endParaRPr>
+          </a:p>
+          <a:p>
+            <a:pPr marL="0" marR="0" lvl="0" indent="0" algn="l" defTabSz="914400" rtl="0" eaLnBrk="0" fontAlgn="base" latinLnBrk="0" hangingPunct="0">
+              <a:lnSpc>
+                <a:spcPct val="100000"/>
+              </a:lnSpc>
+              <a:spcBef>
+                <a:spcPct val="0"/>
+              </a:spcBef>
+              <a:spcAft>
+                <a:spcPct val="0"/>
+              </a:spcAft>
+              <a:buClrTx/>
+              <a:buSzTx/>
+              <a:buFontTx/>
+              <a:buNone/>
+              <a:tabLst/>
+            </a:pPr>
+            <a:r>
+              <a:rPr kumimoji="0" lang="zh-CN" altLang="zh-CN" sz="900" b="0" i="0" u="none" strike="noStrike" cap="none" normalizeH="0" baseline="0" dirty="0">
+                <a:ln>
+                  <a:noFill/>
+                </a:ln>
+                <a:solidFill>
+                  <a:srgbClr val="008000"/>
+                </a:solidFill>
+                <a:effectLst/>
+                <a:latin typeface="Courier New" panose="02070309020205020404" pitchFamily="49" charset="0"/>
+                <a:cs typeface="Courier New" panose="02070309020205020404" pitchFamily="49" charset="0"/>
+              </a:rPr>
+              <a:t>// 拷贝构造方法</a:t>
+            </a:r>
+            <a:r>
+              <a:rPr kumimoji="0" lang="zh-CN" altLang="zh-CN" sz="900" b="0" i="0" u="none" strike="noStrike" cap="none" normalizeH="0" baseline="0" dirty="0">
+                <a:ln>
+                  <a:noFill/>
+                </a:ln>
+                <a:solidFill>
+                  <a:srgbClr val="444444"/>
+                </a:solidFill>
+                <a:effectLst/>
+                <a:latin typeface="Courier New" panose="02070309020205020404" pitchFamily="49" charset="0"/>
+                <a:cs typeface="Courier New" panose="02070309020205020404" pitchFamily="49" charset="0"/>
+              </a:rPr>
+              <a:t> </a:t>
+            </a:r>
+            <a:r>
+              <a:rPr kumimoji="0" lang="zh-CN" altLang="zh-CN" sz="900" b="1" i="0" u="none" strike="noStrike" cap="none" normalizeH="0" baseline="0" dirty="0">
+                <a:ln>
+                  <a:noFill/>
+                </a:ln>
+                <a:solidFill>
+                  <a:srgbClr val="0000FF"/>
+                </a:solidFill>
+                <a:effectLst/>
+                <a:latin typeface="Courier New" panose="02070309020205020404" pitchFamily="49" charset="0"/>
+                <a:cs typeface="Courier New" panose="02070309020205020404" pitchFamily="49" charset="0"/>
+              </a:rPr>
+              <a:t>public</a:t>
+            </a:r>
+            <a:r>
+              <a:rPr kumimoji="0" lang="zh-CN" altLang="zh-CN" sz="900" b="0" i="0" u="none" strike="noStrike" cap="none" normalizeH="0" baseline="0" dirty="0">
+                <a:ln>
+                  <a:noFill/>
+                </a:ln>
+                <a:solidFill>
+                  <a:srgbClr val="444444"/>
+                </a:solidFill>
+                <a:effectLst/>
+                <a:latin typeface="Courier New" panose="02070309020205020404" pitchFamily="49" charset="0"/>
+                <a:cs typeface="Courier New" panose="02070309020205020404" pitchFamily="49" charset="0"/>
+              </a:rPr>
+              <a:t> </a:t>
+            </a:r>
+            <a:r>
+              <a:rPr kumimoji="0" lang="zh-CN" altLang="zh-CN" sz="900" b="1" i="0" u="none" strike="noStrike" cap="none" normalizeH="0" baseline="0" dirty="0">
+                <a:ln>
+                  <a:noFill/>
+                </a:ln>
+                <a:solidFill>
+                  <a:srgbClr val="A31515"/>
+                </a:solidFill>
+                <a:effectLst/>
+                <a:latin typeface="Courier New" panose="02070309020205020404" pitchFamily="49" charset="0"/>
+                <a:cs typeface="Courier New" panose="02070309020205020404" pitchFamily="49" charset="0"/>
+              </a:rPr>
+              <a:t>MyClass</a:t>
+            </a:r>
+            <a:r>
+              <a:rPr kumimoji="0" lang="zh-CN" altLang="zh-CN" sz="900" b="0" i="0" u="none" strike="noStrike" cap="none" normalizeH="0" baseline="0" dirty="0">
+                <a:ln>
+                  <a:noFill/>
+                </a:ln>
+                <a:solidFill>
+                  <a:srgbClr val="444444"/>
+                </a:solidFill>
+                <a:effectLst/>
+                <a:latin typeface="Courier New" panose="02070309020205020404" pitchFamily="49" charset="0"/>
+                <a:cs typeface="Courier New" panose="02070309020205020404" pitchFamily="49" charset="0"/>
+              </a:rPr>
+              <a:t>(MyClass mc); </a:t>
+            </a:r>
+            <a:r>
+              <a:rPr kumimoji="0" lang="zh-CN" altLang="zh-CN" sz="900" b="0" i="0" u="none" strike="noStrike" cap="none" normalizeH="0" baseline="0" dirty="0">
+                <a:ln>
+                  <a:noFill/>
+                </a:ln>
+                <a:solidFill>
+                  <a:srgbClr val="008000"/>
+                </a:solidFill>
+                <a:effectLst/>
+                <a:latin typeface="Courier New" panose="02070309020205020404" pitchFamily="49" charset="0"/>
+                <a:cs typeface="Courier New" panose="02070309020205020404" pitchFamily="49" charset="0"/>
+              </a:rPr>
+              <a:t>// 拷贝工厂</a:t>
+            </a:r>
+            <a:r>
+              <a:rPr kumimoji="0" lang="zh-CN" altLang="zh-CN" sz="900" b="0" i="0" u="none" strike="noStrike" cap="none" normalizeH="0" baseline="0" dirty="0">
+                <a:ln>
+                  <a:noFill/>
+                </a:ln>
+                <a:solidFill>
+                  <a:srgbClr val="444444"/>
+                </a:solidFill>
+                <a:effectLst/>
+                <a:latin typeface="Courier New" panose="02070309020205020404" pitchFamily="49" charset="0"/>
+                <a:cs typeface="Courier New" panose="02070309020205020404" pitchFamily="49" charset="0"/>
+              </a:rPr>
+              <a:t> </a:t>
+            </a:r>
+            <a:r>
+              <a:rPr kumimoji="0" lang="zh-CN" altLang="zh-CN" sz="900" b="1" i="0" u="none" strike="noStrike" cap="none" normalizeH="0" baseline="0" dirty="0">
+                <a:ln>
+                  <a:noFill/>
+                </a:ln>
+                <a:solidFill>
+                  <a:srgbClr val="0000FF"/>
+                </a:solidFill>
+                <a:effectLst/>
+                <a:latin typeface="Courier New" panose="02070309020205020404" pitchFamily="49" charset="0"/>
+                <a:cs typeface="Courier New" panose="02070309020205020404" pitchFamily="49" charset="0"/>
+              </a:rPr>
+              <a:t>public</a:t>
+            </a:r>
+            <a:r>
+              <a:rPr kumimoji="0" lang="zh-CN" altLang="zh-CN" sz="900" b="0" i="0" u="none" strike="noStrike" cap="none" normalizeH="0" baseline="0" dirty="0">
+                <a:ln>
+                  <a:noFill/>
+                </a:ln>
+                <a:solidFill>
+                  <a:srgbClr val="444444"/>
+                </a:solidFill>
+                <a:effectLst/>
+                <a:latin typeface="Courier New" panose="02070309020205020404" pitchFamily="49" charset="0"/>
+                <a:cs typeface="Courier New" panose="02070309020205020404" pitchFamily="49" charset="0"/>
+              </a:rPr>
+              <a:t> </a:t>
+            </a:r>
+            <a:r>
+              <a:rPr kumimoji="0" lang="zh-CN" altLang="zh-CN" sz="900" b="1" i="0" u="none" strike="noStrike" cap="none" normalizeH="0" baseline="0" dirty="0">
+                <a:ln>
+                  <a:noFill/>
+                </a:ln>
+                <a:solidFill>
+                  <a:srgbClr val="0000FF"/>
+                </a:solidFill>
+                <a:effectLst/>
+                <a:latin typeface="Courier New" panose="02070309020205020404" pitchFamily="49" charset="0"/>
+                <a:cs typeface="Courier New" panose="02070309020205020404" pitchFamily="49" charset="0"/>
+              </a:rPr>
+              <a:t>static</a:t>
+            </a:r>
+            <a:r>
+              <a:rPr kumimoji="0" lang="zh-CN" altLang="zh-CN" sz="900" b="0" i="0" u="none" strike="noStrike" cap="none" normalizeH="0" baseline="0" dirty="0">
+                <a:ln>
+                  <a:noFill/>
+                </a:ln>
+                <a:solidFill>
+                  <a:srgbClr val="444444"/>
+                </a:solidFill>
+                <a:effectLst/>
+                <a:latin typeface="Courier New" panose="02070309020205020404" pitchFamily="49" charset="0"/>
+                <a:cs typeface="Courier New" panose="02070309020205020404" pitchFamily="49" charset="0"/>
+              </a:rPr>
+              <a:t> MyClass </a:t>
+            </a:r>
+            <a:r>
+              <a:rPr kumimoji="0" lang="zh-CN" altLang="zh-CN" sz="900" b="1" i="0" u="none" strike="noStrike" cap="none" normalizeH="0" baseline="0" dirty="0">
+                <a:ln>
+                  <a:noFill/>
+                </a:ln>
+                <a:solidFill>
+                  <a:srgbClr val="A31515"/>
+                </a:solidFill>
+                <a:effectLst/>
+                <a:latin typeface="Courier New" panose="02070309020205020404" pitchFamily="49" charset="0"/>
+                <a:cs typeface="Courier New" panose="02070309020205020404" pitchFamily="49" charset="0"/>
+              </a:rPr>
+              <a:t>newInstance</a:t>
+            </a:r>
+            <a:r>
+              <a:rPr kumimoji="0" lang="zh-CN" altLang="zh-CN" sz="900" b="0" i="0" u="none" strike="noStrike" cap="none" normalizeH="0" baseline="0" dirty="0">
+                <a:ln>
+                  <a:noFill/>
+                </a:ln>
+                <a:solidFill>
+                  <a:srgbClr val="444444"/>
+                </a:solidFill>
+                <a:effectLst/>
+                <a:latin typeface="Courier New" panose="02070309020205020404" pitchFamily="49" charset="0"/>
+                <a:cs typeface="Courier New" panose="02070309020205020404" pitchFamily="49" charset="0"/>
+              </a:rPr>
+              <a:t>(MyClass mc);</a:t>
+            </a:r>
+            <a:r>
+              <a:rPr kumimoji="0" lang="zh-CN" altLang="zh-CN" sz="600" b="0" i="0" u="none" strike="noStrike" cap="none" normalizeH="0" baseline="0" dirty="0">
+                <a:ln>
+                  <a:noFill/>
+                </a:ln>
+                <a:solidFill>
+                  <a:schemeClr val="tx1"/>
+                </a:solidFill>
+                <a:effectLst/>
+              </a:rPr>
+              <a:t> </a:t>
+            </a:r>
+            <a:endParaRPr kumimoji="0" lang="zh-CN" altLang="zh-CN" sz="1800" b="0" i="0" u="none" strike="noStrike" cap="none" normalizeH="0" baseline="0" dirty="0">
+              <a:ln>
+                <a:noFill/>
+              </a:ln>
+              <a:solidFill>
+                <a:schemeClr val="tx1"/>
+              </a:solidFill>
+              <a:effectLst/>
+              <a:latin typeface="Arial" panose="020B0604020202020204" pitchFamily="34" charset="0"/>
+            </a:endParaRPr>
+          </a:p>
+        </p:txBody>
+      </p:sp>
+    </p:spTree>
+    <p:extLst>
+      <p:ext uri="{BB962C8B-B14F-4D97-AF65-F5344CB8AC3E}">
+        <p14:creationId xmlns:p14="http://schemas.microsoft.com/office/powerpoint/2010/main" val="4100361689"/>
+      </p:ext>
+    </p:extLst>
+  </p:cSld>
+  <p:clrMapOvr>
+    <a:masterClrMapping/>
+  </p:clrMapOvr>
+</p:sld>
+</file>
+
+<file path=ppt/slides/slide15.xml><?xml version="1.0" encoding="utf-8"?>
+<p:sld xmlns:a="http://schemas.openxmlformats.org/drawingml/2006/main" xmlns:r="http://schemas.openxmlformats.org/officeDocument/2006/relationships" xmlns:p="http://schemas.openxmlformats.org/presentationml/2006/main">
+  <p:cSld>
+    <p:spTree>
+      <p:nvGrpSpPr>
+        <p:cNvPr id="1" name=""/>
+        <p:cNvGrpSpPr/>
+        <p:nvPr/>
+      </p:nvGrpSpPr>
+      <p:grpSpPr>
+        <a:xfrm>
+          <a:off x="0" y="0"/>
+          <a:ext cx="0" cy="0"/>
+          <a:chOff x="0" y="0"/>
+          <a:chExt cx="0" cy="0"/>
+        </a:xfrm>
+      </p:grpSpPr>
+      <p:sp>
+        <p:nvSpPr>
+          <p:cNvPr id="2" name="标题 1">
+            <a:extLst>
+              <a:ext uri="{FF2B5EF4-FFF2-40B4-BE49-F238E27FC236}">
+                <a16:creationId xmlns:a16="http://schemas.microsoft.com/office/drawing/2014/main" id="{2C07D16F-9BF3-43DF-9DEF-D5A5C1848A7C}"/>
+              </a:ext>
+            </a:extLst>
+          </p:cNvPr>
+          <p:cNvSpPr>
+            <a:spLocks noGrp="1"/>
+          </p:cNvSpPr>
+          <p:nvPr>
+            <p:ph type="title"/>
+          </p:nvPr>
+        </p:nvSpPr>
+        <p:spPr>
+          <a:xfrm>
+            <a:off x="838200" y="365126"/>
+            <a:ext cx="10515600" cy="493669"/>
+          </a:xfrm>
+        </p:spPr>
+        <p:txBody>
+          <a:bodyPr>
+            <a:normAutofit/>
+          </a:bodyPr>
+          <a:lstStyle/>
+          <a:p>
+            <a:r>
+              <a:rPr lang="zh-CN" altLang="en-US" sz="1800" dirty="0">
+                <a:latin typeface="+mn-lt"/>
+                <a:ea typeface="+mn-ea"/>
+                <a:cs typeface="+mn-cs"/>
+              </a:rPr>
+              <a:t>第</a:t>
+            </a:r>
+            <a:r>
+              <a:rPr lang="en-US" altLang="zh-CN" sz="1800" dirty="0">
+                <a:latin typeface="+mn-lt"/>
+                <a:ea typeface="+mn-ea"/>
+                <a:cs typeface="+mn-cs"/>
+              </a:rPr>
+              <a:t>12</a:t>
+            </a:r>
+            <a:r>
+              <a:rPr lang="zh-CN" altLang="en-US" sz="1800" dirty="0">
+                <a:latin typeface="+mn-lt"/>
+                <a:ea typeface="+mn-ea"/>
+                <a:cs typeface="+mn-cs"/>
+              </a:rPr>
+              <a:t>条 考虑实现</a:t>
+            </a:r>
+            <a:r>
+              <a:rPr lang="en-US" altLang="zh-CN" sz="1800" dirty="0">
+                <a:latin typeface="+mn-lt"/>
+                <a:ea typeface="+mn-ea"/>
+                <a:cs typeface="+mn-cs"/>
+              </a:rPr>
+              <a:t>Comparable</a:t>
+            </a:r>
+            <a:r>
+              <a:rPr lang="zh-CN" altLang="en-US" sz="1800" dirty="0">
+                <a:latin typeface="+mn-lt"/>
+                <a:ea typeface="+mn-ea"/>
+                <a:cs typeface="+mn-cs"/>
+              </a:rPr>
+              <a:t>接口</a:t>
+            </a:r>
+          </a:p>
+        </p:txBody>
+      </p:sp>
+      <p:sp>
+        <p:nvSpPr>
+          <p:cNvPr id="3" name="Rectangle 1">
+            <a:extLst>
+              <a:ext uri="{FF2B5EF4-FFF2-40B4-BE49-F238E27FC236}">
+                <a16:creationId xmlns:a16="http://schemas.microsoft.com/office/drawing/2014/main" id="{8074C7B5-1F42-4499-8798-FF8920351326}"/>
+              </a:ext>
+            </a:extLst>
+          </p:cNvPr>
+          <p:cNvSpPr>
+            <a:spLocks noChangeArrowheads="1"/>
+          </p:cNvSpPr>
+          <p:nvPr/>
+        </p:nvSpPr>
+        <p:spPr bwMode="auto">
+          <a:xfrm>
+            <a:off x="838200" y="995742"/>
+            <a:ext cx="10515600" cy="1246495"/>
+          </a:xfrm>
+          <a:prstGeom prst="rect">
+            <a:avLst/>
+          </a:prstGeom>
+          <a:solidFill>
+            <a:schemeClr val="bg1"/>
+          </a:solidFill>
+          <a:ln>
+            <a:noFill/>
+          </a:ln>
+          <a:effectLst/>
+        </p:spPr>
+        <p:txBody>
+          <a:bodyPr vert="horz" wrap="square" lIns="14283" tIns="0" rIns="14283" bIns="0" numCol="1" anchor="ctr" anchorCtr="0" compatLnSpc="1">
+            <a:prstTxWarp prst="textNoShape">
+              <a:avLst/>
+            </a:prstTxWarp>
+            <a:spAutoFit/>
+          </a:bodyPr>
+          <a:lstStyle>
+            <a:lvl1pPr eaLnBrk="0" fontAlgn="base" hangingPunct="0">
+              <a:spcBef>
+                <a:spcPct val="0"/>
+              </a:spcBef>
+              <a:spcAft>
+                <a:spcPct val="0"/>
+              </a:spcAft>
+              <a:defRPr>
+                <a:solidFill>
+                  <a:schemeClr val="tx1"/>
+                </a:solidFill>
+                <a:latin typeface="Arial" panose="020B0604020202020204" pitchFamily="34" charset="0"/>
+              </a:defRPr>
+            </a:lvl1pPr>
+            <a:lvl2pPr eaLnBrk="0" fontAlgn="base" hangingPunct="0">
+              <a:spcBef>
+                <a:spcPct val="0"/>
+              </a:spcBef>
+              <a:spcAft>
+                <a:spcPct val="0"/>
+              </a:spcAft>
+              <a:defRPr>
+                <a:solidFill>
+                  <a:schemeClr val="tx1"/>
+                </a:solidFill>
+                <a:latin typeface="Arial" panose="020B0604020202020204" pitchFamily="34" charset="0"/>
+              </a:defRPr>
+            </a:lvl2pPr>
+            <a:lvl3pPr eaLnBrk="0" fontAlgn="base" hangingPunct="0">
+              <a:spcBef>
+                <a:spcPct val="0"/>
+              </a:spcBef>
+              <a:spcAft>
+                <a:spcPct val="0"/>
+              </a:spcAft>
+              <a:defRPr>
+                <a:solidFill>
+                  <a:schemeClr val="tx1"/>
+                </a:solidFill>
+                <a:latin typeface="Arial" panose="020B0604020202020204" pitchFamily="34" charset="0"/>
+              </a:defRPr>
+            </a:lvl3pPr>
+            <a:lvl4pPr eaLnBrk="0" fontAlgn="base" hangingPunct="0">
+              <a:spcBef>
+                <a:spcPct val="0"/>
+              </a:spcBef>
+              <a:spcAft>
+                <a:spcPct val="0"/>
+              </a:spcAft>
+              <a:defRPr>
+                <a:solidFill>
+                  <a:schemeClr val="tx1"/>
+                </a:solidFill>
+                <a:latin typeface="Arial" panose="020B0604020202020204" pitchFamily="34" charset="0"/>
+              </a:defRPr>
+            </a:lvl4pPr>
+            <a:lvl5pPr eaLnBrk="0" fontAlgn="base" hangingPunct="0">
+              <a:spcBef>
+                <a:spcPct val="0"/>
+              </a:spcBef>
+              <a:spcAft>
+                <a:spcPct val="0"/>
+              </a:spcAft>
+              <a:defRPr>
+                <a:solidFill>
+                  <a:schemeClr val="tx1"/>
+                </a:solidFill>
+                <a:latin typeface="Arial" panose="020B0604020202020204" pitchFamily="34" charset="0"/>
+              </a:defRPr>
+            </a:lvl5pPr>
+            <a:lvl6pPr eaLnBrk="0" fontAlgn="base" hangingPunct="0">
+              <a:spcBef>
+                <a:spcPct val="0"/>
+              </a:spcBef>
+              <a:spcAft>
+                <a:spcPct val="0"/>
+              </a:spcAft>
+              <a:defRPr>
+                <a:solidFill>
+                  <a:schemeClr val="tx1"/>
+                </a:solidFill>
+                <a:latin typeface="Arial" panose="020B0604020202020204" pitchFamily="34" charset="0"/>
+              </a:defRPr>
+            </a:lvl6pPr>
+            <a:lvl7pPr eaLnBrk="0" fontAlgn="base" hangingPunct="0">
+              <a:spcBef>
+                <a:spcPct val="0"/>
+              </a:spcBef>
+              <a:spcAft>
+                <a:spcPct val="0"/>
+              </a:spcAft>
+              <a:defRPr>
+                <a:solidFill>
+                  <a:schemeClr val="tx1"/>
+                </a:solidFill>
+                <a:latin typeface="Arial" panose="020B0604020202020204" pitchFamily="34" charset="0"/>
+              </a:defRPr>
+            </a:lvl7pPr>
+            <a:lvl8pPr eaLnBrk="0" fontAlgn="base" hangingPunct="0">
+              <a:spcBef>
+                <a:spcPct val="0"/>
+              </a:spcBef>
+              <a:spcAft>
+                <a:spcPct val="0"/>
+              </a:spcAft>
+              <a:defRPr>
+                <a:solidFill>
+                  <a:schemeClr val="tx1"/>
+                </a:solidFill>
+                <a:latin typeface="Arial" panose="020B0604020202020204" pitchFamily="34" charset="0"/>
+              </a:defRPr>
+            </a:lvl8pPr>
+            <a:lvl9pPr eaLnBrk="0" fontAlgn="base" hangingPunct="0">
+              <a:spcBef>
+                <a:spcPct val="0"/>
+              </a:spcBef>
+              <a:spcAft>
+                <a:spcPct val="0"/>
+              </a:spcAft>
+              <a:defRPr>
+                <a:solidFill>
+                  <a:schemeClr val="tx1"/>
+                </a:solidFill>
+                <a:latin typeface="Arial" panose="020B0604020202020204" pitchFamily="34" charset="0"/>
+              </a:defRPr>
+            </a:lvl9pPr>
+          </a:lstStyle>
+          <a:p>
+            <a:pPr marL="0" marR="0" lvl="0" indent="0" algn="l" defTabSz="914400" rtl="0" eaLnBrk="0" fontAlgn="base" latinLnBrk="0" hangingPunct="0">
+              <a:lnSpc>
+                <a:spcPct val="100000"/>
+              </a:lnSpc>
+              <a:spcBef>
+                <a:spcPct val="0"/>
+              </a:spcBef>
+              <a:spcAft>
+                <a:spcPct val="0"/>
+              </a:spcAft>
+              <a:buClrTx/>
+              <a:buSzTx/>
+              <a:buFontTx/>
+              <a:buNone/>
+              <a:tabLst/>
+            </a:pPr>
+            <a:r>
+              <a:rPr kumimoji="0" lang="zh-CN" altLang="zh-CN" sz="900" b="0" i="0" u="none" strike="noStrike" cap="none" normalizeH="0" baseline="0" dirty="0">
+                <a:ln>
+                  <a:noFill/>
+                </a:ln>
+                <a:solidFill>
+                  <a:srgbClr val="000000"/>
+                </a:solidFill>
+                <a:effectLst/>
+                <a:latin typeface="Verdana" panose="020B0604030504040204" pitchFamily="34" charset="0"/>
+              </a:rPr>
+              <a:t>类实现了Comparable接口，就表明它的实例具有自然顺序关系（natural ordering）。</a:t>
+            </a:r>
+            <a:endParaRPr kumimoji="0" lang="zh-CN" altLang="zh-CN" sz="600" b="0" i="0" u="none" strike="noStrike" cap="none" normalizeH="0" baseline="0" dirty="0">
+              <a:ln>
+                <a:noFill/>
+              </a:ln>
+              <a:solidFill>
+                <a:schemeClr val="tx1"/>
+              </a:solidFill>
+              <a:effectLst/>
+            </a:endParaRPr>
+          </a:p>
+          <a:p>
+            <a:pPr marL="0" marR="0" lvl="0" indent="0" algn="l" defTabSz="914400" rtl="0" eaLnBrk="0" fontAlgn="base" latinLnBrk="0" hangingPunct="0">
+              <a:lnSpc>
+                <a:spcPct val="100000"/>
+              </a:lnSpc>
+              <a:spcBef>
+                <a:spcPct val="0"/>
+              </a:spcBef>
+              <a:spcAft>
+                <a:spcPct val="0"/>
+              </a:spcAft>
+              <a:buClrTx/>
+              <a:buSzTx/>
+              <a:buFontTx/>
+              <a:buNone/>
+              <a:tabLst/>
+            </a:pPr>
+            <a:r>
+              <a:rPr kumimoji="0" lang="zh-CN" altLang="zh-CN" sz="900" b="0" i="0" u="none" strike="noStrike" cap="none" normalizeH="0" baseline="0" dirty="0">
+                <a:ln>
+                  <a:noFill/>
+                </a:ln>
+                <a:solidFill>
+                  <a:srgbClr val="000000"/>
+                </a:solidFill>
+                <a:effectLst/>
+                <a:latin typeface="Verdana" panose="020B0604030504040204" pitchFamily="34" charset="0"/>
+              </a:rPr>
+              <a:t>约定：（符号sgn(表达式)表示数学中的signum函数，根据表达式的值为负值、零和正值，分别返回-1、0和1）</a:t>
+            </a:r>
+            <a:endParaRPr kumimoji="0" lang="zh-CN" altLang="zh-CN" sz="600" b="0" i="0" u="none" strike="noStrike" cap="none" normalizeH="0" baseline="0" dirty="0">
+              <a:ln>
+                <a:noFill/>
+              </a:ln>
+              <a:solidFill>
+                <a:schemeClr val="tx1"/>
+              </a:solidFill>
+              <a:effectLst/>
+            </a:endParaRPr>
+          </a:p>
+          <a:p>
+            <a:pPr marL="0" marR="0" lvl="0" indent="0" algn="l" defTabSz="914400" rtl="0" eaLnBrk="0" fontAlgn="ctr" latinLnBrk="0" hangingPunct="0">
+              <a:lnSpc>
+                <a:spcPct val="100000"/>
+              </a:lnSpc>
+              <a:spcBef>
+                <a:spcPct val="0"/>
+              </a:spcBef>
+              <a:spcAft>
+                <a:spcPct val="0"/>
+              </a:spcAft>
+              <a:buClrTx/>
+              <a:buSzTx/>
+              <a:buFontTx/>
+              <a:buChar char="•"/>
+              <a:tabLst/>
+            </a:pPr>
+            <a:r>
+              <a:rPr kumimoji="0" lang="zh-CN" altLang="zh-CN" sz="900" b="0" i="0" u="none" strike="noStrike" cap="none" normalizeH="0" baseline="0" dirty="0">
+                <a:ln>
+                  <a:noFill/>
+                </a:ln>
+                <a:solidFill>
+                  <a:srgbClr val="000000"/>
+                </a:solidFill>
+                <a:effectLst/>
+                <a:latin typeface="Verdana" panose="020B0604030504040204" pitchFamily="34" charset="0"/>
+              </a:rPr>
+              <a:t>必须确保所有的x和y都满足</a:t>
+            </a:r>
+            <a:r>
+              <a:rPr kumimoji="0" lang="zh-CN" altLang="zh-CN" sz="900" b="0" i="0" u="none" strike="noStrike" cap="none" normalizeH="0" baseline="0" dirty="0">
+                <a:ln>
+                  <a:noFill/>
+                </a:ln>
+                <a:solidFill>
+                  <a:srgbClr val="E83E8C"/>
+                </a:solidFill>
+                <a:effectLst/>
+                <a:latin typeface="Courier New" panose="02070309020205020404" pitchFamily="49" charset="0"/>
+                <a:cs typeface="Courier New" panose="02070309020205020404" pitchFamily="49" charset="0"/>
+              </a:rPr>
+              <a:t>sgn(x.compareTo(y)) == -sgn(y.compareTo(x))</a:t>
+            </a:r>
+            <a:r>
+              <a:rPr kumimoji="0" lang="zh-CN" altLang="zh-CN" sz="900" b="0" i="0" u="none" strike="noStrike" cap="none" normalizeH="0" baseline="0" dirty="0">
+                <a:ln>
+                  <a:noFill/>
+                </a:ln>
+                <a:solidFill>
+                  <a:srgbClr val="000000"/>
+                </a:solidFill>
+                <a:effectLst/>
+                <a:latin typeface="Verdana" panose="020B0604030504040204" pitchFamily="34" charset="0"/>
+              </a:rPr>
+              <a:t>。（这也意味着，当且仅当y.compareTo(x)抛出异常时，x.compareTo(y)才必须抛出异常）</a:t>
+            </a:r>
+          </a:p>
+          <a:p>
+            <a:pPr marL="0" marR="0" lvl="0" indent="0" algn="l" defTabSz="914400" rtl="0" eaLnBrk="0" fontAlgn="ctr" latinLnBrk="0" hangingPunct="0">
+              <a:lnSpc>
+                <a:spcPct val="100000"/>
+              </a:lnSpc>
+              <a:spcBef>
+                <a:spcPct val="0"/>
+              </a:spcBef>
+              <a:spcAft>
+                <a:spcPct val="0"/>
+              </a:spcAft>
+              <a:buClrTx/>
+              <a:buSzTx/>
+              <a:buFontTx/>
+              <a:buChar char="•"/>
+              <a:tabLst/>
+            </a:pPr>
+            <a:r>
+              <a:rPr kumimoji="0" lang="zh-CN" altLang="zh-CN" sz="900" b="0" i="0" u="none" strike="noStrike" cap="none" normalizeH="0" baseline="0" dirty="0">
+                <a:ln>
+                  <a:noFill/>
+                </a:ln>
+                <a:solidFill>
+                  <a:srgbClr val="000000"/>
+                </a:solidFill>
+                <a:effectLst/>
+                <a:latin typeface="Verdana" panose="020B0604030504040204" pitchFamily="34" charset="0"/>
+              </a:rPr>
+              <a:t>必须确保这个比较关系是可传递的。</a:t>
+            </a:r>
+            <a:r>
+              <a:rPr kumimoji="0" lang="zh-CN" altLang="zh-CN" sz="900" b="0" i="0" u="none" strike="noStrike" cap="none" normalizeH="0" baseline="0" dirty="0">
+                <a:ln>
+                  <a:noFill/>
+                </a:ln>
+                <a:solidFill>
+                  <a:srgbClr val="E83E8C"/>
+                </a:solidFill>
+                <a:effectLst/>
+                <a:latin typeface="Courier New" panose="02070309020205020404" pitchFamily="49" charset="0"/>
+                <a:cs typeface="Courier New" panose="02070309020205020404" pitchFamily="49" charset="0"/>
+              </a:rPr>
+              <a:t>x.compareTo(y) &gt; 0 &amp;&amp; y.compareTo(z) &gt; 0</a:t>
+            </a:r>
+            <a:r>
+              <a:rPr kumimoji="0" lang="zh-CN" altLang="zh-CN" sz="900" b="0" i="0" u="none" strike="noStrike" cap="none" normalizeH="0" baseline="0" dirty="0">
+                <a:ln>
+                  <a:noFill/>
+                </a:ln>
+                <a:solidFill>
+                  <a:srgbClr val="000000"/>
+                </a:solidFill>
+                <a:effectLst/>
+                <a:latin typeface="Verdana" panose="020B0604030504040204" pitchFamily="34" charset="0"/>
+              </a:rPr>
+              <a:t>成立意味着</a:t>
+            </a:r>
+            <a:r>
+              <a:rPr kumimoji="0" lang="zh-CN" altLang="zh-CN" sz="900" b="0" i="0" u="none" strike="noStrike" cap="none" normalizeH="0" baseline="0" dirty="0">
+                <a:ln>
+                  <a:noFill/>
+                </a:ln>
+                <a:solidFill>
+                  <a:srgbClr val="E83E8C"/>
+                </a:solidFill>
+                <a:effectLst/>
+                <a:latin typeface="Courier New" panose="02070309020205020404" pitchFamily="49" charset="0"/>
+                <a:cs typeface="Courier New" panose="02070309020205020404" pitchFamily="49" charset="0"/>
+              </a:rPr>
+              <a:t>x.compareTo(z) &gt; 0</a:t>
+            </a:r>
+            <a:r>
+              <a:rPr kumimoji="0" lang="zh-CN" altLang="zh-CN" sz="900" b="0" i="0" u="none" strike="noStrike" cap="none" normalizeH="0" baseline="0" dirty="0">
+                <a:ln>
+                  <a:noFill/>
+                </a:ln>
+                <a:solidFill>
+                  <a:srgbClr val="000000"/>
+                </a:solidFill>
+                <a:effectLst/>
+                <a:latin typeface="Verdana" panose="020B0604030504040204" pitchFamily="34" charset="0"/>
+              </a:rPr>
+              <a:t>。</a:t>
+            </a:r>
+          </a:p>
+          <a:p>
+            <a:pPr marL="0" marR="0" lvl="0" indent="0" algn="l" defTabSz="914400" rtl="0" eaLnBrk="0" fontAlgn="ctr" latinLnBrk="0" hangingPunct="0">
+              <a:lnSpc>
+                <a:spcPct val="100000"/>
+              </a:lnSpc>
+              <a:spcBef>
+                <a:spcPct val="0"/>
+              </a:spcBef>
+              <a:spcAft>
+                <a:spcPct val="0"/>
+              </a:spcAft>
+              <a:buClrTx/>
+              <a:buSzTx/>
+              <a:buFontTx/>
+              <a:buChar char="•"/>
+              <a:tabLst/>
+            </a:pPr>
+            <a:r>
+              <a:rPr kumimoji="0" lang="zh-CN" altLang="zh-CN" sz="900" b="0" i="0" u="none" strike="noStrike" cap="none" normalizeH="0" baseline="0" dirty="0">
+                <a:ln>
+                  <a:noFill/>
+                </a:ln>
+                <a:solidFill>
+                  <a:srgbClr val="000000"/>
+                </a:solidFill>
+                <a:effectLst/>
+                <a:latin typeface="Verdana" panose="020B0604030504040204" pitchFamily="34" charset="0"/>
+              </a:rPr>
+              <a:t>必须确保</a:t>
+            </a:r>
+            <a:r>
+              <a:rPr kumimoji="0" lang="zh-CN" altLang="zh-CN" sz="900" b="0" i="0" u="none" strike="noStrike" cap="none" normalizeH="0" baseline="0" dirty="0">
+                <a:ln>
+                  <a:noFill/>
+                </a:ln>
+                <a:solidFill>
+                  <a:srgbClr val="E83E8C"/>
+                </a:solidFill>
+                <a:effectLst/>
+                <a:latin typeface="Courier New" panose="02070309020205020404" pitchFamily="49" charset="0"/>
+                <a:cs typeface="Courier New" panose="02070309020205020404" pitchFamily="49" charset="0"/>
+              </a:rPr>
+              <a:t>x.compareTo(y) == 0</a:t>
+            </a:r>
+            <a:r>
+              <a:rPr kumimoji="0" lang="zh-CN" altLang="zh-CN" sz="900" b="0" i="0" u="none" strike="noStrike" cap="none" normalizeH="0" baseline="0" dirty="0">
+                <a:ln>
+                  <a:noFill/>
+                </a:ln>
+                <a:solidFill>
+                  <a:srgbClr val="000000"/>
+                </a:solidFill>
+                <a:effectLst/>
+                <a:latin typeface="Verdana" panose="020B0604030504040204" pitchFamily="34" charset="0"/>
+              </a:rPr>
+              <a:t>意味着所有的z都满足</a:t>
+            </a:r>
+            <a:r>
+              <a:rPr kumimoji="0" lang="zh-CN" altLang="zh-CN" sz="900" b="0" i="0" u="none" strike="noStrike" cap="none" normalizeH="0" baseline="0" dirty="0">
+                <a:ln>
+                  <a:noFill/>
+                </a:ln>
+                <a:solidFill>
+                  <a:srgbClr val="E83E8C"/>
+                </a:solidFill>
+                <a:effectLst/>
+                <a:latin typeface="Courier New" panose="02070309020205020404" pitchFamily="49" charset="0"/>
+                <a:cs typeface="Courier New" panose="02070309020205020404" pitchFamily="49" charset="0"/>
+              </a:rPr>
+              <a:t>sgn(x.compareTo(z)) == sgn(y.compareTo(z))</a:t>
+            </a:r>
+            <a:r>
+              <a:rPr kumimoji="0" lang="zh-CN" altLang="zh-CN" sz="900" b="0" i="0" u="none" strike="noStrike" cap="none" normalizeH="0" baseline="0" dirty="0">
+                <a:ln>
+                  <a:noFill/>
+                </a:ln>
+                <a:solidFill>
+                  <a:srgbClr val="000000"/>
+                </a:solidFill>
+                <a:effectLst/>
+                <a:latin typeface="Verdana" panose="020B0604030504040204" pitchFamily="34" charset="0"/>
+              </a:rPr>
+              <a:t>。</a:t>
+            </a:r>
+          </a:p>
+          <a:p>
+            <a:pPr marL="0" marR="0" lvl="0" indent="0" algn="l" defTabSz="914400" rtl="0" eaLnBrk="0" fontAlgn="ctr" latinLnBrk="0" hangingPunct="0">
+              <a:lnSpc>
+                <a:spcPct val="100000"/>
+              </a:lnSpc>
+              <a:spcBef>
+                <a:spcPct val="0"/>
+              </a:spcBef>
+              <a:spcAft>
+                <a:spcPct val="0"/>
+              </a:spcAft>
+              <a:buClrTx/>
+              <a:buSzTx/>
+              <a:buFontTx/>
+              <a:buChar char="•"/>
+              <a:tabLst/>
+            </a:pPr>
+            <a:r>
+              <a:rPr kumimoji="0" lang="zh-CN" altLang="zh-CN" sz="900" b="0" i="0" u="none" strike="noStrike" cap="none" normalizeH="0" baseline="0" dirty="0">
+                <a:ln>
+                  <a:noFill/>
+                </a:ln>
+                <a:solidFill>
+                  <a:srgbClr val="000000"/>
+                </a:solidFill>
+                <a:effectLst/>
+                <a:latin typeface="Verdana" panose="020B0604030504040204" pitchFamily="34" charset="0"/>
+              </a:rPr>
+              <a:t>强烈建议</a:t>
+            </a:r>
+            <a:r>
+              <a:rPr kumimoji="0" lang="zh-CN" altLang="zh-CN" sz="900" b="0" i="0" u="none" strike="noStrike" cap="none" normalizeH="0" baseline="0" dirty="0">
+                <a:ln>
+                  <a:noFill/>
+                </a:ln>
+                <a:solidFill>
+                  <a:srgbClr val="E83E8C"/>
+                </a:solidFill>
+                <a:effectLst/>
+                <a:latin typeface="Courier New" panose="02070309020205020404" pitchFamily="49" charset="0"/>
+                <a:cs typeface="Courier New" panose="02070309020205020404" pitchFamily="49" charset="0"/>
+              </a:rPr>
+              <a:t>(x.compareTo(y) == 0) == (x.equals(y))</a:t>
+            </a:r>
+            <a:r>
+              <a:rPr kumimoji="0" lang="zh-CN" altLang="zh-CN" sz="900" b="0" i="0" u="none" strike="noStrike" cap="none" normalizeH="0" baseline="0" dirty="0">
+                <a:ln>
+                  <a:noFill/>
+                </a:ln>
+                <a:solidFill>
+                  <a:srgbClr val="000000"/>
+                </a:solidFill>
+                <a:effectLst/>
+                <a:latin typeface="Verdana" panose="020B0604030504040204" pitchFamily="34" charset="0"/>
+              </a:rPr>
+              <a:t>，但这绝非必要。若违反了这个条件，应当给予说明。</a:t>
+            </a:r>
+          </a:p>
+          <a:p>
+            <a:pPr marL="0" marR="0" lvl="0" indent="0" algn="l" defTabSz="914400" rtl="0" eaLnBrk="0" fontAlgn="base" latinLnBrk="0" hangingPunct="0">
+              <a:lnSpc>
+                <a:spcPct val="100000"/>
+              </a:lnSpc>
+              <a:spcBef>
+                <a:spcPct val="0"/>
+              </a:spcBef>
+              <a:spcAft>
+                <a:spcPct val="0"/>
+              </a:spcAft>
+              <a:buClrTx/>
+              <a:buSzTx/>
+              <a:buFontTx/>
+              <a:buNone/>
+              <a:tabLst/>
+            </a:pPr>
+            <a:r>
+              <a:rPr kumimoji="0" lang="zh-CN" altLang="zh-CN" sz="900" b="0" i="0" u="none" strike="noStrike" cap="none" normalizeH="0" baseline="0" dirty="0">
+                <a:ln>
+                  <a:noFill/>
+                </a:ln>
+                <a:solidFill>
+                  <a:srgbClr val="000000"/>
+                </a:solidFill>
+                <a:effectLst/>
+                <a:latin typeface="Verdana" panose="020B0604030504040204" pitchFamily="34" charset="0"/>
+              </a:rPr>
+              <a:t>比较浮点字段用Double.compare或者Float.compare。</a:t>
+            </a:r>
+            <a:endParaRPr kumimoji="0" lang="zh-CN" altLang="zh-CN" sz="600" b="0" i="0" u="none" strike="noStrike" cap="none" normalizeH="0" baseline="0" dirty="0">
+              <a:ln>
+                <a:noFill/>
+              </a:ln>
+              <a:solidFill>
+                <a:schemeClr val="tx1"/>
+              </a:solidFill>
+              <a:effectLst/>
+            </a:endParaRPr>
+          </a:p>
+          <a:p>
+            <a:pPr marL="0" marR="0" lvl="0" indent="0" algn="l" defTabSz="914400" rtl="0" eaLnBrk="0" fontAlgn="base" latinLnBrk="0" hangingPunct="0">
+              <a:lnSpc>
+                <a:spcPct val="100000"/>
+              </a:lnSpc>
+              <a:spcBef>
+                <a:spcPct val="0"/>
+              </a:spcBef>
+              <a:spcAft>
+                <a:spcPct val="0"/>
+              </a:spcAft>
+              <a:buClrTx/>
+              <a:buSzTx/>
+              <a:buFontTx/>
+              <a:buNone/>
+              <a:tabLst/>
+            </a:pPr>
+            <a:r>
+              <a:rPr kumimoji="0" lang="zh-CN" altLang="zh-CN" sz="900" b="0" i="0" u="none" strike="noStrike" cap="none" normalizeH="0" baseline="0" dirty="0">
+                <a:ln>
+                  <a:noFill/>
+                </a:ln>
+                <a:solidFill>
+                  <a:srgbClr val="000000"/>
+                </a:solidFill>
+                <a:effectLst/>
+                <a:latin typeface="Verdana" panose="020B0604030504040204" pitchFamily="34" charset="0"/>
+              </a:rPr>
+              <a:t>如果一个类有多个关键字段，按照什么样的顺序来比较是非常重要的。</a:t>
+            </a:r>
+            <a:endParaRPr kumimoji="0" lang="zh-CN" altLang="zh-CN" sz="600" b="0" i="0" u="none" strike="noStrike" cap="none" normalizeH="0" baseline="0" dirty="0">
+              <a:ln>
+                <a:noFill/>
+              </a:ln>
+              <a:solidFill>
+                <a:schemeClr val="tx1"/>
+              </a:solidFill>
+              <a:effectLst/>
+            </a:endParaRPr>
+          </a:p>
+          <a:p>
+            <a:pPr marL="0" marR="0" lvl="0" indent="0" algn="l" defTabSz="914400" rtl="0" eaLnBrk="0" fontAlgn="base" latinLnBrk="0" hangingPunct="0">
+              <a:lnSpc>
+                <a:spcPct val="100000"/>
+              </a:lnSpc>
+              <a:spcBef>
+                <a:spcPct val="0"/>
+              </a:spcBef>
+              <a:spcAft>
+                <a:spcPct val="0"/>
+              </a:spcAft>
+              <a:buClrTx/>
+              <a:buSzTx/>
+              <a:buFontTx/>
+              <a:buNone/>
+              <a:tabLst/>
+            </a:pPr>
+            <a:r>
+              <a:rPr kumimoji="0" lang="zh-CN" altLang="zh-CN" sz="900" b="0" i="0" u="none" strike="noStrike" cap="none" normalizeH="0" baseline="0" dirty="0">
+                <a:ln>
+                  <a:noFill/>
+                </a:ln>
+                <a:solidFill>
+                  <a:srgbClr val="000000"/>
+                </a:solidFill>
+                <a:effectLst/>
+                <a:latin typeface="Verdana" panose="020B0604030504040204" pitchFamily="34" charset="0"/>
+              </a:rPr>
+              <a:t>compareTo方法中，如果两个对应字段不相等，可以使用该类的字段与传入参数的字段的差值作为返回值，但应确保差值是绝对正确的。</a:t>
+            </a:r>
+            <a:endParaRPr kumimoji="0" lang="zh-CN" altLang="zh-CN" sz="1800" b="0" i="0" u="none" strike="noStrike" cap="none" normalizeH="0" baseline="0" dirty="0">
+              <a:ln>
+                <a:noFill/>
+              </a:ln>
+              <a:solidFill>
+                <a:schemeClr val="tx1"/>
+              </a:solidFill>
+              <a:effectLst/>
+              <a:latin typeface="Arial" panose="020B0604020202020204" pitchFamily="34" charset="0"/>
+            </a:endParaRPr>
+          </a:p>
+        </p:txBody>
+      </p:sp>
+    </p:spTree>
+    <p:extLst>
+      <p:ext uri="{BB962C8B-B14F-4D97-AF65-F5344CB8AC3E}">
+        <p14:creationId xmlns:p14="http://schemas.microsoft.com/office/powerpoint/2010/main" val="1752322854"/>
       </p:ext>
     </p:extLst>
   </p:cSld>
@@ -3451,13 +7026,34 @@
         </p:spPr>
         <p:txBody>
           <a:bodyPr>
-            <a:normAutofit fontScale="90000"/>
+            <a:normAutofit/>
           </a:bodyPr>
           <a:lstStyle/>
           <a:p>
-            <a:r>
-              <a:rPr lang="zh-CN" altLang="en-US" dirty="0"/>
-              <a:t>创建子程序的正当理由</a:t>
+            <a:pPr algn="l"/>
+            <a:r>
+              <a:rPr lang="zh-CN" altLang="en-US" sz="1800" dirty="0">
+                <a:latin typeface="+mn-lt"/>
+                <a:ea typeface="+mn-ea"/>
+                <a:cs typeface="+mn-cs"/>
+              </a:rPr>
+              <a:t>第</a:t>
+            </a:r>
+            <a:r>
+              <a:rPr lang="en-US" altLang="zh-CN" sz="1800" dirty="0">
+                <a:latin typeface="+mn-lt"/>
+                <a:ea typeface="+mn-ea"/>
+                <a:cs typeface="+mn-cs"/>
+              </a:rPr>
+              <a:t>1</a:t>
+            </a:r>
+            <a:r>
+              <a:rPr lang="zh-CN" altLang="en-US" sz="1800" dirty="0">
+                <a:latin typeface="+mn-lt"/>
+                <a:ea typeface="+mn-ea"/>
+                <a:cs typeface="+mn-cs"/>
+              </a:rPr>
+              <a:t>条 考虑用静态工厂方法代替构造器</a:t>
             </a:r>
           </a:p>
         </p:txBody>
@@ -3467,7 +7063,7 @@
           <p:cNvPr id="5" name="文本框 4">
             <a:extLst>
               <a:ext uri="{FF2B5EF4-FFF2-40B4-BE49-F238E27FC236}">
-                <a16:creationId xmlns:a16="http://schemas.microsoft.com/office/drawing/2014/main" id="{53A7A586-5857-446A-BA67-DAEAABBCA732}"/>
+                <a16:creationId xmlns:a16="http://schemas.microsoft.com/office/drawing/2014/main" id="{434E292D-89AA-4E2D-BA44-D4465F8E43B2}"/>
               </a:ext>
             </a:extLst>
           </p:cNvPr>
@@ -3476,8 +7072,8 @@
         </p:nvSpPr>
         <p:spPr>
           <a:xfrm>
-            <a:off x="1044145" y="1050324"/>
-            <a:ext cx="7105135" cy="369332"/>
+            <a:off x="838200" y="958334"/>
+            <a:ext cx="10202562" cy="1200329"/>
           </a:xfrm>
           <a:prstGeom prst="rect">
             <a:avLst/>
@@ -3485,24 +7081,183 @@
           <a:noFill/>
         </p:spPr>
         <p:txBody>
-          <a:bodyPr wrap="square" rtlCol="0">
+          <a:bodyPr wrap="square">
             <a:spAutoFit/>
           </a:bodyPr>
           <a:lstStyle/>
           <a:p>
             <a:r>
-              <a:rPr lang="zh-CN" altLang="en-US" dirty="0"/>
-              <a:t>子程序定义：为实现一个特定目而编写的一个可被调用的方法或函数</a:t>
-            </a:r>
+              <a:rPr lang="zh-CN" altLang="en-US" b="0" i="0" dirty="0">
+                <a:solidFill>
+                  <a:srgbClr val="000000"/>
+                </a:solidFill>
+                <a:effectLst/>
+                <a:latin typeface="Verdana" panose="020B0604030504040204" pitchFamily="34" charset="0"/>
+              </a:rPr>
+              <a:t>含义：静态工厂方法是指一个返回类的实例的静态方法，比如</a:t>
+            </a:r>
+            <a:endParaRPr lang="en-US" altLang="zh-CN" b="0" i="0" dirty="0">
+              <a:solidFill>
+                <a:srgbClr val="000000"/>
+              </a:solidFill>
+              <a:effectLst/>
+              <a:latin typeface="Verdana" panose="020B0604030504040204" pitchFamily="34" charset="0"/>
+            </a:endParaRPr>
+          </a:p>
+          <a:p>
+            <a:r>
+              <a:rPr lang="en-US" altLang="zh-CN" b="1" i="0" dirty="0">
+                <a:solidFill>
+                  <a:srgbClr val="0000FF"/>
+                </a:solidFill>
+                <a:effectLst/>
+                <a:latin typeface="Courier New" panose="02070309020205020404" pitchFamily="49" charset="0"/>
+              </a:rPr>
+              <a:t>public</a:t>
+            </a:r>
+            <a:r>
+              <a:rPr lang="en-US" altLang="zh-CN" b="0" i="0" dirty="0">
+                <a:solidFill>
+                  <a:srgbClr val="444444"/>
+                </a:solidFill>
+                <a:effectLst/>
+                <a:latin typeface="Courier New" panose="02070309020205020404" pitchFamily="49" charset="0"/>
+              </a:rPr>
+              <a:t> </a:t>
+            </a:r>
+            <a:r>
+              <a:rPr lang="en-US" altLang="zh-CN" b="1" i="0" dirty="0">
+                <a:solidFill>
+                  <a:srgbClr val="0000FF"/>
+                </a:solidFill>
+                <a:effectLst/>
+                <a:latin typeface="Courier New" panose="02070309020205020404" pitchFamily="49" charset="0"/>
+              </a:rPr>
+              <a:t>static</a:t>
+            </a:r>
+            <a:r>
+              <a:rPr lang="en-US" altLang="zh-CN" b="0" i="0" dirty="0">
+                <a:solidFill>
+                  <a:srgbClr val="444444"/>
+                </a:solidFill>
+                <a:effectLst/>
+                <a:latin typeface="Courier New" panose="02070309020205020404" pitchFamily="49" charset="0"/>
+              </a:rPr>
+              <a:t> Person </a:t>
+            </a:r>
+            <a:r>
+              <a:rPr lang="en-US" altLang="zh-CN" b="1" i="0" dirty="0" err="1">
+                <a:solidFill>
+                  <a:srgbClr val="A31515"/>
+                </a:solidFill>
+                <a:effectLst/>
+                <a:latin typeface="Courier New" panose="02070309020205020404" pitchFamily="49" charset="0"/>
+              </a:rPr>
+              <a:t>getInstance</a:t>
+            </a:r>
+            <a:r>
+              <a:rPr lang="en-US" altLang="zh-CN" b="0" i="0" dirty="0">
+                <a:solidFill>
+                  <a:srgbClr val="444444"/>
+                </a:solidFill>
+                <a:effectLst/>
+                <a:latin typeface="Courier New" panose="02070309020205020404" pitchFamily="49" charset="0"/>
+              </a:rPr>
+              <a:t>(){ </a:t>
+            </a:r>
+          </a:p>
+          <a:p>
+            <a:r>
+              <a:rPr lang="en-US" altLang="zh-CN" dirty="0">
+                <a:solidFill>
+                  <a:srgbClr val="444444"/>
+                </a:solidFill>
+                <a:latin typeface="Courier New" panose="02070309020205020404" pitchFamily="49" charset="0"/>
+              </a:rPr>
+              <a:t>  </a:t>
+            </a:r>
+            <a:r>
+              <a:rPr lang="en-US" altLang="zh-CN" b="1" i="0" dirty="0">
+                <a:solidFill>
+                  <a:srgbClr val="0000FF"/>
+                </a:solidFill>
+                <a:effectLst/>
+                <a:latin typeface="Courier New" panose="02070309020205020404" pitchFamily="49" charset="0"/>
+              </a:rPr>
+              <a:t>return</a:t>
+            </a:r>
+            <a:r>
+              <a:rPr lang="en-US" altLang="zh-CN" b="0" i="0" dirty="0">
+                <a:solidFill>
+                  <a:srgbClr val="444444"/>
+                </a:solidFill>
+                <a:effectLst/>
+                <a:latin typeface="Courier New" panose="02070309020205020404" pitchFamily="49" charset="0"/>
+              </a:rPr>
+              <a:t> </a:t>
+            </a:r>
+            <a:r>
+              <a:rPr lang="en-US" altLang="zh-CN" b="1" i="0" dirty="0">
+                <a:solidFill>
+                  <a:srgbClr val="0000FF"/>
+                </a:solidFill>
+                <a:effectLst/>
+                <a:latin typeface="Courier New" panose="02070309020205020404" pitchFamily="49" charset="0"/>
+              </a:rPr>
+              <a:t>new</a:t>
+            </a:r>
+            <a:r>
+              <a:rPr lang="en-US" altLang="zh-CN" b="0" i="0" dirty="0">
+                <a:solidFill>
+                  <a:srgbClr val="444444"/>
+                </a:solidFill>
+                <a:effectLst/>
+                <a:latin typeface="Courier New" panose="02070309020205020404" pitchFamily="49" charset="0"/>
+              </a:rPr>
+              <a:t> </a:t>
+            </a:r>
+            <a:r>
+              <a:rPr lang="en-US" altLang="zh-CN" b="1" i="0" dirty="0">
+                <a:solidFill>
+                  <a:srgbClr val="A31515"/>
+                </a:solidFill>
+                <a:effectLst/>
+                <a:latin typeface="Courier New" panose="02070309020205020404" pitchFamily="49" charset="0"/>
+              </a:rPr>
+              <a:t>Person</a:t>
+            </a:r>
+            <a:r>
+              <a:rPr lang="en-US" altLang="zh-CN" b="0" i="0" dirty="0">
+                <a:solidFill>
+                  <a:srgbClr val="444444"/>
+                </a:solidFill>
+                <a:effectLst/>
+                <a:latin typeface="Courier New" panose="02070309020205020404" pitchFamily="49" charset="0"/>
+              </a:rPr>
+              <a:t>();</a:t>
+            </a:r>
+          </a:p>
+          <a:p>
+            <a:r>
+              <a:rPr lang="en-US" altLang="zh-CN" b="0" i="0" dirty="0">
+                <a:solidFill>
+                  <a:srgbClr val="444444"/>
+                </a:solidFill>
+                <a:effectLst/>
+                <a:latin typeface="Courier New" panose="02070309020205020404" pitchFamily="49" charset="0"/>
+              </a:rPr>
+              <a:t>}</a:t>
+            </a:r>
+            <a:endParaRPr lang="zh-CN" altLang="en-US" dirty="0"/>
           </a:p>
         </p:txBody>
       </p:sp>
       <p:sp>
         <p:nvSpPr>
-          <p:cNvPr id="6" name="文本框 5">
+          <p:cNvPr id="7" name="文本框 6">
             <a:extLst>
               <a:ext uri="{FF2B5EF4-FFF2-40B4-BE49-F238E27FC236}">
-                <a16:creationId xmlns:a16="http://schemas.microsoft.com/office/drawing/2014/main" id="{0376360C-9D1E-4E52-A544-0DDDFD953DEA}"/>
+                <a16:creationId xmlns:a16="http://schemas.microsoft.com/office/drawing/2014/main" id="{80460BA0-385D-43FD-9665-37975AA7354F}"/>
               </a:ext>
             </a:extLst>
           </p:cNvPr>
@@ -3511,8 +7266,8 @@
         </p:nvSpPr>
         <p:spPr>
           <a:xfrm>
-            <a:off x="1044145" y="1611185"/>
-            <a:ext cx="10229336" cy="1200329"/>
+            <a:off x="838200" y="2356372"/>
+            <a:ext cx="10202562" cy="1754326"/>
           </a:xfrm>
           <a:prstGeom prst="rect">
             <a:avLst/>
@@ -3520,218 +7275,183 @@
           <a:noFill/>
         </p:spPr>
         <p:txBody>
-          <a:bodyPr wrap="square" rtlCol="0">
+          <a:bodyPr wrap="square">
             <a:spAutoFit/>
           </a:bodyPr>
           <a:lstStyle/>
           <a:p>
             <a:pPr algn="l"/>
             <a:r>
-              <a:rPr lang="zh-CN" altLang="en-US" b="1" dirty="0">
-                <a:latin typeface="微软雅黑" panose="020B0503020204020204" pitchFamily="34" charset="-122"/>
-                <a:ea typeface="微软雅黑" panose="020B0503020204020204" pitchFamily="34" charset="-122"/>
-              </a:rPr>
-              <a:t>降低复杂度</a:t>
-            </a:r>
-            <a:r>
               <a:rPr lang="zh-CN" altLang="en-US" dirty="0">
-                <a:latin typeface="微软雅黑" panose="020B0503020204020204" pitchFamily="34" charset="-122"/>
-                <a:ea typeface="微软雅黑" panose="020B0503020204020204" pitchFamily="34" charset="-122"/>
-              </a:rPr>
-              <a:t>：</a:t>
-            </a:r>
-            <a:r>
-              <a:rPr lang="zh-CN" altLang="en-US" sz="1600" b="0" i="0" dirty="0">
                 <a:solidFill>
                   <a:srgbClr val="000000"/>
                 </a:solidFill>
-                <a:effectLst/>
                 <a:latin typeface="Verdana" panose="020B0604030504040204" pitchFamily="34" charset="0"/>
               </a:rPr>
-              <a:t>程序一但写好，可以直接调用该子程序而无须了解其内部工作细节。当内部循环或条件判断的嵌套层次很深时，就意味着需要从子程序中提取出新的子程序了。把嵌套的部分提取出来形成一个独立的子程序，可以</a:t>
-            </a:r>
-            <a:r>
-              <a:rPr lang="zh-CN" altLang="en-US" b="0" i="0" dirty="0">
-                <a:solidFill>
-                  <a:srgbClr val="000000"/>
-                </a:solidFill>
-                <a:effectLst/>
-                <a:latin typeface="Verdana" panose="020B0604030504040204" pitchFamily="34" charset="0"/>
-              </a:rPr>
-              <a:t>降低外围子程序的复杂度。</a:t>
-            </a:r>
+              <a:t>优势：</a:t>
+            </a:r>
+            <a:endParaRPr lang="en-US" altLang="zh-CN" dirty="0">
+              <a:solidFill>
+                <a:srgbClr val="000000"/>
+              </a:solidFill>
+              <a:latin typeface="Verdana" panose="020B0604030504040204" pitchFamily="34" charset="0"/>
+            </a:endParaRPr>
           </a:p>
           <a:p>
             <a:pPr marL="285750" indent="-285750" algn="l">
               <a:buFont typeface="Arial" panose="020B0604020202020204" pitchFamily="34" charset="0"/>
               <a:buChar char="•"/>
             </a:pPr>
-            <a:endParaRPr lang="en-US" altLang="zh-CN" dirty="0">
-              <a:latin typeface="微软雅黑" panose="020B0503020204020204" pitchFamily="34" charset="-122"/>
-              <a:ea typeface="微软雅黑" panose="020B0503020204020204" pitchFamily="34" charset="-122"/>
+            <a:r>
+              <a:rPr lang="zh-CN" altLang="en-US" b="1" i="0" dirty="0">
+                <a:solidFill>
+                  <a:srgbClr val="333333"/>
+                </a:solidFill>
+                <a:effectLst/>
+                <a:latin typeface="Verdana" panose="020B0604030504040204" pitchFamily="34" charset="0"/>
+              </a:rPr>
+              <a:t>静态工厂方法的名称没有限制：</a:t>
+            </a:r>
+            <a:r>
+              <a:rPr lang="zh-CN" altLang="en-US" dirty="0">
+                <a:solidFill>
+                  <a:srgbClr val="000000"/>
+                </a:solidFill>
+                <a:latin typeface="Verdana" panose="020B0604030504040204" pitchFamily="34" charset="0"/>
+              </a:rPr>
+              <a:t>编码更加灵活，可以</a:t>
+            </a:r>
+            <a:r>
+              <a:rPr lang="zh-CN" altLang="en-US" b="0" i="0" dirty="0">
+                <a:solidFill>
+                  <a:srgbClr val="000000"/>
+                </a:solidFill>
+                <a:effectLst/>
+                <a:latin typeface="Verdana" panose="020B0604030504040204" pitchFamily="34" charset="0"/>
+              </a:rPr>
+              <a:t>通过方法名来给予使用者良好的提示与说明</a:t>
+            </a:r>
+            <a:endParaRPr lang="zh-CN" altLang="en-US" b="1" i="0" dirty="0">
+              <a:solidFill>
+                <a:srgbClr val="333333"/>
+              </a:solidFill>
+              <a:effectLst/>
+              <a:latin typeface="Verdana" panose="020B0604030504040204" pitchFamily="34" charset="0"/>
             </a:endParaRPr>
           </a:p>
-        </p:txBody>
-      </p:sp>
-      <p:sp>
-        <p:nvSpPr>
-          <p:cNvPr id="11" name="文本框 10">
-            <a:extLst>
-              <a:ext uri="{FF2B5EF4-FFF2-40B4-BE49-F238E27FC236}">
-                <a16:creationId xmlns:a16="http://schemas.microsoft.com/office/drawing/2014/main" id="{AA3C21B2-0EEB-4474-8D9F-3A457C2B1B1F}"/>
-              </a:ext>
-            </a:extLst>
-          </p:cNvPr>
-          <p:cNvSpPr txBox="1"/>
-          <p:nvPr/>
-        </p:nvSpPr>
-        <p:spPr>
-          <a:xfrm>
-            <a:off x="1050322" y="2811514"/>
-            <a:ext cx="10229336" cy="646331"/>
-          </a:xfrm>
-          <a:prstGeom prst="rect">
-            <a:avLst/>
-          </a:prstGeom>
-          <a:noFill/>
-        </p:spPr>
-        <p:txBody>
-          <a:bodyPr wrap="square" rtlCol="0">
-            <a:spAutoFit/>
-          </a:bodyPr>
-          <a:lstStyle/>
-          <a:p>
+          <a:p>
+            <a:pPr marL="285750" indent="-285750" algn="l">
+              <a:buFont typeface="Arial" panose="020B0604020202020204" pitchFamily="34" charset="0"/>
+              <a:buChar char="•"/>
+            </a:pPr>
+            <a:r>
+              <a:rPr lang="zh-CN" altLang="en-US" b="1" i="0" dirty="0">
+                <a:solidFill>
+                  <a:srgbClr val="333333"/>
+                </a:solidFill>
+                <a:effectLst/>
+                <a:latin typeface="Verdana" panose="020B0604030504040204" pitchFamily="34" charset="0"/>
+              </a:rPr>
+              <a:t>不用再每次调用的时候创建一个新的对象：</a:t>
+            </a:r>
+            <a:r>
+              <a:rPr lang="zh-CN" altLang="en-US" dirty="0">
+                <a:solidFill>
+                  <a:srgbClr val="000000"/>
+                </a:solidFill>
+                <a:latin typeface="Verdana" panose="020B0604030504040204" pitchFamily="34" charset="0"/>
+              </a:rPr>
+              <a:t>避免重复创建对象</a:t>
+            </a:r>
+          </a:p>
+          <a:p>
+            <a:pPr marL="285750" indent="-285750" algn="l">
+              <a:buFont typeface="Arial" panose="020B0604020202020204" pitchFamily="34" charset="0"/>
+              <a:buChar char="•"/>
+            </a:pPr>
+            <a:r>
+              <a:rPr lang="zh-CN" altLang="en-US" b="1" i="0" dirty="0">
+                <a:solidFill>
+                  <a:srgbClr val="333333"/>
+                </a:solidFill>
+                <a:effectLst/>
+                <a:latin typeface="Verdana" panose="020B0604030504040204" pitchFamily="34" charset="0"/>
+              </a:rPr>
+              <a:t>静态工厂方法可以返回原返回类型的任何子类型的对象</a:t>
+            </a:r>
             <a:r>
               <a:rPr lang="zh-CN" altLang="en-US" b="1" dirty="0">
-                <a:latin typeface="微软雅黑" panose="020B0503020204020204" pitchFamily="34" charset="-122"/>
-                <a:ea typeface="微软雅黑" panose="020B0503020204020204" pitchFamily="34" charset="-122"/>
-              </a:rPr>
-              <a:t>引入中间、易懂的抽象</a:t>
-            </a:r>
-            <a:r>
-              <a:rPr lang="zh-CN" altLang="en-US" dirty="0">
-                <a:latin typeface="微软雅黑" panose="020B0503020204020204" pitchFamily="34" charset="-122"/>
-                <a:ea typeface="微软雅黑" panose="020B0503020204020204" pitchFamily="34" charset="-122"/>
+                <a:solidFill>
+                  <a:srgbClr val="333333"/>
+                </a:solidFill>
+                <a:latin typeface="Verdana" panose="020B0604030504040204" pitchFamily="34" charset="0"/>
               </a:rPr>
               <a:t>：</a:t>
             </a:r>
-            <a:endParaRPr lang="en-US" altLang="zh-CN" dirty="0">
-              <a:latin typeface="微软雅黑" panose="020B0503020204020204" pitchFamily="34" charset="-122"/>
-              <a:ea typeface="微软雅黑" panose="020B0503020204020204" pitchFamily="34" charset="-122"/>
+            <a:r>
+              <a:rPr lang="zh-CN" altLang="en-US" b="0" i="0" dirty="0">
+                <a:solidFill>
+                  <a:srgbClr val="000000"/>
+                </a:solidFill>
+                <a:effectLst/>
+                <a:latin typeface="Verdana" panose="020B0604030504040204" pitchFamily="34" charset="0"/>
+              </a:rPr>
+              <a:t>构造方法是不能使用</a:t>
+            </a:r>
+            <a:r>
+              <a:rPr lang="en-US" altLang="zh-CN" b="0" i="0" dirty="0">
+                <a:solidFill>
+                  <a:srgbClr val="000000"/>
+                </a:solidFill>
+                <a:effectLst/>
+                <a:latin typeface="Verdana" panose="020B0604030504040204" pitchFamily="34" charset="0"/>
+              </a:rPr>
+              <a:t>return</a:t>
+            </a:r>
+            <a:r>
+              <a:rPr lang="zh-CN" altLang="en-US" b="0" i="0" dirty="0">
+                <a:solidFill>
+                  <a:srgbClr val="000000"/>
+                </a:solidFill>
+                <a:effectLst/>
+                <a:latin typeface="Verdana" panose="020B0604030504040204" pitchFamily="34" charset="0"/>
+              </a:rPr>
+              <a:t>语句，它在使用时也只能产生自身这个类的一个对象，而静态工厂方法可以使用</a:t>
+            </a:r>
+            <a:r>
+              <a:rPr lang="en-US" altLang="zh-CN" b="0" i="0" dirty="0">
+                <a:solidFill>
+                  <a:srgbClr val="000000"/>
+                </a:solidFill>
+                <a:effectLst/>
+                <a:latin typeface="Verdana" panose="020B0604030504040204" pitchFamily="34" charset="0"/>
+              </a:rPr>
+              <a:t>return</a:t>
+            </a:r>
+            <a:r>
+              <a:rPr lang="zh-CN" altLang="en-US" b="0" i="0" dirty="0">
+                <a:solidFill>
+                  <a:srgbClr val="000000"/>
+                </a:solidFill>
+                <a:effectLst/>
+                <a:latin typeface="Verdana" panose="020B0604030504040204" pitchFamily="34" charset="0"/>
+              </a:rPr>
+              <a:t>语句，在返回对象时就有了更多选择</a:t>
+            </a:r>
+            <a:endParaRPr lang="zh-CN" altLang="en-US" b="1" i="0" dirty="0">
+              <a:solidFill>
+                <a:srgbClr val="333333"/>
+              </a:solidFill>
+              <a:effectLst/>
+              <a:latin typeface="Verdana" panose="020B0604030504040204" pitchFamily="34" charset="0"/>
             </a:endParaRPr>
-          </a:p>
-          <a:p>
-            <a:endParaRPr lang="en-US" altLang="zh-CN" dirty="0">
-              <a:latin typeface="微软雅黑" panose="020B0503020204020204" pitchFamily="34" charset="-122"/>
-              <a:ea typeface="微软雅黑" panose="020B0503020204020204" pitchFamily="34" charset="-122"/>
-            </a:endParaRPr>
-          </a:p>
-        </p:txBody>
-      </p:sp>
-      <p:pic>
-        <p:nvPicPr>
-          <p:cNvPr id="13" name="图片 12">
-            <a:extLst>
-              <a:ext uri="{FF2B5EF4-FFF2-40B4-BE49-F238E27FC236}">
-                <a16:creationId xmlns:a16="http://schemas.microsoft.com/office/drawing/2014/main" id="{8BE55DF5-22CC-45C2-B8EF-D1D4EA4C18BA}"/>
-              </a:ext>
-            </a:extLst>
-          </p:cNvPr>
-          <p:cNvPicPr>
-            <a:picLocks noChangeAspect="1"/>
-          </p:cNvPicPr>
-          <p:nvPr/>
-        </p:nvPicPr>
-        <p:blipFill>
-          <a:blip r:embed="rId2"/>
-          <a:stretch>
-            <a:fillRect/>
-          </a:stretch>
-        </p:blipFill>
-        <p:spPr>
-          <a:xfrm>
-            <a:off x="1154815" y="3270584"/>
-            <a:ext cx="2987299" cy="1493649"/>
-          </a:xfrm>
-          <a:prstGeom prst="rect">
-            <a:avLst/>
-          </a:prstGeom>
-        </p:spPr>
-      </p:pic>
-      <p:pic>
-        <p:nvPicPr>
-          <p:cNvPr id="15" name="图片 14">
-            <a:extLst>
-              <a:ext uri="{FF2B5EF4-FFF2-40B4-BE49-F238E27FC236}">
-                <a16:creationId xmlns:a16="http://schemas.microsoft.com/office/drawing/2014/main" id="{0810BD9E-157D-47E8-B7E2-90A32A71CDB4}"/>
-              </a:ext>
-            </a:extLst>
-          </p:cNvPr>
-          <p:cNvPicPr>
-            <a:picLocks noChangeAspect="1"/>
-          </p:cNvPicPr>
-          <p:nvPr/>
-        </p:nvPicPr>
-        <p:blipFill>
-          <a:blip r:embed="rId3"/>
-          <a:stretch>
-            <a:fillRect/>
-          </a:stretch>
-        </p:blipFill>
-        <p:spPr>
-          <a:xfrm>
-            <a:off x="1154815" y="5246815"/>
-            <a:ext cx="2255715" cy="251482"/>
-          </a:xfrm>
-          <a:prstGeom prst="rect">
-            <a:avLst/>
-          </a:prstGeom>
-        </p:spPr>
-      </p:pic>
-      <p:sp>
-        <p:nvSpPr>
-          <p:cNvPr id="16" name="文本框 15">
-            <a:extLst>
-              <a:ext uri="{FF2B5EF4-FFF2-40B4-BE49-F238E27FC236}">
-                <a16:creationId xmlns:a16="http://schemas.microsoft.com/office/drawing/2014/main" id="{3DF495C3-10A8-4A5D-A793-E48A4AA5C7E9}"/>
-              </a:ext>
-            </a:extLst>
-          </p:cNvPr>
-          <p:cNvSpPr txBox="1"/>
-          <p:nvPr/>
-        </p:nvSpPr>
-        <p:spPr>
-          <a:xfrm>
-            <a:off x="1105387" y="4816402"/>
-            <a:ext cx="3577823" cy="338554"/>
-          </a:xfrm>
-          <a:prstGeom prst="rect">
-            <a:avLst/>
-          </a:prstGeom>
-          <a:noFill/>
-        </p:spPr>
-        <p:txBody>
-          <a:bodyPr wrap="square" rtlCol="0">
-            <a:spAutoFit/>
-          </a:bodyPr>
-          <a:lstStyle/>
-          <a:p>
-            <a:r>
-              <a:rPr lang="zh-CN" altLang="en-US" sz="1600" dirty="0">
-                <a:solidFill>
-                  <a:srgbClr val="000000"/>
-                </a:solidFill>
-                <a:latin typeface="Verdana" panose="020B0604030504040204" pitchFamily="34" charset="0"/>
-              </a:rPr>
-              <a:t>读懂下面这条语句就更容易</a:t>
-            </a:r>
           </a:p>
         </p:txBody>
       </p:sp>
     </p:spTree>
     <p:extLst>
       <p:ext uri="{BB962C8B-B14F-4D97-AF65-F5344CB8AC3E}">
-        <p14:creationId xmlns:p14="http://schemas.microsoft.com/office/powerpoint/2010/main" val="2643613948"/>
+        <p14:creationId xmlns:p14="http://schemas.microsoft.com/office/powerpoint/2010/main" val="3111426304"/>
       </p:ext>
     </p:extLst>
   </p:cSld>
@@ -3782,346 +7502,33 @@
         </p:spPr>
         <p:txBody>
           <a:bodyPr>
-            <a:normAutofit fontScale="90000"/>
+            <a:normAutofit/>
           </a:bodyPr>
           <a:lstStyle/>
           <a:p>
             <a:r>
-              <a:rPr lang="zh-CN" altLang="en-US" dirty="0"/>
-              <a:t>创建子程序的正当理由</a:t>
-            </a:r>
-          </a:p>
-        </p:txBody>
-      </p:sp>
-      <p:sp>
-        <p:nvSpPr>
-          <p:cNvPr id="6" name="文本框 5">
-            <a:extLst>
-              <a:ext uri="{FF2B5EF4-FFF2-40B4-BE49-F238E27FC236}">
-                <a16:creationId xmlns:a16="http://schemas.microsoft.com/office/drawing/2014/main" id="{0376360C-9D1E-4E52-A544-0DDDFD953DEA}"/>
-              </a:ext>
-            </a:extLst>
-          </p:cNvPr>
-          <p:cNvSpPr txBox="1"/>
-          <p:nvPr/>
-        </p:nvSpPr>
-        <p:spPr>
-          <a:xfrm>
-            <a:off x="1050322" y="965091"/>
-            <a:ext cx="10229336" cy="646331"/>
-          </a:xfrm>
-          <a:prstGeom prst="rect">
-            <a:avLst/>
-          </a:prstGeom>
-          <a:noFill/>
-        </p:spPr>
-        <p:txBody>
-          <a:bodyPr wrap="square" rtlCol="0">
-            <a:spAutoFit/>
-          </a:bodyPr>
-          <a:lstStyle/>
-          <a:p>
-            <a:pPr algn="l"/>
-            <a:r>
-              <a:rPr lang="zh-CN" altLang="en-US" b="1" i="0" dirty="0">
-                <a:solidFill>
-                  <a:srgbClr val="333333"/>
-                </a:solidFill>
-                <a:effectLst/>
-                <a:latin typeface="微软雅黑" panose="020B0503020204020204" pitchFamily="34" charset="-122"/>
-                <a:ea typeface="微软雅黑" panose="020B0503020204020204" pitchFamily="34" charset="-122"/>
-              </a:rPr>
-              <a:t>避免代码重复：</a:t>
-            </a:r>
-            <a:r>
-              <a:rPr lang="zh-CN" altLang="en-US" b="0" i="0" dirty="0">
-                <a:solidFill>
-                  <a:srgbClr val="121212"/>
-                </a:solidFill>
-                <a:effectLst/>
-                <a:latin typeface="-apple-system"/>
-              </a:rPr>
-              <a:t>把相同的代码放入新的子程序中，再让其余的代码来调用这个子程序，与代码的重复出现相比，让相同的代码只出现一次可以节约空间</a:t>
-            </a:r>
-            <a:endParaRPr lang="zh-CN" altLang="en-US" b="0" i="0" dirty="0">
-              <a:solidFill>
-                <a:srgbClr val="000000"/>
-              </a:solidFill>
-              <a:effectLst/>
-              <a:latin typeface="Verdana" panose="020B0604030504040204" pitchFamily="34" charset="0"/>
-            </a:endParaRPr>
-          </a:p>
-        </p:txBody>
-      </p:sp>
-      <p:sp>
-        <p:nvSpPr>
-          <p:cNvPr id="10" name="文本框 9">
-            <a:extLst>
-              <a:ext uri="{FF2B5EF4-FFF2-40B4-BE49-F238E27FC236}">
-                <a16:creationId xmlns:a16="http://schemas.microsoft.com/office/drawing/2014/main" id="{C7C224CD-AD7C-4CD3-8851-BEC59CCE9E29}"/>
-              </a:ext>
-            </a:extLst>
-          </p:cNvPr>
-          <p:cNvSpPr txBox="1"/>
-          <p:nvPr/>
-        </p:nvSpPr>
-        <p:spPr>
-          <a:xfrm>
-            <a:off x="1050321" y="1717718"/>
-            <a:ext cx="10229335" cy="3970318"/>
-          </a:xfrm>
-          <a:prstGeom prst="rect">
-            <a:avLst/>
-          </a:prstGeom>
-          <a:noFill/>
-        </p:spPr>
-        <p:txBody>
-          <a:bodyPr wrap="square">
-            <a:spAutoFit/>
-          </a:bodyPr>
-          <a:lstStyle/>
-          <a:p>
-            <a:pPr algn="l"/>
-            <a:r>
-              <a:rPr lang="zh-CN" altLang="en-US" b="1" dirty="0">
-                <a:solidFill>
-                  <a:srgbClr val="333333"/>
-                </a:solidFill>
-                <a:latin typeface="微软雅黑" panose="020B0503020204020204" pitchFamily="34" charset="-122"/>
-                <a:ea typeface="微软雅黑" panose="020B0503020204020204" pitchFamily="34" charset="-122"/>
-              </a:rPr>
-              <a:t>支持子类化：</a:t>
-            </a:r>
-            <a:r>
-              <a:rPr lang="zh-CN" altLang="en-US" b="0" i="0" dirty="0">
-                <a:solidFill>
-                  <a:srgbClr val="121212"/>
-                </a:solidFill>
-                <a:effectLst/>
-                <a:latin typeface="-apple-system"/>
-              </a:rPr>
-              <a:t>覆盖简短而规整的子程序所需新代码的数量，要比覆盖冗长而邋遢的子程序更少</a:t>
-            </a:r>
-          </a:p>
-          <a:p>
-            <a:pPr algn="l"/>
-            <a:endParaRPr lang="en-US" altLang="zh-CN" b="1" dirty="0">
-              <a:solidFill>
-                <a:srgbClr val="333333"/>
-              </a:solidFill>
-              <a:latin typeface="微软雅黑" panose="020B0503020204020204" pitchFamily="34" charset="-122"/>
-              <a:ea typeface="微软雅黑" panose="020B0503020204020204" pitchFamily="34" charset="-122"/>
-            </a:endParaRPr>
-          </a:p>
-          <a:p>
-            <a:pPr algn="l"/>
-            <a:r>
-              <a:rPr lang="zh-CN" altLang="en-US" b="1" dirty="0">
-                <a:solidFill>
-                  <a:srgbClr val="333333"/>
-                </a:solidFill>
-                <a:latin typeface="微软雅黑" panose="020B0503020204020204" pitchFamily="34" charset="-122"/>
-                <a:ea typeface="微软雅黑" panose="020B0503020204020204" pitchFamily="34" charset="-122"/>
-              </a:rPr>
-              <a:t>隐藏顺序</a:t>
-            </a:r>
-            <a:r>
-              <a:rPr lang="zh-CN" altLang="en-US" dirty="0">
-                <a:solidFill>
-                  <a:srgbClr val="121212"/>
-                </a:solidFill>
-                <a:latin typeface="-apple-system"/>
-                <a:ea typeface="微软雅黑" panose="020B0503020204020204" pitchFamily="34" charset="-122"/>
-              </a:rPr>
-              <a:t>：</a:t>
-            </a:r>
-            <a:r>
-              <a:rPr lang="zh-CN" altLang="en-US" b="0" i="0" dirty="0">
-                <a:solidFill>
-                  <a:srgbClr val="121212"/>
-                </a:solidFill>
-                <a:effectLst/>
-                <a:latin typeface="-apple-system"/>
-              </a:rPr>
-              <a:t>把处理事件的顺序隐藏起来</a:t>
-            </a:r>
-            <a:endParaRPr lang="en-US" altLang="zh-CN" b="0" i="0" dirty="0">
-              <a:solidFill>
-                <a:srgbClr val="121212"/>
-              </a:solidFill>
-              <a:effectLst/>
-              <a:latin typeface="-apple-system"/>
-            </a:endParaRPr>
-          </a:p>
-          <a:p>
-            <a:pPr algn="l"/>
-            <a:endParaRPr lang="zh-CN" altLang="en-US" b="0" i="0" dirty="0">
-              <a:solidFill>
-                <a:srgbClr val="121212"/>
-              </a:solidFill>
-              <a:effectLst/>
-              <a:latin typeface="-apple-system"/>
-            </a:endParaRPr>
-          </a:p>
-          <a:p>
-            <a:pPr algn="l"/>
-            <a:r>
-              <a:rPr lang="zh-CN" altLang="en-US" b="1" dirty="0">
-                <a:solidFill>
-                  <a:srgbClr val="333333"/>
-                </a:solidFill>
-                <a:latin typeface="微软雅黑" panose="020B0503020204020204" pitchFamily="34" charset="-122"/>
-                <a:ea typeface="微软雅黑" panose="020B0503020204020204" pitchFamily="34" charset="-122"/>
-              </a:rPr>
-              <a:t>隐藏指针操作</a:t>
-            </a:r>
-            <a:br>
-              <a:rPr lang="zh-CN" altLang="en-US" b="0" i="0" dirty="0">
-                <a:solidFill>
-                  <a:srgbClr val="121212"/>
-                </a:solidFill>
-                <a:effectLst/>
-                <a:latin typeface="-apple-system"/>
-              </a:rPr>
-            </a:br>
-            <a:endParaRPr lang="zh-CN" altLang="en-US" b="0" i="0" dirty="0">
-              <a:solidFill>
-                <a:srgbClr val="121212"/>
-              </a:solidFill>
-              <a:effectLst/>
-              <a:latin typeface="-apple-system"/>
-            </a:endParaRPr>
-          </a:p>
-          <a:p>
-            <a:pPr algn="l"/>
-            <a:r>
-              <a:rPr lang="zh-CN" altLang="en-US" b="1" dirty="0">
-                <a:solidFill>
-                  <a:srgbClr val="333333"/>
-                </a:solidFill>
-                <a:latin typeface="微软雅黑" panose="020B0503020204020204" pitchFamily="34" charset="-122"/>
-                <a:ea typeface="微软雅黑" panose="020B0503020204020204" pitchFamily="34" charset="-122"/>
-              </a:rPr>
-              <a:t>提高可移植性</a:t>
-            </a:r>
-            <a:r>
-              <a:rPr lang="zh-CN" altLang="en-US" dirty="0">
-                <a:solidFill>
-                  <a:srgbClr val="121212"/>
-                </a:solidFill>
-                <a:latin typeface="-apple-system"/>
-                <a:ea typeface="微软雅黑" panose="020B0503020204020204" pitchFamily="34" charset="-122"/>
-              </a:rPr>
-              <a:t>：</a:t>
-            </a:r>
-            <a:r>
-              <a:rPr lang="zh-CN" altLang="en-US" b="0" i="0" dirty="0">
-                <a:solidFill>
-                  <a:srgbClr val="121212"/>
-                </a:solidFill>
-                <a:effectLst/>
-                <a:latin typeface="-apple-system"/>
-              </a:rPr>
-              <a:t>用子程序来隔离代码中不可移植的部分，从而明确识别和隔离未来的移植工作</a:t>
-            </a:r>
-            <a:endParaRPr lang="en-US" altLang="zh-CN" b="0" i="0" dirty="0">
-              <a:solidFill>
-                <a:srgbClr val="121212"/>
-              </a:solidFill>
-              <a:effectLst/>
-              <a:latin typeface="-apple-system"/>
-            </a:endParaRPr>
-          </a:p>
-          <a:p>
-            <a:pPr algn="l"/>
-            <a:endParaRPr lang="zh-CN" altLang="en-US" b="0" i="0" dirty="0">
-              <a:solidFill>
-                <a:srgbClr val="121212"/>
-              </a:solidFill>
-              <a:effectLst/>
-              <a:latin typeface="-apple-system"/>
-            </a:endParaRPr>
-          </a:p>
-          <a:p>
-            <a:pPr algn="l"/>
-            <a:r>
-              <a:rPr lang="zh-CN" altLang="en-US" b="1" dirty="0">
-                <a:solidFill>
-                  <a:srgbClr val="333333"/>
-                </a:solidFill>
-                <a:latin typeface="微软雅黑" panose="020B0503020204020204" pitchFamily="34" charset="-122"/>
-                <a:ea typeface="微软雅黑" panose="020B0503020204020204" pitchFamily="34" charset="-122"/>
-              </a:rPr>
-              <a:t>简化复杂的布尔判断</a:t>
-            </a:r>
-            <a:r>
-              <a:rPr lang="zh-CN" altLang="en-US" dirty="0">
-                <a:solidFill>
-                  <a:srgbClr val="121212"/>
-                </a:solidFill>
-                <a:latin typeface="-apple-system"/>
-                <a:ea typeface="微软雅黑" panose="020B0503020204020204" pitchFamily="34" charset="-122"/>
-              </a:rPr>
-              <a:t>：</a:t>
-            </a:r>
-            <a:r>
-              <a:rPr lang="zh-CN" altLang="en-US" b="0" i="0" dirty="0">
-                <a:solidFill>
-                  <a:srgbClr val="121212"/>
-                </a:solidFill>
-                <a:effectLst/>
-                <a:latin typeface="-apple-system"/>
-              </a:rPr>
-              <a:t>为了理解程序的流程，通常并没有必要去研究那些复杂的布尔判断细节，应该把这些判断放入函数中，以提高代码的可读性</a:t>
-            </a:r>
-            <a:endParaRPr lang="en-US" altLang="zh-CN" b="0" i="0" dirty="0">
-              <a:solidFill>
-                <a:srgbClr val="121212"/>
-              </a:solidFill>
-              <a:effectLst/>
-              <a:latin typeface="-apple-system"/>
-            </a:endParaRPr>
-          </a:p>
-          <a:p>
-            <a:pPr algn="l"/>
-            <a:endParaRPr lang="zh-CN" altLang="en-US" b="0" i="0" dirty="0">
-              <a:solidFill>
-                <a:srgbClr val="121212"/>
-              </a:solidFill>
-              <a:effectLst/>
-              <a:latin typeface="-apple-system"/>
-            </a:endParaRPr>
-          </a:p>
-          <a:p>
-            <a:pPr algn="l"/>
-            <a:r>
-              <a:rPr lang="zh-CN" altLang="en-US" b="1" i="0" dirty="0">
-                <a:solidFill>
-                  <a:srgbClr val="121212"/>
-                </a:solidFill>
-                <a:effectLst/>
-                <a:latin typeface="-apple-system"/>
-              </a:rPr>
-              <a:t>改善性能</a:t>
-            </a:r>
-            <a:r>
-              <a:rPr lang="zh-CN" altLang="en-US" dirty="0">
-                <a:solidFill>
-                  <a:srgbClr val="121212"/>
-                </a:solidFill>
-                <a:latin typeface="-apple-system"/>
-              </a:rPr>
-              <a:t>：</a:t>
-            </a:r>
-            <a:r>
-              <a:rPr lang="zh-CN" altLang="en-US" b="0" i="0" dirty="0">
-                <a:solidFill>
-                  <a:srgbClr val="121212"/>
-                </a:solidFill>
-                <a:effectLst/>
-                <a:latin typeface="-apple-system"/>
-              </a:rPr>
-              <a:t>通过使用子程序，把代码集中在一处可以更方便地查出哪些代码的运行效率低下，同时，在一处优化代码，就能使 用到该子程序的所有代码都从中受益，把代码集中在一处后，想用更高效的算法或更快速高效的语言来重写代码也更容易</a:t>
+              <a:rPr lang="zh-CN" altLang="en-US" sz="1800" dirty="0">
+                <a:latin typeface="+mn-lt"/>
+                <a:ea typeface="+mn-ea"/>
+                <a:cs typeface="+mn-cs"/>
+              </a:rPr>
+              <a:t>第</a:t>
+            </a:r>
+            <a:r>
+              <a:rPr lang="en-US" altLang="zh-CN" sz="1800" dirty="0">
+                <a:latin typeface="+mn-lt"/>
+                <a:ea typeface="+mn-ea"/>
+                <a:cs typeface="+mn-cs"/>
+              </a:rPr>
+              <a:t>2</a:t>
+            </a:r>
+            <a:r>
+              <a:rPr lang="zh-CN" altLang="en-US" sz="1800" dirty="0">
+                <a:latin typeface="+mn-lt"/>
+                <a:ea typeface="+mn-ea"/>
+                <a:cs typeface="+mn-cs"/>
+              </a:rPr>
+              <a:t>条 遇到多个构造器参数时要考虑用构建器</a:t>
             </a:r>
           </a:p>
         </p:txBody>
@@ -4129,7 +7536,7 @@
     </p:spTree>
     <p:extLst>
       <p:ext uri="{BB962C8B-B14F-4D97-AF65-F5344CB8AC3E}">
-        <p14:creationId xmlns:p14="http://schemas.microsoft.com/office/powerpoint/2010/main" val="2400456039"/>
+        <p14:creationId xmlns:p14="http://schemas.microsoft.com/office/powerpoint/2010/main" val="2643613948"/>
       </p:ext>
     </p:extLst>
   </p:cSld>
@@ -4180,23 +7587,60 @@
         </p:spPr>
         <p:txBody>
           <a:bodyPr>
-            <a:normAutofit fontScale="90000"/>
+            <a:normAutofit/>
           </a:bodyPr>
           <a:lstStyle/>
           <a:p>
-            <a:r>
-              <a:rPr lang="zh-CN" altLang="en-US" dirty="0"/>
-              <a:t>在子程序层上的设计</a:t>
+            <a:pPr algn="l"/>
+            <a:r>
+              <a:rPr lang="zh-CN" altLang="en-US" sz="1800" dirty="0">
+                <a:latin typeface="+mn-lt"/>
+                <a:ea typeface="+mn-ea"/>
+                <a:cs typeface="+mn-cs"/>
+              </a:rPr>
+              <a:t>第</a:t>
+            </a:r>
+            <a:r>
+              <a:rPr lang="en-US" altLang="zh-CN" sz="1800" dirty="0">
+                <a:latin typeface="+mn-lt"/>
+                <a:ea typeface="+mn-ea"/>
+                <a:cs typeface="+mn-cs"/>
+              </a:rPr>
+              <a:t>3</a:t>
+            </a:r>
+            <a:r>
+              <a:rPr lang="zh-CN" altLang="en-US" sz="1800" dirty="0">
+                <a:latin typeface="+mn-lt"/>
+                <a:ea typeface="+mn-ea"/>
+                <a:cs typeface="+mn-cs"/>
+              </a:rPr>
+              <a:t>条 用私有构造器或者枚举类型强化</a:t>
+            </a:r>
+            <a:r>
+              <a:rPr lang="en-US" altLang="zh-CN" sz="1800" dirty="0">
+                <a:latin typeface="+mn-lt"/>
+                <a:ea typeface="+mn-ea"/>
+                <a:cs typeface="+mn-cs"/>
+              </a:rPr>
+              <a:t>Singleton</a:t>
+            </a:r>
+            <a:r>
+              <a:rPr lang="zh-CN" altLang="en-US" sz="1800" dirty="0">
+                <a:latin typeface="+mn-lt"/>
+                <a:ea typeface="+mn-ea"/>
+                <a:cs typeface="+mn-cs"/>
+              </a:rPr>
+              <a:t>属性</a:t>
             </a:r>
           </a:p>
         </p:txBody>
       </p:sp>
       <p:sp>
         <p:nvSpPr>
-          <p:cNvPr id="5" name="文本框 4">
+          <p:cNvPr id="4" name="文本框 3">
             <a:extLst>
               <a:ext uri="{FF2B5EF4-FFF2-40B4-BE49-F238E27FC236}">
-                <a16:creationId xmlns:a16="http://schemas.microsoft.com/office/drawing/2014/main" id="{53A7A586-5857-446A-BA67-DAEAABBCA732}"/>
+                <a16:creationId xmlns:a16="http://schemas.microsoft.com/office/drawing/2014/main" id="{8930EBA0-EEDD-4802-AFB3-F81C9C0F67F7}"/>
               </a:ext>
             </a:extLst>
           </p:cNvPr>
@@ -4205,8 +7649,8 @@
         </p:nvSpPr>
         <p:spPr>
           <a:xfrm>
-            <a:off x="1044145" y="1050324"/>
-            <a:ext cx="10229336" cy="646331"/>
+            <a:off x="838199" y="858795"/>
+            <a:ext cx="10515599" cy="1754326"/>
           </a:xfrm>
           <a:prstGeom prst="rect">
             <a:avLst/>
@@ -4214,346 +7658,324 @@
           <a:noFill/>
         </p:spPr>
         <p:txBody>
-          <a:bodyPr wrap="square" rtlCol="0">
+          <a:bodyPr wrap="square">
             <a:spAutoFit/>
           </a:bodyPr>
           <a:lstStyle/>
           <a:p>
             <a:r>
-              <a:rPr lang="zh-CN" altLang="en-US" dirty="0"/>
-              <a:t>内聚性：</a:t>
-            </a:r>
-            <a:r>
-              <a:rPr lang="zh-CN" altLang="en-US" b="0" i="0" dirty="0">
-                <a:solidFill>
-                  <a:srgbClr val="121212"/>
-                </a:solidFill>
-                <a:effectLst/>
-                <a:latin typeface="-apple-system"/>
-              </a:rPr>
-              <a:t>对于程序来说，内聚性是指子程序中各种操作之间联系的紧密程度，</a:t>
-            </a:r>
-            <a:r>
-              <a:rPr lang="zh-CN" altLang="en-US" b="1" i="0" dirty="0">
-                <a:solidFill>
-                  <a:srgbClr val="121212"/>
-                </a:solidFill>
-                <a:effectLst/>
-                <a:latin typeface="-apple-system"/>
-              </a:rPr>
-              <a:t>我们的目标是让每一个子程序只把一件事做好，不再做其他事情</a:t>
+              <a:rPr lang="en-US" altLang="zh-CN" b="1" i="0" dirty="0">
+                <a:solidFill>
+                  <a:srgbClr val="0000FF"/>
+                </a:solidFill>
+                <a:effectLst/>
+                <a:latin typeface="Courier New" panose="02070309020205020404" pitchFamily="49" charset="0"/>
+              </a:rPr>
+              <a:t>public</a:t>
+            </a:r>
+            <a:r>
+              <a:rPr lang="en-US" altLang="zh-CN" b="0" i="0" dirty="0">
+                <a:solidFill>
+                  <a:srgbClr val="444444"/>
+                </a:solidFill>
+                <a:effectLst/>
+                <a:latin typeface="Courier New" panose="02070309020205020404" pitchFamily="49" charset="0"/>
+              </a:rPr>
+              <a:t> </a:t>
+            </a:r>
+            <a:r>
+              <a:rPr lang="en-US" altLang="zh-CN" b="1" i="0" dirty="0">
+                <a:solidFill>
+                  <a:srgbClr val="0000FF"/>
+                </a:solidFill>
+                <a:effectLst/>
+                <a:latin typeface="Courier New" panose="02070309020205020404" pitchFamily="49" charset="0"/>
+              </a:rPr>
+              <a:t>class</a:t>
+            </a:r>
+            <a:r>
+              <a:rPr lang="en-US" altLang="zh-CN" b="0" i="0" dirty="0">
+                <a:solidFill>
+                  <a:srgbClr val="444444"/>
+                </a:solidFill>
+                <a:effectLst/>
+                <a:latin typeface="Courier New" panose="02070309020205020404" pitchFamily="49" charset="0"/>
+              </a:rPr>
+              <a:t> </a:t>
+            </a:r>
+            <a:r>
+              <a:rPr lang="en-US" altLang="zh-CN" b="1" i="0" dirty="0">
+                <a:solidFill>
+                  <a:srgbClr val="A31515"/>
+                </a:solidFill>
+                <a:effectLst/>
+                <a:latin typeface="Courier New" panose="02070309020205020404" pitchFamily="49" charset="0"/>
+              </a:rPr>
+              <a:t>Person</a:t>
+            </a:r>
+            <a:r>
+              <a:rPr lang="en-US" altLang="zh-CN" b="0" i="0" dirty="0">
+                <a:solidFill>
+                  <a:srgbClr val="444444"/>
+                </a:solidFill>
+                <a:effectLst/>
+                <a:latin typeface="Courier New" panose="02070309020205020404" pitchFamily="49" charset="0"/>
+              </a:rPr>
+              <a:t> { </a:t>
+            </a:r>
+          </a:p>
+          <a:p>
+            <a:r>
+              <a:rPr lang="en-US" altLang="zh-CN" dirty="0">
+                <a:solidFill>
+                  <a:srgbClr val="444444"/>
+                </a:solidFill>
+                <a:latin typeface="Courier New" panose="02070309020205020404" pitchFamily="49" charset="0"/>
+              </a:rPr>
+              <a:t>  </a:t>
+            </a:r>
+            <a:r>
+              <a:rPr lang="en-US" altLang="zh-CN" b="1" i="0" dirty="0">
+                <a:solidFill>
+                  <a:srgbClr val="0000FF"/>
+                </a:solidFill>
+                <a:effectLst/>
+                <a:latin typeface="Courier New" panose="02070309020205020404" pitchFamily="49" charset="0"/>
+              </a:rPr>
+              <a:t>private</a:t>
+            </a:r>
+            <a:r>
+              <a:rPr lang="en-US" altLang="zh-CN" b="0" i="0" dirty="0">
+                <a:solidFill>
+                  <a:srgbClr val="444444"/>
+                </a:solidFill>
+                <a:effectLst/>
+                <a:latin typeface="Courier New" panose="02070309020205020404" pitchFamily="49" charset="0"/>
+              </a:rPr>
+              <a:t> </a:t>
+            </a:r>
+            <a:r>
+              <a:rPr lang="en-US" altLang="zh-CN" b="1" i="0" dirty="0">
+                <a:solidFill>
+                  <a:srgbClr val="0000FF"/>
+                </a:solidFill>
+                <a:effectLst/>
+                <a:latin typeface="Courier New" panose="02070309020205020404" pitchFamily="49" charset="0"/>
+              </a:rPr>
+              <a:t>static</a:t>
+            </a:r>
+            <a:r>
+              <a:rPr lang="en-US" altLang="zh-CN" b="0" i="0" dirty="0">
+                <a:solidFill>
+                  <a:srgbClr val="444444"/>
+                </a:solidFill>
+                <a:effectLst/>
+                <a:latin typeface="Courier New" panose="02070309020205020404" pitchFamily="49" charset="0"/>
+              </a:rPr>
+              <a:t> final Person INSTANCE = </a:t>
+            </a:r>
+            <a:r>
+              <a:rPr lang="en-US" altLang="zh-CN" b="1" i="0" dirty="0">
+                <a:solidFill>
+                  <a:srgbClr val="0000FF"/>
+                </a:solidFill>
+                <a:effectLst/>
+                <a:latin typeface="Courier New" panose="02070309020205020404" pitchFamily="49" charset="0"/>
+              </a:rPr>
+              <a:t>new</a:t>
+            </a:r>
+            <a:r>
+              <a:rPr lang="en-US" altLang="zh-CN" b="0" i="0" dirty="0">
+                <a:solidFill>
+                  <a:srgbClr val="444444"/>
+                </a:solidFill>
+                <a:effectLst/>
+                <a:latin typeface="Courier New" panose="02070309020205020404" pitchFamily="49" charset="0"/>
+              </a:rPr>
+              <a:t> Person(); </a:t>
+            </a:r>
+          </a:p>
+          <a:p>
+            <a:r>
+              <a:rPr lang="en-US" altLang="zh-CN" dirty="0">
+                <a:solidFill>
+                  <a:srgbClr val="444444"/>
+                </a:solidFill>
+                <a:latin typeface="Courier New" panose="02070309020205020404" pitchFamily="49" charset="0"/>
+              </a:rPr>
+              <a:t>  </a:t>
+            </a:r>
+            <a:r>
+              <a:rPr lang="en-US" altLang="zh-CN" b="1" i="0" dirty="0">
+                <a:solidFill>
+                  <a:srgbClr val="0000FF"/>
+                </a:solidFill>
+                <a:effectLst/>
+                <a:latin typeface="Courier New" panose="02070309020205020404" pitchFamily="49" charset="0"/>
+              </a:rPr>
+              <a:t>private</a:t>
+            </a:r>
+            <a:r>
+              <a:rPr lang="en-US" altLang="zh-CN" b="0" i="0" dirty="0">
+                <a:solidFill>
+                  <a:srgbClr val="444444"/>
+                </a:solidFill>
+                <a:effectLst/>
+                <a:latin typeface="Courier New" panose="02070309020205020404" pitchFamily="49" charset="0"/>
+              </a:rPr>
+              <a:t> </a:t>
+            </a:r>
+            <a:r>
+              <a:rPr lang="en-US" altLang="zh-CN" b="1" i="0" dirty="0">
+                <a:solidFill>
+                  <a:srgbClr val="A31515"/>
+                </a:solidFill>
+                <a:effectLst/>
+                <a:latin typeface="Courier New" panose="02070309020205020404" pitchFamily="49" charset="0"/>
+              </a:rPr>
+              <a:t>Person</a:t>
+            </a:r>
+            <a:r>
+              <a:rPr lang="en-US" altLang="zh-CN" b="0" i="0" dirty="0">
+                <a:solidFill>
+                  <a:srgbClr val="444444"/>
+                </a:solidFill>
+                <a:effectLst/>
+                <a:latin typeface="Courier New" panose="02070309020205020404" pitchFamily="49" charset="0"/>
+              </a:rPr>
+              <a:t>() { } </a:t>
+            </a:r>
+          </a:p>
+          <a:p>
+            <a:r>
+              <a:rPr lang="en-US" altLang="zh-CN" dirty="0">
+                <a:solidFill>
+                  <a:srgbClr val="444444"/>
+                </a:solidFill>
+                <a:latin typeface="Courier New" panose="02070309020205020404" pitchFamily="49" charset="0"/>
+              </a:rPr>
+              <a:t>  </a:t>
+            </a:r>
+            <a:r>
+              <a:rPr lang="en-US" altLang="zh-CN" b="1" i="0" dirty="0">
+                <a:solidFill>
+                  <a:srgbClr val="0000FF"/>
+                </a:solidFill>
+                <a:effectLst/>
+                <a:latin typeface="Courier New" panose="02070309020205020404" pitchFamily="49" charset="0"/>
+              </a:rPr>
+              <a:t>public</a:t>
+            </a:r>
+            <a:r>
+              <a:rPr lang="en-US" altLang="zh-CN" b="0" i="0" dirty="0">
+                <a:solidFill>
+                  <a:srgbClr val="444444"/>
+                </a:solidFill>
+                <a:effectLst/>
+                <a:latin typeface="Courier New" panose="02070309020205020404" pitchFamily="49" charset="0"/>
+              </a:rPr>
+              <a:t> </a:t>
+            </a:r>
+            <a:r>
+              <a:rPr lang="en-US" altLang="zh-CN" b="1" i="0" dirty="0">
+                <a:solidFill>
+                  <a:srgbClr val="0000FF"/>
+                </a:solidFill>
+                <a:effectLst/>
+                <a:latin typeface="Courier New" panose="02070309020205020404" pitchFamily="49" charset="0"/>
+              </a:rPr>
+              <a:t>static</a:t>
+            </a:r>
+            <a:r>
+              <a:rPr lang="en-US" altLang="zh-CN" b="0" i="0" dirty="0">
+                <a:solidFill>
+                  <a:srgbClr val="444444"/>
+                </a:solidFill>
+                <a:effectLst/>
+                <a:latin typeface="Courier New" panose="02070309020205020404" pitchFamily="49" charset="0"/>
+              </a:rPr>
+              <a:t> Elvis </a:t>
+            </a:r>
+            <a:r>
+              <a:rPr lang="en-US" altLang="zh-CN" b="1" i="0" dirty="0" err="1">
+                <a:solidFill>
+                  <a:srgbClr val="A31515"/>
+                </a:solidFill>
+                <a:effectLst/>
+                <a:latin typeface="Courier New" panose="02070309020205020404" pitchFamily="49" charset="0"/>
+              </a:rPr>
+              <a:t>getInstance</a:t>
+            </a:r>
+            <a:r>
+              <a:rPr lang="en-US" altLang="zh-CN" b="0" i="0" dirty="0">
+                <a:solidFill>
+                  <a:srgbClr val="444444"/>
+                </a:solidFill>
+                <a:effectLst/>
+                <a:latin typeface="Courier New" panose="02070309020205020404" pitchFamily="49" charset="0"/>
+              </a:rPr>
+              <a:t>() { </a:t>
+            </a:r>
+          </a:p>
+          <a:p>
+            <a:r>
+              <a:rPr lang="en-US" altLang="zh-CN" dirty="0">
+                <a:solidFill>
+                  <a:srgbClr val="444444"/>
+                </a:solidFill>
+                <a:latin typeface="Courier New" panose="02070309020205020404" pitchFamily="49" charset="0"/>
+              </a:rPr>
+              <a:t>    </a:t>
+            </a:r>
+            <a:r>
+              <a:rPr lang="en-US" altLang="zh-CN" b="1" i="0" dirty="0">
+                <a:solidFill>
+                  <a:srgbClr val="0000FF"/>
+                </a:solidFill>
+                <a:effectLst/>
+                <a:latin typeface="Courier New" panose="02070309020205020404" pitchFamily="49" charset="0"/>
+              </a:rPr>
+              <a:t>return</a:t>
+            </a:r>
+            <a:r>
+              <a:rPr lang="en-US" altLang="zh-CN" b="0" i="0" dirty="0">
+                <a:solidFill>
+                  <a:srgbClr val="444444"/>
+                </a:solidFill>
+                <a:effectLst/>
+                <a:latin typeface="Courier New" panose="02070309020205020404" pitchFamily="49" charset="0"/>
+              </a:rPr>
+              <a:t> INSTANCE; </a:t>
+            </a:r>
+          </a:p>
+          <a:p>
+            <a:r>
+              <a:rPr lang="en-US" altLang="zh-CN" dirty="0">
+                <a:solidFill>
+                  <a:srgbClr val="444444"/>
+                </a:solidFill>
+                <a:latin typeface="Courier New" panose="02070309020205020404" pitchFamily="49" charset="0"/>
+              </a:rPr>
+              <a:t>  </a:t>
+            </a:r>
+            <a:r>
+              <a:rPr lang="en-US" altLang="zh-CN" b="0" i="0" dirty="0">
+                <a:solidFill>
+                  <a:srgbClr val="444444"/>
+                </a:solidFill>
+                <a:effectLst/>
+                <a:latin typeface="Courier New" panose="02070309020205020404" pitchFamily="49" charset="0"/>
+              </a:rPr>
+              <a:t>}</a:t>
             </a:r>
             <a:endParaRPr lang="zh-CN" altLang="en-US" dirty="0"/>
-          </a:p>
-        </p:txBody>
-      </p:sp>
-      <p:sp>
-        <p:nvSpPr>
-          <p:cNvPr id="6" name="文本框 5">
-            <a:extLst>
-              <a:ext uri="{FF2B5EF4-FFF2-40B4-BE49-F238E27FC236}">
-                <a16:creationId xmlns:a16="http://schemas.microsoft.com/office/drawing/2014/main" id="{0376360C-9D1E-4E52-A544-0DDDFD953DEA}"/>
-              </a:ext>
-            </a:extLst>
-          </p:cNvPr>
-          <p:cNvSpPr txBox="1"/>
-          <p:nvPr/>
-        </p:nvSpPr>
-        <p:spPr>
-          <a:xfrm>
-            <a:off x="1044145" y="1836015"/>
-            <a:ext cx="10229336" cy="4524315"/>
-          </a:xfrm>
-          <a:prstGeom prst="rect">
-            <a:avLst/>
-          </a:prstGeom>
-          <a:noFill/>
-        </p:spPr>
-        <p:txBody>
-          <a:bodyPr wrap="square" rtlCol="0">
-            <a:spAutoFit/>
-          </a:bodyPr>
-          <a:lstStyle/>
-          <a:p>
-            <a:pPr algn="l"/>
-            <a:r>
-              <a:rPr lang="zh-CN" altLang="en-US" b="1" i="0" dirty="0">
-                <a:solidFill>
-                  <a:srgbClr val="121212"/>
-                </a:solidFill>
-                <a:effectLst/>
-                <a:latin typeface="-apple-system"/>
-              </a:rPr>
-              <a:t>功能的内聚性</a:t>
-            </a:r>
-            <a:r>
-              <a:rPr lang="zh-CN" altLang="en-US" dirty="0">
-                <a:solidFill>
-                  <a:srgbClr val="121212"/>
-                </a:solidFill>
-                <a:latin typeface="-apple-system"/>
-              </a:rPr>
-              <a:t>：</a:t>
-            </a:r>
-            <a:r>
-              <a:rPr lang="zh-CN" altLang="en-US" b="0" i="0" dirty="0">
-                <a:solidFill>
-                  <a:srgbClr val="121212"/>
-                </a:solidFill>
-                <a:effectLst/>
-                <a:latin typeface="-apple-system"/>
-              </a:rPr>
-              <a:t>功能性内聚是最强也是最好的一种内聚性，也就是说让一个子程序只执行一项操作，这样的子程序都是高度内聚的。</a:t>
-            </a:r>
-            <a:endParaRPr lang="en-US" altLang="zh-CN" b="0" i="0" dirty="0">
-              <a:solidFill>
-                <a:srgbClr val="121212"/>
-              </a:solidFill>
-              <a:effectLst/>
-              <a:latin typeface="-apple-system"/>
-            </a:endParaRPr>
-          </a:p>
-          <a:p>
-            <a:pPr algn="l"/>
-            <a:endParaRPr lang="en-US" altLang="zh-CN" dirty="0">
-              <a:solidFill>
-                <a:srgbClr val="121212"/>
-              </a:solidFill>
-              <a:latin typeface="-apple-system"/>
-            </a:endParaRPr>
-          </a:p>
-          <a:p>
-            <a:pPr algn="l"/>
-            <a:r>
-              <a:rPr lang="zh-CN" altLang="en-US" b="1" i="0" dirty="0">
-                <a:solidFill>
-                  <a:srgbClr val="121212"/>
-                </a:solidFill>
-                <a:effectLst/>
-                <a:latin typeface="-apple-system"/>
-              </a:rPr>
-              <a:t>顺序上的内聚性</a:t>
-            </a:r>
-            <a:r>
-              <a:rPr lang="zh-CN" altLang="en-US" dirty="0">
-                <a:solidFill>
-                  <a:srgbClr val="121212"/>
-                </a:solidFill>
-                <a:latin typeface="-apple-system"/>
-              </a:rPr>
-              <a:t>：</a:t>
-            </a:r>
-            <a:r>
-              <a:rPr lang="zh-CN" altLang="en-US" b="0" i="0" dirty="0">
-                <a:solidFill>
-                  <a:srgbClr val="121212"/>
-                </a:solidFill>
-                <a:effectLst/>
-                <a:latin typeface="-apple-system"/>
-              </a:rPr>
-              <a:t>指在子程序内包含有需要按特定顺序执行的操作，这些步骤需要共享数据，而且只有在全部执行完毕后才完成了一项完整的功能。</a:t>
-            </a:r>
-            <a:endParaRPr lang="en-US" altLang="zh-CN" b="0" i="0" dirty="0">
-              <a:solidFill>
-                <a:srgbClr val="121212"/>
-              </a:solidFill>
-              <a:effectLst/>
-              <a:latin typeface="-apple-system"/>
-            </a:endParaRPr>
-          </a:p>
-          <a:p>
-            <a:pPr algn="l"/>
-            <a:endParaRPr lang="zh-CN" altLang="en-US" b="0" i="0" dirty="0">
-              <a:solidFill>
-                <a:srgbClr val="121212"/>
-              </a:solidFill>
-              <a:effectLst/>
-              <a:latin typeface="-apple-system"/>
-            </a:endParaRPr>
-          </a:p>
-          <a:p>
-            <a:pPr algn="l"/>
-            <a:r>
-              <a:rPr lang="zh-CN" altLang="en-US" b="1" i="0" dirty="0">
-                <a:solidFill>
-                  <a:srgbClr val="121212"/>
-                </a:solidFill>
-                <a:effectLst/>
-                <a:latin typeface="-apple-system"/>
-              </a:rPr>
-              <a:t>通信上的内聚性</a:t>
-            </a:r>
-            <a:r>
-              <a:rPr lang="zh-CN" altLang="en-US" dirty="0">
-                <a:solidFill>
-                  <a:srgbClr val="121212"/>
-                </a:solidFill>
-                <a:latin typeface="-apple-system"/>
-              </a:rPr>
-              <a:t>：</a:t>
-            </a:r>
-            <a:r>
-              <a:rPr lang="zh-CN" altLang="en-US" b="0" i="0" dirty="0">
-                <a:solidFill>
-                  <a:srgbClr val="121212"/>
-                </a:solidFill>
-                <a:effectLst/>
-                <a:latin typeface="-apple-system"/>
-              </a:rPr>
-              <a:t>指一个子程序中的不同操作使用了同样的数据，但不存在其他任何联系</a:t>
-            </a:r>
-            <a:endParaRPr lang="en-US" altLang="zh-CN" b="0" i="0" dirty="0">
-              <a:solidFill>
-                <a:srgbClr val="121212"/>
-              </a:solidFill>
-              <a:effectLst/>
-              <a:latin typeface="-apple-system"/>
-            </a:endParaRPr>
-          </a:p>
-          <a:p>
-            <a:pPr algn="l"/>
-            <a:endParaRPr lang="zh-CN" altLang="en-US" b="0" i="0" dirty="0">
-              <a:solidFill>
-                <a:srgbClr val="121212"/>
-              </a:solidFill>
-              <a:effectLst/>
-              <a:latin typeface="-apple-system"/>
-            </a:endParaRPr>
-          </a:p>
-          <a:p>
-            <a:pPr algn="l"/>
-            <a:r>
-              <a:rPr lang="zh-CN" altLang="en-US" b="1" i="0" dirty="0">
-                <a:solidFill>
-                  <a:srgbClr val="121212"/>
-                </a:solidFill>
-                <a:effectLst/>
-                <a:latin typeface="-apple-system"/>
-              </a:rPr>
-              <a:t>临时的内聚性</a:t>
-            </a:r>
-            <a:r>
-              <a:rPr lang="zh-CN" altLang="en-US" dirty="0">
-                <a:solidFill>
-                  <a:srgbClr val="121212"/>
-                </a:solidFill>
-                <a:latin typeface="-apple-system"/>
-              </a:rPr>
-              <a:t>：</a:t>
-            </a:r>
-            <a:r>
-              <a:rPr lang="zh-CN" altLang="en-US" b="0" i="0" dirty="0">
-                <a:solidFill>
-                  <a:srgbClr val="121212"/>
-                </a:solidFill>
-                <a:effectLst/>
-                <a:latin typeface="-apple-system"/>
-              </a:rPr>
-              <a:t>指含有一些因为需要同时执行才放到一起的操作的子程序</a:t>
-            </a:r>
-            <a:endParaRPr lang="en-US" altLang="zh-CN" b="0" i="0" dirty="0">
-              <a:solidFill>
-                <a:srgbClr val="121212"/>
-              </a:solidFill>
-              <a:effectLst/>
-              <a:latin typeface="-apple-system"/>
-            </a:endParaRPr>
-          </a:p>
-          <a:p>
-            <a:pPr algn="l"/>
-            <a:endParaRPr lang="zh-CN" altLang="en-US" b="0" i="0" dirty="0">
-              <a:solidFill>
-                <a:srgbClr val="121212"/>
-              </a:solidFill>
-              <a:effectLst/>
-              <a:latin typeface="-apple-system"/>
-            </a:endParaRPr>
-          </a:p>
-          <a:p>
-            <a:pPr algn="l"/>
-            <a:r>
-              <a:rPr lang="zh-CN" altLang="en-US" b="1" i="0" dirty="0">
-                <a:solidFill>
-                  <a:srgbClr val="121212"/>
-                </a:solidFill>
-                <a:effectLst/>
-                <a:latin typeface="-apple-system"/>
-              </a:rPr>
-              <a:t>不可取的内聚性</a:t>
-            </a:r>
-            <a:endParaRPr lang="zh-CN" altLang="en-US" b="0" i="0" dirty="0">
-              <a:solidFill>
-                <a:srgbClr val="121212"/>
-              </a:solidFill>
-              <a:effectLst/>
-              <a:latin typeface="-apple-system"/>
-            </a:endParaRPr>
-          </a:p>
-          <a:p>
-            <a:pPr algn="l"/>
-            <a:r>
-              <a:rPr lang="zh-CN" altLang="en-US" b="0" i="0" dirty="0">
-                <a:solidFill>
-                  <a:srgbClr val="121212"/>
-                </a:solidFill>
-                <a:effectLst/>
-                <a:latin typeface="-apple-system"/>
-              </a:rPr>
-              <a:t>过程上的内聚性</a:t>
-            </a:r>
-          </a:p>
-          <a:p>
-            <a:pPr algn="l"/>
-            <a:r>
-              <a:rPr lang="zh-CN" altLang="en-US" b="0" i="0" dirty="0">
-                <a:solidFill>
-                  <a:srgbClr val="121212"/>
-                </a:solidFill>
-                <a:effectLst/>
-                <a:latin typeface="-apple-system"/>
-              </a:rPr>
-              <a:t>逻辑上的内聚性</a:t>
-            </a:r>
-          </a:p>
-          <a:p>
-            <a:pPr algn="l"/>
-            <a:r>
-              <a:rPr lang="zh-CN" altLang="en-US" b="0" i="0" dirty="0">
-                <a:solidFill>
-                  <a:srgbClr val="121212"/>
-                </a:solidFill>
-                <a:effectLst/>
-                <a:latin typeface="-apple-system"/>
-              </a:rPr>
-              <a:t>巧合的内聚性</a:t>
-            </a:r>
-          </a:p>
-          <a:p>
-            <a:pPr algn="l"/>
-            <a:endParaRPr lang="zh-CN" altLang="en-US" b="0" i="0" dirty="0">
-              <a:solidFill>
-                <a:srgbClr val="121212"/>
-              </a:solidFill>
-              <a:effectLst/>
-              <a:latin typeface="-apple-system"/>
-            </a:endParaRPr>
-          </a:p>
-          <a:p>
-            <a:pPr marL="285750" indent="-285750" algn="l">
-              <a:buFont typeface="Arial" panose="020B0604020202020204" pitchFamily="34" charset="0"/>
-              <a:buChar char="•"/>
-            </a:pPr>
-            <a:endParaRPr lang="en-US" altLang="zh-CN" dirty="0">
-              <a:latin typeface="微软雅黑" panose="020B0503020204020204" pitchFamily="34" charset="-122"/>
-              <a:ea typeface="微软雅黑" panose="020B0503020204020204" pitchFamily="34" charset="-122"/>
-            </a:endParaRPr>
           </a:p>
         </p:txBody>
       </p:sp>
     </p:spTree>
     <p:extLst>
       <p:ext uri="{BB962C8B-B14F-4D97-AF65-F5344CB8AC3E}">
-        <p14:creationId xmlns:p14="http://schemas.microsoft.com/office/powerpoint/2010/main" val="3210825542"/>
+        <p14:creationId xmlns:p14="http://schemas.microsoft.com/office/powerpoint/2010/main" val="3890252412"/>
       </p:ext>
     </p:extLst>
   </p:cSld>
@@ -4604,23 +8026,44 @@
         </p:spPr>
         <p:txBody>
           <a:bodyPr>
-            <a:normAutofit fontScale="90000"/>
+            <a:normAutofit/>
           </a:bodyPr>
           <a:lstStyle/>
           <a:p>
-            <a:r>
-              <a:rPr lang="zh-CN" altLang="en-US" dirty="0"/>
-              <a:t>好的子程序名字</a:t>
+            <a:pPr algn="l"/>
+            <a:r>
+              <a:rPr lang="zh-CN" altLang="en-US" sz="1800" dirty="0">
+                <a:latin typeface="+mn-lt"/>
+                <a:ea typeface="+mn-ea"/>
+                <a:cs typeface="+mn-cs"/>
+              </a:rPr>
+              <a:t>第</a:t>
+            </a:r>
+            <a:r>
+              <a:rPr lang="en-US" altLang="zh-CN" sz="1800" dirty="0">
+                <a:latin typeface="+mn-lt"/>
+                <a:ea typeface="+mn-ea"/>
+                <a:cs typeface="+mn-cs"/>
+              </a:rPr>
+              <a:t>4</a:t>
+            </a:r>
+            <a:r>
+              <a:rPr lang="zh-CN" altLang="en-US" sz="1800" dirty="0">
+                <a:latin typeface="+mn-lt"/>
+                <a:ea typeface="+mn-ea"/>
+                <a:cs typeface="+mn-cs"/>
+              </a:rPr>
+              <a:t>条 通过私有构造器强化不可实例化的能力</a:t>
             </a:r>
           </a:p>
         </p:txBody>
       </p:sp>
       <p:sp>
         <p:nvSpPr>
-          <p:cNvPr id="3" name="文本框 2">
+          <p:cNvPr id="4" name="文本框 3">
             <a:extLst>
               <a:ext uri="{FF2B5EF4-FFF2-40B4-BE49-F238E27FC236}">
-                <a16:creationId xmlns:a16="http://schemas.microsoft.com/office/drawing/2014/main" id="{3721FC6F-C966-40D7-846D-D2B49B770CF4}"/>
+                <a16:creationId xmlns:a16="http://schemas.microsoft.com/office/drawing/2014/main" id="{A41AD967-28A9-4A68-83BB-B5F83E0079DF}"/>
               </a:ext>
             </a:extLst>
           </p:cNvPr>
@@ -4629,8 +8072,8 @@
         </p:nvSpPr>
         <p:spPr>
           <a:xfrm>
-            <a:off x="790833" y="957649"/>
-            <a:ext cx="10923373" cy="6186309"/>
+            <a:off x="838200" y="1139563"/>
+            <a:ext cx="10515600" cy="646331"/>
           </a:xfrm>
           <a:prstGeom prst="rect">
             <a:avLst/>
@@ -4638,423 +8081,68 @@
           <a:noFill/>
         </p:spPr>
         <p:txBody>
-          <a:bodyPr wrap="square" rtlCol="0">
+          <a:bodyPr wrap="square">
             <a:spAutoFit/>
           </a:bodyPr>
           <a:lstStyle/>
           <a:p>
-            <a:pPr algn="l"/>
-            <a:r>
-              <a:rPr lang="zh-CN" altLang="en-US" b="0" i="0">
-                <a:solidFill>
-                  <a:srgbClr val="121212"/>
-                </a:solidFill>
-                <a:effectLst/>
-                <a:latin typeface="-apple-system"/>
-              </a:rPr>
-              <a:t>好的子程序名字能清晰描述子程序所做的一切，以下是一些命名原则</a:t>
-            </a:r>
-          </a:p>
-          <a:p>
-            <a:pPr algn="l"/>
-            <a:r>
-              <a:rPr lang="zh-CN" altLang="en-US" b="1" i="0">
-                <a:solidFill>
-                  <a:srgbClr val="121212"/>
-                </a:solidFill>
-                <a:effectLst/>
-                <a:latin typeface="-apple-system"/>
-              </a:rPr>
-              <a:t>描述子程序所做的所有事情</a:t>
-            </a:r>
-            <a:endParaRPr lang="zh-CN" altLang="en-US" b="0" i="0">
-              <a:solidFill>
-                <a:srgbClr val="121212"/>
-              </a:solidFill>
-              <a:effectLst/>
-              <a:latin typeface="-apple-system"/>
-            </a:endParaRPr>
-          </a:p>
-          <a:p>
-            <a:pPr algn="l"/>
-            <a:r>
-              <a:rPr lang="zh-CN" altLang="en-US" b="0" i="0">
-                <a:solidFill>
-                  <a:srgbClr val="121212"/>
-                </a:solidFill>
-                <a:effectLst/>
-                <a:latin typeface="-apple-system"/>
-              </a:rPr>
-              <a:t>子程序的名字应当描述其所有的输出结果以及副作用</a:t>
-            </a:r>
-          </a:p>
-          <a:p>
-            <a:pPr algn="l"/>
-            <a:r>
-              <a:rPr lang="zh-CN" altLang="en-US" b="1" i="0">
-                <a:solidFill>
-                  <a:srgbClr val="121212"/>
-                </a:solidFill>
-                <a:effectLst/>
-                <a:latin typeface="-apple-system"/>
-              </a:rPr>
-              <a:t>避免使用无意义的、模糊或表述不清的动词</a:t>
-            </a:r>
-            <a:endParaRPr lang="zh-CN" altLang="en-US" b="0" i="0">
-              <a:solidFill>
-                <a:srgbClr val="121212"/>
-              </a:solidFill>
-              <a:effectLst/>
-              <a:latin typeface="-apple-system"/>
-            </a:endParaRPr>
-          </a:p>
-          <a:p>
-            <a:pPr algn="l"/>
-            <a:r>
-              <a:rPr lang="zh-CN" altLang="en-US" b="0" i="0">
-                <a:solidFill>
-                  <a:srgbClr val="121212"/>
-                </a:solidFill>
-                <a:effectLst/>
-                <a:latin typeface="-apple-system"/>
-              </a:rPr>
-              <a:t>命名的描述要精确，不要使用一些泛泛的动词，最好使用过程描述。</a:t>
-            </a:r>
-          </a:p>
-          <a:p>
-            <a:pPr algn="l"/>
-            <a:r>
-              <a:rPr lang="zh-CN" altLang="en-US" b="1" i="0">
-                <a:solidFill>
-                  <a:srgbClr val="121212"/>
-                </a:solidFill>
-                <a:effectLst/>
-                <a:latin typeface="-apple-system"/>
-              </a:rPr>
-              <a:t>绝对不要通过数字来形成不同的子程序名字</a:t>
-            </a:r>
-            <a:endParaRPr lang="zh-CN" altLang="en-US" b="0" i="0">
-              <a:solidFill>
-                <a:srgbClr val="121212"/>
-              </a:solidFill>
-              <a:effectLst/>
-              <a:latin typeface="-apple-system"/>
-            </a:endParaRPr>
-          </a:p>
-          <a:p>
-            <a:pPr algn="l"/>
-            <a:r>
-              <a:rPr lang="zh-CN" altLang="en-US" b="0" i="0">
-                <a:solidFill>
-                  <a:srgbClr val="121212"/>
-                </a:solidFill>
-                <a:effectLst/>
-                <a:latin typeface="-apple-system"/>
-              </a:rPr>
-              <a:t>不要将功能相近的函数命名为 </a:t>
-            </a:r>
-            <a:r>
-              <a:rPr lang="en-US" altLang="zh-CN" b="0" i="0">
-                <a:solidFill>
-                  <a:srgbClr val="121212"/>
-                </a:solidFill>
-                <a:effectLst/>
-                <a:latin typeface="-apple-system"/>
-              </a:rPr>
-              <a:t>part1, part2</a:t>
-            </a:r>
-            <a:r>
-              <a:rPr lang="zh-CN" altLang="en-US" b="0" i="0">
-                <a:solidFill>
-                  <a:srgbClr val="121212"/>
-                </a:solidFill>
-                <a:effectLst/>
-                <a:latin typeface="-apple-system"/>
-              </a:rPr>
-              <a:t>这一类名字，绝对不要！</a:t>
-            </a:r>
-          </a:p>
-          <a:p>
-            <a:pPr algn="l"/>
-            <a:r>
-              <a:rPr lang="zh-CN" altLang="en-US" b="1" i="0">
-                <a:solidFill>
-                  <a:srgbClr val="121212"/>
-                </a:solidFill>
-                <a:effectLst/>
-                <a:latin typeface="-apple-system"/>
-              </a:rPr>
-              <a:t>根据需要确定子程序名字的长度</a:t>
-            </a:r>
-            <a:endParaRPr lang="zh-CN" altLang="en-US" b="0" i="0">
-              <a:solidFill>
-                <a:srgbClr val="121212"/>
-              </a:solidFill>
-              <a:effectLst/>
-              <a:latin typeface="-apple-system"/>
-            </a:endParaRPr>
-          </a:p>
-          <a:p>
-            <a:pPr algn="l"/>
-            <a:r>
-              <a:rPr lang="zh-CN" altLang="en-US" b="0" i="0">
-                <a:solidFill>
-                  <a:srgbClr val="121212"/>
-                </a:solidFill>
-                <a:effectLst/>
-                <a:latin typeface="-apple-system"/>
-              </a:rPr>
-              <a:t>研究表明，变量名的最佳长度是</a:t>
-            </a:r>
-            <a:r>
-              <a:rPr lang="en-US" altLang="zh-CN" b="0" i="0">
-                <a:solidFill>
-                  <a:srgbClr val="121212"/>
-                </a:solidFill>
-                <a:effectLst/>
-                <a:latin typeface="-apple-system"/>
-              </a:rPr>
-              <a:t>9</a:t>
-            </a:r>
-            <a:r>
-              <a:rPr lang="zh-CN" altLang="en-US" b="0" i="0">
-                <a:solidFill>
-                  <a:srgbClr val="121212"/>
-                </a:solidFill>
-                <a:effectLst/>
-                <a:latin typeface="-apple-system"/>
-              </a:rPr>
-              <a:t>到</a:t>
-            </a:r>
-            <a:r>
-              <a:rPr lang="en-US" altLang="zh-CN" b="0" i="0">
-                <a:solidFill>
-                  <a:srgbClr val="121212"/>
-                </a:solidFill>
-                <a:effectLst/>
-                <a:latin typeface="-apple-system"/>
-              </a:rPr>
-              <a:t>15</a:t>
-            </a:r>
-            <a:r>
-              <a:rPr lang="zh-CN" altLang="en-US" b="0" i="0">
-                <a:solidFill>
-                  <a:srgbClr val="121212"/>
-                </a:solidFill>
-                <a:effectLst/>
-                <a:latin typeface="-apple-system"/>
-              </a:rPr>
-              <a:t>个字符，好的子程序名字通常也会更长一些，总的来说，给子程序命名的重点是尽可能含义清晰，也就是说，子程序名的长短要视该名字是否清晰易懂而定</a:t>
-            </a:r>
-          </a:p>
-          <a:p>
-            <a:pPr algn="l"/>
-            <a:r>
-              <a:rPr lang="zh-CN" altLang="en-US" b="1" i="0">
-                <a:solidFill>
-                  <a:srgbClr val="121212"/>
-                </a:solidFill>
-                <a:effectLst/>
-                <a:latin typeface="-apple-system"/>
-              </a:rPr>
-              <a:t>给函数命名时要对返回值有所描述</a:t>
-            </a:r>
-            <a:endParaRPr lang="zh-CN" altLang="en-US" b="0" i="0">
-              <a:solidFill>
-                <a:srgbClr val="121212"/>
-              </a:solidFill>
-              <a:effectLst/>
-              <a:latin typeface="-apple-system"/>
-            </a:endParaRPr>
-          </a:p>
-          <a:p>
-            <a:pPr algn="l"/>
-            <a:r>
-              <a:rPr lang="zh-CN" altLang="en-US" b="0" i="0">
-                <a:solidFill>
-                  <a:srgbClr val="121212"/>
-                </a:solidFill>
-                <a:effectLst/>
-                <a:latin typeface="-apple-system"/>
-              </a:rPr>
-              <a:t>函数有返回值，因些函数的命名应该针对其返回值进行</a:t>
-            </a:r>
-          </a:p>
-          <a:p>
-            <a:pPr algn="l"/>
-            <a:r>
-              <a:rPr lang="zh-CN" altLang="en-US" b="1" i="0">
-                <a:solidFill>
-                  <a:srgbClr val="121212"/>
-                </a:solidFill>
-                <a:effectLst/>
-                <a:latin typeface="-apple-system"/>
-              </a:rPr>
-              <a:t>给过程起名时使用语气强烈的动词加宾语的形式</a:t>
-            </a:r>
-            <a:endParaRPr lang="zh-CN" altLang="en-US" b="0" i="0">
-              <a:solidFill>
-                <a:srgbClr val="121212"/>
-              </a:solidFill>
-              <a:effectLst/>
-              <a:latin typeface="-apple-system"/>
-            </a:endParaRPr>
-          </a:p>
-          <a:p>
-            <a:pPr algn="l"/>
-            <a:r>
-              <a:rPr lang="zh-CN" altLang="en-US" b="0" i="0">
-                <a:solidFill>
-                  <a:srgbClr val="121212"/>
-                </a:solidFill>
-                <a:effectLst/>
-                <a:latin typeface="-apple-system"/>
-              </a:rPr>
-              <a:t>一个具有功能内聚性的过程通常是针对一个对象执行一种操作，过程的名字应该能反映该过程所做的事情，而一个针对某对象执行的操作就需要一个动词</a:t>
-            </a:r>
-            <a:r>
-              <a:rPr lang="en-US" altLang="zh-CN" b="0" i="0">
-                <a:solidFill>
-                  <a:srgbClr val="121212"/>
-                </a:solidFill>
-                <a:effectLst/>
-                <a:latin typeface="-apple-system"/>
-              </a:rPr>
-              <a:t>+</a:t>
-            </a:r>
-            <a:r>
-              <a:rPr lang="zh-CN" altLang="en-US" b="0" i="0" u="none" strike="noStrike">
-                <a:solidFill>
-                  <a:srgbClr val="0066FF"/>
-                </a:solidFill>
-                <a:effectLst/>
-                <a:latin typeface="-apple-system"/>
-                <a:hlinkClick r:id="rId2"/>
-              </a:rPr>
-              <a:t>宾语</a:t>
-            </a:r>
-            <a:r>
-              <a:rPr lang="zh-CN" altLang="en-US" b="0" i="0">
-                <a:solidFill>
-                  <a:srgbClr val="121212"/>
-                </a:solidFill>
-                <a:effectLst/>
-                <a:latin typeface="-apple-system"/>
-              </a:rPr>
-              <a:t>形式的名字。</a:t>
-            </a:r>
-          </a:p>
-          <a:p>
-            <a:pPr algn="l"/>
-            <a:r>
-              <a:rPr lang="zh-CN" altLang="en-US" b="1" i="0">
-                <a:solidFill>
-                  <a:srgbClr val="121212"/>
-                </a:solidFill>
-                <a:effectLst/>
-                <a:latin typeface="-apple-system"/>
-              </a:rPr>
-              <a:t>准确使用对仗词</a:t>
-            </a:r>
-            <a:endParaRPr lang="zh-CN" altLang="en-US" b="0" i="0">
-              <a:solidFill>
-                <a:srgbClr val="121212"/>
-              </a:solidFill>
-              <a:effectLst/>
-              <a:latin typeface="-apple-system"/>
-            </a:endParaRPr>
-          </a:p>
-          <a:p>
-            <a:pPr algn="l"/>
-            <a:r>
-              <a:rPr lang="en-US" altLang="zh-CN" b="0" i="0">
-                <a:solidFill>
-                  <a:srgbClr val="121212"/>
-                </a:solidFill>
-                <a:effectLst/>
-                <a:latin typeface="-apple-system"/>
-              </a:rPr>
-              <a:t>first / last</a:t>
-            </a:r>
-          </a:p>
-          <a:p>
-            <a:pPr algn="l"/>
-            <a:r>
-              <a:rPr lang="en-US" altLang="zh-CN" b="0" i="0">
-                <a:solidFill>
-                  <a:srgbClr val="121212"/>
-                </a:solidFill>
-                <a:effectLst/>
-                <a:latin typeface="-apple-system"/>
-              </a:rPr>
-              <a:t>add / remove</a:t>
-            </a:r>
-          </a:p>
-          <a:p>
-            <a:pPr algn="l"/>
-            <a:r>
-              <a:rPr lang="en-US" altLang="zh-CN" b="0" i="0">
-                <a:solidFill>
-                  <a:srgbClr val="121212"/>
-                </a:solidFill>
-                <a:effectLst/>
-                <a:latin typeface="-apple-system"/>
-              </a:rPr>
-              <a:t>begin / end</a:t>
-            </a:r>
-          </a:p>
-          <a:p>
-            <a:pPr algn="l"/>
-            <a:r>
-              <a:rPr lang="en-US" altLang="zh-CN" b="0" i="0">
-                <a:solidFill>
-                  <a:srgbClr val="121212"/>
-                </a:solidFill>
-                <a:effectLst/>
-                <a:latin typeface="-apple-system"/>
-              </a:rPr>
-              <a:t>create / destroy</a:t>
-            </a:r>
-          </a:p>
-          <a:p>
-            <a:pPr algn="l"/>
-            <a:r>
-              <a:rPr lang="en-US" altLang="zh-CN" b="0" i="0">
-                <a:solidFill>
-                  <a:srgbClr val="121212"/>
-                </a:solidFill>
-                <a:effectLst/>
-                <a:latin typeface="-apple-system"/>
-              </a:rPr>
-              <a:t>and so on ...</a:t>
-            </a:r>
-          </a:p>
-          <a:p>
-            <a:pPr algn="l"/>
-            <a:r>
-              <a:rPr lang="zh-CN" altLang="en-US" b="1" i="0">
-                <a:solidFill>
-                  <a:srgbClr val="121212"/>
-                </a:solidFill>
-                <a:effectLst/>
-                <a:latin typeface="-apple-system"/>
-              </a:rPr>
-              <a:t>为常用操作确立命名规则</a:t>
-            </a:r>
-            <a:endParaRPr lang="zh-CN" altLang="en-US" b="0" i="0">
-              <a:solidFill>
-                <a:srgbClr val="121212"/>
-              </a:solidFill>
-              <a:effectLst/>
-              <a:latin typeface="-apple-system"/>
-            </a:endParaRPr>
+            <a:r>
+              <a:rPr lang="zh-CN" altLang="en-US" b="0" i="0" dirty="0">
+                <a:solidFill>
+                  <a:srgbClr val="000000"/>
+                </a:solidFill>
+                <a:effectLst/>
+                <a:latin typeface="Verdana" panose="020B0604030504040204" pitchFamily="34" charset="0"/>
+              </a:rPr>
+              <a:t>对于一些只包含静态方法或者静态属性的类（比如工具类），我们不希望他们被实例化。我们可以添加一个私有的构造方法，更可以在这个构造方法中</a:t>
+            </a:r>
+            <a:r>
+              <a:rPr lang="en-US" altLang="zh-CN" b="0" i="0" dirty="0">
+                <a:solidFill>
+                  <a:srgbClr val="000000"/>
+                </a:solidFill>
+                <a:effectLst/>
+                <a:latin typeface="Verdana" panose="020B0604030504040204" pitchFamily="34" charset="0"/>
+              </a:rPr>
+              <a:t>throw</a:t>
+            </a:r>
+            <a:r>
+              <a:rPr lang="zh-CN" altLang="en-US" b="0" i="0" dirty="0">
+                <a:solidFill>
+                  <a:srgbClr val="000000"/>
+                </a:solidFill>
+                <a:effectLst/>
+                <a:latin typeface="Verdana" panose="020B0604030504040204" pitchFamily="34" charset="0"/>
+              </a:rPr>
+              <a:t>异常</a:t>
+            </a:r>
+            <a:r>
+              <a:rPr lang="zh-CN" altLang="en-US" dirty="0">
+                <a:solidFill>
+                  <a:srgbClr val="000000"/>
+                </a:solidFill>
+                <a:latin typeface="Verdana" panose="020B0604030504040204" pitchFamily="34" charset="0"/>
+              </a:rPr>
+              <a:t>，在对象实例化时</a:t>
+            </a:r>
+            <a:r>
+              <a:rPr lang="zh-CN" altLang="en-US" b="0" i="0" dirty="0">
+                <a:solidFill>
+                  <a:srgbClr val="000000"/>
+                </a:solidFill>
+                <a:effectLst/>
+                <a:latin typeface="Verdana" panose="020B0604030504040204" pitchFamily="34" charset="0"/>
+              </a:rPr>
+              <a:t>中止程序。</a:t>
+            </a:r>
+            <a:endParaRPr lang="zh-CN" altLang="en-US" dirty="0"/>
           </a:p>
         </p:txBody>
       </p:sp>
     </p:spTree>
     <p:extLst>
       <p:ext uri="{BB962C8B-B14F-4D97-AF65-F5344CB8AC3E}">
-        <p14:creationId xmlns:p14="http://schemas.microsoft.com/office/powerpoint/2010/main" val="3574031019"/>
+        <p14:creationId xmlns:p14="http://schemas.microsoft.com/office/powerpoint/2010/main" val="3557971684"/>
       </p:ext>
     </p:extLst>
   </p:cSld>
@@ -5105,23 +8193,43 @@
         </p:spPr>
         <p:txBody>
           <a:bodyPr>
-            <a:normAutofit fontScale="90000"/>
+            <a:normAutofit/>
           </a:bodyPr>
           <a:lstStyle/>
           <a:p>
             <a:r>
-              <a:rPr lang="zh-CN" altLang="en-US" dirty="0"/>
-              <a:t>子程序可以写多长</a:t>
+              <a:rPr lang="zh-CN" altLang="en-US" sz="1800" dirty="0">
+                <a:latin typeface="+mn-lt"/>
+                <a:ea typeface="+mn-ea"/>
+                <a:cs typeface="+mn-cs"/>
+              </a:rPr>
+              <a:t>第</a:t>
+            </a:r>
+            <a:r>
+              <a:rPr lang="en-US" altLang="zh-CN" sz="1800" dirty="0">
+                <a:latin typeface="+mn-lt"/>
+                <a:ea typeface="+mn-ea"/>
+                <a:cs typeface="+mn-cs"/>
+              </a:rPr>
+              <a:t>5</a:t>
+            </a:r>
+            <a:r>
+              <a:rPr lang="zh-CN" altLang="en-US" sz="1800" dirty="0">
+                <a:latin typeface="+mn-lt"/>
+                <a:ea typeface="+mn-ea"/>
+                <a:cs typeface="+mn-cs"/>
+              </a:rPr>
+              <a:t>条 避免创建不必要的对象</a:t>
             </a:r>
           </a:p>
         </p:txBody>
       </p:sp>
       <p:sp>
         <p:nvSpPr>
-          <p:cNvPr id="3" name="文本框 2">
+          <p:cNvPr id="4" name="文本框 3">
             <a:extLst>
               <a:ext uri="{FF2B5EF4-FFF2-40B4-BE49-F238E27FC236}">
-                <a16:creationId xmlns:a16="http://schemas.microsoft.com/office/drawing/2014/main" id="{A3F239DE-9C6C-47F8-8830-698C633F266B}"/>
+                <a16:creationId xmlns:a16="http://schemas.microsoft.com/office/drawing/2014/main" id="{0F30DCAC-F94F-448E-8E4F-A9EC45A034B9}"/>
               </a:ext>
             </a:extLst>
           </p:cNvPr>
@@ -5130,8 +8238,8 @@
         </p:nvSpPr>
         <p:spPr>
           <a:xfrm>
-            <a:off x="988541" y="1451919"/>
-            <a:ext cx="8062783" cy="1754326"/>
+            <a:off x="838199" y="1114849"/>
+            <a:ext cx="10515599" cy="646331"/>
           </a:xfrm>
           <a:prstGeom prst="rect">
             <a:avLst/>
@@ -5139,105 +8247,888 @@
           <a:noFill/>
         </p:spPr>
         <p:txBody>
-          <a:bodyPr wrap="square" rtlCol="0">
+          <a:bodyPr wrap="square">
             <a:spAutoFit/>
           </a:bodyPr>
           <a:lstStyle/>
           <a:p>
-            <a:pPr algn="l"/>
+            <a:pPr marL="285750" indent="-285750" algn="l">
+              <a:buFont typeface="Arial" panose="020B0604020202020204" pitchFamily="34" charset="0"/>
+              <a:buChar char="•"/>
+            </a:pPr>
             <a:r>
               <a:rPr lang="zh-CN" altLang="en-US" b="0" i="0" dirty="0">
                 <a:solidFill>
-                  <a:srgbClr val="121212"/>
-                </a:solidFill>
-                <a:effectLst/>
-                <a:latin typeface="-apple-system"/>
-              </a:rPr>
-              <a:t>理论上认为的子程序最佳最大长度通常是一屏代码或打印出来一到两页的代码，也就是约</a:t>
-            </a:r>
-            <a:r>
-              <a:rPr lang="en-US" altLang="zh-CN" b="0" i="0" dirty="0">
-                <a:solidFill>
-                  <a:srgbClr val="121212"/>
-                </a:solidFill>
-                <a:effectLst/>
-                <a:latin typeface="-apple-system"/>
-              </a:rPr>
-              <a:t>50~150</a:t>
-            </a:r>
+                  <a:srgbClr val="000000"/>
+                </a:solidFill>
+                <a:effectLst/>
+                <a:latin typeface="Verdana" panose="020B0604030504040204" pitchFamily="34" charset="0"/>
+              </a:rPr>
+              <a:t>最好能重用对象而不是在每次需要的时候就创建一个相同功能的新对象</a:t>
+            </a:r>
+            <a:endParaRPr lang="en-US" altLang="zh-CN" dirty="0">
+              <a:solidFill>
+                <a:srgbClr val="000000"/>
+              </a:solidFill>
+              <a:latin typeface="Verdana" panose="020B0604030504040204" pitchFamily="34" charset="0"/>
+            </a:endParaRPr>
+          </a:p>
+          <a:p>
+            <a:pPr marL="285750" indent="-285750" algn="l">
+              <a:buFont typeface="Arial" panose="020B0604020202020204" pitchFamily="34" charset="0"/>
+              <a:buChar char="•"/>
+            </a:pPr>
+            <a:endParaRPr lang="zh-CN" altLang="en-US" b="0" i="0" dirty="0">
+              <a:solidFill>
+                <a:srgbClr val="000000"/>
+              </a:solidFill>
+              <a:effectLst/>
+              <a:latin typeface="Verdana" panose="020B0604030504040204" pitchFamily="34" charset="0"/>
+            </a:endParaRPr>
+          </a:p>
+        </p:txBody>
+      </p:sp>
+      <p:sp>
+        <p:nvSpPr>
+          <p:cNvPr id="8" name="文本框 7">
+            <a:extLst>
+              <a:ext uri="{FF2B5EF4-FFF2-40B4-BE49-F238E27FC236}">
+                <a16:creationId xmlns:a16="http://schemas.microsoft.com/office/drawing/2014/main" id="{1D5608A5-A6AA-4277-9627-7123BFB891A2}"/>
+              </a:ext>
+            </a:extLst>
+          </p:cNvPr>
+          <p:cNvSpPr txBox="1"/>
+          <p:nvPr/>
+        </p:nvSpPr>
+        <p:spPr>
+          <a:xfrm>
+            <a:off x="838199" y="2293382"/>
+            <a:ext cx="10515599" cy="369332"/>
+          </a:xfrm>
+          <a:prstGeom prst="rect">
+            <a:avLst/>
+          </a:prstGeom>
+          <a:noFill/>
+        </p:spPr>
+        <p:txBody>
+          <a:bodyPr wrap="square">
+            <a:spAutoFit/>
+          </a:bodyPr>
+          <a:lstStyle/>
+          <a:p>
+            <a:pPr marL="285750" indent="-285750" algn="l">
+              <a:buFont typeface="Arial" panose="020B0604020202020204" pitchFamily="34" charset="0"/>
+              <a:buChar char="•"/>
+            </a:pPr>
             <a:r>
               <a:rPr lang="zh-CN" altLang="en-US" b="0" i="0" dirty="0">
                 <a:solidFill>
-                  <a:srgbClr val="121212"/>
-                </a:solidFill>
-                <a:effectLst/>
-                <a:latin typeface="-apple-system"/>
-              </a:rPr>
-              <a:t>行代码。</a:t>
-            </a:r>
-          </a:p>
-          <a:p>
-            <a:pPr algn="l"/>
-            <a:r>
-              <a:rPr lang="zh-CN" altLang="en-US" b="0" i="0" dirty="0">
-                <a:solidFill>
-                  <a:srgbClr val="121212"/>
-                </a:solidFill>
-                <a:effectLst/>
-                <a:latin typeface="-apple-system"/>
-              </a:rPr>
-              <a:t>与其对子程序的长度强加限制，还不如让下面这些因素 </a:t>
-            </a:r>
-            <a:r>
-              <a:rPr lang="en-US" altLang="zh-CN" b="0" i="0" dirty="0">
-                <a:solidFill>
-                  <a:srgbClr val="121212"/>
-                </a:solidFill>
-                <a:effectLst/>
-                <a:latin typeface="-apple-system"/>
-              </a:rPr>
-              <a:t>— </a:t>
-            </a:r>
-            <a:r>
-              <a:rPr lang="zh-CN" altLang="en-US" b="0" i="0" dirty="0">
-                <a:solidFill>
-                  <a:srgbClr val="121212"/>
-                </a:solidFill>
-                <a:effectLst/>
-                <a:latin typeface="-apple-system"/>
-              </a:rPr>
-              <a:t>如子程序的内聚性、嵌套的层次、变量的数量 、决策点的数量、解释子程序用意所需的注释数量以及其他一些跟复杂度相关的考虑事项等 </a:t>
-            </a:r>
-            <a:r>
-              <a:rPr lang="en-US" altLang="zh-CN" b="0" i="0" dirty="0">
-                <a:solidFill>
-                  <a:srgbClr val="121212"/>
-                </a:solidFill>
-                <a:effectLst/>
-                <a:latin typeface="-apple-system"/>
-              </a:rPr>
-              <a:t>— </a:t>
-            </a:r>
-            <a:r>
-              <a:rPr lang="zh-CN" altLang="en-US" b="0" i="0" dirty="0">
-                <a:solidFill>
-                  <a:srgbClr val="121212"/>
-                </a:solidFill>
-                <a:effectLst/>
-                <a:latin typeface="-apple-system"/>
-              </a:rPr>
-              <a:t>来决定子程序的长度。</a:t>
-            </a:r>
-          </a:p>
-          <a:p>
-            <a:endParaRPr lang="zh-CN" altLang="en-US" dirty="0"/>
+                  <a:srgbClr val="000000"/>
+                </a:solidFill>
+                <a:effectLst/>
+                <a:latin typeface="Verdana" panose="020B0604030504040204" pitchFamily="34" charset="0"/>
+              </a:rPr>
+              <a:t>能使用基本数据类型，就尽量不要用对应的封装类</a:t>
+            </a:r>
+          </a:p>
+        </p:txBody>
+      </p:sp>
+      <p:sp>
+        <p:nvSpPr>
+          <p:cNvPr id="9" name="Rectangle 1">
+            <a:extLst>
+              <a:ext uri="{FF2B5EF4-FFF2-40B4-BE49-F238E27FC236}">
+                <a16:creationId xmlns:a16="http://schemas.microsoft.com/office/drawing/2014/main" id="{64344109-7651-4311-AF62-CED749331D8D}"/>
+              </a:ext>
+            </a:extLst>
+          </p:cNvPr>
+          <p:cNvSpPr>
+            <a:spLocks noChangeArrowheads="1"/>
+          </p:cNvSpPr>
+          <p:nvPr/>
+        </p:nvSpPr>
+        <p:spPr bwMode="auto">
+          <a:xfrm>
+            <a:off x="1220242" y="1531184"/>
+            <a:ext cx="6312626" cy="792488"/>
+          </a:xfrm>
+          <a:prstGeom prst="rect">
+            <a:avLst/>
+          </a:prstGeom>
+          <a:solidFill>
+            <a:schemeClr val="bg1"/>
+          </a:solidFill>
+          <a:ln>
+            <a:noFill/>
+          </a:ln>
+          <a:effectLst/>
+        </p:spPr>
+        <p:txBody>
+          <a:bodyPr vert="horz" wrap="none" lIns="0" tIns="0" rIns="0" bIns="114264" numCol="1" anchor="ctr" anchorCtr="0" compatLnSpc="1">
+            <a:prstTxWarp prst="textNoShape">
+              <a:avLst/>
+            </a:prstTxWarp>
+            <a:spAutoFit/>
+          </a:bodyPr>
+          <a:lstStyle>
+            <a:lvl1pPr eaLnBrk="0" fontAlgn="base" hangingPunct="0">
+              <a:spcBef>
+                <a:spcPct val="0"/>
+              </a:spcBef>
+              <a:spcAft>
+                <a:spcPct val="0"/>
+              </a:spcAft>
+              <a:defRPr>
+                <a:solidFill>
+                  <a:schemeClr val="tx1"/>
+                </a:solidFill>
+                <a:latin typeface="Arial" panose="020B0604020202020204" pitchFamily="34" charset="0"/>
+              </a:defRPr>
+            </a:lvl1pPr>
+            <a:lvl2pPr eaLnBrk="0" fontAlgn="base" hangingPunct="0">
+              <a:spcBef>
+                <a:spcPct val="0"/>
+              </a:spcBef>
+              <a:spcAft>
+                <a:spcPct val="0"/>
+              </a:spcAft>
+              <a:defRPr>
+                <a:solidFill>
+                  <a:schemeClr val="tx1"/>
+                </a:solidFill>
+                <a:latin typeface="Arial" panose="020B0604020202020204" pitchFamily="34" charset="0"/>
+              </a:defRPr>
+            </a:lvl2pPr>
+            <a:lvl3pPr eaLnBrk="0" fontAlgn="base" hangingPunct="0">
+              <a:spcBef>
+                <a:spcPct val="0"/>
+              </a:spcBef>
+              <a:spcAft>
+                <a:spcPct val="0"/>
+              </a:spcAft>
+              <a:defRPr>
+                <a:solidFill>
+                  <a:schemeClr val="tx1"/>
+                </a:solidFill>
+                <a:latin typeface="Arial" panose="020B0604020202020204" pitchFamily="34" charset="0"/>
+              </a:defRPr>
+            </a:lvl3pPr>
+            <a:lvl4pPr eaLnBrk="0" fontAlgn="base" hangingPunct="0">
+              <a:spcBef>
+                <a:spcPct val="0"/>
+              </a:spcBef>
+              <a:spcAft>
+                <a:spcPct val="0"/>
+              </a:spcAft>
+              <a:defRPr>
+                <a:solidFill>
+                  <a:schemeClr val="tx1"/>
+                </a:solidFill>
+                <a:latin typeface="Arial" panose="020B0604020202020204" pitchFamily="34" charset="0"/>
+              </a:defRPr>
+            </a:lvl4pPr>
+            <a:lvl5pPr eaLnBrk="0" fontAlgn="base" hangingPunct="0">
+              <a:spcBef>
+                <a:spcPct val="0"/>
+              </a:spcBef>
+              <a:spcAft>
+                <a:spcPct val="0"/>
+              </a:spcAft>
+              <a:defRPr>
+                <a:solidFill>
+                  <a:schemeClr val="tx1"/>
+                </a:solidFill>
+                <a:latin typeface="Arial" panose="020B0604020202020204" pitchFamily="34" charset="0"/>
+              </a:defRPr>
+            </a:lvl5pPr>
+            <a:lvl6pPr eaLnBrk="0" fontAlgn="base" hangingPunct="0">
+              <a:spcBef>
+                <a:spcPct val="0"/>
+              </a:spcBef>
+              <a:spcAft>
+                <a:spcPct val="0"/>
+              </a:spcAft>
+              <a:defRPr>
+                <a:solidFill>
+                  <a:schemeClr val="tx1"/>
+                </a:solidFill>
+                <a:latin typeface="Arial" panose="020B0604020202020204" pitchFamily="34" charset="0"/>
+              </a:defRPr>
+            </a:lvl6pPr>
+            <a:lvl7pPr eaLnBrk="0" fontAlgn="base" hangingPunct="0">
+              <a:spcBef>
+                <a:spcPct val="0"/>
+              </a:spcBef>
+              <a:spcAft>
+                <a:spcPct val="0"/>
+              </a:spcAft>
+              <a:defRPr>
+                <a:solidFill>
+                  <a:schemeClr val="tx1"/>
+                </a:solidFill>
+                <a:latin typeface="Arial" panose="020B0604020202020204" pitchFamily="34" charset="0"/>
+              </a:defRPr>
+            </a:lvl7pPr>
+            <a:lvl8pPr eaLnBrk="0" fontAlgn="base" hangingPunct="0">
+              <a:spcBef>
+                <a:spcPct val="0"/>
+              </a:spcBef>
+              <a:spcAft>
+                <a:spcPct val="0"/>
+              </a:spcAft>
+              <a:defRPr>
+                <a:solidFill>
+                  <a:schemeClr val="tx1"/>
+                </a:solidFill>
+                <a:latin typeface="Arial" panose="020B0604020202020204" pitchFamily="34" charset="0"/>
+              </a:defRPr>
+            </a:lvl8pPr>
+            <a:lvl9pPr eaLnBrk="0" fontAlgn="base" hangingPunct="0">
+              <a:spcBef>
+                <a:spcPct val="0"/>
+              </a:spcBef>
+              <a:spcAft>
+                <a:spcPct val="0"/>
+              </a:spcAft>
+              <a:defRPr>
+                <a:solidFill>
+                  <a:schemeClr val="tx1"/>
+                </a:solidFill>
+                <a:latin typeface="Arial" panose="020B0604020202020204" pitchFamily="34" charset="0"/>
+              </a:defRPr>
+            </a:lvl9pPr>
+          </a:lstStyle>
+          <a:p>
+            <a:pPr marL="0" marR="0" lvl="0" indent="0" algn="l" defTabSz="914400" rtl="0" eaLnBrk="0" fontAlgn="base" latinLnBrk="0" hangingPunct="0">
+              <a:lnSpc>
+                <a:spcPct val="100000"/>
+              </a:lnSpc>
+              <a:spcBef>
+                <a:spcPct val="0"/>
+              </a:spcBef>
+              <a:spcAft>
+                <a:spcPct val="0"/>
+              </a:spcAft>
+              <a:buClrTx/>
+              <a:buSzTx/>
+              <a:buFontTx/>
+              <a:buNone/>
+              <a:tabLst/>
+            </a:pPr>
+            <a:r>
+              <a:rPr kumimoji="0" lang="en-US" altLang="zh-CN" sz="1000" b="0" i="0" u="none" strike="noStrike" cap="none" normalizeH="0" baseline="0" dirty="0">
+                <a:ln>
+                  <a:noFill/>
+                </a:ln>
+                <a:solidFill>
+                  <a:srgbClr val="4F4F4F"/>
+                </a:solidFill>
+                <a:effectLst/>
+                <a:latin typeface="Arial Unicode MS"/>
+                <a:ea typeface="Source Code Pro" panose="020B0604020202020204" pitchFamily="49" charset="0"/>
+              </a:rPr>
+              <a:t> </a:t>
+            </a:r>
+            <a:r>
+              <a:rPr kumimoji="0" lang="zh-CN" altLang="zh-CN" sz="1000" b="0" i="0" u="none" strike="noStrike" cap="none" normalizeH="0" baseline="0" dirty="0">
+                <a:ln>
+                  <a:noFill/>
+                </a:ln>
+                <a:solidFill>
+                  <a:srgbClr val="4F4F4F"/>
+                </a:solidFill>
+                <a:effectLst/>
+                <a:latin typeface="Arial Unicode MS"/>
+                <a:ea typeface="Source Code Pro" panose="020B0604020202020204" pitchFamily="49" charset="0"/>
+              </a:rPr>
+              <a:t>String </a:t>
+            </a:r>
+            <a:r>
+              <a:rPr kumimoji="0" lang="zh-CN" altLang="zh-CN" sz="1000" b="0" i="0" u="none" strike="noStrike" cap="none" normalizeH="0" baseline="0" dirty="0">
+                <a:ln>
+                  <a:noFill/>
+                </a:ln>
+                <a:solidFill>
+                  <a:srgbClr val="000088"/>
+                </a:solidFill>
+                <a:effectLst/>
+                <a:latin typeface="Arial Unicode MS"/>
+                <a:ea typeface="Source Code Pro" panose="020B0604020202020204" pitchFamily="49" charset="0"/>
+              </a:rPr>
+              <a:t>str</a:t>
+            </a:r>
+            <a:r>
+              <a:rPr kumimoji="0" lang="zh-CN" altLang="zh-CN" sz="1000" b="0" i="0" u="none" strike="noStrike" cap="none" normalizeH="0" baseline="0" dirty="0">
+                <a:ln>
+                  <a:noFill/>
+                </a:ln>
+                <a:solidFill>
+                  <a:srgbClr val="4F4F4F"/>
+                </a:solidFill>
+                <a:effectLst/>
+                <a:latin typeface="Arial Unicode MS"/>
+                <a:ea typeface="Source Code Pro" panose="020B0604020202020204" pitchFamily="49" charset="0"/>
+              </a:rPr>
+              <a:t> = </a:t>
+            </a:r>
+            <a:r>
+              <a:rPr kumimoji="0" lang="zh-CN" altLang="zh-CN" sz="1000" b="0" i="0" u="none" strike="noStrike" cap="none" normalizeH="0" baseline="0" dirty="0">
+                <a:ln>
+                  <a:noFill/>
+                </a:ln>
+                <a:solidFill>
+                  <a:srgbClr val="000088"/>
+                </a:solidFill>
+                <a:effectLst/>
+                <a:latin typeface="Arial Unicode MS"/>
+                <a:ea typeface="Source Code Pro" panose="020B0604020202020204" pitchFamily="49" charset="0"/>
+              </a:rPr>
+              <a:t>new</a:t>
+            </a:r>
+            <a:r>
+              <a:rPr kumimoji="0" lang="zh-CN" altLang="zh-CN" sz="1000" b="0" i="0" u="none" strike="noStrike" cap="none" normalizeH="0" baseline="0" dirty="0">
+                <a:ln>
+                  <a:noFill/>
+                </a:ln>
+                <a:solidFill>
+                  <a:srgbClr val="4F4F4F"/>
+                </a:solidFill>
+                <a:effectLst/>
+                <a:latin typeface="Arial Unicode MS"/>
+                <a:ea typeface="Source Code Pro" panose="020B0604020202020204" pitchFamily="49" charset="0"/>
+              </a:rPr>
+              <a:t> String(</a:t>
+            </a:r>
+            <a:r>
+              <a:rPr kumimoji="0" lang="zh-CN" altLang="zh-CN" sz="1000" b="0" i="0" u="none" strike="noStrike" cap="none" normalizeH="0" baseline="0" dirty="0">
+                <a:ln>
+                  <a:noFill/>
+                </a:ln>
+                <a:solidFill>
+                  <a:srgbClr val="009900"/>
+                </a:solidFill>
+                <a:effectLst/>
+                <a:latin typeface="Arial Unicode MS"/>
+                <a:ea typeface="Source Code Pro" panose="020B0604020202020204" pitchFamily="49" charset="0"/>
+              </a:rPr>
+              <a:t>"abc"</a:t>
+            </a:r>
+            <a:r>
+              <a:rPr kumimoji="0" lang="zh-CN" altLang="zh-CN" sz="1000" b="0" i="0" u="none" strike="noStrike" cap="none" normalizeH="0" baseline="0" dirty="0">
+                <a:ln>
+                  <a:noFill/>
+                </a:ln>
+                <a:solidFill>
+                  <a:srgbClr val="4F4F4F"/>
+                </a:solidFill>
+                <a:effectLst/>
+                <a:latin typeface="Arial Unicode MS"/>
+                <a:ea typeface="Source Code Pro" panose="020B0604020202020204" pitchFamily="49" charset="0"/>
+              </a:rPr>
+              <a:t>);</a:t>
+            </a:r>
+            <a:endParaRPr kumimoji="0" lang="zh-CN" altLang="zh-CN" sz="1200" b="0" i="0" u="none" strike="noStrike" cap="none" normalizeH="0" baseline="0" dirty="0">
+              <a:ln>
+                <a:noFill/>
+              </a:ln>
+              <a:solidFill>
+                <a:srgbClr val="000000"/>
+              </a:solidFill>
+              <a:effectLst/>
+              <a:latin typeface="Arial Unicode MS"/>
+              <a:ea typeface="Source Code Pro" panose="020B0604020202020204" pitchFamily="49" charset="0"/>
+            </a:endParaRPr>
+          </a:p>
+          <a:p>
+            <a:pPr marL="0" marR="0" lvl="0" indent="0" algn="l" defTabSz="914400" rtl="0" eaLnBrk="0" fontAlgn="base" latinLnBrk="0" hangingPunct="0">
+              <a:lnSpc>
+                <a:spcPct val="100000"/>
+              </a:lnSpc>
+              <a:spcBef>
+                <a:spcPct val="0"/>
+              </a:spcBef>
+              <a:spcAft>
+                <a:spcPct val="0"/>
+              </a:spcAft>
+              <a:buClrTx/>
+              <a:buSzTx/>
+              <a:buFontTx/>
+              <a:buNone/>
+              <a:tabLst/>
+            </a:pPr>
+            <a:r>
+              <a:rPr kumimoji="0" lang="zh-CN" altLang="zh-CN" sz="1200" b="0" i="0" u="none" strike="noStrike" cap="none" normalizeH="0" baseline="0" dirty="0">
+                <a:ln>
+                  <a:noFill/>
+                </a:ln>
+                <a:solidFill>
+                  <a:srgbClr val="4D4D4D"/>
+                </a:solidFill>
+                <a:effectLst/>
+                <a:ea typeface="-apple-system"/>
+              </a:rPr>
+              <a:t>会生成两个对象，参数”abc”本身就是一个String对象，new String()又会产生新的String对象。</a:t>
+            </a:r>
+            <a:endParaRPr kumimoji="0" lang="zh-CN" altLang="zh-CN" sz="600" b="0" i="0" u="none" strike="noStrike" cap="none" normalizeH="0" baseline="0" dirty="0">
+              <a:ln>
+                <a:noFill/>
+              </a:ln>
+              <a:solidFill>
+                <a:schemeClr val="tx1"/>
+              </a:solidFill>
+              <a:effectLst/>
+              <a:latin typeface="Arial" panose="020B0604020202020204" pitchFamily="34" charset="0"/>
+            </a:endParaRPr>
+          </a:p>
+          <a:p>
+            <a:pPr marL="0" marR="0" lvl="0" indent="0" algn="l" defTabSz="914400" rtl="0" eaLnBrk="0" fontAlgn="base" latinLnBrk="0" hangingPunct="0">
+              <a:lnSpc>
+                <a:spcPct val="100000"/>
+              </a:lnSpc>
+              <a:spcBef>
+                <a:spcPct val="0"/>
+              </a:spcBef>
+              <a:spcAft>
+                <a:spcPct val="0"/>
+              </a:spcAft>
+              <a:buClrTx/>
+              <a:buSzTx/>
+              <a:buFontTx/>
+              <a:buNone/>
+              <a:tabLst/>
+            </a:pPr>
+            <a:r>
+              <a:rPr kumimoji="0" lang="zh-CN" altLang="zh-CN" sz="1200" b="0" i="0" u="none" strike="noStrike" cap="none" normalizeH="0" baseline="0" dirty="0">
+                <a:ln>
+                  <a:noFill/>
+                </a:ln>
+                <a:solidFill>
+                  <a:srgbClr val="4D4D4D"/>
+                </a:solidFill>
+                <a:effectLst/>
+                <a:latin typeface="Arial" panose="020B0604020202020204" pitchFamily="34" charset="0"/>
+                <a:ea typeface="-apple-system"/>
+              </a:rPr>
+              <a:t>正确的做法如下：</a:t>
+            </a:r>
+            <a:endParaRPr kumimoji="0" lang="zh-CN" altLang="zh-CN" sz="1000" b="0" i="0" u="none" strike="noStrike" cap="none" normalizeH="0" baseline="0" dirty="0">
+              <a:ln>
+                <a:noFill/>
+              </a:ln>
+              <a:solidFill>
+                <a:srgbClr val="4F4F4F"/>
+              </a:solidFill>
+              <a:effectLst/>
+              <a:latin typeface="Arial Unicode MS"/>
+              <a:ea typeface="Source Code Pro" panose="020B0604020202020204" pitchFamily="49" charset="0"/>
+            </a:endParaRPr>
+          </a:p>
+          <a:p>
+            <a:pPr marL="0" marR="0" lvl="0" indent="0" algn="l" defTabSz="914400" rtl="0" eaLnBrk="0" fontAlgn="base" latinLnBrk="0" hangingPunct="0">
+              <a:lnSpc>
+                <a:spcPct val="100000"/>
+              </a:lnSpc>
+              <a:spcBef>
+                <a:spcPct val="0"/>
+              </a:spcBef>
+              <a:spcAft>
+                <a:spcPct val="0"/>
+              </a:spcAft>
+              <a:buClrTx/>
+              <a:buSzTx/>
+              <a:buFontTx/>
+              <a:buNone/>
+              <a:tabLst/>
+            </a:pPr>
+            <a:r>
+              <a:rPr kumimoji="0" lang="zh-CN" altLang="zh-CN" sz="1000" b="0" i="0" u="none" strike="noStrike" cap="none" normalizeH="0" baseline="0" dirty="0">
+                <a:ln>
+                  <a:noFill/>
+                </a:ln>
+                <a:solidFill>
+                  <a:srgbClr val="4F4F4F"/>
+                </a:solidFill>
+                <a:effectLst/>
+                <a:latin typeface="Arial Unicode MS"/>
+                <a:ea typeface="Source Code Pro" panose="020B0604020202020204" pitchFamily="49" charset="0"/>
+              </a:rPr>
+              <a:t>String </a:t>
+            </a:r>
+            <a:r>
+              <a:rPr kumimoji="0" lang="zh-CN" altLang="zh-CN" sz="1000" b="0" i="0" u="none" strike="noStrike" cap="none" normalizeH="0" baseline="0" dirty="0">
+                <a:ln>
+                  <a:noFill/>
+                </a:ln>
+                <a:solidFill>
+                  <a:srgbClr val="000088"/>
+                </a:solidFill>
+                <a:effectLst/>
+                <a:latin typeface="Arial Unicode MS"/>
+                <a:ea typeface="Source Code Pro" panose="020B0604020202020204" pitchFamily="49" charset="0"/>
+              </a:rPr>
+              <a:t>str</a:t>
+            </a:r>
+            <a:r>
+              <a:rPr kumimoji="0" lang="zh-CN" altLang="zh-CN" sz="1000" b="0" i="0" u="none" strike="noStrike" cap="none" normalizeH="0" baseline="0" dirty="0">
+                <a:ln>
+                  <a:noFill/>
+                </a:ln>
+                <a:solidFill>
+                  <a:srgbClr val="4F4F4F"/>
+                </a:solidFill>
+                <a:effectLst/>
+                <a:latin typeface="Arial Unicode MS"/>
+                <a:ea typeface="Source Code Pro" panose="020B0604020202020204" pitchFamily="49" charset="0"/>
+              </a:rPr>
+              <a:t> = </a:t>
+            </a:r>
+            <a:r>
+              <a:rPr kumimoji="0" lang="zh-CN" altLang="zh-CN" sz="1000" b="0" i="0" u="none" strike="noStrike" cap="none" normalizeH="0" baseline="0" dirty="0">
+                <a:ln>
+                  <a:noFill/>
+                </a:ln>
+                <a:solidFill>
+                  <a:srgbClr val="009900"/>
+                </a:solidFill>
+                <a:effectLst/>
+                <a:latin typeface="Arial Unicode MS"/>
+                <a:ea typeface="Source Code Pro" panose="020B0604020202020204" pitchFamily="49" charset="0"/>
+              </a:rPr>
+              <a:t>"abc"</a:t>
+            </a:r>
+            <a:r>
+              <a:rPr kumimoji="0" lang="zh-CN" altLang="zh-CN" sz="1000" b="0" i="0" u="none" strike="noStrike" cap="none" normalizeH="0" baseline="0" dirty="0">
+                <a:ln>
+                  <a:noFill/>
+                </a:ln>
+                <a:solidFill>
+                  <a:srgbClr val="4F4F4F"/>
+                </a:solidFill>
+                <a:effectLst/>
+                <a:latin typeface="Arial Unicode MS"/>
+                <a:ea typeface="Source Code Pro" panose="020B0604020202020204" pitchFamily="49" charset="0"/>
+              </a:rPr>
+              <a:t>;</a:t>
+            </a:r>
+            <a:r>
+              <a:rPr kumimoji="0" lang="zh-CN" altLang="zh-CN" sz="600" b="0" i="0" u="none" strike="noStrike" cap="none" normalizeH="0" baseline="0" dirty="0">
+                <a:ln>
+                  <a:noFill/>
+                </a:ln>
+                <a:solidFill>
+                  <a:schemeClr val="tx1"/>
+                </a:solidFill>
+                <a:effectLst/>
+              </a:rPr>
+              <a:t> </a:t>
+            </a:r>
+            <a:endParaRPr kumimoji="0" lang="zh-CN" altLang="zh-CN" sz="1800" b="0" i="0" u="none" strike="noStrike" cap="none" normalizeH="0" baseline="0" dirty="0">
+              <a:ln>
+                <a:noFill/>
+              </a:ln>
+              <a:solidFill>
+                <a:schemeClr val="tx1"/>
+              </a:solidFill>
+              <a:effectLst/>
+              <a:latin typeface="Arial" panose="020B0604020202020204" pitchFamily="34" charset="0"/>
+            </a:endParaRPr>
+          </a:p>
+        </p:txBody>
+      </p:sp>
+      <p:sp>
+        <p:nvSpPr>
+          <p:cNvPr id="21" name="文本框 20">
+            <a:extLst>
+              <a:ext uri="{FF2B5EF4-FFF2-40B4-BE49-F238E27FC236}">
+                <a16:creationId xmlns:a16="http://schemas.microsoft.com/office/drawing/2014/main" id="{27E54CFC-CF03-495E-9B66-04D8AC7AEE88}"/>
+              </a:ext>
+            </a:extLst>
+          </p:cNvPr>
+          <p:cNvSpPr txBox="1"/>
+          <p:nvPr/>
+        </p:nvSpPr>
+        <p:spPr>
+          <a:xfrm>
+            <a:off x="1088939" y="2662714"/>
+            <a:ext cx="6094970" cy="1169551"/>
+          </a:xfrm>
+          <a:prstGeom prst="rect">
+            <a:avLst/>
+          </a:prstGeom>
+          <a:noFill/>
+        </p:spPr>
+        <p:txBody>
+          <a:bodyPr wrap="square">
+            <a:spAutoFit/>
+          </a:bodyPr>
+          <a:lstStyle/>
+          <a:p>
+            <a:r>
+              <a:rPr lang="zh-CN" altLang="en-US" sz="1000" dirty="0">
+                <a:solidFill>
+                  <a:srgbClr val="4F4F4F"/>
+                </a:solidFill>
+                <a:latin typeface="Arial Unicode MS"/>
+              </a:rPr>
+              <a:t> </a:t>
+            </a:r>
+            <a:r>
+              <a:rPr lang="zh-CN" altLang="en-US" sz="1000" dirty="0">
+                <a:solidFill>
+                  <a:srgbClr val="000088"/>
+                </a:solidFill>
+                <a:latin typeface="Arial Unicode MS"/>
+              </a:rPr>
+              <a:t>public static void </a:t>
+            </a:r>
+            <a:r>
+              <a:rPr lang="zh-CN" altLang="en-US" sz="1000" dirty="0">
+                <a:solidFill>
+                  <a:srgbClr val="4F4F4F"/>
+                </a:solidFill>
+                <a:latin typeface="Arial Unicode MS"/>
+              </a:rPr>
+              <a:t>main(String[] args) {</a:t>
+            </a:r>
+          </a:p>
+          <a:p>
+            <a:r>
+              <a:rPr lang="zh-CN" altLang="en-US" sz="1000" dirty="0">
+                <a:solidFill>
+                  <a:srgbClr val="4F4F4F"/>
+                </a:solidFill>
+                <a:latin typeface="Arial Unicode MS"/>
+              </a:rPr>
+              <a:t>        Long sum = 0L;</a:t>
+            </a:r>
+          </a:p>
+          <a:p>
+            <a:r>
+              <a:rPr lang="zh-CN" altLang="en-US" sz="1000" dirty="0">
+                <a:solidFill>
+                  <a:srgbClr val="4F4F4F"/>
+                </a:solidFill>
+                <a:latin typeface="Arial Unicode MS"/>
+              </a:rPr>
+              <a:t>        </a:t>
+            </a:r>
+            <a:r>
+              <a:rPr lang="zh-CN" altLang="en-US" sz="1000" dirty="0">
+                <a:solidFill>
+                  <a:srgbClr val="000088"/>
+                </a:solidFill>
+                <a:latin typeface="Arial Unicode MS"/>
+              </a:rPr>
+              <a:t>for</a:t>
+            </a:r>
+            <a:r>
+              <a:rPr lang="zh-CN" altLang="en-US" sz="1000" dirty="0">
+                <a:solidFill>
+                  <a:srgbClr val="4F4F4F"/>
+                </a:solidFill>
+                <a:latin typeface="Arial Unicode MS"/>
+              </a:rPr>
+              <a:t>(long i = 0; i &lt; Integer.MAX_VALUE; i++){</a:t>
+            </a:r>
+          </a:p>
+          <a:p>
+            <a:r>
+              <a:rPr lang="zh-CN" altLang="en-US" sz="1000" dirty="0">
+                <a:solidFill>
+                  <a:srgbClr val="4F4F4F"/>
+                </a:solidFill>
+                <a:latin typeface="Arial Unicode MS"/>
+              </a:rPr>
+              <a:t>            sum += i;</a:t>
+            </a:r>
+          </a:p>
+          <a:p>
+            <a:r>
+              <a:rPr lang="zh-CN" altLang="en-US" sz="1000" dirty="0">
+                <a:solidFill>
+                  <a:srgbClr val="4F4F4F"/>
+                </a:solidFill>
+                <a:latin typeface="Arial Unicode MS"/>
+              </a:rPr>
+              <a:t>        }</a:t>
+            </a:r>
+          </a:p>
+          <a:p>
+            <a:r>
+              <a:rPr lang="zh-CN" altLang="en-US" sz="1000" dirty="0">
+                <a:solidFill>
+                  <a:srgbClr val="4F4F4F"/>
+                </a:solidFill>
+                <a:latin typeface="Arial Unicode MS"/>
+              </a:rPr>
+              <a:t>        System.out.println(sum);</a:t>
+            </a:r>
+          </a:p>
+          <a:p>
+            <a:r>
+              <a:rPr lang="zh-CN" altLang="en-US" sz="1000" dirty="0">
+                <a:solidFill>
+                  <a:srgbClr val="4F4F4F"/>
+                </a:solidFill>
+                <a:latin typeface="Arial Unicode MS"/>
+              </a:rPr>
+              <a:t>    }</a:t>
+            </a:r>
+          </a:p>
+        </p:txBody>
+      </p:sp>
+      <p:sp>
+        <p:nvSpPr>
+          <p:cNvPr id="23" name="文本框 22">
+            <a:extLst>
+              <a:ext uri="{FF2B5EF4-FFF2-40B4-BE49-F238E27FC236}">
+                <a16:creationId xmlns:a16="http://schemas.microsoft.com/office/drawing/2014/main" id="{8F4F2C47-2E16-4BA0-8190-B1D762A0FF08}"/>
+              </a:ext>
+            </a:extLst>
+          </p:cNvPr>
+          <p:cNvSpPr txBox="1"/>
+          <p:nvPr/>
+        </p:nvSpPr>
+        <p:spPr>
+          <a:xfrm>
+            <a:off x="1220242" y="3872121"/>
+            <a:ext cx="6094970" cy="646331"/>
+          </a:xfrm>
+          <a:prstGeom prst="rect">
+            <a:avLst/>
+          </a:prstGeom>
+          <a:noFill/>
+        </p:spPr>
+        <p:txBody>
+          <a:bodyPr wrap="square">
+            <a:spAutoFit/>
+          </a:bodyPr>
+          <a:lstStyle/>
+          <a:p>
+            <a:r>
+              <a:rPr lang="zh-CN" altLang="en-US" dirty="0">
+                <a:solidFill>
+                  <a:srgbClr val="000000"/>
+                </a:solidFill>
+                <a:latin typeface="Verdana" panose="020B0604030504040204" pitchFamily="34" charset="0"/>
+              </a:rPr>
+              <a:t>变量</a:t>
+            </a:r>
+            <a:r>
+              <a:rPr lang="en-US" altLang="zh-CN" dirty="0">
+                <a:solidFill>
+                  <a:srgbClr val="000000"/>
+                </a:solidFill>
+                <a:latin typeface="Verdana" panose="020B0604030504040204" pitchFamily="34" charset="0"/>
+              </a:rPr>
+              <a:t>sum</a:t>
+            </a:r>
+            <a:r>
+              <a:rPr lang="zh-CN" altLang="en-US" dirty="0">
+                <a:solidFill>
+                  <a:srgbClr val="000000"/>
+                </a:solidFill>
+                <a:latin typeface="Verdana" panose="020B0604030504040204" pitchFamily="34" charset="0"/>
+              </a:rPr>
+              <a:t>被声明成</a:t>
+            </a:r>
+            <a:r>
+              <a:rPr lang="en-US" altLang="zh-CN" dirty="0">
+                <a:solidFill>
+                  <a:srgbClr val="000000"/>
+                </a:solidFill>
+                <a:latin typeface="Verdana" panose="020B0604030504040204" pitchFamily="34" charset="0"/>
+              </a:rPr>
+              <a:t>Long</a:t>
+            </a:r>
+            <a:r>
+              <a:rPr lang="zh-CN" altLang="en-US" dirty="0">
+                <a:solidFill>
+                  <a:srgbClr val="000000"/>
+                </a:solidFill>
+                <a:latin typeface="Verdana" panose="020B0604030504040204" pitchFamily="34" charset="0"/>
+              </a:rPr>
+              <a:t>而不是</a:t>
+            </a:r>
+            <a:r>
+              <a:rPr lang="en-US" altLang="zh-CN" dirty="0">
+                <a:solidFill>
+                  <a:srgbClr val="000000"/>
+                </a:solidFill>
+                <a:latin typeface="Verdana" panose="020B0604030504040204" pitchFamily="34" charset="0"/>
+              </a:rPr>
+              <a:t>long</a:t>
+            </a:r>
+            <a:r>
+              <a:rPr lang="zh-CN" altLang="en-US" dirty="0">
+                <a:solidFill>
+                  <a:srgbClr val="000000"/>
+                </a:solidFill>
+                <a:latin typeface="Verdana" panose="020B0604030504040204" pitchFamily="34" charset="0"/>
+              </a:rPr>
+              <a:t>，意味着程序构造了大约</a:t>
+            </a:r>
+            <a:r>
+              <a:rPr lang="en-US" altLang="zh-CN" dirty="0">
+                <a:solidFill>
+                  <a:srgbClr val="000000"/>
+                </a:solidFill>
+                <a:latin typeface="Verdana" panose="020B0604030504040204" pitchFamily="34" charset="0"/>
+              </a:rPr>
+              <a:t>2</a:t>
+            </a:r>
+            <a:r>
+              <a:rPr lang="zh-CN" altLang="en-US" dirty="0">
+                <a:solidFill>
+                  <a:srgbClr val="000000"/>
+                </a:solidFill>
+                <a:latin typeface="Verdana" panose="020B0604030504040204" pitchFamily="34" charset="0"/>
+              </a:rPr>
+              <a:t>的</a:t>
+            </a:r>
+            <a:r>
+              <a:rPr lang="en-US" altLang="zh-CN" dirty="0">
+                <a:solidFill>
+                  <a:srgbClr val="000000"/>
+                </a:solidFill>
+                <a:latin typeface="Verdana" panose="020B0604030504040204" pitchFamily="34" charset="0"/>
+              </a:rPr>
+              <a:t>31</a:t>
+            </a:r>
+            <a:r>
+              <a:rPr lang="zh-CN" altLang="en-US" dirty="0">
+                <a:solidFill>
+                  <a:srgbClr val="000000"/>
+                </a:solidFill>
+                <a:latin typeface="Verdana" panose="020B0604030504040204" pitchFamily="34" charset="0"/>
+              </a:rPr>
+              <a:t>次方个多余的</a:t>
+            </a:r>
+            <a:r>
+              <a:rPr lang="en-US" altLang="zh-CN" dirty="0">
+                <a:solidFill>
+                  <a:srgbClr val="000000"/>
+                </a:solidFill>
+                <a:latin typeface="Verdana" panose="020B0604030504040204" pitchFamily="34" charset="0"/>
+              </a:rPr>
+              <a:t>Long</a:t>
+            </a:r>
+            <a:r>
+              <a:rPr lang="zh-CN" altLang="en-US" dirty="0">
+                <a:solidFill>
+                  <a:srgbClr val="000000"/>
+                </a:solidFill>
+                <a:latin typeface="Verdana" panose="020B0604030504040204" pitchFamily="34" charset="0"/>
+              </a:rPr>
+              <a:t>实例</a:t>
+            </a:r>
           </a:p>
         </p:txBody>
       </p:sp>
     </p:spTree>
     <p:extLst>
       <p:ext uri="{BB962C8B-B14F-4D97-AF65-F5344CB8AC3E}">
-        <p14:creationId xmlns:p14="http://schemas.microsoft.com/office/powerpoint/2010/main" val="3175681055"/>
+        <p14:creationId xmlns:p14="http://schemas.microsoft.com/office/powerpoint/2010/main" val="2786469410"/>
       </p:ext>
     </p:extLst>
   </p:cSld>
@@ -5288,23 +9179,43 @@
         </p:spPr>
         <p:txBody>
           <a:bodyPr>
-            <a:normAutofit fontScale="90000"/>
+            <a:normAutofit/>
           </a:bodyPr>
           <a:lstStyle/>
           <a:p>
             <a:r>
-              <a:rPr lang="zh-CN" altLang="en-US" dirty="0"/>
-              <a:t>如何使用子程序参数</a:t>
+              <a:rPr lang="zh-CN" altLang="en-US" sz="1800" dirty="0">
+                <a:latin typeface="+mn-lt"/>
+                <a:ea typeface="+mn-ea"/>
+                <a:cs typeface="+mn-cs"/>
+              </a:rPr>
+              <a:t>第</a:t>
+            </a:r>
+            <a:r>
+              <a:rPr lang="en-US" altLang="zh-CN" sz="1800" dirty="0">
+                <a:latin typeface="+mn-lt"/>
+                <a:ea typeface="+mn-ea"/>
+                <a:cs typeface="+mn-cs"/>
+              </a:rPr>
+              <a:t>5</a:t>
+            </a:r>
+            <a:r>
+              <a:rPr lang="zh-CN" altLang="en-US" sz="1800" dirty="0">
+                <a:latin typeface="+mn-lt"/>
+                <a:ea typeface="+mn-ea"/>
+                <a:cs typeface="+mn-cs"/>
+              </a:rPr>
+              <a:t>条 避免创建不必要的对象</a:t>
             </a:r>
           </a:p>
         </p:txBody>
       </p:sp>
       <p:sp>
         <p:nvSpPr>
-          <p:cNvPr id="3" name="文本框 2">
+          <p:cNvPr id="8" name="文本框 7">
             <a:extLst>
               <a:ext uri="{FF2B5EF4-FFF2-40B4-BE49-F238E27FC236}">
-                <a16:creationId xmlns:a16="http://schemas.microsoft.com/office/drawing/2014/main" id="{0BEDE3C7-D31E-45B8-8AE2-FA987F54E4F9}"/>
+                <a16:creationId xmlns:a16="http://schemas.microsoft.com/office/drawing/2014/main" id="{1D5608A5-A6AA-4277-9627-7123BFB891A2}"/>
               </a:ext>
             </a:extLst>
           </p:cNvPr>
@@ -5313,8 +9224,8 @@
         </p:nvSpPr>
         <p:spPr>
           <a:xfrm>
-            <a:off x="838200" y="1223319"/>
-            <a:ext cx="7790936" cy="4247317"/>
+            <a:off x="838201" y="858795"/>
+            <a:ext cx="10515599" cy="369332"/>
           </a:xfrm>
           <a:prstGeom prst="rect">
             <a:avLst/>
@@ -5322,39 +9233,10 @@
           <a:noFill/>
         </p:spPr>
         <p:txBody>
-          <a:bodyPr wrap="square" rtlCol="0">
+          <a:bodyPr wrap="square">
             <a:spAutoFit/>
           </a:bodyPr>
           <a:lstStyle/>
-          <a:p>
-            <a:pPr algn="l"/>
-            <a:r>
-              <a:rPr lang="zh-CN" altLang="en-US" b="0" i="0" dirty="0">
-                <a:solidFill>
-                  <a:srgbClr val="121212"/>
-                </a:solidFill>
-                <a:effectLst/>
-                <a:latin typeface="-apple-system"/>
-              </a:rPr>
-              <a:t>子程序之间的接口是程序中最容易出错的部分之一。</a:t>
-            </a:r>
-            <a:endParaRPr lang="en-US" altLang="zh-CN" b="0" i="0" dirty="0">
-              <a:solidFill>
-                <a:srgbClr val="121212"/>
-              </a:solidFill>
-              <a:effectLst/>
-              <a:latin typeface="-apple-system"/>
-            </a:endParaRPr>
-          </a:p>
-          <a:p>
-            <a:pPr algn="l"/>
-            <a:endParaRPr lang="en-US" altLang="zh-CN" dirty="0">
-              <a:solidFill>
-                <a:srgbClr val="121212"/>
-              </a:solidFill>
-              <a:latin typeface="-apple-system"/>
-            </a:endParaRPr>
-          </a:p>
           <a:p>
             <a:pPr marL="285750" indent="-285750" algn="l">
               <a:buFont typeface="Arial" panose="020B0604020202020204" pitchFamily="34" charset="0"/>
@@ -5363,220 +9245,1538 @@
             <a:r>
               <a:rPr lang="zh-CN" altLang="en-US" b="0" i="0" dirty="0">
                 <a:solidFill>
-                  <a:srgbClr val="121212"/>
+                  <a:srgbClr val="000000"/>
+                </a:solidFill>
+                <a:effectLst/>
+                <a:latin typeface="Verdana" panose="020B0604030504040204" pitchFamily="34" charset="0"/>
+              </a:rPr>
+              <a:t>除了重用不可变的对象之外，也可以重用那些已知不会被修改的可变对象</a:t>
+            </a:r>
+          </a:p>
+        </p:txBody>
+      </p:sp>
+      <p:sp>
+        <p:nvSpPr>
+          <p:cNvPr id="9" name="Rectangle 1">
+            <a:extLst>
+              <a:ext uri="{FF2B5EF4-FFF2-40B4-BE49-F238E27FC236}">
+                <a16:creationId xmlns:a16="http://schemas.microsoft.com/office/drawing/2014/main" id="{64344109-7651-4311-AF62-CED749331D8D}"/>
+              </a:ext>
+            </a:extLst>
+          </p:cNvPr>
+          <p:cNvSpPr>
+            <a:spLocks noChangeArrowheads="1"/>
+          </p:cNvSpPr>
+          <p:nvPr/>
+        </p:nvSpPr>
+        <p:spPr bwMode="auto">
+          <a:xfrm>
+            <a:off x="1220242" y="1792794"/>
+            <a:ext cx="35266" cy="269268"/>
+          </a:xfrm>
+          <a:prstGeom prst="rect">
+            <a:avLst/>
+          </a:prstGeom>
+          <a:solidFill>
+            <a:schemeClr val="bg1"/>
+          </a:solidFill>
+          <a:ln>
+            <a:noFill/>
+          </a:ln>
+          <a:effectLst/>
+        </p:spPr>
+        <p:txBody>
+          <a:bodyPr vert="horz" wrap="none" lIns="0" tIns="0" rIns="0" bIns="114264" numCol="1" anchor="ctr" anchorCtr="0" compatLnSpc="1">
+            <a:prstTxWarp prst="textNoShape">
+              <a:avLst/>
+            </a:prstTxWarp>
+            <a:spAutoFit/>
+          </a:bodyPr>
+          <a:lstStyle>
+            <a:lvl1pPr eaLnBrk="0" fontAlgn="base" hangingPunct="0">
+              <a:spcBef>
+                <a:spcPct val="0"/>
+              </a:spcBef>
+              <a:spcAft>
+                <a:spcPct val="0"/>
+              </a:spcAft>
+              <a:defRPr>
+                <a:solidFill>
+                  <a:schemeClr val="tx1"/>
+                </a:solidFill>
+                <a:latin typeface="Arial" panose="020B0604020202020204" pitchFamily="34" charset="0"/>
+              </a:defRPr>
+            </a:lvl1pPr>
+            <a:lvl2pPr eaLnBrk="0" fontAlgn="base" hangingPunct="0">
+              <a:spcBef>
+                <a:spcPct val="0"/>
+              </a:spcBef>
+              <a:spcAft>
+                <a:spcPct val="0"/>
+              </a:spcAft>
+              <a:defRPr>
+                <a:solidFill>
+                  <a:schemeClr val="tx1"/>
+                </a:solidFill>
+                <a:latin typeface="Arial" panose="020B0604020202020204" pitchFamily="34" charset="0"/>
+              </a:defRPr>
+            </a:lvl2pPr>
+            <a:lvl3pPr eaLnBrk="0" fontAlgn="base" hangingPunct="0">
+              <a:spcBef>
+                <a:spcPct val="0"/>
+              </a:spcBef>
+              <a:spcAft>
+                <a:spcPct val="0"/>
+              </a:spcAft>
+              <a:defRPr>
+                <a:solidFill>
+                  <a:schemeClr val="tx1"/>
+                </a:solidFill>
+                <a:latin typeface="Arial" panose="020B0604020202020204" pitchFamily="34" charset="0"/>
+              </a:defRPr>
+            </a:lvl3pPr>
+            <a:lvl4pPr eaLnBrk="0" fontAlgn="base" hangingPunct="0">
+              <a:spcBef>
+                <a:spcPct val="0"/>
+              </a:spcBef>
+              <a:spcAft>
+                <a:spcPct val="0"/>
+              </a:spcAft>
+              <a:defRPr>
+                <a:solidFill>
+                  <a:schemeClr val="tx1"/>
+                </a:solidFill>
+                <a:latin typeface="Arial" panose="020B0604020202020204" pitchFamily="34" charset="0"/>
+              </a:defRPr>
+            </a:lvl4pPr>
+            <a:lvl5pPr eaLnBrk="0" fontAlgn="base" hangingPunct="0">
+              <a:spcBef>
+                <a:spcPct val="0"/>
+              </a:spcBef>
+              <a:spcAft>
+                <a:spcPct val="0"/>
+              </a:spcAft>
+              <a:defRPr>
+                <a:solidFill>
+                  <a:schemeClr val="tx1"/>
+                </a:solidFill>
+                <a:latin typeface="Arial" panose="020B0604020202020204" pitchFamily="34" charset="0"/>
+              </a:defRPr>
+            </a:lvl5pPr>
+            <a:lvl6pPr eaLnBrk="0" fontAlgn="base" hangingPunct="0">
+              <a:spcBef>
+                <a:spcPct val="0"/>
+              </a:spcBef>
+              <a:spcAft>
+                <a:spcPct val="0"/>
+              </a:spcAft>
+              <a:defRPr>
+                <a:solidFill>
+                  <a:schemeClr val="tx1"/>
+                </a:solidFill>
+                <a:latin typeface="Arial" panose="020B0604020202020204" pitchFamily="34" charset="0"/>
+              </a:defRPr>
+            </a:lvl6pPr>
+            <a:lvl7pPr eaLnBrk="0" fontAlgn="base" hangingPunct="0">
+              <a:spcBef>
+                <a:spcPct val="0"/>
+              </a:spcBef>
+              <a:spcAft>
+                <a:spcPct val="0"/>
+              </a:spcAft>
+              <a:defRPr>
+                <a:solidFill>
+                  <a:schemeClr val="tx1"/>
+                </a:solidFill>
+                <a:latin typeface="Arial" panose="020B0604020202020204" pitchFamily="34" charset="0"/>
+              </a:defRPr>
+            </a:lvl7pPr>
+            <a:lvl8pPr eaLnBrk="0" fontAlgn="base" hangingPunct="0">
+              <a:spcBef>
+                <a:spcPct val="0"/>
+              </a:spcBef>
+              <a:spcAft>
+                <a:spcPct val="0"/>
+              </a:spcAft>
+              <a:defRPr>
+                <a:solidFill>
+                  <a:schemeClr val="tx1"/>
+                </a:solidFill>
+                <a:latin typeface="Arial" panose="020B0604020202020204" pitchFamily="34" charset="0"/>
+              </a:defRPr>
+            </a:lvl8pPr>
+            <a:lvl9pPr eaLnBrk="0" fontAlgn="base" hangingPunct="0">
+              <a:spcBef>
+                <a:spcPct val="0"/>
+              </a:spcBef>
+              <a:spcAft>
+                <a:spcPct val="0"/>
+              </a:spcAft>
+              <a:defRPr>
+                <a:solidFill>
+                  <a:schemeClr val="tx1"/>
+                </a:solidFill>
+                <a:latin typeface="Arial" panose="020B0604020202020204" pitchFamily="34" charset="0"/>
+              </a:defRPr>
+            </a:lvl9pPr>
+          </a:lstStyle>
+          <a:p>
+            <a:pPr marL="0" marR="0" lvl="0" indent="0" algn="l" defTabSz="914400" rtl="0" eaLnBrk="0" fontAlgn="base" latinLnBrk="0" hangingPunct="0">
+              <a:lnSpc>
+                <a:spcPct val="100000"/>
+              </a:lnSpc>
+              <a:spcBef>
+                <a:spcPct val="0"/>
+              </a:spcBef>
+              <a:spcAft>
+                <a:spcPct val="0"/>
+              </a:spcAft>
+              <a:buClrTx/>
+              <a:buSzTx/>
+              <a:buFontTx/>
+              <a:buNone/>
+              <a:tabLst/>
+            </a:pPr>
+            <a:r>
+              <a:rPr kumimoji="0" lang="en-US" altLang="zh-CN" sz="1000" b="0" i="0" u="none" strike="noStrike" cap="none" normalizeH="0" baseline="0" dirty="0">
+                <a:ln>
+                  <a:noFill/>
+                </a:ln>
+                <a:solidFill>
+                  <a:srgbClr val="4F4F4F"/>
+                </a:solidFill>
+                <a:effectLst/>
+                <a:latin typeface="Arial Unicode MS"/>
+                <a:ea typeface="Source Code Pro" panose="020B0604020202020204" pitchFamily="49" charset="0"/>
+              </a:rPr>
+              <a:t> </a:t>
+            </a:r>
+            <a:endParaRPr kumimoji="0" lang="zh-CN" altLang="zh-CN" sz="1800" b="0" i="0" u="none" strike="noStrike" cap="none" normalizeH="0" baseline="0" dirty="0">
+              <a:ln>
+                <a:noFill/>
+              </a:ln>
+              <a:solidFill>
+                <a:schemeClr val="tx1"/>
+              </a:solidFill>
+              <a:effectLst/>
+              <a:latin typeface="Arial" panose="020B0604020202020204" pitchFamily="34" charset="0"/>
+            </a:endParaRPr>
+          </a:p>
+        </p:txBody>
+      </p:sp>
+      <p:sp>
+        <p:nvSpPr>
+          <p:cNvPr id="19" name="文本框 18">
+            <a:extLst>
+              <a:ext uri="{FF2B5EF4-FFF2-40B4-BE49-F238E27FC236}">
+                <a16:creationId xmlns:a16="http://schemas.microsoft.com/office/drawing/2014/main" id="{2C25ECAF-DF66-40DE-B6E6-E5F644557E03}"/>
+              </a:ext>
+            </a:extLst>
+          </p:cNvPr>
+          <p:cNvSpPr txBox="1"/>
+          <p:nvPr/>
+        </p:nvSpPr>
+        <p:spPr>
+          <a:xfrm>
+            <a:off x="838201" y="1228127"/>
+            <a:ext cx="10515598" cy="2400657"/>
+          </a:xfrm>
+          <a:prstGeom prst="rect">
+            <a:avLst/>
+          </a:prstGeom>
+          <a:noFill/>
+        </p:spPr>
+        <p:txBody>
+          <a:bodyPr wrap="square">
+            <a:spAutoFit/>
+          </a:bodyPr>
+          <a:lstStyle/>
+          <a:p>
+            <a:pPr eaLnBrk="0" fontAlgn="base" hangingPunct="0">
+              <a:spcBef>
+                <a:spcPct val="0"/>
+              </a:spcBef>
+              <a:spcAft>
+                <a:spcPct val="0"/>
+              </a:spcAft>
+            </a:pPr>
+            <a:r>
+              <a:rPr lang="zh-CN" altLang="en-US" sz="1000" dirty="0">
+                <a:solidFill>
+                  <a:srgbClr val="0070C0"/>
+                </a:solidFill>
+                <a:latin typeface="Arial Unicode MS"/>
+              </a:rPr>
+              <a:t>public class </a:t>
+            </a:r>
+            <a:r>
+              <a:rPr lang="zh-CN" altLang="en-US" sz="1000" dirty="0">
+                <a:solidFill>
+                  <a:srgbClr val="FF0000"/>
+                </a:solidFill>
+                <a:latin typeface="Arial Unicode MS"/>
+              </a:rPr>
+              <a:t>DBUtilBad</a:t>
+            </a:r>
+            <a:r>
+              <a:rPr lang="zh-CN" altLang="en-US" sz="1000" dirty="0">
+                <a:solidFill>
+                  <a:srgbClr val="4F4F4F"/>
+                </a:solidFill>
+                <a:latin typeface="Arial Unicode MS"/>
+              </a:rPr>
+              <a:t> {</a:t>
+            </a:r>
+          </a:p>
+          <a:p>
+            <a:pPr eaLnBrk="0" fontAlgn="base" hangingPunct="0">
+              <a:spcBef>
+                <a:spcPct val="0"/>
+              </a:spcBef>
+              <a:spcAft>
+                <a:spcPct val="0"/>
+              </a:spcAft>
+            </a:pPr>
+            <a:r>
+              <a:rPr lang="zh-CN" altLang="en-US" sz="1000" dirty="0">
+                <a:solidFill>
+                  <a:srgbClr val="4F4F4F"/>
+                </a:solidFill>
+                <a:latin typeface="Arial Unicode MS"/>
+              </a:rPr>
+              <a:t>    </a:t>
+            </a:r>
+            <a:r>
+              <a:rPr lang="zh-CN" altLang="en-US" sz="1000" dirty="0">
+                <a:solidFill>
+                  <a:srgbClr val="0070C0"/>
+                </a:solidFill>
+                <a:latin typeface="Arial Unicode MS"/>
+              </a:rPr>
+              <a:t>public static</a:t>
+            </a:r>
+            <a:r>
+              <a:rPr lang="zh-CN" altLang="en-US" sz="1000" dirty="0">
+                <a:solidFill>
+                  <a:srgbClr val="4F4F4F"/>
+                </a:solidFill>
+                <a:latin typeface="Arial Unicode MS"/>
+              </a:rPr>
+              <a:t> </a:t>
+            </a:r>
+            <a:r>
+              <a:rPr lang="zh-CN" altLang="en-US" sz="1000" dirty="0">
+                <a:solidFill>
+                  <a:srgbClr val="FF0000"/>
+                </a:solidFill>
+                <a:latin typeface="Arial Unicode MS"/>
+              </a:rPr>
+              <a:t>Connection</a:t>
+            </a:r>
+            <a:r>
+              <a:rPr lang="zh-CN" altLang="en-US" sz="1000" dirty="0">
+                <a:solidFill>
+                  <a:srgbClr val="4F4F4F"/>
+                </a:solidFill>
+                <a:latin typeface="Arial Unicode MS"/>
+              </a:rPr>
+              <a:t> getConnection() {</a:t>
+            </a:r>
+          </a:p>
+          <a:p>
+            <a:pPr eaLnBrk="0" fontAlgn="base" hangingPunct="0">
+              <a:spcBef>
+                <a:spcPct val="0"/>
+              </a:spcBef>
+              <a:spcAft>
+                <a:spcPct val="0"/>
+              </a:spcAft>
+            </a:pPr>
+            <a:r>
+              <a:rPr lang="zh-CN" altLang="en-US" sz="1000" dirty="0">
+                <a:solidFill>
+                  <a:srgbClr val="4F4F4F"/>
+                </a:solidFill>
+                <a:latin typeface="Arial Unicode MS"/>
+              </a:rPr>
+              <a:t>        </a:t>
+            </a:r>
+            <a:r>
+              <a:rPr lang="zh-CN" altLang="en-US" sz="1000" dirty="0">
+                <a:solidFill>
+                  <a:srgbClr val="FF0000"/>
+                </a:solidFill>
+                <a:latin typeface="Arial Unicode MS"/>
+              </a:rPr>
+              <a:t>Connection</a:t>
+            </a:r>
+            <a:r>
+              <a:rPr lang="zh-CN" altLang="en-US" sz="1000" dirty="0">
+                <a:solidFill>
+                  <a:srgbClr val="4F4F4F"/>
+                </a:solidFill>
+                <a:latin typeface="Arial Unicode MS"/>
+              </a:rPr>
+              <a:t> conn = null;</a:t>
+            </a:r>
+          </a:p>
+          <a:p>
+            <a:pPr eaLnBrk="0" fontAlgn="base" hangingPunct="0">
+              <a:spcBef>
+                <a:spcPct val="0"/>
+              </a:spcBef>
+              <a:spcAft>
+                <a:spcPct val="0"/>
+              </a:spcAft>
+            </a:pPr>
+            <a:r>
+              <a:rPr lang="zh-CN" altLang="en-US" sz="1000" dirty="0">
+                <a:solidFill>
+                  <a:srgbClr val="4F4F4F"/>
+                </a:solidFill>
+                <a:latin typeface="Arial Unicode MS"/>
+              </a:rPr>
+              <a:t>        try {</a:t>
+            </a:r>
+          </a:p>
+          <a:p>
+            <a:pPr eaLnBrk="0" fontAlgn="base" hangingPunct="0">
+              <a:spcBef>
+                <a:spcPct val="0"/>
+              </a:spcBef>
+              <a:spcAft>
+                <a:spcPct val="0"/>
+              </a:spcAft>
+            </a:pPr>
+            <a:r>
+              <a:rPr lang="zh-CN" altLang="en-US" sz="1000" dirty="0">
+                <a:solidFill>
+                  <a:srgbClr val="4F4F4F"/>
+                </a:solidFill>
+                <a:latin typeface="Arial Unicode MS"/>
+              </a:rPr>
+              <a:t>            </a:t>
+            </a:r>
+            <a:r>
+              <a:rPr lang="zh-CN" altLang="en-US" sz="1000" dirty="0">
+                <a:solidFill>
+                  <a:srgbClr val="FF0000"/>
+                </a:solidFill>
+                <a:latin typeface="Arial Unicode MS"/>
+              </a:rPr>
+              <a:t>Class</a:t>
+            </a:r>
+            <a:r>
+              <a:rPr lang="zh-CN" altLang="en-US" sz="1000" dirty="0">
+                <a:solidFill>
+                  <a:srgbClr val="4F4F4F"/>
+                </a:solidFill>
+                <a:latin typeface="Arial Unicode MS"/>
+              </a:rPr>
+              <a:t>.forName("com.mysql.jdbc.Driver");</a:t>
+            </a:r>
+          </a:p>
+          <a:p>
+            <a:pPr eaLnBrk="0" fontAlgn="base" hangingPunct="0">
+              <a:spcBef>
+                <a:spcPct val="0"/>
+              </a:spcBef>
+              <a:spcAft>
+                <a:spcPct val="0"/>
+              </a:spcAft>
+            </a:pPr>
+            <a:r>
+              <a:rPr lang="zh-CN" altLang="en-US" sz="1000" dirty="0">
+                <a:solidFill>
+                  <a:srgbClr val="4F4F4F"/>
+                </a:solidFill>
+                <a:latin typeface="Arial Unicode MS"/>
+              </a:rPr>
+              <a:t>            conn = </a:t>
+            </a:r>
+            <a:r>
+              <a:rPr lang="zh-CN" altLang="en-US" sz="1000" dirty="0">
+                <a:solidFill>
+                  <a:srgbClr val="FF0000"/>
+                </a:solidFill>
+                <a:latin typeface="Arial Unicode MS"/>
+              </a:rPr>
+              <a:t>DriverManager</a:t>
+            </a:r>
+            <a:r>
+              <a:rPr lang="zh-CN" altLang="en-US" sz="1000" dirty="0">
+                <a:solidFill>
+                  <a:srgbClr val="4F4F4F"/>
+                </a:solidFill>
+                <a:latin typeface="Arial Unicode MS"/>
+              </a:rPr>
+              <a:t>.getConnection(URL, UNAME, PWD);</a:t>
+            </a:r>
+          </a:p>
+          <a:p>
+            <a:pPr eaLnBrk="0" fontAlgn="base" hangingPunct="0">
+              <a:spcBef>
+                <a:spcPct val="0"/>
+              </a:spcBef>
+              <a:spcAft>
+                <a:spcPct val="0"/>
+              </a:spcAft>
+            </a:pPr>
+            <a:r>
+              <a:rPr lang="zh-CN" altLang="en-US" sz="1000" dirty="0">
+                <a:solidFill>
+                  <a:srgbClr val="4F4F4F"/>
+                </a:solidFill>
+                <a:latin typeface="Arial Unicode MS"/>
+              </a:rPr>
+              <a:t>        } </a:t>
+            </a:r>
+            <a:r>
+              <a:rPr lang="zh-CN" altLang="en-US" sz="1000" dirty="0">
+                <a:solidFill>
+                  <a:srgbClr val="0070C0"/>
+                </a:solidFill>
+                <a:latin typeface="Arial Unicode MS"/>
+              </a:rPr>
+              <a:t>catch</a:t>
+            </a:r>
+            <a:r>
+              <a:rPr lang="zh-CN" altLang="en-US" sz="1000" dirty="0">
+                <a:solidFill>
+                  <a:srgbClr val="4F4F4F"/>
+                </a:solidFill>
+                <a:latin typeface="Arial Unicode MS"/>
+              </a:rPr>
+              <a:t> (</a:t>
+            </a:r>
+            <a:r>
+              <a:rPr lang="zh-CN" altLang="en-US" sz="1000" dirty="0">
+                <a:solidFill>
+                  <a:srgbClr val="FF0000"/>
+                </a:solidFill>
+                <a:latin typeface="Arial Unicode MS"/>
+              </a:rPr>
+              <a:t>ClassNotFoundException</a:t>
+            </a:r>
+            <a:r>
+              <a:rPr lang="zh-CN" altLang="en-US" sz="1000" dirty="0">
+                <a:solidFill>
+                  <a:srgbClr val="4F4F4F"/>
+                </a:solidFill>
+                <a:latin typeface="Arial Unicode MS"/>
+              </a:rPr>
+              <a:t> e) {</a:t>
+            </a:r>
+          </a:p>
+          <a:p>
+            <a:pPr eaLnBrk="0" fontAlgn="base" hangingPunct="0">
+              <a:spcBef>
+                <a:spcPct val="0"/>
+              </a:spcBef>
+              <a:spcAft>
+                <a:spcPct val="0"/>
+              </a:spcAft>
+            </a:pPr>
+            <a:r>
+              <a:rPr lang="zh-CN" altLang="en-US" sz="1000" dirty="0">
+                <a:solidFill>
+                  <a:srgbClr val="4F4F4F"/>
+                </a:solidFill>
+                <a:latin typeface="Arial Unicode MS"/>
+              </a:rPr>
+              <a:t>            e.printStackTrace();</a:t>
+            </a:r>
+          </a:p>
+          <a:p>
+            <a:pPr eaLnBrk="0" fontAlgn="base" hangingPunct="0">
+              <a:spcBef>
+                <a:spcPct val="0"/>
+              </a:spcBef>
+              <a:spcAft>
+                <a:spcPct val="0"/>
+              </a:spcAft>
+            </a:pPr>
+            <a:r>
+              <a:rPr lang="zh-CN" altLang="en-US" sz="1000" dirty="0">
+                <a:solidFill>
+                  <a:srgbClr val="4F4F4F"/>
+                </a:solidFill>
+                <a:latin typeface="Arial Unicode MS"/>
+              </a:rPr>
+              <a:t>        } </a:t>
+            </a:r>
+            <a:r>
+              <a:rPr lang="zh-CN" altLang="en-US" sz="1000" dirty="0">
+                <a:solidFill>
+                  <a:srgbClr val="0070C0"/>
+                </a:solidFill>
+                <a:latin typeface="Arial Unicode MS"/>
+              </a:rPr>
+              <a:t>catch</a:t>
+            </a:r>
+            <a:r>
+              <a:rPr lang="zh-CN" altLang="en-US" sz="1000" dirty="0">
+                <a:solidFill>
+                  <a:srgbClr val="4F4F4F"/>
+                </a:solidFill>
+                <a:latin typeface="Arial Unicode MS"/>
+              </a:rPr>
+              <a:t> (</a:t>
+            </a:r>
+            <a:r>
+              <a:rPr lang="zh-CN" altLang="en-US" sz="1000" dirty="0">
+                <a:solidFill>
+                  <a:srgbClr val="FF0000"/>
+                </a:solidFill>
+                <a:latin typeface="Arial Unicode MS"/>
+              </a:rPr>
+              <a:t>SQLException</a:t>
+            </a:r>
+            <a:r>
+              <a:rPr lang="zh-CN" altLang="en-US" sz="1000" dirty="0">
+                <a:solidFill>
+                  <a:srgbClr val="4F4F4F"/>
+                </a:solidFill>
+                <a:latin typeface="Arial Unicode MS"/>
+              </a:rPr>
+              <a:t> e) {</a:t>
+            </a:r>
+          </a:p>
+          <a:p>
+            <a:pPr eaLnBrk="0" fontAlgn="base" hangingPunct="0">
+              <a:spcBef>
+                <a:spcPct val="0"/>
+              </a:spcBef>
+              <a:spcAft>
+                <a:spcPct val="0"/>
+              </a:spcAft>
+            </a:pPr>
+            <a:r>
+              <a:rPr lang="zh-CN" altLang="en-US" sz="1000" dirty="0">
+                <a:solidFill>
+                  <a:srgbClr val="4F4F4F"/>
+                </a:solidFill>
+                <a:latin typeface="Arial Unicode MS"/>
+              </a:rPr>
+              <a:t>            e.printStackTrace();</a:t>
+            </a:r>
+          </a:p>
+          <a:p>
+            <a:pPr eaLnBrk="0" fontAlgn="base" hangingPunct="0">
+              <a:spcBef>
+                <a:spcPct val="0"/>
+              </a:spcBef>
+              <a:spcAft>
+                <a:spcPct val="0"/>
+              </a:spcAft>
+            </a:pPr>
+            <a:r>
+              <a:rPr lang="zh-CN" altLang="en-US" sz="1000" dirty="0">
+                <a:solidFill>
+                  <a:srgbClr val="4F4F4F"/>
+                </a:solidFill>
+                <a:latin typeface="Arial Unicode MS"/>
+              </a:rPr>
+              <a:t>        }</a:t>
+            </a:r>
+          </a:p>
+          <a:p>
+            <a:pPr eaLnBrk="0" fontAlgn="base" hangingPunct="0">
+              <a:spcBef>
+                <a:spcPct val="0"/>
+              </a:spcBef>
+              <a:spcAft>
+                <a:spcPct val="0"/>
+              </a:spcAft>
+            </a:pPr>
+            <a:r>
+              <a:rPr lang="zh-CN" altLang="en-US" sz="1000" dirty="0">
+                <a:solidFill>
+                  <a:srgbClr val="4F4F4F"/>
+                </a:solidFill>
+                <a:latin typeface="Arial Unicode MS"/>
+              </a:rPr>
+              <a:t>        </a:t>
+            </a:r>
+            <a:r>
+              <a:rPr lang="zh-CN" altLang="en-US" sz="1000" dirty="0">
+                <a:solidFill>
+                  <a:srgbClr val="0070C0"/>
+                </a:solidFill>
+                <a:latin typeface="Arial Unicode MS"/>
+              </a:rPr>
+              <a:t>return</a:t>
+            </a:r>
+            <a:r>
+              <a:rPr lang="zh-CN" altLang="en-US" sz="1000" dirty="0">
+                <a:solidFill>
+                  <a:srgbClr val="4F4F4F"/>
+                </a:solidFill>
+                <a:latin typeface="Arial Unicode MS"/>
+              </a:rPr>
+              <a:t> conn;</a:t>
+            </a:r>
+          </a:p>
+          <a:p>
+            <a:pPr eaLnBrk="0" fontAlgn="base" hangingPunct="0">
+              <a:spcBef>
+                <a:spcPct val="0"/>
+              </a:spcBef>
+              <a:spcAft>
+                <a:spcPct val="0"/>
+              </a:spcAft>
+            </a:pPr>
+            <a:r>
+              <a:rPr lang="zh-CN" altLang="en-US" sz="1000" dirty="0">
+                <a:solidFill>
+                  <a:srgbClr val="4F4F4F"/>
+                </a:solidFill>
+                <a:latin typeface="Arial Unicode MS"/>
+              </a:rPr>
+              <a:t>    }</a:t>
+            </a:r>
+          </a:p>
+          <a:p>
+            <a:pPr eaLnBrk="0" fontAlgn="base" hangingPunct="0">
+              <a:spcBef>
+                <a:spcPct val="0"/>
+              </a:spcBef>
+              <a:spcAft>
+                <a:spcPct val="0"/>
+              </a:spcAft>
+            </a:pPr>
+            <a:r>
+              <a:rPr lang="zh-CN" altLang="en-US" sz="1000" dirty="0">
+                <a:solidFill>
+                  <a:srgbClr val="4F4F4F"/>
+                </a:solidFill>
+                <a:latin typeface="Arial Unicode MS"/>
+              </a:rPr>
+              <a:t>}</a:t>
+            </a:r>
+            <a:r>
+              <a:rPr lang="zh-CN" altLang="en-US" sz="1000" b="0" i="0" dirty="0">
+                <a:solidFill>
+                  <a:srgbClr val="4D4D4D"/>
                 </a:solidFill>
                 <a:effectLst/>
                 <a:latin typeface="-apple-system"/>
               </a:rPr>
-              <a:t>按照输入</a:t>
-            </a:r>
-            <a:r>
-              <a:rPr lang="en-US" altLang="zh-CN" b="0" i="0" dirty="0">
-                <a:solidFill>
-                  <a:srgbClr val="121212"/>
+              <a:t> </a:t>
+            </a:r>
+            <a:endParaRPr lang="en-US" altLang="zh-CN" sz="1000" dirty="0">
+              <a:solidFill>
+                <a:srgbClr val="4D4D4D"/>
+              </a:solidFill>
+              <a:latin typeface="-apple-system"/>
+            </a:endParaRPr>
+          </a:p>
+          <a:p>
+            <a:pPr eaLnBrk="0" fontAlgn="base" hangingPunct="0">
+              <a:spcBef>
+                <a:spcPct val="0"/>
+              </a:spcBef>
+              <a:spcAft>
+                <a:spcPct val="0"/>
+              </a:spcAft>
+            </a:pPr>
+            <a:r>
+              <a:rPr lang="en-US" altLang="zh-CN" sz="1000" b="0" i="0" dirty="0" err="1">
+                <a:solidFill>
+                  <a:srgbClr val="4D4D4D"/>
                 </a:solidFill>
                 <a:effectLst/>
                 <a:latin typeface="-apple-system"/>
               </a:rPr>
-              <a:t>-</a:t>
-            </a:r>
+              <a:t>getConnection</a:t>
+            </a:r>
+            <a:r>
+              <a:rPr lang="en-US" altLang="zh-CN" sz="1000" b="0" i="0" dirty="0">
+                <a:solidFill>
+                  <a:srgbClr val="4D4D4D"/>
+                </a:solidFill>
+                <a:effectLst/>
+                <a:latin typeface="-apple-system"/>
+              </a:rPr>
+              <a:t>()</a:t>
+            </a:r>
+            <a:r>
+              <a:rPr lang="zh-CN" altLang="en-US" sz="1000" b="0" i="0" dirty="0">
+                <a:solidFill>
+                  <a:srgbClr val="4D4D4D"/>
+                </a:solidFill>
+                <a:effectLst/>
+                <a:latin typeface="-apple-system"/>
+              </a:rPr>
+              <a:t>此方法会得到数据库连接对象，但是每次调用一次方法都会重新创建该实例。</a:t>
+            </a:r>
+            <a:endParaRPr lang="zh-CN" altLang="en-US" sz="1000" dirty="0">
+              <a:solidFill>
+                <a:srgbClr val="4F4F4F"/>
+              </a:solidFill>
+              <a:latin typeface="Arial Unicode MS"/>
+            </a:endParaRPr>
+          </a:p>
+        </p:txBody>
+      </p:sp>
+      <p:sp>
+        <p:nvSpPr>
+          <p:cNvPr id="10" name="文本框 9">
+            <a:extLst>
+              <a:ext uri="{FF2B5EF4-FFF2-40B4-BE49-F238E27FC236}">
+                <a16:creationId xmlns:a16="http://schemas.microsoft.com/office/drawing/2014/main" id="{0804E4BD-2A61-46C4-893D-35CF06DF13E3}"/>
+              </a:ext>
+            </a:extLst>
+          </p:cNvPr>
+          <p:cNvSpPr txBox="1"/>
+          <p:nvPr/>
+        </p:nvSpPr>
+        <p:spPr>
+          <a:xfrm>
+            <a:off x="724415" y="3579928"/>
+            <a:ext cx="10629384" cy="369332"/>
+          </a:xfrm>
+          <a:prstGeom prst="rect">
+            <a:avLst/>
+          </a:prstGeom>
+          <a:noFill/>
+        </p:spPr>
+        <p:txBody>
+          <a:bodyPr wrap="square">
+            <a:spAutoFit/>
+          </a:bodyPr>
+          <a:lstStyle/>
+          <a:p>
             <a:r>
               <a:rPr lang="zh-CN" altLang="en-US" b="0" i="0" dirty="0">
                 <a:solidFill>
-                  <a:srgbClr val="121212"/>
+                  <a:srgbClr val="4D4D4D"/>
                 </a:solidFill>
                 <a:effectLst/>
                 <a:latin typeface="-apple-system"/>
               </a:rPr>
-              <a:t>修改</a:t>
-            </a:r>
-            <a:r>
-              <a:rPr lang="en-US" altLang="zh-CN" b="0" i="0" dirty="0">
-                <a:solidFill>
-                  <a:srgbClr val="121212"/>
-                </a:solidFill>
-                <a:effectLst/>
-                <a:latin typeface="-apple-system"/>
-              </a:rPr>
-              <a:t>-</a:t>
-            </a:r>
-            <a:r>
-              <a:rPr lang="zh-CN" altLang="en-US" b="0" i="0" dirty="0">
-                <a:solidFill>
-                  <a:srgbClr val="121212"/>
-                </a:solidFill>
-                <a:effectLst/>
-                <a:latin typeface="-apple-system"/>
-              </a:rPr>
-              <a:t>输出的顺序排列参数</a:t>
-            </a:r>
-          </a:p>
-          <a:p>
-            <a:pPr marL="285750" indent="-285750" algn="l">
-              <a:buFont typeface="Arial" panose="020B0604020202020204" pitchFamily="34" charset="0"/>
-              <a:buChar char="•"/>
+              <a:t>改进后：</a:t>
+            </a:r>
+            <a:endParaRPr lang="zh-CN" altLang="en-US" dirty="0"/>
+          </a:p>
+        </p:txBody>
+      </p:sp>
+      <p:sp>
+        <p:nvSpPr>
+          <p:cNvPr id="12" name="文本框 11">
+            <a:extLst>
+              <a:ext uri="{FF2B5EF4-FFF2-40B4-BE49-F238E27FC236}">
+                <a16:creationId xmlns:a16="http://schemas.microsoft.com/office/drawing/2014/main" id="{94741D8D-4D55-43FE-A7F6-847D8083E9D4}"/>
+              </a:ext>
+            </a:extLst>
+          </p:cNvPr>
+          <p:cNvSpPr txBox="1"/>
+          <p:nvPr/>
+        </p:nvSpPr>
+        <p:spPr>
+          <a:xfrm>
+            <a:off x="838202" y="3949260"/>
+            <a:ext cx="10515597" cy="2554545"/>
+          </a:xfrm>
+          <a:prstGeom prst="rect">
+            <a:avLst/>
+          </a:prstGeom>
+          <a:noFill/>
+        </p:spPr>
+        <p:txBody>
+          <a:bodyPr wrap="square">
+            <a:spAutoFit/>
+          </a:bodyPr>
+          <a:lstStyle/>
+          <a:p>
+            <a:pPr marL="0" marR="0">
+              <a:spcBef>
+                <a:spcPts val="0"/>
+              </a:spcBef>
+              <a:spcAft>
+                <a:spcPts val="0"/>
+              </a:spcAft>
             </a:pPr>
             <a:r>
-              <a:rPr lang="zh-CN" altLang="en-US" b="0" i="0" dirty="0">
-                <a:solidFill>
-                  <a:srgbClr val="121212"/>
-                </a:solidFill>
-                <a:effectLst/>
-                <a:latin typeface="-apple-system"/>
-              </a:rPr>
-              <a:t>考虑自己创建</a:t>
-            </a:r>
-            <a:r>
-              <a:rPr lang="en-US" altLang="zh-CN" b="0" i="0" dirty="0">
-                <a:solidFill>
-                  <a:srgbClr val="121212"/>
-                </a:solidFill>
-                <a:effectLst/>
-                <a:latin typeface="-apple-system"/>
-              </a:rPr>
-              <a:t>in</a:t>
-            </a:r>
-            <a:r>
-              <a:rPr lang="zh-CN" altLang="en-US" b="0" i="0" dirty="0">
-                <a:solidFill>
-                  <a:srgbClr val="121212"/>
-                </a:solidFill>
-                <a:effectLst/>
-                <a:latin typeface="-apple-system"/>
-              </a:rPr>
-              <a:t>和</a:t>
-            </a:r>
-            <a:r>
-              <a:rPr lang="en-US" altLang="zh-CN" b="0" i="0" dirty="0">
-                <a:solidFill>
-                  <a:srgbClr val="121212"/>
-                </a:solidFill>
-                <a:effectLst/>
-                <a:latin typeface="-apple-system"/>
-              </a:rPr>
-              <a:t>out</a:t>
-            </a:r>
-            <a:r>
-              <a:rPr lang="zh-CN" altLang="en-US" b="0" i="0" dirty="0">
-                <a:solidFill>
-                  <a:srgbClr val="121212"/>
-                </a:solidFill>
-                <a:effectLst/>
-                <a:latin typeface="-apple-system"/>
-              </a:rPr>
-              <a:t>关键字</a:t>
-            </a:r>
-          </a:p>
-          <a:p>
-            <a:pPr marL="285750" indent="-285750" algn="l">
-              <a:buFont typeface="Arial" panose="020B0604020202020204" pitchFamily="34" charset="0"/>
-              <a:buChar char="•"/>
+              <a:rPr lang="zh-CN" altLang="zh-CN" sz="1000" dirty="0">
+                <a:solidFill>
+                  <a:srgbClr val="0070C0"/>
+                </a:solidFill>
+                <a:effectLst/>
+                <a:ea typeface="Calibri" panose="020F0502020204030204" pitchFamily="34" charset="0"/>
+              </a:rPr>
+              <a:t>public class </a:t>
+            </a:r>
+            <a:r>
+              <a:rPr lang="zh-CN" altLang="zh-CN" sz="1000" dirty="0">
+                <a:solidFill>
+                  <a:srgbClr val="FA0000"/>
+                </a:solidFill>
+                <a:effectLst/>
+                <a:ea typeface="Calibri" panose="020F0502020204030204" pitchFamily="34" charset="0"/>
+              </a:rPr>
+              <a:t>DBUtil</a:t>
+            </a:r>
+            <a:r>
+              <a:rPr lang="zh-CN" altLang="zh-CN" sz="1000" dirty="0">
+                <a:effectLst/>
+                <a:ea typeface="Calibri" panose="020F0502020204030204" pitchFamily="34" charset="0"/>
+              </a:rPr>
+              <a:t> {     </a:t>
+            </a:r>
+          </a:p>
+          <a:p>
+            <a:pPr marL="0" marR="0">
+              <a:spcBef>
+                <a:spcPts val="0"/>
+              </a:spcBef>
+              <a:spcAft>
+                <a:spcPts val="0"/>
+              </a:spcAft>
             </a:pPr>
             <a:r>
-              <a:rPr lang="zh-CN" altLang="en-US" b="0" i="0" dirty="0">
-                <a:solidFill>
-                  <a:srgbClr val="121212"/>
-                </a:solidFill>
-                <a:effectLst/>
-                <a:latin typeface="-apple-system"/>
-              </a:rPr>
-              <a:t>如果几个子程序都用了类似的一些参数，应该让这些参数的排列顺序保持一致</a:t>
-            </a:r>
-          </a:p>
-          <a:p>
-            <a:pPr marL="285750" indent="-285750" algn="l">
-              <a:buFont typeface="Arial" panose="020B0604020202020204" pitchFamily="34" charset="0"/>
-              <a:buChar char="•"/>
+              <a:rPr lang="zh-CN" altLang="zh-CN" sz="1000" dirty="0">
+                <a:effectLst/>
+                <a:ea typeface="Calibri" panose="020F0502020204030204" pitchFamily="34" charset="0"/>
+              </a:rPr>
+              <a:t>     </a:t>
+            </a:r>
+            <a:r>
+              <a:rPr lang="zh-CN" altLang="zh-CN" sz="1000" dirty="0">
+                <a:solidFill>
+                  <a:srgbClr val="0070C0"/>
+                </a:solidFill>
+                <a:effectLst/>
+                <a:ea typeface="Calibri" panose="020F0502020204030204" pitchFamily="34" charset="0"/>
+              </a:rPr>
+              <a:t>private static </a:t>
+            </a:r>
+            <a:r>
+              <a:rPr lang="zh-CN" altLang="zh-CN" sz="1000" dirty="0">
+                <a:solidFill>
+                  <a:srgbClr val="FA0000"/>
+                </a:solidFill>
+                <a:effectLst/>
+                <a:ea typeface="Calibri" panose="020F0502020204030204" pitchFamily="34" charset="0"/>
+              </a:rPr>
+              <a:t>Connection</a:t>
+            </a:r>
+            <a:r>
+              <a:rPr lang="zh-CN" altLang="zh-CN" sz="1000" dirty="0">
+                <a:effectLst/>
+                <a:ea typeface="Calibri" panose="020F0502020204030204" pitchFamily="34" charset="0"/>
+              </a:rPr>
+              <a:t> conn=null;</a:t>
+            </a:r>
+          </a:p>
+          <a:p>
+            <a:pPr marL="0" marR="0">
+              <a:spcBef>
+                <a:spcPts val="0"/>
+              </a:spcBef>
+              <a:spcAft>
+                <a:spcPts val="0"/>
+              </a:spcAft>
             </a:pPr>
             <a:r>
-              <a:rPr lang="zh-CN" altLang="en-US" b="0" i="0" dirty="0">
-                <a:solidFill>
-                  <a:srgbClr val="121212"/>
-                </a:solidFill>
-                <a:effectLst/>
-                <a:latin typeface="-apple-system"/>
-              </a:rPr>
-              <a:t>使用所有的参数（传递的参数一定使用，如果根本用不着，就把他从参数列表删除）</a:t>
-            </a:r>
-          </a:p>
-          <a:p>
-            <a:pPr marL="285750" indent="-285750" algn="l">
-              <a:buFont typeface="Arial" panose="020B0604020202020204" pitchFamily="34" charset="0"/>
-              <a:buChar char="•"/>
+              <a:rPr lang="zh-CN" altLang="zh-CN" sz="1000" dirty="0">
+                <a:effectLst/>
+                <a:ea typeface="Calibri" panose="020F0502020204030204" pitchFamily="34" charset="0"/>
+              </a:rPr>
+              <a:t>     static {     </a:t>
+            </a:r>
+          </a:p>
+          <a:p>
+            <a:pPr marL="0" marR="0">
+              <a:spcBef>
+                <a:spcPts val="0"/>
+              </a:spcBef>
+              <a:spcAft>
+                <a:spcPts val="0"/>
+              </a:spcAft>
             </a:pPr>
             <a:r>
-              <a:rPr lang="zh-CN" altLang="en-US" b="0" i="0" dirty="0">
-                <a:solidFill>
-                  <a:srgbClr val="121212"/>
-                </a:solidFill>
-                <a:effectLst/>
-                <a:latin typeface="-apple-system"/>
-              </a:rPr>
-              <a:t>把状态或出错变量放在最后；不要把子程序的参数用作工作变量（应使用局部变量）</a:t>
-            </a:r>
-          </a:p>
-          <a:p>
-            <a:pPr marL="285750" indent="-285750" algn="l">
-              <a:buFont typeface="Arial" panose="020B0604020202020204" pitchFamily="34" charset="0"/>
-              <a:buChar char="•"/>
+              <a:rPr lang="en-US" altLang="zh-CN" sz="1000" dirty="0">
+                <a:solidFill>
+                  <a:srgbClr val="4F4F4F"/>
+                </a:solidFill>
+                <a:effectLst/>
+                <a:ea typeface="Microsoft YaHei" panose="020B0503020204020204" pitchFamily="34" charset="-122"/>
+              </a:rPr>
+              <a:t>      </a:t>
+            </a:r>
+            <a:r>
+              <a:rPr lang="zh-CN" altLang="zh-CN" sz="1000" dirty="0">
+                <a:solidFill>
+                  <a:srgbClr val="4F4F4F"/>
+                </a:solidFill>
+                <a:effectLst/>
+                <a:ea typeface="Arial Unicode MS"/>
+              </a:rPr>
+              <a:t> try {</a:t>
+            </a:r>
+            <a:endParaRPr lang="zh-CN" altLang="zh-CN" sz="1000" dirty="0">
+              <a:solidFill>
+                <a:srgbClr val="4F4F4F"/>
+              </a:solidFill>
+              <a:effectLst/>
+              <a:ea typeface="Calibri" panose="020F0502020204030204" pitchFamily="34" charset="0"/>
+            </a:endParaRPr>
+          </a:p>
+          <a:p>
+            <a:pPr marL="0" marR="0">
+              <a:spcBef>
+                <a:spcPts val="0"/>
+              </a:spcBef>
+              <a:spcAft>
+                <a:spcPts val="0"/>
+              </a:spcAft>
             </a:pPr>
             <a:r>
-              <a:rPr lang="zh-CN" altLang="en-US" b="0" i="0" dirty="0">
-                <a:solidFill>
-                  <a:srgbClr val="121212"/>
-                </a:solidFill>
-                <a:effectLst/>
-                <a:latin typeface="-apple-system"/>
-              </a:rPr>
-              <a:t>在接口中对参数的假定加以说明（子程序和调用子程序处同时说明）；</a:t>
-            </a:r>
-          </a:p>
-          <a:p>
-            <a:pPr marL="285750" indent="-285750" algn="l">
-              <a:buFont typeface="Arial" panose="020B0604020202020204" pitchFamily="34" charset="0"/>
-              <a:buChar char="•"/>
+              <a:rPr lang="zh-CN" altLang="zh-CN" sz="1000" dirty="0">
+                <a:solidFill>
+                  <a:srgbClr val="4F4F4F"/>
+                </a:solidFill>
+                <a:effectLst/>
+                <a:ea typeface="Arial Unicode MS"/>
+              </a:rPr>
+              <a:t>            </a:t>
+            </a:r>
+            <a:r>
+              <a:rPr lang="en-US" altLang="zh-CN" sz="1000" dirty="0">
+                <a:solidFill>
+                  <a:srgbClr val="4F4F4F"/>
+                </a:solidFill>
+                <a:effectLst/>
+                <a:ea typeface="Microsoft YaHei" panose="020B0503020204020204" pitchFamily="34" charset="-122"/>
+              </a:rPr>
+              <a:t>  </a:t>
+            </a:r>
+            <a:r>
+              <a:rPr lang="zh-CN" altLang="zh-CN" sz="1000" dirty="0">
+                <a:solidFill>
+                  <a:srgbClr val="FF0000"/>
+                </a:solidFill>
+                <a:effectLst/>
+                <a:ea typeface="Arial Unicode MS"/>
+              </a:rPr>
+              <a:t>Class</a:t>
+            </a:r>
+            <a:r>
+              <a:rPr lang="zh-CN" altLang="zh-CN" sz="1000" dirty="0">
+                <a:solidFill>
+                  <a:srgbClr val="4F4F4F"/>
+                </a:solidFill>
+                <a:effectLst/>
+                <a:ea typeface="Arial Unicode MS"/>
+              </a:rPr>
+              <a:t>.forName("com.mysql.jdbc.Driver");</a:t>
+            </a:r>
+            <a:endParaRPr lang="zh-CN" altLang="zh-CN" sz="1000" dirty="0">
+              <a:effectLst/>
+              <a:ea typeface="Calibri" panose="020F0502020204030204" pitchFamily="34" charset="0"/>
+            </a:endParaRPr>
+          </a:p>
+          <a:p>
+            <a:pPr marL="0" marR="0">
+              <a:spcBef>
+                <a:spcPts val="0"/>
+              </a:spcBef>
+              <a:spcAft>
+                <a:spcPts val="0"/>
+              </a:spcAft>
             </a:pPr>
             <a:r>
-              <a:rPr lang="zh-CN" altLang="en-US" b="0" i="0" dirty="0">
-                <a:solidFill>
-                  <a:srgbClr val="121212"/>
-                </a:solidFill>
-                <a:effectLst/>
-                <a:latin typeface="-apple-system"/>
-              </a:rPr>
-              <a:t>为子程序传递用以维持其接口抽象的变量或对象（重点是子程序的接口要表达何种抽象，传递整个对象还是其中的变量）</a:t>
-            </a:r>
-          </a:p>
-          <a:p>
-            <a:pPr marL="285750" indent="-285750" algn="l">
-              <a:buFont typeface="Arial" panose="020B0604020202020204" pitchFamily="34" charset="0"/>
-              <a:buChar char="•"/>
+              <a:rPr lang="zh-CN" altLang="zh-CN" sz="1000" dirty="0">
+                <a:solidFill>
+                  <a:srgbClr val="4F4F4F"/>
+                </a:solidFill>
+                <a:effectLst/>
+                <a:ea typeface="Arial Unicode MS"/>
+              </a:rPr>
+              <a:t>            </a:t>
+            </a:r>
+            <a:r>
+              <a:rPr lang="en-US" altLang="zh-CN" sz="1000" dirty="0">
+                <a:solidFill>
+                  <a:srgbClr val="4F4F4F"/>
+                </a:solidFill>
+                <a:effectLst/>
+                <a:ea typeface="Microsoft YaHei" panose="020B0503020204020204" pitchFamily="34" charset="-122"/>
+              </a:rPr>
+              <a:t>  </a:t>
+            </a:r>
+            <a:r>
+              <a:rPr lang="zh-CN" altLang="zh-CN" sz="1000" dirty="0">
+                <a:solidFill>
+                  <a:srgbClr val="4F4F4F"/>
+                </a:solidFill>
+                <a:effectLst/>
+                <a:ea typeface="Arial Unicode MS"/>
+              </a:rPr>
+              <a:t>conn = </a:t>
+            </a:r>
+            <a:r>
+              <a:rPr lang="zh-CN" altLang="zh-CN" sz="1000" dirty="0">
+                <a:solidFill>
+                  <a:srgbClr val="FF0000"/>
+                </a:solidFill>
+                <a:effectLst/>
+                <a:ea typeface="Arial Unicode MS"/>
+              </a:rPr>
+              <a:t>DriverManager</a:t>
+            </a:r>
+            <a:r>
+              <a:rPr lang="zh-CN" altLang="zh-CN" sz="1000" dirty="0">
+                <a:solidFill>
+                  <a:srgbClr val="4F4F4F"/>
+                </a:solidFill>
+                <a:effectLst/>
+                <a:ea typeface="Arial Unicode MS"/>
+              </a:rPr>
+              <a:t>.getConnection(URL, UNAME, PWD);</a:t>
+            </a:r>
+            <a:endParaRPr lang="zh-CN" altLang="zh-CN" sz="1000" dirty="0">
+              <a:effectLst/>
+              <a:ea typeface="Calibri" panose="020F0502020204030204" pitchFamily="34" charset="0"/>
+            </a:endParaRPr>
+          </a:p>
+          <a:p>
+            <a:pPr marL="0" marR="0">
+              <a:spcBef>
+                <a:spcPts val="0"/>
+              </a:spcBef>
+              <a:spcAft>
+                <a:spcPts val="0"/>
+              </a:spcAft>
             </a:pPr>
             <a:r>
-              <a:rPr lang="zh-CN" altLang="en-US" b="0" i="0" dirty="0">
-                <a:solidFill>
-                  <a:srgbClr val="121212"/>
-                </a:solidFill>
-                <a:effectLst/>
-                <a:latin typeface="-apple-system"/>
-              </a:rPr>
-              <a:t>使用具名参数</a:t>
-            </a:r>
-          </a:p>
-          <a:p>
-            <a:pPr marL="285750" indent="-285750" algn="l">
-              <a:buFont typeface="Arial" panose="020B0604020202020204" pitchFamily="34" charset="0"/>
-              <a:buChar char="•"/>
+              <a:rPr lang="zh-CN" altLang="zh-CN" sz="1000" dirty="0">
+                <a:solidFill>
+                  <a:srgbClr val="4F4F4F"/>
+                </a:solidFill>
+                <a:effectLst/>
+                <a:ea typeface="Arial Unicode MS"/>
+              </a:rPr>
+              <a:t>       </a:t>
+            </a:r>
+            <a:r>
+              <a:rPr lang="en-US" altLang="zh-CN" sz="1000" dirty="0">
+                <a:solidFill>
+                  <a:srgbClr val="4F4F4F"/>
+                </a:solidFill>
+                <a:effectLst/>
+                <a:ea typeface="Microsoft YaHei" panose="020B0503020204020204" pitchFamily="34" charset="-122"/>
+              </a:rPr>
+              <a:t>  </a:t>
+            </a:r>
+            <a:r>
+              <a:rPr lang="zh-CN" altLang="zh-CN" sz="1000" dirty="0">
+                <a:solidFill>
+                  <a:srgbClr val="4F4F4F"/>
+                </a:solidFill>
+                <a:effectLst/>
+                <a:ea typeface="Arial Unicode MS"/>
+              </a:rPr>
+              <a:t> } </a:t>
+            </a:r>
+            <a:r>
+              <a:rPr lang="zh-CN" altLang="zh-CN" sz="1000" dirty="0">
+                <a:solidFill>
+                  <a:srgbClr val="0070C0"/>
+                </a:solidFill>
+                <a:effectLst/>
+                <a:ea typeface="Arial Unicode MS"/>
+              </a:rPr>
+              <a:t>catch</a:t>
+            </a:r>
+            <a:r>
+              <a:rPr lang="zh-CN" altLang="zh-CN" sz="1000" dirty="0">
+                <a:solidFill>
+                  <a:srgbClr val="4F4F4F"/>
+                </a:solidFill>
+                <a:effectLst/>
+                <a:ea typeface="Arial Unicode MS"/>
+              </a:rPr>
+              <a:t> (</a:t>
+            </a:r>
+            <a:r>
+              <a:rPr lang="zh-CN" altLang="zh-CN" sz="1000" dirty="0">
+                <a:solidFill>
+                  <a:srgbClr val="FF0000"/>
+                </a:solidFill>
+                <a:effectLst/>
+                <a:ea typeface="Arial Unicode MS"/>
+              </a:rPr>
+              <a:t>ClassNotFoundException</a:t>
+            </a:r>
+            <a:r>
+              <a:rPr lang="zh-CN" altLang="zh-CN" sz="1000" dirty="0">
+                <a:solidFill>
+                  <a:srgbClr val="4F4F4F"/>
+                </a:solidFill>
+                <a:effectLst/>
+                <a:ea typeface="Arial Unicode MS"/>
+              </a:rPr>
+              <a:t> e) {</a:t>
+            </a:r>
+            <a:endParaRPr lang="zh-CN" altLang="zh-CN" sz="1000" dirty="0">
+              <a:effectLst/>
+              <a:ea typeface="Calibri" panose="020F0502020204030204" pitchFamily="34" charset="0"/>
+            </a:endParaRPr>
+          </a:p>
+          <a:p>
+            <a:pPr marL="0" marR="0">
+              <a:spcBef>
+                <a:spcPts val="0"/>
+              </a:spcBef>
+              <a:spcAft>
+                <a:spcPts val="0"/>
+              </a:spcAft>
             </a:pPr>
             <a:r>
-              <a:rPr lang="zh-CN" altLang="en-US" b="0" i="0" dirty="0">
-                <a:solidFill>
-                  <a:srgbClr val="121212"/>
-                </a:solidFill>
-                <a:effectLst/>
-                <a:latin typeface="-apple-system"/>
-              </a:rPr>
-              <a:t> 确保实际参数与形式参数相匹配</a:t>
+              <a:rPr lang="zh-CN" altLang="zh-CN" sz="1000" dirty="0">
+                <a:solidFill>
+                  <a:srgbClr val="4F4F4F"/>
+                </a:solidFill>
+                <a:effectLst/>
+                <a:ea typeface="Arial Unicode MS"/>
+              </a:rPr>
+              <a:t>           </a:t>
+            </a:r>
+            <a:r>
+              <a:rPr lang="en-US" altLang="zh-CN" sz="1000" dirty="0">
+                <a:solidFill>
+                  <a:srgbClr val="4F4F4F"/>
+                </a:solidFill>
+                <a:effectLst/>
+                <a:ea typeface="Microsoft YaHei" panose="020B0503020204020204" pitchFamily="34" charset="-122"/>
+              </a:rPr>
+              <a:t>  </a:t>
+            </a:r>
+            <a:r>
+              <a:rPr lang="zh-CN" altLang="zh-CN" sz="1000" dirty="0">
+                <a:solidFill>
+                  <a:srgbClr val="4F4F4F"/>
+                </a:solidFill>
+                <a:effectLst/>
+                <a:ea typeface="Arial Unicode MS"/>
+              </a:rPr>
+              <a:t> e.printStackTrace();</a:t>
+            </a:r>
+            <a:endParaRPr lang="zh-CN" altLang="zh-CN" sz="1000" dirty="0">
+              <a:solidFill>
+                <a:srgbClr val="4F4F4F"/>
+              </a:solidFill>
+              <a:effectLst/>
+              <a:ea typeface="Calibri" panose="020F0502020204030204" pitchFamily="34" charset="0"/>
+            </a:endParaRPr>
+          </a:p>
+          <a:p>
+            <a:pPr marL="0" marR="0">
+              <a:spcBef>
+                <a:spcPts val="0"/>
+              </a:spcBef>
+              <a:spcAft>
+                <a:spcPts val="0"/>
+              </a:spcAft>
+            </a:pPr>
+            <a:r>
+              <a:rPr lang="zh-CN" altLang="zh-CN" sz="1000" dirty="0">
+                <a:solidFill>
+                  <a:srgbClr val="4F4F4F"/>
+                </a:solidFill>
+                <a:effectLst/>
+                <a:ea typeface="Arial Unicode MS"/>
+              </a:rPr>
+              <a:t>        </a:t>
+            </a:r>
+            <a:r>
+              <a:rPr lang="en-US" altLang="zh-CN" sz="1000" dirty="0">
+                <a:solidFill>
+                  <a:srgbClr val="4F4F4F"/>
+                </a:solidFill>
+                <a:effectLst/>
+                <a:ea typeface="Microsoft YaHei" panose="020B0503020204020204" pitchFamily="34" charset="-122"/>
+              </a:rPr>
+              <a:t>  </a:t>
+            </a:r>
+            <a:r>
+              <a:rPr lang="zh-CN" altLang="zh-CN" sz="1000" dirty="0">
+                <a:solidFill>
+                  <a:srgbClr val="4F4F4F"/>
+                </a:solidFill>
+                <a:effectLst/>
+                <a:ea typeface="Arial Unicode MS"/>
+              </a:rPr>
+              <a:t>} </a:t>
+            </a:r>
+            <a:r>
+              <a:rPr lang="zh-CN" altLang="zh-CN" sz="1000" dirty="0">
+                <a:solidFill>
+                  <a:srgbClr val="0070C0"/>
+                </a:solidFill>
+                <a:effectLst/>
+                <a:ea typeface="Arial Unicode MS"/>
+              </a:rPr>
+              <a:t>catch</a:t>
+            </a:r>
+            <a:r>
+              <a:rPr lang="zh-CN" altLang="zh-CN" sz="1000" dirty="0">
+                <a:solidFill>
+                  <a:srgbClr val="4F4F4F"/>
+                </a:solidFill>
+                <a:effectLst/>
+                <a:ea typeface="Arial Unicode MS"/>
+              </a:rPr>
+              <a:t> (</a:t>
+            </a:r>
+            <a:r>
+              <a:rPr lang="zh-CN" altLang="zh-CN" sz="1000" dirty="0">
+                <a:solidFill>
+                  <a:srgbClr val="FF0000"/>
+                </a:solidFill>
+                <a:effectLst/>
+                <a:ea typeface="Arial Unicode MS"/>
+              </a:rPr>
+              <a:t>SQLException</a:t>
+            </a:r>
+            <a:r>
+              <a:rPr lang="zh-CN" altLang="zh-CN" sz="1000" dirty="0">
+                <a:solidFill>
+                  <a:srgbClr val="4F4F4F"/>
+                </a:solidFill>
+                <a:effectLst/>
+                <a:ea typeface="Arial Unicode MS"/>
+              </a:rPr>
+              <a:t> e) {</a:t>
+            </a:r>
+            <a:endParaRPr lang="zh-CN" altLang="zh-CN" sz="1000" dirty="0">
+              <a:effectLst/>
+              <a:ea typeface="Calibri" panose="020F0502020204030204" pitchFamily="34" charset="0"/>
+            </a:endParaRPr>
+          </a:p>
+          <a:p>
+            <a:pPr marL="0" marR="0">
+              <a:spcBef>
+                <a:spcPts val="0"/>
+              </a:spcBef>
+              <a:spcAft>
+                <a:spcPts val="0"/>
+              </a:spcAft>
+            </a:pPr>
+            <a:r>
+              <a:rPr lang="zh-CN" altLang="zh-CN" sz="1000" dirty="0">
+                <a:solidFill>
+                  <a:srgbClr val="4F4F4F"/>
+                </a:solidFill>
+                <a:effectLst/>
+                <a:ea typeface="Arial Unicode MS"/>
+              </a:rPr>
+              <a:t>           </a:t>
+            </a:r>
+            <a:r>
+              <a:rPr lang="en-US" altLang="zh-CN" sz="1000" dirty="0">
+                <a:solidFill>
+                  <a:srgbClr val="4F4F4F"/>
+                </a:solidFill>
+                <a:effectLst/>
+                <a:ea typeface="Microsoft YaHei" panose="020B0503020204020204" pitchFamily="34" charset="-122"/>
+              </a:rPr>
+              <a:t> </a:t>
+            </a:r>
+            <a:r>
+              <a:rPr lang="zh-CN" altLang="zh-CN" sz="1000" dirty="0">
+                <a:solidFill>
+                  <a:srgbClr val="4F4F4F"/>
+                </a:solidFill>
+                <a:effectLst/>
+                <a:ea typeface="Arial Unicode MS"/>
+              </a:rPr>
+              <a:t> e.printStackTrace();</a:t>
+            </a:r>
+            <a:endParaRPr lang="zh-CN" altLang="zh-CN" sz="1000" dirty="0">
+              <a:solidFill>
+                <a:srgbClr val="4F4F4F"/>
+              </a:solidFill>
+              <a:effectLst/>
+              <a:ea typeface="Calibri" panose="020F0502020204030204" pitchFamily="34" charset="0"/>
+            </a:endParaRPr>
+          </a:p>
+          <a:p>
+            <a:pPr marL="0" marR="0">
+              <a:spcBef>
+                <a:spcPts val="0"/>
+              </a:spcBef>
+              <a:spcAft>
+                <a:spcPts val="0"/>
+              </a:spcAft>
+            </a:pPr>
+            <a:r>
+              <a:rPr lang="zh-CN" altLang="zh-CN" sz="1000" dirty="0">
+                <a:solidFill>
+                  <a:srgbClr val="4F4F4F"/>
+                </a:solidFill>
+                <a:effectLst/>
+                <a:ea typeface="Arial Unicode MS"/>
+              </a:rPr>
+              <a:t>        </a:t>
+            </a:r>
+            <a:r>
+              <a:rPr lang="en-US" altLang="zh-CN" sz="1000" dirty="0">
+                <a:solidFill>
+                  <a:srgbClr val="4F4F4F"/>
+                </a:solidFill>
+                <a:effectLst/>
+                <a:ea typeface="Microsoft YaHei" panose="020B0503020204020204" pitchFamily="34" charset="-122"/>
+              </a:rPr>
+              <a:t>  </a:t>
+            </a:r>
+            <a:r>
+              <a:rPr lang="zh-CN" altLang="zh-CN" sz="1000" dirty="0">
+                <a:solidFill>
+                  <a:srgbClr val="4F4F4F"/>
+                </a:solidFill>
+                <a:effectLst/>
+                <a:ea typeface="Arial Unicode MS"/>
+              </a:rPr>
+              <a:t>}</a:t>
+            </a:r>
+            <a:endParaRPr lang="zh-CN" altLang="zh-CN" sz="1000" dirty="0">
+              <a:solidFill>
+                <a:srgbClr val="4F4F4F"/>
+              </a:solidFill>
+              <a:effectLst/>
+              <a:ea typeface="Calibri" panose="020F0502020204030204" pitchFamily="34" charset="0"/>
+            </a:endParaRPr>
+          </a:p>
+          <a:p>
+            <a:pPr marL="0" marR="0">
+              <a:spcBef>
+                <a:spcPts val="0"/>
+              </a:spcBef>
+              <a:spcAft>
+                <a:spcPts val="0"/>
+              </a:spcAft>
+            </a:pPr>
+            <a:r>
+              <a:rPr lang="zh-CN" altLang="zh-CN" sz="1000" dirty="0">
+                <a:effectLst/>
+                <a:ea typeface="Calibri" panose="020F0502020204030204" pitchFamily="34" charset="0"/>
+              </a:rPr>
+              <a:t>     }</a:t>
+            </a:r>
+          </a:p>
+          <a:p>
+            <a:pPr marL="0" marR="0">
+              <a:spcBef>
+                <a:spcPts val="0"/>
+              </a:spcBef>
+              <a:spcAft>
+                <a:spcPts val="0"/>
+              </a:spcAft>
+            </a:pPr>
+            <a:r>
+              <a:rPr lang="zh-CN" altLang="zh-CN" sz="1000" dirty="0">
+                <a:effectLst/>
+                <a:ea typeface="Calibri" panose="020F0502020204030204" pitchFamily="34" charset="0"/>
+              </a:rPr>
+              <a:t>    </a:t>
+            </a:r>
+            <a:r>
+              <a:rPr lang="zh-CN" altLang="zh-CN" sz="1000" dirty="0">
+                <a:solidFill>
+                  <a:srgbClr val="0070C0"/>
+                </a:solidFill>
+                <a:effectLst/>
+                <a:ea typeface="Calibri" panose="020F0502020204030204" pitchFamily="34" charset="0"/>
+              </a:rPr>
+              <a:t>public static </a:t>
+            </a:r>
+            <a:r>
+              <a:rPr lang="zh-CN" altLang="zh-CN" sz="1000" dirty="0">
+                <a:solidFill>
+                  <a:srgbClr val="FA0000"/>
+                </a:solidFill>
+                <a:effectLst/>
+                <a:ea typeface="Calibri" panose="020F0502020204030204" pitchFamily="34" charset="0"/>
+              </a:rPr>
+              <a:t>Connection</a:t>
+            </a:r>
+            <a:r>
+              <a:rPr lang="zh-CN" altLang="zh-CN" sz="1000" dirty="0">
+                <a:effectLst/>
+                <a:ea typeface="Calibri" panose="020F0502020204030204" pitchFamily="34" charset="0"/>
+              </a:rPr>
+              <a:t> getConnection(){</a:t>
+            </a:r>
+          </a:p>
+          <a:p>
+            <a:pPr marL="0" marR="0">
+              <a:spcBef>
+                <a:spcPts val="0"/>
+              </a:spcBef>
+              <a:spcAft>
+                <a:spcPts val="0"/>
+              </a:spcAft>
+            </a:pPr>
+            <a:r>
+              <a:rPr lang="zh-CN" altLang="zh-CN" sz="1000" dirty="0">
+                <a:effectLst/>
+                <a:ea typeface="Calibri" panose="020F0502020204030204" pitchFamily="34" charset="0"/>
+              </a:rPr>
+              <a:t>         </a:t>
+            </a:r>
+            <a:r>
+              <a:rPr lang="zh-CN" altLang="zh-CN" sz="1000" dirty="0">
+                <a:solidFill>
+                  <a:srgbClr val="0070C0"/>
+                </a:solidFill>
+                <a:effectLst/>
+                <a:ea typeface="Calibri" panose="020F0502020204030204" pitchFamily="34" charset="0"/>
+              </a:rPr>
+              <a:t>return</a:t>
+            </a:r>
+            <a:r>
+              <a:rPr lang="zh-CN" altLang="zh-CN" sz="1000" dirty="0">
+                <a:effectLst/>
+                <a:ea typeface="Calibri" panose="020F0502020204030204" pitchFamily="34" charset="0"/>
+              </a:rPr>
+              <a:t> conn;</a:t>
+            </a:r>
+          </a:p>
+          <a:p>
+            <a:pPr marL="0" marR="0">
+              <a:spcBef>
+                <a:spcPts val="0"/>
+              </a:spcBef>
+              <a:spcAft>
+                <a:spcPts val="0"/>
+              </a:spcAft>
+            </a:pPr>
+            <a:r>
+              <a:rPr lang="zh-CN" altLang="zh-CN" sz="1000" dirty="0">
+                <a:effectLst/>
+                <a:ea typeface="Calibri" panose="020F0502020204030204" pitchFamily="34" charset="0"/>
+              </a:rPr>
+              <a:t>     }</a:t>
+            </a:r>
+          </a:p>
+          <a:p>
+            <a:pPr marL="0" marR="0">
+              <a:spcBef>
+                <a:spcPts val="0"/>
+              </a:spcBef>
+              <a:spcAft>
+                <a:spcPts val="0"/>
+              </a:spcAft>
+            </a:pPr>
+            <a:r>
+              <a:rPr lang="zh-CN" altLang="zh-CN" sz="1000" dirty="0">
+                <a:effectLst/>
+                <a:ea typeface="Calibri" panose="020F0502020204030204" pitchFamily="34" charset="0"/>
+              </a:rPr>
+              <a:t> }</a:t>
             </a:r>
           </a:p>
         </p:txBody>
@@ -5584,7 +10784,7 @@
     </p:spTree>
     <p:extLst>
       <p:ext uri="{BB962C8B-B14F-4D97-AF65-F5344CB8AC3E}">
-        <p14:creationId xmlns:p14="http://schemas.microsoft.com/office/powerpoint/2010/main" val="1628853847"/>
+        <p14:creationId xmlns:p14="http://schemas.microsoft.com/office/powerpoint/2010/main" val="637689245"/>
       </p:ext>
     </p:extLst>
   </p:cSld>
@@ -5635,50 +10835,740 @@
         </p:spPr>
         <p:txBody>
           <a:bodyPr>
-            <a:normAutofit fontScale="90000"/>
+            <a:normAutofit/>
           </a:bodyPr>
           <a:lstStyle/>
           <a:p>
-            <a:r>
-              <a:rPr lang="zh-CN" altLang="en-US" dirty="0"/>
-              <a:t>防御式编程</a:t>
+            <a:pPr algn="l"/>
+            <a:r>
+              <a:rPr lang="zh-CN" altLang="en-US" sz="1800" dirty="0">
+                <a:latin typeface="+mn-lt"/>
+                <a:ea typeface="+mn-ea"/>
+                <a:cs typeface="+mn-cs"/>
+              </a:rPr>
+              <a:t>第</a:t>
+            </a:r>
+            <a:r>
+              <a:rPr lang="en-US" altLang="zh-CN" sz="1800" dirty="0">
+                <a:latin typeface="+mn-lt"/>
+                <a:ea typeface="+mn-ea"/>
+                <a:cs typeface="+mn-cs"/>
+              </a:rPr>
+              <a:t>6</a:t>
+            </a:r>
+            <a:r>
+              <a:rPr lang="zh-CN" altLang="en-US" sz="1800" dirty="0">
+                <a:latin typeface="+mn-lt"/>
+                <a:ea typeface="+mn-ea"/>
+                <a:cs typeface="+mn-cs"/>
+              </a:rPr>
+              <a:t>条 消除过期的对象引用</a:t>
             </a:r>
           </a:p>
         </p:txBody>
       </p:sp>
-      <p:pic>
-        <p:nvPicPr>
-          <p:cNvPr id="5" name="内容占位符 4">
+      <p:sp>
+        <p:nvSpPr>
+          <p:cNvPr id="4" name="文本框 3">
             <a:extLst>
               <a:ext uri="{FF2B5EF4-FFF2-40B4-BE49-F238E27FC236}">
-                <a16:creationId xmlns:a16="http://schemas.microsoft.com/office/drawing/2014/main" id="{2669E415-663D-4E85-975A-A62F5F9C1FFA}"/>
+                <a16:creationId xmlns:a16="http://schemas.microsoft.com/office/drawing/2014/main" id="{CCD20FFD-2382-4C88-97D5-B522EB83FB05}"/>
               </a:ext>
             </a:extLst>
           </p:cNvPr>
-          <p:cNvPicPr>
-            <a:picLocks noGrp="1" noChangeAspect="1"/>
-          </p:cNvPicPr>
-          <p:nvPr>
-            <p:ph idx="1"/>
-          </p:nvPr>
-        </p:nvPicPr>
-        <p:blipFill>
-          <a:blip r:embed="rId2"/>
-          <a:stretch>
-            <a:fillRect/>
-          </a:stretch>
-        </p:blipFill>
+          <p:cNvSpPr txBox="1"/>
+          <p:nvPr/>
+        </p:nvSpPr>
         <p:spPr>
           <a:xfrm>
-            <a:off x="919617" y="1849302"/>
-            <a:ext cx="10771451" cy="3236265"/>
+            <a:off x="838200" y="1001064"/>
+            <a:ext cx="10515600" cy="369332"/>
           </a:xfrm>
+          <a:prstGeom prst="rect">
+            <a:avLst/>
+          </a:prstGeom>
+          <a:noFill/>
         </p:spPr>
-      </p:pic>
+        <p:txBody>
+          <a:bodyPr wrap="square">
+            <a:spAutoFit/>
+          </a:bodyPr>
+          <a:lstStyle/>
+          <a:p>
+            <a:pPr algn="l"/>
+            <a:r>
+              <a:rPr lang="zh-CN" altLang="en-US" b="0" i="0" dirty="0">
+                <a:solidFill>
+                  <a:srgbClr val="000000"/>
+                </a:solidFill>
+                <a:effectLst/>
+                <a:latin typeface="Verdana" panose="020B0604030504040204" pitchFamily="34" charset="0"/>
+              </a:rPr>
+              <a:t>不能因为有了垃圾回收机制后，就不需要考虑内存管理的事情了。例如：</a:t>
+            </a:r>
+            <a:endParaRPr lang="en-US" altLang="zh-CN" b="0" i="0" dirty="0">
+              <a:solidFill>
+                <a:srgbClr val="000000"/>
+              </a:solidFill>
+              <a:effectLst/>
+              <a:latin typeface="Verdana" panose="020B0604030504040204" pitchFamily="34" charset="0"/>
+            </a:endParaRPr>
+          </a:p>
+        </p:txBody>
+      </p:sp>
+      <p:sp>
+        <p:nvSpPr>
+          <p:cNvPr id="6" name="文本框 5">
+            <a:extLst>
+              <a:ext uri="{FF2B5EF4-FFF2-40B4-BE49-F238E27FC236}">
+                <a16:creationId xmlns:a16="http://schemas.microsoft.com/office/drawing/2014/main" id="{19DC6855-9849-43AF-AE36-093B59F47ABB}"/>
+              </a:ext>
+            </a:extLst>
+          </p:cNvPr>
+          <p:cNvSpPr txBox="1"/>
+          <p:nvPr/>
+        </p:nvSpPr>
+        <p:spPr>
+          <a:xfrm>
+            <a:off x="838200" y="1370396"/>
+            <a:ext cx="4129216" cy="4247317"/>
+          </a:xfrm>
+          <a:prstGeom prst="rect">
+            <a:avLst/>
+          </a:prstGeom>
+          <a:noFill/>
+        </p:spPr>
+        <p:txBody>
+          <a:bodyPr wrap="square">
+            <a:spAutoFit/>
+          </a:bodyPr>
+          <a:lstStyle/>
+          <a:p>
+            <a:pPr marL="0" marR="0">
+              <a:spcBef>
+                <a:spcPts val="0"/>
+              </a:spcBef>
+              <a:spcAft>
+                <a:spcPts val="0"/>
+              </a:spcAft>
+            </a:pPr>
+            <a:r>
+              <a:rPr lang="zh-CN" altLang="zh-CN" sz="1000" dirty="0">
+                <a:effectLst/>
+                <a:ea typeface="Calibri" panose="020F0502020204030204" pitchFamily="34" charset="0"/>
+              </a:rPr>
+              <a:t>public class Stack {</a:t>
+            </a:r>
+          </a:p>
+          <a:p>
+            <a:pPr marL="0" marR="0">
+              <a:spcBef>
+                <a:spcPts val="0"/>
+              </a:spcBef>
+              <a:spcAft>
+                <a:spcPts val="0"/>
+              </a:spcAft>
+            </a:pPr>
+            <a:r>
+              <a:rPr lang="zh-CN" altLang="zh-CN" sz="1000" dirty="0">
+                <a:effectLst/>
+                <a:ea typeface="Calibri" panose="020F0502020204030204" pitchFamily="34" charset="0"/>
+              </a:rPr>
+              <a:t>    private Object[] elements;</a:t>
+            </a:r>
+          </a:p>
+          <a:p>
+            <a:pPr marL="0" marR="0">
+              <a:spcBef>
+                <a:spcPts val="0"/>
+              </a:spcBef>
+              <a:spcAft>
+                <a:spcPts val="0"/>
+              </a:spcAft>
+            </a:pPr>
+            <a:r>
+              <a:rPr lang="zh-CN" altLang="zh-CN" sz="1000" dirty="0">
+                <a:effectLst/>
+                <a:ea typeface="Calibri" panose="020F0502020204030204" pitchFamily="34" charset="0"/>
+              </a:rPr>
+              <a:t>    private int size = 0;</a:t>
+            </a:r>
+          </a:p>
+          <a:p>
+            <a:pPr marL="0" marR="0">
+              <a:spcBef>
+                <a:spcPts val="0"/>
+              </a:spcBef>
+              <a:spcAft>
+                <a:spcPts val="0"/>
+              </a:spcAft>
+            </a:pPr>
+            <a:r>
+              <a:rPr lang="zh-CN" altLang="zh-CN" sz="1000" dirty="0">
+                <a:effectLst/>
+                <a:ea typeface="Calibri" panose="020F0502020204030204" pitchFamily="34" charset="0"/>
+              </a:rPr>
+              <a:t>    private static final int DEFAULT_INITIAL_CAPACITY = 16;</a:t>
+            </a:r>
+          </a:p>
+          <a:p>
+            <a:pPr marL="0" marR="0">
+              <a:spcBef>
+                <a:spcPts val="0"/>
+              </a:spcBef>
+              <a:spcAft>
+                <a:spcPts val="0"/>
+              </a:spcAft>
+            </a:pPr>
+            <a:r>
+              <a:rPr lang="zh-CN" altLang="zh-CN" sz="1000" dirty="0">
+                <a:effectLst/>
+                <a:ea typeface="Calibri" panose="020F0502020204030204" pitchFamily="34" charset="0"/>
+              </a:rPr>
+              <a:t> </a:t>
+            </a:r>
+          </a:p>
+          <a:p>
+            <a:pPr marL="0" marR="0">
+              <a:spcBef>
+                <a:spcPts val="0"/>
+              </a:spcBef>
+              <a:spcAft>
+                <a:spcPts val="0"/>
+              </a:spcAft>
+            </a:pPr>
+            <a:r>
+              <a:rPr lang="zh-CN" altLang="zh-CN" sz="1000" dirty="0">
+                <a:effectLst/>
+                <a:ea typeface="Calibri" panose="020F0502020204030204" pitchFamily="34" charset="0"/>
+              </a:rPr>
+              <a:t>    public Stack() {</a:t>
+            </a:r>
+          </a:p>
+          <a:p>
+            <a:pPr marL="0" marR="0">
+              <a:spcBef>
+                <a:spcPts val="0"/>
+              </a:spcBef>
+              <a:spcAft>
+                <a:spcPts val="0"/>
+              </a:spcAft>
+            </a:pPr>
+            <a:r>
+              <a:rPr lang="zh-CN" altLang="zh-CN" sz="1000" dirty="0">
+                <a:effectLst/>
+                <a:ea typeface="Calibri" panose="020F0502020204030204" pitchFamily="34" charset="0"/>
+              </a:rPr>
+              <a:t>        elements = new Object[DEFAULT_INITIAL_CAPACITY];</a:t>
+            </a:r>
+          </a:p>
+          <a:p>
+            <a:pPr marL="0" marR="0">
+              <a:spcBef>
+                <a:spcPts val="0"/>
+              </a:spcBef>
+              <a:spcAft>
+                <a:spcPts val="0"/>
+              </a:spcAft>
+            </a:pPr>
+            <a:r>
+              <a:rPr lang="zh-CN" altLang="zh-CN" sz="1000" dirty="0">
+                <a:effectLst/>
+                <a:ea typeface="Calibri" panose="020F0502020204030204" pitchFamily="34" charset="0"/>
+              </a:rPr>
+              <a:t>    }</a:t>
+            </a:r>
+          </a:p>
+          <a:p>
+            <a:pPr marL="0" marR="0">
+              <a:spcBef>
+                <a:spcPts val="0"/>
+              </a:spcBef>
+              <a:spcAft>
+                <a:spcPts val="0"/>
+              </a:spcAft>
+            </a:pPr>
+            <a:r>
+              <a:rPr lang="zh-CN" altLang="zh-CN" sz="1000" dirty="0">
+                <a:effectLst/>
+                <a:ea typeface="Calibri" panose="020F0502020204030204" pitchFamily="34" charset="0"/>
+              </a:rPr>
+              <a:t> </a:t>
+            </a:r>
+          </a:p>
+          <a:p>
+            <a:pPr marL="0" marR="0">
+              <a:spcBef>
+                <a:spcPts val="0"/>
+              </a:spcBef>
+              <a:spcAft>
+                <a:spcPts val="0"/>
+              </a:spcAft>
+            </a:pPr>
+            <a:r>
+              <a:rPr lang="zh-CN" altLang="zh-CN" sz="1000" dirty="0">
+                <a:effectLst/>
+                <a:ea typeface="Calibri" panose="020F0502020204030204" pitchFamily="34" charset="0"/>
+              </a:rPr>
+              <a:t>    public void push(Object e){</a:t>
+            </a:r>
+          </a:p>
+          <a:p>
+            <a:pPr marL="0" marR="0">
+              <a:spcBef>
+                <a:spcPts val="0"/>
+              </a:spcBef>
+              <a:spcAft>
+                <a:spcPts val="0"/>
+              </a:spcAft>
+            </a:pPr>
+            <a:r>
+              <a:rPr lang="zh-CN" altLang="zh-CN" sz="1000" dirty="0">
+                <a:effectLst/>
+                <a:ea typeface="Calibri" panose="020F0502020204030204" pitchFamily="34" charset="0"/>
+              </a:rPr>
+              <a:t>        ensureCapacity();</a:t>
+            </a:r>
+          </a:p>
+          <a:p>
+            <a:pPr marL="0" marR="0">
+              <a:spcBef>
+                <a:spcPts val="0"/>
+              </a:spcBef>
+              <a:spcAft>
+                <a:spcPts val="0"/>
+              </a:spcAft>
+            </a:pPr>
+            <a:r>
+              <a:rPr lang="zh-CN" altLang="zh-CN" sz="1000" dirty="0">
+                <a:effectLst/>
+                <a:ea typeface="Calibri" panose="020F0502020204030204" pitchFamily="34" charset="0"/>
+              </a:rPr>
+              <a:t>        elements[size++] = e;</a:t>
+            </a:r>
+          </a:p>
+          <a:p>
+            <a:pPr marL="0" marR="0">
+              <a:spcBef>
+                <a:spcPts val="0"/>
+              </a:spcBef>
+              <a:spcAft>
+                <a:spcPts val="0"/>
+              </a:spcAft>
+            </a:pPr>
+            <a:r>
+              <a:rPr lang="zh-CN" altLang="zh-CN" sz="1000" dirty="0">
+                <a:effectLst/>
+                <a:ea typeface="Calibri" panose="020F0502020204030204" pitchFamily="34" charset="0"/>
+              </a:rPr>
+              <a:t>    }</a:t>
+            </a:r>
+          </a:p>
+          <a:p>
+            <a:pPr marL="0" marR="0">
+              <a:spcBef>
+                <a:spcPts val="0"/>
+              </a:spcBef>
+              <a:spcAft>
+                <a:spcPts val="0"/>
+              </a:spcAft>
+            </a:pPr>
+            <a:r>
+              <a:rPr lang="zh-CN" altLang="zh-CN" sz="1000" dirty="0">
+                <a:effectLst/>
+                <a:ea typeface="Calibri" panose="020F0502020204030204" pitchFamily="34" charset="0"/>
+              </a:rPr>
+              <a:t> </a:t>
+            </a:r>
+          </a:p>
+          <a:p>
+            <a:pPr marL="0" marR="0">
+              <a:spcBef>
+                <a:spcPts val="0"/>
+              </a:spcBef>
+              <a:spcAft>
+                <a:spcPts val="0"/>
+              </a:spcAft>
+            </a:pPr>
+            <a:r>
+              <a:rPr lang="zh-CN" altLang="zh-CN" sz="1000" dirty="0">
+                <a:effectLst/>
+                <a:ea typeface="Calibri" panose="020F0502020204030204" pitchFamily="34" charset="0"/>
+              </a:rPr>
+              <a:t>    private void ensureCapacity() {</a:t>
+            </a:r>
+          </a:p>
+          <a:p>
+            <a:pPr marL="0" marR="0">
+              <a:spcBef>
+                <a:spcPts val="0"/>
+              </a:spcBef>
+              <a:spcAft>
+                <a:spcPts val="0"/>
+              </a:spcAft>
+            </a:pPr>
+            <a:r>
+              <a:rPr lang="zh-CN" altLang="zh-CN" sz="1000" dirty="0">
+                <a:effectLst/>
+                <a:ea typeface="Calibri" panose="020F0502020204030204" pitchFamily="34" charset="0"/>
+              </a:rPr>
+              <a:t>        if (elements.length == size){</a:t>
+            </a:r>
+          </a:p>
+          <a:p>
+            <a:pPr marL="0" marR="0">
+              <a:spcBef>
+                <a:spcPts val="0"/>
+              </a:spcBef>
+              <a:spcAft>
+                <a:spcPts val="0"/>
+              </a:spcAft>
+            </a:pPr>
+            <a:r>
+              <a:rPr lang="zh-CN" altLang="zh-CN" sz="1000" dirty="0">
+                <a:effectLst/>
+                <a:ea typeface="Calibri" panose="020F0502020204030204" pitchFamily="34" charset="0"/>
+              </a:rPr>
+              <a:t>            elements = Arrays.copyOf(elements,2*size+1);</a:t>
+            </a:r>
+          </a:p>
+          <a:p>
+            <a:pPr marL="0" marR="0">
+              <a:spcBef>
+                <a:spcPts val="0"/>
+              </a:spcBef>
+              <a:spcAft>
+                <a:spcPts val="0"/>
+              </a:spcAft>
+            </a:pPr>
+            <a:r>
+              <a:rPr lang="zh-CN" altLang="zh-CN" sz="1000" dirty="0">
+                <a:effectLst/>
+                <a:ea typeface="Calibri" panose="020F0502020204030204" pitchFamily="34" charset="0"/>
+              </a:rPr>
+              <a:t>        }</a:t>
+            </a:r>
+          </a:p>
+          <a:p>
+            <a:pPr marL="0" marR="0">
+              <a:spcBef>
+                <a:spcPts val="0"/>
+              </a:spcBef>
+              <a:spcAft>
+                <a:spcPts val="0"/>
+              </a:spcAft>
+            </a:pPr>
+            <a:r>
+              <a:rPr lang="zh-CN" altLang="zh-CN" sz="1000" dirty="0">
+                <a:effectLst/>
+                <a:ea typeface="Calibri" panose="020F0502020204030204" pitchFamily="34" charset="0"/>
+              </a:rPr>
+              <a:t>    }</a:t>
+            </a:r>
+          </a:p>
+          <a:p>
+            <a:pPr marL="0" marR="0">
+              <a:spcBef>
+                <a:spcPts val="0"/>
+              </a:spcBef>
+              <a:spcAft>
+                <a:spcPts val="0"/>
+              </a:spcAft>
+            </a:pPr>
+            <a:r>
+              <a:rPr lang="zh-CN" altLang="zh-CN" sz="1000" dirty="0">
+                <a:effectLst/>
+                <a:ea typeface="Calibri" panose="020F0502020204030204" pitchFamily="34" charset="0"/>
+              </a:rPr>
+              <a:t> </a:t>
+            </a:r>
+          </a:p>
+          <a:p>
+            <a:pPr marL="0" marR="0">
+              <a:spcBef>
+                <a:spcPts val="0"/>
+              </a:spcBef>
+              <a:spcAft>
+                <a:spcPts val="0"/>
+              </a:spcAft>
+            </a:pPr>
+            <a:r>
+              <a:rPr lang="zh-CN" altLang="zh-CN" sz="1000" dirty="0">
+                <a:effectLst/>
+                <a:ea typeface="Calibri" panose="020F0502020204030204" pitchFamily="34" charset="0"/>
+              </a:rPr>
+              <a:t>    public Object pop(Object e){</a:t>
+            </a:r>
+          </a:p>
+          <a:p>
+            <a:pPr marL="0" marR="0">
+              <a:spcBef>
+                <a:spcPts val="0"/>
+              </a:spcBef>
+              <a:spcAft>
+                <a:spcPts val="0"/>
+              </a:spcAft>
+            </a:pPr>
+            <a:r>
+              <a:rPr lang="zh-CN" altLang="zh-CN" sz="1000" dirty="0">
+                <a:effectLst/>
+                <a:ea typeface="Calibri" panose="020F0502020204030204" pitchFamily="34" charset="0"/>
+              </a:rPr>
+              <a:t>        if (size == 0) {</a:t>
+            </a:r>
+          </a:p>
+          <a:p>
+            <a:pPr marL="0" marR="0">
+              <a:spcBef>
+                <a:spcPts val="0"/>
+              </a:spcBef>
+              <a:spcAft>
+                <a:spcPts val="0"/>
+              </a:spcAft>
+            </a:pPr>
+            <a:r>
+              <a:rPr lang="zh-CN" altLang="zh-CN" sz="1000" dirty="0">
+                <a:effectLst/>
+                <a:ea typeface="Calibri" panose="020F0502020204030204" pitchFamily="34" charset="0"/>
+              </a:rPr>
+              <a:t>            throw new EmptyStackException();</a:t>
+            </a:r>
+          </a:p>
+          <a:p>
+            <a:pPr marL="0" marR="0">
+              <a:spcBef>
+                <a:spcPts val="0"/>
+              </a:spcBef>
+              <a:spcAft>
+                <a:spcPts val="0"/>
+              </a:spcAft>
+            </a:pPr>
+            <a:r>
+              <a:rPr lang="zh-CN" altLang="zh-CN" sz="1000" dirty="0">
+                <a:effectLst/>
+                <a:ea typeface="Calibri" panose="020F0502020204030204" pitchFamily="34" charset="0"/>
+              </a:rPr>
+              <a:t>        }</a:t>
+            </a:r>
+          </a:p>
+          <a:p>
+            <a:pPr marL="0" marR="0">
+              <a:spcBef>
+                <a:spcPts val="0"/>
+              </a:spcBef>
+              <a:spcAft>
+                <a:spcPts val="0"/>
+              </a:spcAft>
+            </a:pPr>
+            <a:r>
+              <a:rPr lang="zh-CN" altLang="zh-CN" sz="1000" dirty="0">
+                <a:effectLst/>
+                <a:ea typeface="Calibri" panose="020F0502020204030204" pitchFamily="34" charset="0"/>
+              </a:rPr>
+              <a:t>        return elements[--size];</a:t>
+            </a:r>
+          </a:p>
+          <a:p>
+            <a:pPr marL="0" marR="0">
+              <a:spcBef>
+                <a:spcPts val="0"/>
+              </a:spcBef>
+              <a:spcAft>
+                <a:spcPts val="0"/>
+              </a:spcAft>
+            </a:pPr>
+            <a:r>
+              <a:rPr lang="zh-CN" altLang="zh-CN" sz="1000" dirty="0">
+                <a:effectLst/>
+                <a:ea typeface="Calibri" panose="020F0502020204030204" pitchFamily="34" charset="0"/>
+              </a:rPr>
+              <a:t>    }</a:t>
+            </a:r>
+          </a:p>
+          <a:p>
+            <a:pPr marL="0" marR="0">
+              <a:spcBef>
+                <a:spcPts val="0"/>
+              </a:spcBef>
+              <a:spcAft>
+                <a:spcPts val="0"/>
+              </a:spcAft>
+            </a:pPr>
+            <a:r>
+              <a:rPr lang="zh-CN" altLang="zh-CN" sz="1000" dirty="0">
+                <a:effectLst/>
+                <a:ea typeface="Calibri" panose="020F0502020204030204" pitchFamily="34" charset="0"/>
+              </a:rPr>
+              <a:t>}</a:t>
+            </a:r>
+          </a:p>
+        </p:txBody>
+      </p:sp>
     </p:spTree>
     <p:extLst>
       <p:ext uri="{BB962C8B-B14F-4D97-AF65-F5344CB8AC3E}">
-        <p14:creationId xmlns:p14="http://schemas.microsoft.com/office/powerpoint/2010/main" val="106559108"/>
+        <p14:creationId xmlns:p14="http://schemas.microsoft.com/office/powerpoint/2010/main" val="3921089682"/>
+      </p:ext>
+    </p:extLst>
+  </p:cSld>
+  <p:clrMapOvr>
+    <a:masterClrMapping/>
+  </p:clrMapOvr>
+</p:sld>
+</file>
+
+<file path=ppt/slides/slide9.xml><?xml version="1.0" encoding="utf-8"?>
+<p:sld xmlns:a="http://schemas.openxmlformats.org/drawingml/2006/main" xmlns:r="http://schemas.openxmlformats.org/officeDocument/2006/relationships" xmlns:p="http://schemas.openxmlformats.org/presentationml/2006/main">
+  <p:cSld>
+    <p:spTree>
+      <p:nvGrpSpPr>
+        <p:cNvPr id="1" name=""/>
+        <p:cNvGrpSpPr/>
+        <p:nvPr/>
+      </p:nvGrpSpPr>
+      <p:grpSpPr>
+        <a:xfrm>
+          <a:off x="0" y="0"/>
+          <a:ext cx="0" cy="0"/>
+          <a:chOff x="0" y="0"/>
+          <a:chExt cx="0" cy="0"/>
+        </a:xfrm>
+      </p:grpSpPr>
+      <p:sp>
+        <p:nvSpPr>
+          <p:cNvPr id="2" name="标题 1">
+            <a:extLst>
+              <a:ext uri="{FF2B5EF4-FFF2-40B4-BE49-F238E27FC236}">
+                <a16:creationId xmlns:a16="http://schemas.microsoft.com/office/drawing/2014/main" id="{2C07D16F-9BF3-43DF-9DEF-D5A5C1848A7C}"/>
+              </a:ext>
+            </a:extLst>
+          </p:cNvPr>
+          <p:cNvSpPr>
+            <a:spLocks noGrp="1"/>
+          </p:cNvSpPr>
+          <p:nvPr>
+            <p:ph type="title"/>
+          </p:nvPr>
+        </p:nvSpPr>
+        <p:spPr>
+          <a:xfrm>
+            <a:off x="838200" y="365126"/>
+            <a:ext cx="10515600" cy="493669"/>
+          </a:xfrm>
+        </p:spPr>
+        <p:txBody>
+          <a:bodyPr>
+            <a:normAutofit/>
+          </a:bodyPr>
+          <a:lstStyle/>
+          <a:p>
+            <a:pPr algn="l"/>
+            <a:r>
+              <a:rPr lang="zh-CN" altLang="en-US" sz="1800" dirty="0">
+                <a:latin typeface="+mn-lt"/>
+                <a:ea typeface="+mn-ea"/>
+                <a:cs typeface="+mn-cs"/>
+              </a:rPr>
+              <a:t>第</a:t>
+            </a:r>
+            <a:r>
+              <a:rPr lang="en-US" altLang="zh-CN" sz="1800" dirty="0">
+                <a:latin typeface="+mn-lt"/>
+                <a:ea typeface="+mn-ea"/>
+                <a:cs typeface="+mn-cs"/>
+              </a:rPr>
+              <a:t>7</a:t>
+            </a:r>
+            <a:r>
+              <a:rPr lang="zh-CN" altLang="en-US" sz="1800" dirty="0">
+                <a:latin typeface="+mn-lt"/>
+                <a:ea typeface="+mn-ea"/>
+                <a:cs typeface="+mn-cs"/>
+              </a:rPr>
+              <a:t>条 避免使用终结方法</a:t>
+            </a:r>
+          </a:p>
+        </p:txBody>
+      </p:sp>
+      <p:sp>
+        <p:nvSpPr>
+          <p:cNvPr id="4" name="文本框 3">
+            <a:extLst>
+              <a:ext uri="{FF2B5EF4-FFF2-40B4-BE49-F238E27FC236}">
+                <a16:creationId xmlns:a16="http://schemas.microsoft.com/office/drawing/2014/main" id="{10D99102-2F9B-40AB-B08D-4C71A048CE7F}"/>
+              </a:ext>
+            </a:extLst>
+          </p:cNvPr>
+          <p:cNvSpPr txBox="1"/>
+          <p:nvPr/>
+        </p:nvSpPr>
+        <p:spPr>
+          <a:xfrm>
+            <a:off x="838200" y="1033502"/>
+            <a:ext cx="6094970" cy="923330"/>
+          </a:xfrm>
+          <a:prstGeom prst="rect">
+            <a:avLst/>
+          </a:prstGeom>
+          <a:noFill/>
+        </p:spPr>
+        <p:txBody>
+          <a:bodyPr wrap="square">
+            <a:spAutoFit/>
+          </a:bodyPr>
+          <a:lstStyle/>
+          <a:p>
+            <a:pPr algn="l"/>
+            <a:r>
+              <a:rPr lang="zh-CN" altLang="en-US" b="0" i="0" dirty="0">
+                <a:solidFill>
+                  <a:srgbClr val="000000"/>
+                </a:solidFill>
+                <a:effectLst/>
+                <a:latin typeface="Verdana" panose="020B0604030504040204" pitchFamily="34" charset="0"/>
+              </a:rPr>
+              <a:t>除了特定情况，不要使用终结方法（</a:t>
+            </a:r>
+            <a:r>
+              <a:rPr lang="en-US" altLang="zh-CN" b="0" i="0" dirty="0">
+                <a:solidFill>
+                  <a:srgbClr val="000000"/>
+                </a:solidFill>
+                <a:effectLst/>
+                <a:latin typeface="Verdana" panose="020B0604030504040204" pitchFamily="34" charset="0"/>
+              </a:rPr>
+              <a:t>finalize</a:t>
+            </a:r>
+            <a:r>
+              <a:rPr lang="zh-CN" altLang="en-US" b="0" i="0" dirty="0">
+                <a:solidFill>
+                  <a:srgbClr val="000000"/>
+                </a:solidFill>
+                <a:effectLst/>
+                <a:latin typeface="Verdana" panose="020B0604030504040204" pitchFamily="34" charset="0"/>
+              </a:rPr>
+              <a:t>）。</a:t>
+            </a:r>
+          </a:p>
+          <a:p>
+            <a:pPr algn="l"/>
+            <a:r>
+              <a:rPr lang="zh-CN" altLang="en-US" b="0" i="0" dirty="0">
+                <a:solidFill>
+                  <a:srgbClr val="000000"/>
+                </a:solidFill>
+                <a:effectLst/>
+                <a:latin typeface="Verdana" panose="020B0604030504040204" pitchFamily="34" charset="0"/>
+              </a:rPr>
+              <a:t>子类覆盖了父类的终结方法后，子类的终结方法不会自动调用父类的终结方法，需要手动调用。</a:t>
+            </a:r>
+          </a:p>
+        </p:txBody>
+      </p:sp>
+    </p:spTree>
+    <p:extLst>
+      <p:ext uri="{BB962C8B-B14F-4D97-AF65-F5344CB8AC3E}">
+        <p14:creationId xmlns:p14="http://schemas.microsoft.com/office/powerpoint/2010/main" val="2766854717"/>
       </p:ext>
     </p:extLst>
   </p:cSld>
